--- a/images/graphics.pptx
+++ b/images/graphics.pptx
@@ -32,13 +32,14 @@
     <p:sldId id="270" r:id="rId26"/>
     <p:sldId id="271" r:id="rId27"/>
     <p:sldId id="272" r:id="rId28"/>
-    <p:sldId id="273" r:id="rId29"/>
-    <p:sldId id="274" r:id="rId30"/>
-    <p:sldId id="276" r:id="rId31"/>
-    <p:sldId id="275" r:id="rId32"/>
-    <p:sldId id="277" r:id="rId33"/>
-    <p:sldId id="278" r:id="rId34"/>
-    <p:sldId id="279" r:id="rId35"/>
+    <p:sldId id="292" r:id="rId29"/>
+    <p:sldId id="273" r:id="rId30"/>
+    <p:sldId id="274" r:id="rId31"/>
+    <p:sldId id="276" r:id="rId32"/>
+    <p:sldId id="275" r:id="rId33"/>
+    <p:sldId id="277" r:id="rId34"/>
+    <p:sldId id="278" r:id="rId35"/>
+    <p:sldId id="279" r:id="rId36"/>
   </p:sldIdLst>
   <p:sldSz cx="12192000" cy="6858000"/>
   <p:notesSz cx="6858000" cy="9144000"/>
@@ -3372,7 +3373,7 @@
           <a:p>
             <a:fld id="{E9175749-BE88-2442-8D84-DEA4B15C26FA}" type="datetimeFigureOut">
               <a:rPr lang="en-US" smtClean="0"/>
-              <a:t>10/14/24</a:t>
+              <a:t>11/6/24</a:t>
             </a:fld>
             <a:endParaRPr lang="en-US"/>
           </a:p>
@@ -3572,7 +3573,7 @@
           <a:p>
             <a:fld id="{E9175749-BE88-2442-8D84-DEA4B15C26FA}" type="datetimeFigureOut">
               <a:rPr lang="en-US" smtClean="0"/>
-              <a:t>10/14/24</a:t>
+              <a:t>11/6/24</a:t>
             </a:fld>
             <a:endParaRPr lang="en-US"/>
           </a:p>
@@ -3782,7 +3783,7 @@
           <a:p>
             <a:fld id="{E9175749-BE88-2442-8D84-DEA4B15C26FA}" type="datetimeFigureOut">
               <a:rPr lang="en-US" smtClean="0"/>
-              <a:t>10/14/24</a:t>
+              <a:t>11/6/24</a:t>
             </a:fld>
             <a:endParaRPr lang="en-US"/>
           </a:p>
@@ -3982,7 +3983,7 @@
           <a:p>
             <a:fld id="{E9175749-BE88-2442-8D84-DEA4B15C26FA}" type="datetimeFigureOut">
               <a:rPr lang="en-US" smtClean="0"/>
-              <a:t>10/14/24</a:t>
+              <a:t>11/6/24</a:t>
             </a:fld>
             <a:endParaRPr lang="en-US"/>
           </a:p>
@@ -4258,7 +4259,7 @@
           <a:p>
             <a:fld id="{E9175749-BE88-2442-8D84-DEA4B15C26FA}" type="datetimeFigureOut">
               <a:rPr lang="en-US" smtClean="0"/>
-              <a:t>10/14/24</a:t>
+              <a:t>11/6/24</a:t>
             </a:fld>
             <a:endParaRPr lang="en-US"/>
           </a:p>
@@ -4526,7 +4527,7 @@
           <a:p>
             <a:fld id="{E9175749-BE88-2442-8D84-DEA4B15C26FA}" type="datetimeFigureOut">
               <a:rPr lang="en-US" smtClean="0"/>
-              <a:t>10/14/24</a:t>
+              <a:t>11/6/24</a:t>
             </a:fld>
             <a:endParaRPr lang="en-US"/>
           </a:p>
@@ -4941,7 +4942,7 @@
           <a:p>
             <a:fld id="{E9175749-BE88-2442-8D84-DEA4B15C26FA}" type="datetimeFigureOut">
               <a:rPr lang="en-US" smtClean="0"/>
-              <a:t>10/14/24</a:t>
+              <a:t>11/6/24</a:t>
             </a:fld>
             <a:endParaRPr lang="en-US"/>
           </a:p>
@@ -5083,7 +5084,7 @@
           <a:p>
             <a:fld id="{E9175749-BE88-2442-8D84-DEA4B15C26FA}" type="datetimeFigureOut">
               <a:rPr lang="en-US" smtClean="0"/>
-              <a:t>10/14/24</a:t>
+              <a:t>11/6/24</a:t>
             </a:fld>
             <a:endParaRPr lang="en-US"/>
           </a:p>
@@ -5196,7 +5197,7 @@
           <a:p>
             <a:fld id="{E9175749-BE88-2442-8D84-DEA4B15C26FA}" type="datetimeFigureOut">
               <a:rPr lang="en-US" smtClean="0"/>
-              <a:t>10/14/24</a:t>
+              <a:t>11/6/24</a:t>
             </a:fld>
             <a:endParaRPr lang="en-US"/>
           </a:p>
@@ -5509,7 +5510,7 @@
           <a:p>
             <a:fld id="{E9175749-BE88-2442-8D84-DEA4B15C26FA}" type="datetimeFigureOut">
               <a:rPr lang="en-US" smtClean="0"/>
-              <a:t>10/14/24</a:t>
+              <a:t>11/6/24</a:t>
             </a:fld>
             <a:endParaRPr lang="en-US"/>
           </a:p>
@@ -5798,7 +5799,7 @@
           <a:p>
             <a:fld id="{E9175749-BE88-2442-8D84-DEA4B15C26FA}" type="datetimeFigureOut">
               <a:rPr lang="en-US" smtClean="0"/>
-              <a:t>10/14/24</a:t>
+              <a:t>11/6/24</a:t>
             </a:fld>
             <a:endParaRPr lang="en-US"/>
           </a:p>
@@ -6041,7 +6042,7 @@
           <a:p>
             <a:fld id="{E9175749-BE88-2442-8D84-DEA4B15C26FA}" type="datetimeFigureOut">
               <a:rPr lang="en-US" smtClean="0"/>
-              <a:t>10/14/24</a:t>
+              <a:t>11/6/24</a:t>
             </a:fld>
             <a:endParaRPr lang="en-US"/>
           </a:p>
@@ -24821,656 +24822,459 @@
       </p:grpSpPr>
       <p:sp>
         <p:nvSpPr>
-          <p:cNvPr id="2" name="Can 1">
-            <a:extLst>
-              <a:ext uri="{FF2B5EF4-FFF2-40B4-BE49-F238E27FC236}">
-                <a16:creationId xmlns:a16="http://schemas.microsoft.com/office/drawing/2014/main" id="{A82B85F8-4C1F-0152-9A29-D883DB2EEE2B}"/>
-              </a:ext>
-            </a:extLst>
-          </p:cNvPr>
-          <p:cNvSpPr/>
-          <p:nvPr/>
-        </p:nvSpPr>
-        <p:spPr>
-          <a:xfrm>
-            <a:off x="4076699" y="3261179"/>
-            <a:ext cx="1643270" cy="1033669"/>
-          </a:xfrm>
-          <a:prstGeom prst="can">
-            <a:avLst/>
-          </a:prstGeom>
-        </p:spPr>
-        <p:style>
-          <a:lnRef idx="1">
-            <a:schemeClr val="accent6"/>
-          </a:lnRef>
-          <a:fillRef idx="2">
-            <a:schemeClr val="accent6"/>
-          </a:fillRef>
-          <a:effectRef idx="1">
-            <a:schemeClr val="accent6"/>
-          </a:effectRef>
-          <a:fontRef idx="minor">
-            <a:schemeClr val="dk1"/>
-          </a:fontRef>
-        </p:style>
-        <p:txBody>
-          <a:bodyPr rtlCol="0" anchor="ctr"/>
-          <a:lstStyle/>
-          <a:p>
-            <a:pPr algn="ctr"/>
-            <a:r>
-              <a:rPr lang="en-US"/>
-              <a:t>Database</a:t>
-            </a:r>
-          </a:p>
-        </p:txBody>
-      </p:sp>
-      <p:pic>
-        <p:nvPicPr>
-          <p:cNvPr id="4" name="Picture 3">
-            <a:extLst>
-              <a:ext uri="{FF2B5EF4-FFF2-40B4-BE49-F238E27FC236}">
-                <a16:creationId xmlns:a16="http://schemas.microsoft.com/office/drawing/2014/main" id="{0BFEA148-D2E6-6880-2E56-C2D861330564}"/>
-              </a:ext>
-            </a:extLst>
-          </p:cNvPr>
-          <p:cNvPicPr>
-            <a:picLocks noChangeAspect="1"/>
-          </p:cNvPicPr>
-          <p:nvPr/>
-        </p:nvPicPr>
-        <p:blipFill>
-          <a:blip r:embed="rId2"/>
-          <a:stretch>
-            <a:fillRect/>
-          </a:stretch>
-        </p:blipFill>
-        <p:spPr>
-          <a:xfrm>
-            <a:off x="2729948" y="1786069"/>
-            <a:ext cx="446922" cy="446922"/>
+          <p:cNvPr id="3" name="TextBox 2">
+            <a:extLst>
+              <a:ext uri="{FF2B5EF4-FFF2-40B4-BE49-F238E27FC236}">
+                <a16:creationId xmlns:a16="http://schemas.microsoft.com/office/drawing/2014/main" id="{823A9F79-9B45-F2B5-906D-1D7F54AE57D4}"/>
+              </a:ext>
+            </a:extLst>
+          </p:cNvPr>
+          <p:cNvSpPr txBox="1"/>
+          <p:nvPr/>
+        </p:nvSpPr>
+        <p:spPr>
+          <a:xfrm>
+            <a:off x="1293668" y="1070264"/>
+            <a:ext cx="3413414" cy="2862322"/>
           </a:xfrm>
           <a:prstGeom prst="rect">
             <a:avLst/>
           </a:prstGeom>
-        </p:spPr>
-      </p:pic>
-      <p:pic>
-        <p:nvPicPr>
-          <p:cNvPr id="6" name="Picture 5">
-            <a:extLst>
-              <a:ext uri="{FF2B5EF4-FFF2-40B4-BE49-F238E27FC236}">
-                <a16:creationId xmlns:a16="http://schemas.microsoft.com/office/drawing/2014/main" id="{37478096-ADDF-401F-152C-0FAE96F7B3AC}"/>
-              </a:ext>
-            </a:extLst>
-          </p:cNvPr>
-          <p:cNvPicPr>
-            <a:picLocks noChangeAspect="1"/>
-          </p:cNvPicPr>
-          <p:nvPr/>
-        </p:nvPicPr>
-        <p:blipFill>
-          <a:blip r:embed="rId3"/>
-          <a:stretch>
-            <a:fillRect/>
-          </a:stretch>
-        </p:blipFill>
-        <p:spPr>
-          <a:xfrm>
-            <a:off x="6172878" y="1115686"/>
-            <a:ext cx="446922" cy="446922"/>
+          <a:noFill/>
+        </p:spPr>
+        <p:txBody>
+          <a:bodyPr wrap="square">
+            <a:spAutoFit/>
+          </a:bodyPr>
+          <a:lstStyle/>
+          <a:p>
+            <a:r>
+              <a:rPr lang="en-GB" b="0" i="0">
+                <a:solidFill>
+                  <a:srgbClr val="212529"/>
+                </a:solidFill>
+                <a:effectLst/>
+                <a:latin typeface="Fira code" panose="020F0502020204030204" pitchFamily="34" charset="0"/>
+              </a:rPr>
+              <a:t>C:\ </a:t>
+            </a:r>
+          </a:p>
+          <a:p>
+            <a:r>
+              <a:rPr lang="en-GB" b="0" i="0">
+                <a:solidFill>
+                  <a:srgbClr val="212529"/>
+                </a:solidFill>
+                <a:effectLst/>
+                <a:latin typeface="Fira code" panose="020F0502020204030204" pitchFamily="34" charset="0"/>
+              </a:rPr>
+              <a:t>├── Program Files</a:t>
+            </a:r>
+          </a:p>
+          <a:p>
+            <a:r>
+              <a:rPr lang="en-GB" b="0" i="0">
+                <a:solidFill>
+                  <a:srgbClr val="212529"/>
+                </a:solidFill>
+                <a:effectLst/>
+                <a:latin typeface="Fira code" panose="020F0502020204030204" pitchFamily="34" charset="0"/>
+              </a:rPr>
+              <a:t>│   └── Application</a:t>
+            </a:r>
+          </a:p>
+          <a:p>
+            <a:r>
+              <a:rPr lang="en-GB" b="0" i="0">
+                <a:solidFill>
+                  <a:srgbClr val="212529"/>
+                </a:solidFill>
+                <a:effectLst/>
+                <a:latin typeface="Fira code" panose="020F0502020204030204" pitchFamily="34" charset="0"/>
+              </a:rPr>
+              <a:t>│       └── ... </a:t>
+            </a:r>
+          </a:p>
+          <a:p>
+            <a:r>
+              <a:rPr lang="en-GB" b="0" i="0">
+                <a:solidFill>
+                  <a:srgbClr val="212529"/>
+                </a:solidFill>
+                <a:effectLst/>
+                <a:latin typeface="Fira code" panose="020F0502020204030204" pitchFamily="34" charset="0"/>
+              </a:rPr>
+              <a:t>├── Program Files (x86)</a:t>
+            </a:r>
+          </a:p>
+          <a:p>
+            <a:r>
+              <a:rPr lang="en-GB" b="0" i="0">
+                <a:solidFill>
+                  <a:srgbClr val="212529"/>
+                </a:solidFill>
+                <a:effectLst/>
+                <a:latin typeface="Fira code" panose="020F0502020204030204" pitchFamily="34" charset="0"/>
+              </a:rPr>
+              <a:t>└── Windows</a:t>
+            </a:r>
+          </a:p>
+          <a:p>
+            <a:r>
+              <a:rPr lang="en-GB" b="0" i="0">
+                <a:solidFill>
+                  <a:srgbClr val="212529"/>
+                </a:solidFill>
+                <a:effectLst/>
+                <a:latin typeface="Fira code" panose="020F0502020204030204" pitchFamily="34" charset="0"/>
+              </a:rPr>
+              <a:t>    ├── System </a:t>
+            </a:r>
+          </a:p>
+          <a:p>
+            <a:r>
+              <a:rPr lang="en-GB" b="0" i="0">
+                <a:solidFill>
+                  <a:srgbClr val="212529"/>
+                </a:solidFill>
+                <a:effectLst/>
+                <a:latin typeface="Fira code" panose="020F0502020204030204" pitchFamily="34" charset="0"/>
+              </a:rPr>
+              <a:t>    │   └── ... </a:t>
+            </a:r>
+          </a:p>
+          <a:p>
+            <a:r>
+              <a:rPr lang="en-GB">
+                <a:solidFill>
+                  <a:srgbClr val="212529"/>
+                </a:solidFill>
+                <a:latin typeface="Fira code" panose="020F0502020204030204" pitchFamily="34" charset="0"/>
+              </a:rPr>
+              <a:t>    </a:t>
+            </a:r>
+            <a:r>
+              <a:rPr lang="en-GB" b="0" i="0">
+                <a:solidFill>
+                  <a:srgbClr val="212529"/>
+                </a:solidFill>
+                <a:effectLst/>
+                <a:latin typeface="Fira code" panose="020F0502020204030204" pitchFamily="34" charset="0"/>
+              </a:rPr>
+              <a:t>└── System32 </a:t>
+            </a:r>
+          </a:p>
+          <a:p>
+            <a:r>
+              <a:rPr lang="en-GB">
+                <a:solidFill>
+                  <a:srgbClr val="212529"/>
+                </a:solidFill>
+                <a:latin typeface="Fira code" panose="020F0502020204030204" pitchFamily="34" charset="0"/>
+              </a:rPr>
+              <a:t>        </a:t>
+            </a:r>
+            <a:r>
+              <a:rPr lang="en-GB" b="0" i="0">
+                <a:solidFill>
+                  <a:srgbClr val="212529"/>
+                </a:solidFill>
+                <a:effectLst/>
+                <a:latin typeface="Fira code" panose="020F0502020204030204" pitchFamily="34" charset="0"/>
+              </a:rPr>
+              <a:t>└── ...</a:t>
+            </a:r>
+            <a:endParaRPr lang="en-US"/>
+          </a:p>
+        </p:txBody>
+      </p:sp>
+      <p:sp>
+        <p:nvSpPr>
+          <p:cNvPr id="5" name="TextBox 4">
+            <a:extLst>
+              <a:ext uri="{FF2B5EF4-FFF2-40B4-BE49-F238E27FC236}">
+                <a16:creationId xmlns:a16="http://schemas.microsoft.com/office/drawing/2014/main" id="{BCD55FFF-6A16-3C27-01BA-F7B12EAD65A4}"/>
+              </a:ext>
+            </a:extLst>
+          </p:cNvPr>
+          <p:cNvSpPr txBox="1"/>
+          <p:nvPr/>
+        </p:nvSpPr>
+        <p:spPr>
+          <a:xfrm>
+            <a:off x="4954734" y="1070264"/>
+            <a:ext cx="2530186" cy="3693319"/>
           </a:xfrm>
           <a:prstGeom prst="rect">
             <a:avLst/>
           </a:prstGeom>
-        </p:spPr>
-      </p:pic>
-      <p:pic>
-        <p:nvPicPr>
-          <p:cNvPr id="8" name="Picture 7">
-            <a:extLst>
-              <a:ext uri="{FF2B5EF4-FFF2-40B4-BE49-F238E27FC236}">
-                <a16:creationId xmlns:a16="http://schemas.microsoft.com/office/drawing/2014/main" id="{3E09D836-AD39-74C7-DE86-CA88AF483EC1}"/>
-              </a:ext>
-            </a:extLst>
-          </p:cNvPr>
-          <p:cNvPicPr>
-            <a:picLocks noChangeAspect="1"/>
-          </p:cNvPicPr>
-          <p:nvPr/>
-        </p:nvPicPr>
-        <p:blipFill>
-          <a:blip r:embed="rId4"/>
-          <a:stretch>
-            <a:fillRect/>
-          </a:stretch>
-        </p:blipFill>
-        <p:spPr>
-          <a:xfrm>
-            <a:off x="4766153" y="892225"/>
-            <a:ext cx="446922" cy="446922"/>
+          <a:noFill/>
+        </p:spPr>
+        <p:txBody>
+          <a:bodyPr wrap="square">
+            <a:spAutoFit/>
+          </a:bodyPr>
+          <a:lstStyle/>
+          <a:p>
+            <a:r>
+              <a:rPr lang="en-GB" b="0" i="0">
+                <a:solidFill>
+                  <a:srgbClr val="212529"/>
+                </a:solidFill>
+                <a:effectLst/>
+                <a:latin typeface="Fira code" panose="020B0809050000020004" pitchFamily="49" charset="0"/>
+              </a:rPr>
+              <a:t>/ </a:t>
+            </a:r>
+          </a:p>
+          <a:p>
+            <a:r>
+              <a:rPr lang="en-GB" b="0" i="0">
+                <a:solidFill>
+                  <a:srgbClr val="212529"/>
+                </a:solidFill>
+                <a:effectLst/>
+                <a:latin typeface="Fira code" panose="020B0809050000020004" pitchFamily="49" charset="0"/>
+              </a:rPr>
+              <a:t>├── bin </a:t>
+            </a:r>
+          </a:p>
+          <a:p>
+            <a:r>
+              <a:rPr lang="en-GB" b="0" i="0">
+                <a:solidFill>
+                  <a:srgbClr val="212529"/>
+                </a:solidFill>
+                <a:effectLst/>
+                <a:latin typeface="Fira code" panose="020B0809050000020004" pitchFamily="49" charset="0"/>
+              </a:rPr>
+              <a:t>├── etc </a:t>
+            </a:r>
+          </a:p>
+          <a:p>
+            <a:r>
+              <a:rPr lang="en-GB" b="0" i="0">
+                <a:solidFill>
+                  <a:srgbClr val="212529"/>
+                </a:solidFill>
+                <a:effectLst/>
+                <a:latin typeface="Fira code" panose="020B0809050000020004" pitchFamily="49" charset="0"/>
+              </a:rPr>
+              <a:t>├── usr </a:t>
+            </a:r>
+          </a:p>
+          <a:p>
+            <a:r>
+              <a:rPr lang="en-GB" b="0" i="0">
+                <a:solidFill>
+                  <a:srgbClr val="212529"/>
+                </a:solidFill>
+                <a:effectLst/>
+                <a:latin typeface="Fira code" panose="020B0809050000020004" pitchFamily="49" charset="0"/>
+              </a:rPr>
+              <a:t>│   ├── bin </a:t>
+            </a:r>
+          </a:p>
+          <a:p>
+            <a:r>
+              <a:rPr lang="en-GB" b="0" i="0">
+                <a:solidFill>
+                  <a:srgbClr val="212529"/>
+                </a:solidFill>
+                <a:effectLst/>
+                <a:latin typeface="Fira code" panose="020B0809050000020004" pitchFamily="49" charset="0"/>
+              </a:rPr>
+              <a:t>│   └── local </a:t>
+            </a:r>
+          </a:p>
+          <a:p>
+            <a:r>
+              <a:rPr lang="en-GB" b="0" i="0">
+                <a:solidFill>
+                  <a:srgbClr val="212529"/>
+                </a:solidFill>
+                <a:effectLst/>
+                <a:latin typeface="Fira code" panose="020B0809050000020004" pitchFamily="49" charset="0"/>
+              </a:rPr>
+              <a:t>│       ├── bin </a:t>
+            </a:r>
+          </a:p>
+          <a:p>
+            <a:r>
+              <a:rPr lang="en-GB" b="0" i="0">
+                <a:solidFill>
+                  <a:srgbClr val="212529"/>
+                </a:solidFill>
+                <a:effectLst/>
+                <a:latin typeface="Fira code" panose="020B0809050000020004" pitchFamily="49" charset="0"/>
+              </a:rPr>
+              <a:t>│       └── ... </a:t>
+            </a:r>
+          </a:p>
+          <a:p>
+            <a:r>
+              <a:rPr lang="en-GB" b="0" i="0">
+                <a:solidFill>
+                  <a:srgbClr val="212529"/>
+                </a:solidFill>
+                <a:effectLst/>
+                <a:latin typeface="Fira code" panose="020B0809050000020004" pitchFamily="49" charset="0"/>
+              </a:rPr>
+              <a:t>├── opt </a:t>
+            </a:r>
+          </a:p>
+          <a:p>
+            <a:r>
+              <a:rPr lang="en-GB" b="0" i="0">
+                <a:solidFill>
+                  <a:srgbClr val="212529"/>
+                </a:solidFill>
+                <a:effectLst/>
+                <a:latin typeface="Fira code" panose="020B0809050000020004" pitchFamily="49" charset="0"/>
+              </a:rPr>
+              <a:t>└── home </a:t>
+            </a:r>
+          </a:p>
+          <a:p>
+            <a:r>
+              <a:rPr lang="en-GB">
+                <a:solidFill>
+                  <a:srgbClr val="212529"/>
+                </a:solidFill>
+                <a:latin typeface="Fira code" panose="020B0809050000020004" pitchFamily="49" charset="0"/>
+              </a:rPr>
+              <a:t>    </a:t>
+            </a:r>
+            <a:r>
+              <a:rPr lang="en-GB" b="0" i="0">
+                <a:solidFill>
+                  <a:srgbClr val="212529"/>
+                </a:solidFill>
+                <a:effectLst/>
+                <a:latin typeface="Fira code" panose="020B0809050000020004" pitchFamily="49" charset="0"/>
+              </a:rPr>
+              <a:t>└── userdir </a:t>
+            </a:r>
+          </a:p>
+          <a:p>
+            <a:r>
+              <a:rPr lang="en-GB">
+                <a:solidFill>
+                  <a:srgbClr val="212529"/>
+                </a:solidFill>
+                <a:latin typeface="Fira code" panose="020B0809050000020004" pitchFamily="49" charset="0"/>
+              </a:rPr>
+              <a:t>        </a:t>
+            </a:r>
+            <a:r>
+              <a:rPr lang="en-GB" b="0" i="0">
+                <a:solidFill>
+                  <a:srgbClr val="212529"/>
+                </a:solidFill>
+                <a:effectLst/>
+                <a:latin typeface="Fira code" panose="020B0809050000020004" pitchFamily="49" charset="0"/>
+              </a:rPr>
+              <a:t>├── bin </a:t>
+            </a:r>
+          </a:p>
+          <a:p>
+            <a:r>
+              <a:rPr lang="en-GB">
+                <a:solidFill>
+                  <a:srgbClr val="212529"/>
+                </a:solidFill>
+                <a:latin typeface="Fira code" panose="020B0809050000020004" pitchFamily="49" charset="0"/>
+              </a:rPr>
+              <a:t>        </a:t>
+            </a:r>
+            <a:r>
+              <a:rPr lang="en-GB" b="0" i="0">
+                <a:solidFill>
+                  <a:srgbClr val="212529"/>
+                </a:solidFill>
+                <a:effectLst/>
+                <a:latin typeface="Fira code" panose="020B0809050000020004" pitchFamily="49" charset="0"/>
+              </a:rPr>
+              <a:t>└── ...</a:t>
+            </a:r>
+            <a:endParaRPr lang="en-US"/>
+          </a:p>
+        </p:txBody>
+      </p:sp>
+      <p:sp>
+        <p:nvSpPr>
+          <p:cNvPr id="6" name="TextBox 5">
+            <a:extLst>
+              <a:ext uri="{FF2B5EF4-FFF2-40B4-BE49-F238E27FC236}">
+                <a16:creationId xmlns:a16="http://schemas.microsoft.com/office/drawing/2014/main" id="{FF3DB082-11BA-4991-7321-930AB549F088}"/>
+              </a:ext>
+            </a:extLst>
+          </p:cNvPr>
+          <p:cNvSpPr txBox="1"/>
+          <p:nvPr/>
+        </p:nvSpPr>
+        <p:spPr>
+          <a:xfrm>
+            <a:off x="1997766" y="429262"/>
+            <a:ext cx="1184427" cy="400110"/>
           </a:xfrm>
           <a:prstGeom prst="rect">
             <a:avLst/>
           </a:prstGeom>
-        </p:spPr>
-      </p:pic>
-      <p:pic>
-        <p:nvPicPr>
-          <p:cNvPr id="10" name="Picture 9">
-            <a:extLst>
-              <a:ext uri="{FF2B5EF4-FFF2-40B4-BE49-F238E27FC236}">
-                <a16:creationId xmlns:a16="http://schemas.microsoft.com/office/drawing/2014/main" id="{99DFA715-0EED-46BA-B30B-23741968EC0A}"/>
-              </a:ext>
-            </a:extLst>
-          </p:cNvPr>
-          <p:cNvPicPr>
-            <a:picLocks noChangeAspect="1"/>
-          </p:cNvPicPr>
-          <p:nvPr/>
-        </p:nvPicPr>
-        <p:blipFill>
-          <a:blip r:embed="rId5"/>
-          <a:stretch>
-            <a:fillRect/>
-          </a:stretch>
-        </p:blipFill>
-        <p:spPr>
-          <a:xfrm>
-            <a:off x="6897182" y="1606256"/>
-            <a:ext cx="331304" cy="331304"/>
+          <a:noFill/>
+        </p:spPr>
+        <p:txBody>
+          <a:bodyPr wrap="none" rtlCol="0">
+            <a:spAutoFit/>
+          </a:bodyPr>
+          <a:lstStyle/>
+          <a:p>
+            <a:r>
+              <a:rPr lang="en-US" sz="2000" b="1"/>
+              <a:t>Windows</a:t>
+            </a:r>
+          </a:p>
+        </p:txBody>
+      </p:sp>
+      <p:sp>
+        <p:nvSpPr>
+          <p:cNvPr id="7" name="TextBox 6">
+            <a:extLst>
+              <a:ext uri="{FF2B5EF4-FFF2-40B4-BE49-F238E27FC236}">
+                <a16:creationId xmlns:a16="http://schemas.microsoft.com/office/drawing/2014/main" id="{206F2462-0123-6754-0655-C382053F23DB}"/>
+              </a:ext>
+            </a:extLst>
+          </p:cNvPr>
+          <p:cNvSpPr txBox="1"/>
+          <p:nvPr/>
+        </p:nvSpPr>
+        <p:spPr>
+          <a:xfrm>
+            <a:off x="5241236" y="429262"/>
+            <a:ext cx="1319592" cy="400110"/>
           </a:xfrm>
           <a:prstGeom prst="rect">
             <a:avLst/>
           </a:prstGeom>
-        </p:spPr>
-      </p:pic>
-      <p:pic>
-        <p:nvPicPr>
-          <p:cNvPr id="12" name="Picture 11">
-            <a:extLst>
-              <a:ext uri="{FF2B5EF4-FFF2-40B4-BE49-F238E27FC236}">
-                <a16:creationId xmlns:a16="http://schemas.microsoft.com/office/drawing/2014/main" id="{44CFEE74-ECAE-C225-5AAE-EF1B8D5AB093}"/>
-              </a:ext>
-            </a:extLst>
-          </p:cNvPr>
-          <p:cNvPicPr>
-            <a:picLocks noChangeAspect="1"/>
-          </p:cNvPicPr>
-          <p:nvPr/>
-        </p:nvPicPr>
-        <p:blipFill>
-          <a:blip r:embed="rId6"/>
-          <a:stretch>
-            <a:fillRect/>
-          </a:stretch>
-        </p:blipFill>
-        <p:spPr>
-          <a:xfrm>
-            <a:off x="3366052" y="971063"/>
-            <a:ext cx="331304" cy="331304"/>
-          </a:xfrm>
-          <a:prstGeom prst="rect">
-            <a:avLst/>
-          </a:prstGeom>
-        </p:spPr>
-      </p:pic>
-      <p:pic>
-        <p:nvPicPr>
-          <p:cNvPr id="14" name="Picture 13">
-            <a:extLst>
-              <a:ext uri="{FF2B5EF4-FFF2-40B4-BE49-F238E27FC236}">
-                <a16:creationId xmlns:a16="http://schemas.microsoft.com/office/drawing/2014/main" id="{8E00899D-E94A-8D69-A46D-910BA1F8CD74}"/>
-              </a:ext>
-            </a:extLst>
-          </p:cNvPr>
-          <p:cNvPicPr>
-            <a:picLocks noChangeAspect="1"/>
-          </p:cNvPicPr>
-          <p:nvPr/>
-        </p:nvPicPr>
-        <p:blipFill>
-          <a:blip r:embed="rId7"/>
-          <a:stretch>
-            <a:fillRect/>
-          </a:stretch>
-        </p:blipFill>
-        <p:spPr>
-          <a:xfrm>
-            <a:off x="2417324" y="1562609"/>
-            <a:ext cx="446921" cy="446921"/>
-          </a:xfrm>
-          <a:prstGeom prst="rect">
-            <a:avLst/>
-          </a:prstGeom>
-        </p:spPr>
-      </p:pic>
-      <p:pic>
-        <p:nvPicPr>
-          <p:cNvPr id="15" name="Picture 14">
-            <a:extLst>
-              <a:ext uri="{FF2B5EF4-FFF2-40B4-BE49-F238E27FC236}">
-                <a16:creationId xmlns:a16="http://schemas.microsoft.com/office/drawing/2014/main" id="{4204EAD8-3412-12C3-4A26-261C95336421}"/>
-              </a:ext>
-            </a:extLst>
-          </p:cNvPr>
-          <p:cNvPicPr>
-            <a:picLocks noChangeAspect="1"/>
-          </p:cNvPicPr>
-          <p:nvPr/>
-        </p:nvPicPr>
-        <p:blipFill>
-          <a:blip r:embed="rId7"/>
-          <a:stretch>
-            <a:fillRect/>
-          </a:stretch>
-        </p:blipFill>
-        <p:spPr>
-          <a:xfrm>
-            <a:off x="3074506" y="771131"/>
-            <a:ext cx="446921" cy="446921"/>
-          </a:xfrm>
-          <a:prstGeom prst="rect">
-            <a:avLst/>
-          </a:prstGeom>
-        </p:spPr>
-      </p:pic>
-      <p:pic>
-        <p:nvPicPr>
-          <p:cNvPr id="16" name="Picture 15">
-            <a:extLst>
-              <a:ext uri="{FF2B5EF4-FFF2-40B4-BE49-F238E27FC236}">
-                <a16:creationId xmlns:a16="http://schemas.microsoft.com/office/drawing/2014/main" id="{D60C8652-32AC-5199-EB2E-41FD45225F7E}"/>
-              </a:ext>
-            </a:extLst>
-          </p:cNvPr>
-          <p:cNvPicPr>
-            <a:picLocks noChangeAspect="1"/>
-          </p:cNvPicPr>
-          <p:nvPr/>
-        </p:nvPicPr>
-        <p:blipFill>
-          <a:blip r:embed="rId7"/>
-          <a:stretch>
-            <a:fillRect/>
-          </a:stretch>
-        </p:blipFill>
-        <p:spPr>
-          <a:xfrm>
-            <a:off x="4454726" y="658591"/>
-            <a:ext cx="446921" cy="446921"/>
-          </a:xfrm>
-          <a:prstGeom prst="rect">
-            <a:avLst/>
-          </a:prstGeom>
-        </p:spPr>
-      </p:pic>
-      <p:pic>
-        <p:nvPicPr>
-          <p:cNvPr id="17" name="Picture 16">
-            <a:extLst>
-              <a:ext uri="{FF2B5EF4-FFF2-40B4-BE49-F238E27FC236}">
-                <a16:creationId xmlns:a16="http://schemas.microsoft.com/office/drawing/2014/main" id="{3761EB12-514F-6D3D-82BF-6609F95A7705}"/>
-              </a:ext>
-            </a:extLst>
-          </p:cNvPr>
-          <p:cNvPicPr>
-            <a:picLocks noChangeAspect="1"/>
-          </p:cNvPicPr>
-          <p:nvPr/>
-        </p:nvPicPr>
-        <p:blipFill>
-          <a:blip r:embed="rId7"/>
-          <a:stretch>
-            <a:fillRect/>
-          </a:stretch>
-        </p:blipFill>
-        <p:spPr>
-          <a:xfrm>
-            <a:off x="5884645" y="892226"/>
-            <a:ext cx="446921" cy="446921"/>
-          </a:xfrm>
-          <a:prstGeom prst="rect">
-            <a:avLst/>
-          </a:prstGeom>
-        </p:spPr>
-      </p:pic>
-      <p:pic>
-        <p:nvPicPr>
-          <p:cNvPr id="18" name="Picture 17">
-            <a:extLst>
-              <a:ext uri="{FF2B5EF4-FFF2-40B4-BE49-F238E27FC236}">
-                <a16:creationId xmlns:a16="http://schemas.microsoft.com/office/drawing/2014/main" id="{031DBD0B-3BF6-3873-6181-803FAD66CB93}"/>
-              </a:ext>
-            </a:extLst>
-          </p:cNvPr>
-          <p:cNvPicPr>
-            <a:picLocks noChangeAspect="1"/>
-          </p:cNvPicPr>
-          <p:nvPr/>
-        </p:nvPicPr>
-        <p:blipFill>
-          <a:blip r:embed="rId7"/>
-          <a:stretch>
-            <a:fillRect/>
-          </a:stretch>
-        </p:blipFill>
-        <p:spPr>
-          <a:xfrm>
-            <a:off x="6619800" y="1424138"/>
-            <a:ext cx="446921" cy="446921"/>
-          </a:xfrm>
-          <a:prstGeom prst="rect">
-            <a:avLst/>
-          </a:prstGeom>
-        </p:spPr>
-      </p:pic>
-      <p:sp>
-        <p:nvSpPr>
-          <p:cNvPr id="19" name="Cloud 18">
-            <a:extLst>
-              <a:ext uri="{FF2B5EF4-FFF2-40B4-BE49-F238E27FC236}">
-                <a16:creationId xmlns:a16="http://schemas.microsoft.com/office/drawing/2014/main" id="{DC39150F-1D84-ECD2-E401-CB810080E6B2}"/>
-              </a:ext>
-            </a:extLst>
-          </p:cNvPr>
-          <p:cNvSpPr/>
-          <p:nvPr/>
-        </p:nvSpPr>
-        <p:spPr>
-          <a:xfrm>
-            <a:off x="3775213" y="1786069"/>
-            <a:ext cx="2246243" cy="1088738"/>
-          </a:xfrm>
-          <a:prstGeom prst="cloud">
-            <a:avLst/>
-          </a:prstGeom>
-        </p:spPr>
-        <p:style>
-          <a:lnRef idx="2">
-            <a:schemeClr val="accent1"/>
-          </a:lnRef>
-          <a:fillRef idx="1">
-            <a:schemeClr val="lt1"/>
-          </a:fillRef>
-          <a:effectRef idx="0">
-            <a:schemeClr val="accent1"/>
-          </a:effectRef>
-          <a:fontRef idx="minor">
-            <a:schemeClr val="dk1"/>
-          </a:fontRef>
-        </p:style>
-        <p:txBody>
-          <a:bodyPr rtlCol="0" anchor="ctr"/>
-          <a:lstStyle/>
-          <a:p>
-            <a:pPr algn="ctr"/>
-            <a:endParaRPr lang="en-US"/>
-          </a:p>
-        </p:txBody>
-      </p:sp>
-      <p:cxnSp>
-        <p:nvCxnSpPr>
-          <p:cNvPr id="21" name="Straight Arrow Connector 20">
-            <a:extLst>
-              <a:ext uri="{FF2B5EF4-FFF2-40B4-BE49-F238E27FC236}">
-                <a16:creationId xmlns:a16="http://schemas.microsoft.com/office/drawing/2014/main" id="{D2FD0ECE-4A27-1EBC-AF87-8E9C8B94A16A}"/>
-              </a:ext>
-            </a:extLst>
-          </p:cNvPr>
-          <p:cNvCxnSpPr>
-            <a:cxnSpLocks/>
-            <a:stCxn id="19" idx="1"/>
-            <a:endCxn id="2" idx="1"/>
-          </p:cNvCxnSpPr>
-          <p:nvPr/>
-        </p:nvCxnSpPr>
-        <p:spPr>
-          <a:xfrm flipH="1">
-            <a:off x="4898334" y="2873648"/>
-            <a:ext cx="1" cy="387531"/>
-          </a:xfrm>
-          <a:prstGeom prst="straightConnector1">
-            <a:avLst/>
-          </a:prstGeom>
-          <a:ln w="38100">
-            <a:solidFill>
-              <a:schemeClr val="accent6"/>
-            </a:solidFill>
-            <a:headEnd type="triangle"/>
-            <a:tailEnd type="triangle"/>
-          </a:ln>
-        </p:spPr>
-        <p:style>
-          <a:lnRef idx="1">
-            <a:schemeClr val="accent1"/>
-          </a:lnRef>
-          <a:fillRef idx="0">
-            <a:schemeClr val="accent1"/>
-          </a:fillRef>
-          <a:effectRef idx="0">
-            <a:schemeClr val="accent1"/>
-          </a:effectRef>
-          <a:fontRef idx="minor">
-            <a:schemeClr val="tx1"/>
-          </a:fontRef>
-        </p:style>
-      </p:cxnSp>
-      <p:cxnSp>
-        <p:nvCxnSpPr>
-          <p:cNvPr id="25" name="Straight Arrow Connector 24">
-            <a:extLst>
-              <a:ext uri="{FF2B5EF4-FFF2-40B4-BE49-F238E27FC236}">
-                <a16:creationId xmlns:a16="http://schemas.microsoft.com/office/drawing/2014/main" id="{376B442C-B094-9D46-A49F-E4B9D680CAB7}"/>
-              </a:ext>
-            </a:extLst>
-          </p:cNvPr>
-          <p:cNvCxnSpPr>
-            <a:stCxn id="4" idx="3"/>
-          </p:cNvCxnSpPr>
-          <p:nvPr/>
-        </p:nvCxnSpPr>
-        <p:spPr>
-          <a:xfrm>
-            <a:off x="3176870" y="2009530"/>
-            <a:ext cx="669573" cy="137322"/>
-          </a:xfrm>
-          <a:prstGeom prst="straightConnector1">
-            <a:avLst/>
-          </a:prstGeom>
-          <a:ln w="28575">
-            <a:headEnd type="triangle"/>
-            <a:tailEnd type="triangle"/>
-          </a:ln>
-        </p:spPr>
-        <p:style>
-          <a:lnRef idx="1">
-            <a:schemeClr val="accent1"/>
-          </a:lnRef>
-          <a:fillRef idx="0">
-            <a:schemeClr val="accent1"/>
-          </a:fillRef>
-          <a:effectRef idx="0">
-            <a:schemeClr val="accent1"/>
-          </a:effectRef>
-          <a:fontRef idx="minor">
-            <a:schemeClr val="tx1"/>
-          </a:fontRef>
-        </p:style>
-      </p:cxnSp>
-      <p:cxnSp>
-        <p:nvCxnSpPr>
-          <p:cNvPr id="26" name="Straight Arrow Connector 25">
-            <a:extLst>
-              <a:ext uri="{FF2B5EF4-FFF2-40B4-BE49-F238E27FC236}">
-                <a16:creationId xmlns:a16="http://schemas.microsoft.com/office/drawing/2014/main" id="{17D624F7-5071-65E7-CA72-9A397B02FD27}"/>
-              </a:ext>
-            </a:extLst>
-          </p:cNvPr>
-          <p:cNvCxnSpPr>
-            <a:cxnSpLocks/>
-          </p:cNvCxnSpPr>
-          <p:nvPr/>
-        </p:nvCxnSpPr>
-        <p:spPr>
-          <a:xfrm>
-            <a:off x="3649659" y="1270486"/>
-            <a:ext cx="534116" cy="600573"/>
-          </a:xfrm>
-          <a:prstGeom prst="straightConnector1">
-            <a:avLst/>
-          </a:prstGeom>
-          <a:ln w="28575">
-            <a:headEnd type="triangle"/>
-            <a:tailEnd type="triangle"/>
-          </a:ln>
-        </p:spPr>
-        <p:style>
-          <a:lnRef idx="1">
-            <a:schemeClr val="accent1"/>
-          </a:lnRef>
-          <a:fillRef idx="0">
-            <a:schemeClr val="accent1"/>
-          </a:fillRef>
-          <a:effectRef idx="0">
-            <a:schemeClr val="accent1"/>
-          </a:effectRef>
-          <a:fontRef idx="minor">
-            <a:schemeClr val="tx1"/>
-          </a:fontRef>
-        </p:style>
-      </p:cxnSp>
-      <p:cxnSp>
-        <p:nvCxnSpPr>
-          <p:cNvPr id="28" name="Straight Arrow Connector 27">
-            <a:extLst>
-              <a:ext uri="{FF2B5EF4-FFF2-40B4-BE49-F238E27FC236}">
-                <a16:creationId xmlns:a16="http://schemas.microsoft.com/office/drawing/2014/main" id="{297A345B-8892-6A07-AEC0-D9D2E1131E2C}"/>
-              </a:ext>
-            </a:extLst>
-          </p:cNvPr>
-          <p:cNvCxnSpPr>
-            <a:cxnSpLocks/>
-          </p:cNvCxnSpPr>
-          <p:nvPr/>
-        </p:nvCxnSpPr>
-        <p:spPr>
-          <a:xfrm>
-            <a:off x="4898334" y="1302367"/>
-            <a:ext cx="0" cy="469541"/>
-          </a:xfrm>
-          <a:prstGeom prst="straightConnector1">
-            <a:avLst/>
-          </a:prstGeom>
-          <a:ln w="28575">
-            <a:headEnd type="triangle"/>
-            <a:tailEnd type="triangle"/>
-          </a:ln>
-        </p:spPr>
-        <p:style>
-          <a:lnRef idx="1">
-            <a:schemeClr val="accent1"/>
-          </a:lnRef>
-          <a:fillRef idx="0">
-            <a:schemeClr val="accent1"/>
-          </a:fillRef>
-          <a:effectRef idx="0">
-            <a:schemeClr val="accent1"/>
-          </a:effectRef>
-          <a:fontRef idx="minor">
-            <a:schemeClr val="tx1"/>
-          </a:fontRef>
-        </p:style>
-      </p:cxnSp>
-      <p:cxnSp>
-        <p:nvCxnSpPr>
-          <p:cNvPr id="31" name="Straight Arrow Connector 30">
-            <a:extLst>
-              <a:ext uri="{FF2B5EF4-FFF2-40B4-BE49-F238E27FC236}">
-                <a16:creationId xmlns:a16="http://schemas.microsoft.com/office/drawing/2014/main" id="{9698723C-FC4F-D52D-A5FE-1EDCF15E1825}"/>
-              </a:ext>
-            </a:extLst>
-          </p:cNvPr>
-          <p:cNvCxnSpPr>
-            <a:cxnSpLocks/>
-          </p:cNvCxnSpPr>
-          <p:nvPr/>
-        </p:nvCxnSpPr>
-        <p:spPr>
-          <a:xfrm flipH="1">
-            <a:off x="5788630" y="1493947"/>
-            <a:ext cx="319475" cy="391273"/>
-          </a:xfrm>
-          <a:prstGeom prst="straightConnector1">
-            <a:avLst/>
-          </a:prstGeom>
-          <a:ln w="28575">
-            <a:headEnd type="triangle"/>
-            <a:tailEnd type="triangle"/>
-          </a:ln>
-        </p:spPr>
-        <p:style>
-          <a:lnRef idx="1">
-            <a:schemeClr val="accent1"/>
-          </a:lnRef>
-          <a:fillRef idx="0">
-            <a:schemeClr val="accent1"/>
-          </a:fillRef>
-          <a:effectRef idx="0">
-            <a:schemeClr val="accent1"/>
-          </a:effectRef>
-          <a:fontRef idx="minor">
-            <a:schemeClr val="tx1"/>
-          </a:fontRef>
-        </p:style>
-      </p:cxnSp>
-      <p:cxnSp>
-        <p:nvCxnSpPr>
-          <p:cNvPr id="34" name="Straight Arrow Connector 33">
-            <a:extLst>
-              <a:ext uri="{FF2B5EF4-FFF2-40B4-BE49-F238E27FC236}">
-                <a16:creationId xmlns:a16="http://schemas.microsoft.com/office/drawing/2014/main" id="{B7A25D40-15D1-8B21-FDDD-EDB3922A7AE3}"/>
-              </a:ext>
-            </a:extLst>
-          </p:cNvPr>
-          <p:cNvCxnSpPr>
-            <a:cxnSpLocks/>
-          </p:cNvCxnSpPr>
-          <p:nvPr/>
-        </p:nvCxnSpPr>
-        <p:spPr>
-          <a:xfrm flipH="1">
-            <a:off x="6056955" y="1854730"/>
-            <a:ext cx="562844" cy="185290"/>
-          </a:xfrm>
-          <a:prstGeom prst="straightConnector1">
-            <a:avLst/>
-          </a:prstGeom>
-          <a:ln w="28575">
-            <a:headEnd type="triangle"/>
-            <a:tailEnd type="triangle"/>
-          </a:ln>
-        </p:spPr>
-        <p:style>
-          <a:lnRef idx="1">
-            <a:schemeClr val="accent1"/>
-          </a:lnRef>
-          <a:fillRef idx="0">
-            <a:schemeClr val="accent1"/>
-          </a:fillRef>
-          <a:effectRef idx="0">
-            <a:schemeClr val="accent1"/>
-          </a:effectRef>
-          <a:fontRef idx="minor">
-            <a:schemeClr val="tx1"/>
-          </a:fontRef>
-        </p:style>
-      </p:cxnSp>
+          <a:noFill/>
+        </p:spPr>
+        <p:txBody>
+          <a:bodyPr wrap="none" rtlCol="0">
+            <a:spAutoFit/>
+          </a:bodyPr>
+          <a:lstStyle/>
+          <a:p>
+            <a:r>
+              <a:rPr lang="en-US" sz="2000" b="1"/>
+              <a:t>Mac/Linux</a:t>
+            </a:r>
+          </a:p>
+        </p:txBody>
+      </p:sp>
     </p:spTree>
     <p:extLst>
       <p:ext uri="{BB962C8B-B14F-4D97-AF65-F5344CB8AC3E}">
-        <p14:creationId xmlns:p14="http://schemas.microsoft.com/office/powerpoint/2010/main" val="2933009385"/>
+        <p14:creationId xmlns:p14="http://schemas.microsoft.com/office/powerpoint/2010/main" val="3690803702"/>
       </p:ext>
     </p:extLst>
   </p:cSld>
@@ -25499,10 +25303,10 @@
       </p:grpSpPr>
       <p:sp>
         <p:nvSpPr>
-          <p:cNvPr id="25" name="Rounded Rectangle 24">
-            <a:extLst>
-              <a:ext uri="{FF2B5EF4-FFF2-40B4-BE49-F238E27FC236}">
-                <a16:creationId xmlns:a16="http://schemas.microsoft.com/office/drawing/2014/main" id="{A945FEE3-5FA0-4CA6-AAD5-66328E34BF37}"/>
+          <p:cNvPr id="2" name="Can 1">
+            <a:extLst>
+              <a:ext uri="{FF2B5EF4-FFF2-40B4-BE49-F238E27FC236}">
+                <a16:creationId xmlns:a16="http://schemas.microsoft.com/office/drawing/2014/main" id="{A82B85F8-4C1F-0152-9A29-D883DB2EEE2B}"/>
               </a:ext>
             </a:extLst>
           </p:cNvPr>
@@ -25510,665 +25314,46 @@
           <p:nvPr/>
         </p:nvSpPr>
         <p:spPr>
-          <a:xfrm flipH="1">
-            <a:off x="5337082" y="1720215"/>
-            <a:ext cx="1692418" cy="480060"/>
-          </a:xfrm>
-          <a:prstGeom prst="roundRect">
-            <a:avLst/>
-          </a:prstGeom>
-          <a:ln w="28575"/>
-        </p:spPr>
-        <p:style>
-          <a:lnRef idx="2">
-            <a:schemeClr val="accent2"/>
-          </a:lnRef>
-          <a:fillRef idx="1">
-            <a:schemeClr val="lt1"/>
-          </a:fillRef>
-          <a:effectRef idx="0">
-            <a:schemeClr val="accent2"/>
+          <a:xfrm>
+            <a:off x="4076699" y="3261179"/>
+            <a:ext cx="1643270" cy="1033669"/>
+          </a:xfrm>
+          <a:prstGeom prst="can">
+            <a:avLst/>
+          </a:prstGeom>
+        </p:spPr>
+        <p:style>
+          <a:lnRef idx="1">
+            <a:schemeClr val="accent6"/>
+          </a:lnRef>
+          <a:fillRef idx="2">
+            <a:schemeClr val="accent6"/>
+          </a:fillRef>
+          <a:effectRef idx="1">
+            <a:schemeClr val="accent6"/>
           </a:effectRef>
           <a:fontRef idx="minor">
             <a:schemeClr val="dk1"/>
           </a:fontRef>
         </p:style>
         <p:txBody>
-          <a:bodyPr rot="0" spcFirstLastPara="0" vert="horz" wrap="square" lIns="91440" tIns="45720" rIns="91440" bIns="45720" numCol="1" spcCol="0" rtlCol="0" fromWordArt="0" anchor="ctr" anchorCtr="0" forceAA="0" compatLnSpc="1">
-            <a:prstTxWarp prst="textNoShape">
-              <a:avLst/>
-            </a:prstTxWarp>
-            <a:noAutofit/>
-          </a:bodyPr>
-          <a:lstStyle/>
-          <a:p>
-            <a:pPr algn="ctr">
-              <a:lnSpc>
-                <a:spcPct val="107000"/>
-              </a:lnSpc>
-              <a:spcAft>
-                <a:spcPts val="800"/>
-              </a:spcAft>
-            </a:pPr>
-            <a:r>
-              <a:rPr lang="en-GB" sz="1600">
-                <a:effectLst/>
-                <a:latin typeface="Arial" panose="020B0604020202020204" pitchFamily="34" charset="0"/>
-                <a:ea typeface="Dotum" panose="020B0600000101010101" pitchFamily="34" charset="-127"/>
-                <a:cs typeface="Arial" panose="020B0604020202020204" pitchFamily="34" charset="0"/>
-              </a:rPr>
-              <a:t>Threat</a:t>
-            </a:r>
-            <a:endParaRPr lang="en-GB" sz="1600">
-              <a:effectLst/>
-              <a:latin typeface="Arial" panose="020B0604020202020204" pitchFamily="34" charset="0"/>
-              <a:ea typeface="Calibri" panose="020F0502020204030204" pitchFamily="34" charset="0"/>
-              <a:cs typeface="Arial" panose="020B0604020202020204" pitchFamily="34" charset="0"/>
-            </a:endParaRPr>
-          </a:p>
-        </p:txBody>
-      </p:sp>
-      <p:sp>
-        <p:nvSpPr>
-          <p:cNvPr id="26" name="Rounded Rectangle 25">
-            <a:extLst>
-              <a:ext uri="{FF2B5EF4-FFF2-40B4-BE49-F238E27FC236}">
-                <a16:creationId xmlns:a16="http://schemas.microsoft.com/office/drawing/2014/main" id="{B964D510-9C20-B128-A19E-187D0551C77A}"/>
-              </a:ext>
-            </a:extLst>
-          </p:cNvPr>
-          <p:cNvSpPr/>
-          <p:nvPr/>
-        </p:nvSpPr>
-        <p:spPr>
-          <a:xfrm flipH="1">
-            <a:off x="4765582" y="3931920"/>
-            <a:ext cx="1692418" cy="480060"/>
-          </a:xfrm>
-          <a:prstGeom prst="roundRect">
-            <a:avLst/>
-          </a:prstGeom>
-          <a:ln w="28575"/>
-        </p:spPr>
-        <p:style>
-          <a:lnRef idx="2">
-            <a:schemeClr val="accent2"/>
-          </a:lnRef>
-          <a:fillRef idx="1">
-            <a:schemeClr val="lt1"/>
-          </a:fillRef>
-          <a:effectRef idx="0">
-            <a:schemeClr val="accent2"/>
-          </a:effectRef>
-          <a:fontRef idx="minor">
-            <a:schemeClr val="dk1"/>
-          </a:fontRef>
-        </p:style>
-        <p:txBody>
-          <a:bodyPr rot="0" spcFirstLastPara="0" vert="horz" wrap="square" lIns="91440" tIns="45720" rIns="91440" bIns="45720" numCol="1" spcCol="0" rtlCol="0" fromWordArt="0" anchor="ctr" anchorCtr="0" forceAA="0" compatLnSpc="1">
-            <a:prstTxWarp prst="textNoShape">
-              <a:avLst/>
-            </a:prstTxWarp>
-            <a:noAutofit/>
-          </a:bodyPr>
-          <a:lstStyle/>
-          <a:p>
-            <a:pPr algn="ctr">
-              <a:lnSpc>
-                <a:spcPct val="106000"/>
-              </a:lnSpc>
-            </a:pPr>
-            <a:r>
-              <a:rPr lang="en-GB" sz="1600">
-                <a:effectLst/>
-                <a:latin typeface="Arial" panose="020B0604020202020204" pitchFamily="34" charset="0"/>
-                <a:ea typeface="Dotum" panose="020B0600000101010101" pitchFamily="34" charset="-127"/>
-                <a:cs typeface="Arial" panose="020B0604020202020204" pitchFamily="34" charset="0"/>
-              </a:rPr>
-              <a:t>Compromise</a:t>
-            </a:r>
-            <a:endParaRPr lang="en-GB" sz="1600">
-              <a:effectLst/>
-              <a:latin typeface="Arial" panose="020B0604020202020204" pitchFamily="34" charset="0"/>
-              <a:ea typeface="Times New Roman" panose="02020603050405020304" pitchFamily="18" charset="0"/>
-              <a:cs typeface="Arial" panose="020B0604020202020204" pitchFamily="34" charset="0"/>
-            </a:endParaRPr>
-          </a:p>
-        </p:txBody>
-      </p:sp>
-      <p:sp>
-        <p:nvSpPr>
-          <p:cNvPr id="27" name="Rounded Rectangle 26">
-            <a:extLst>
-              <a:ext uri="{FF2B5EF4-FFF2-40B4-BE49-F238E27FC236}">
-                <a16:creationId xmlns:a16="http://schemas.microsoft.com/office/drawing/2014/main" id="{68312038-34DA-2995-C3B9-7EDC6DEA3AB2}"/>
-              </a:ext>
-            </a:extLst>
-          </p:cNvPr>
-          <p:cNvSpPr/>
-          <p:nvPr/>
-        </p:nvSpPr>
-        <p:spPr>
-          <a:xfrm flipH="1">
-            <a:off x="4956082" y="3188970"/>
-            <a:ext cx="1692418" cy="480060"/>
-          </a:xfrm>
-          <a:prstGeom prst="roundRect">
-            <a:avLst/>
-          </a:prstGeom>
-          <a:ln w="28575"/>
-        </p:spPr>
-        <p:style>
-          <a:lnRef idx="2">
-            <a:schemeClr val="accent2"/>
-          </a:lnRef>
-          <a:fillRef idx="1">
-            <a:schemeClr val="lt1"/>
-          </a:fillRef>
-          <a:effectRef idx="0">
-            <a:schemeClr val="accent2"/>
-          </a:effectRef>
-          <a:fontRef idx="minor">
-            <a:schemeClr val="dk1"/>
-          </a:fontRef>
-        </p:style>
-        <p:txBody>
-          <a:bodyPr rot="0" spcFirstLastPara="0" vert="horz" wrap="square" lIns="91440" tIns="45720" rIns="91440" bIns="45720" numCol="1" spcCol="0" rtlCol="0" fromWordArt="0" anchor="ctr" anchorCtr="0" forceAA="0" compatLnSpc="1">
-            <a:prstTxWarp prst="textNoShape">
-              <a:avLst/>
-            </a:prstTxWarp>
-            <a:noAutofit/>
-          </a:bodyPr>
-          <a:lstStyle/>
-          <a:p>
-            <a:pPr algn="ctr">
-              <a:lnSpc>
-                <a:spcPct val="106000"/>
-              </a:lnSpc>
-            </a:pPr>
-            <a:r>
-              <a:rPr lang="en-GB" sz="1600">
-                <a:effectLst/>
-                <a:latin typeface="Arial" panose="020B0604020202020204" pitchFamily="34" charset="0"/>
-                <a:ea typeface="Dotum" panose="020B0600000101010101" pitchFamily="34" charset="-127"/>
-                <a:cs typeface="Arial" panose="020B0604020202020204" pitchFamily="34" charset="0"/>
-              </a:rPr>
-              <a:t>Attack</a:t>
-            </a:r>
-            <a:endParaRPr lang="en-GB" sz="1600">
-              <a:effectLst/>
-              <a:latin typeface="Arial" panose="020B0604020202020204" pitchFamily="34" charset="0"/>
-              <a:ea typeface="Times New Roman" panose="02020603050405020304" pitchFamily="18" charset="0"/>
-              <a:cs typeface="Arial" panose="020B0604020202020204" pitchFamily="34" charset="0"/>
-            </a:endParaRPr>
-          </a:p>
-        </p:txBody>
-      </p:sp>
-      <p:sp>
-        <p:nvSpPr>
-          <p:cNvPr id="28" name="Rounded Rectangle 27">
-            <a:extLst>
-              <a:ext uri="{FF2B5EF4-FFF2-40B4-BE49-F238E27FC236}">
-                <a16:creationId xmlns:a16="http://schemas.microsoft.com/office/drawing/2014/main" id="{69277467-5544-6A27-9252-FEC20AA84244}"/>
-              </a:ext>
-            </a:extLst>
-          </p:cNvPr>
-          <p:cNvSpPr/>
-          <p:nvPr/>
-        </p:nvSpPr>
-        <p:spPr>
-          <a:xfrm flipH="1">
-            <a:off x="5146582" y="2465070"/>
-            <a:ext cx="1692418" cy="480060"/>
-          </a:xfrm>
-          <a:prstGeom prst="roundRect">
-            <a:avLst/>
-          </a:prstGeom>
-          <a:ln w="28575"/>
-        </p:spPr>
-        <p:style>
-          <a:lnRef idx="2">
-            <a:schemeClr val="accent2"/>
-          </a:lnRef>
-          <a:fillRef idx="1">
-            <a:schemeClr val="lt1"/>
-          </a:fillRef>
-          <a:effectRef idx="0">
-            <a:schemeClr val="accent2"/>
-          </a:effectRef>
-          <a:fontRef idx="minor">
-            <a:schemeClr val="dk1"/>
-          </a:fontRef>
-        </p:style>
-        <p:txBody>
-          <a:bodyPr rot="0" spcFirstLastPara="0" vert="horz" wrap="square" lIns="91440" tIns="45720" rIns="91440" bIns="45720" numCol="1" spcCol="0" rtlCol="0" fromWordArt="0" anchor="ctr" anchorCtr="0" forceAA="0" compatLnSpc="1">
-            <a:prstTxWarp prst="textNoShape">
-              <a:avLst/>
-            </a:prstTxWarp>
-            <a:noAutofit/>
-          </a:bodyPr>
-          <a:lstStyle/>
-          <a:p>
-            <a:pPr algn="ctr">
-              <a:lnSpc>
-                <a:spcPct val="106000"/>
-              </a:lnSpc>
-            </a:pPr>
-            <a:r>
-              <a:rPr lang="en-GB" sz="1600">
-                <a:effectLst/>
-                <a:latin typeface="Arial" panose="020B0604020202020204" pitchFamily="34" charset="0"/>
-                <a:ea typeface="Dotum" panose="020B0600000101010101" pitchFamily="34" charset="-127"/>
-                <a:cs typeface="Arial" panose="020B0604020202020204" pitchFamily="34" charset="0"/>
-              </a:rPr>
-              <a:t>Vulnerability</a:t>
-            </a:r>
-            <a:endParaRPr lang="en-GB" sz="1600">
-              <a:effectLst/>
-              <a:latin typeface="Arial" panose="020B0604020202020204" pitchFamily="34" charset="0"/>
-              <a:ea typeface="Times New Roman" panose="02020603050405020304" pitchFamily="18" charset="0"/>
-              <a:cs typeface="Arial" panose="020B0604020202020204" pitchFamily="34" charset="0"/>
-            </a:endParaRPr>
-          </a:p>
-        </p:txBody>
-      </p:sp>
-      <p:sp>
-        <p:nvSpPr>
-          <p:cNvPr id="29" name="Down Arrow 28">
-            <a:extLst>
-              <a:ext uri="{FF2B5EF4-FFF2-40B4-BE49-F238E27FC236}">
-                <a16:creationId xmlns:a16="http://schemas.microsoft.com/office/drawing/2014/main" id="{79224989-A76C-93CD-FED6-1D0634BA799F}"/>
-              </a:ext>
-            </a:extLst>
-          </p:cNvPr>
-          <p:cNvSpPr/>
-          <p:nvPr/>
-        </p:nvSpPr>
-        <p:spPr>
-          <a:xfrm>
-            <a:off x="5417727" y="2202815"/>
-            <a:ext cx="247650" cy="273050"/>
-          </a:xfrm>
-          <a:prstGeom prst="downArrow">
-            <a:avLst/>
-          </a:prstGeom>
-        </p:spPr>
-        <p:style>
-          <a:lnRef idx="1">
-            <a:schemeClr val="accent2"/>
-          </a:lnRef>
-          <a:fillRef idx="2">
-            <a:schemeClr val="accent2"/>
-          </a:fillRef>
-          <a:effectRef idx="1">
-            <a:schemeClr val="accent2"/>
-          </a:effectRef>
-          <a:fontRef idx="minor">
-            <a:schemeClr val="dk1"/>
-          </a:fontRef>
-        </p:style>
-        <p:txBody>
-          <a:bodyPr rot="0" spcFirstLastPara="0" vert="horz" wrap="square" lIns="91440" tIns="45720" rIns="91440" bIns="45720" numCol="1" spcCol="0" rtlCol="0" fromWordArt="0" anchor="ctr" anchorCtr="0" forceAA="0" compatLnSpc="1">
-            <a:prstTxWarp prst="textNoShape">
-              <a:avLst/>
-            </a:prstTxWarp>
-            <a:noAutofit/>
-          </a:bodyPr>
-          <a:lstStyle/>
-          <a:p>
-            <a:endParaRPr lang="en-GB" sz="1600">
-              <a:latin typeface="Arial" panose="020B0604020202020204" pitchFamily="34" charset="0"/>
-              <a:cs typeface="Arial" panose="020B0604020202020204" pitchFamily="34" charset="0"/>
-            </a:endParaRPr>
-          </a:p>
-        </p:txBody>
-      </p:sp>
-      <p:sp>
-        <p:nvSpPr>
-          <p:cNvPr id="30" name="Down Arrow 29">
-            <a:extLst>
-              <a:ext uri="{FF2B5EF4-FFF2-40B4-BE49-F238E27FC236}">
-                <a16:creationId xmlns:a16="http://schemas.microsoft.com/office/drawing/2014/main" id="{F2EEE294-7B55-E0C4-FEBE-2DACA9B86EA8}"/>
-              </a:ext>
-            </a:extLst>
-          </p:cNvPr>
-          <p:cNvSpPr/>
-          <p:nvPr/>
-        </p:nvSpPr>
-        <p:spPr>
-          <a:xfrm>
-            <a:off x="5229132" y="2941320"/>
-            <a:ext cx="247650" cy="273050"/>
-          </a:xfrm>
-          <a:prstGeom prst="downArrow">
-            <a:avLst/>
-          </a:prstGeom>
-        </p:spPr>
-        <p:style>
-          <a:lnRef idx="1">
-            <a:schemeClr val="accent2"/>
-          </a:lnRef>
-          <a:fillRef idx="2">
-            <a:schemeClr val="accent2"/>
-          </a:fillRef>
-          <a:effectRef idx="1">
-            <a:schemeClr val="accent2"/>
-          </a:effectRef>
-          <a:fontRef idx="minor">
-            <a:schemeClr val="dk1"/>
-          </a:fontRef>
-        </p:style>
-        <p:txBody>
-          <a:bodyPr rot="0" spcFirstLastPara="0" vert="horz" wrap="square" lIns="91440" tIns="45720" rIns="91440" bIns="45720" numCol="1" spcCol="0" rtlCol="0" fromWordArt="0" anchor="ctr" anchorCtr="0" forceAA="0" compatLnSpc="1">
-            <a:prstTxWarp prst="textNoShape">
-              <a:avLst/>
-            </a:prstTxWarp>
-            <a:noAutofit/>
-          </a:bodyPr>
-          <a:lstStyle/>
-          <a:p>
-            <a:pPr algn="ctr">
-              <a:lnSpc>
-                <a:spcPct val="107000"/>
-              </a:lnSpc>
-              <a:spcAft>
-                <a:spcPts val="800"/>
-              </a:spcAft>
-            </a:pPr>
-            <a:r>
-              <a:rPr lang="en-GB" sz="1600">
-                <a:effectLst/>
-                <a:latin typeface="Arial" panose="020B0604020202020204" pitchFamily="34" charset="0"/>
-                <a:ea typeface="Calibri" panose="020F0502020204030204" pitchFamily="34" charset="0"/>
-                <a:cs typeface="Arial" panose="020B0604020202020204" pitchFamily="34" charset="0"/>
-              </a:rPr>
-              <a:t> </a:t>
-            </a:r>
-          </a:p>
-        </p:txBody>
-      </p:sp>
-      <p:sp>
-        <p:nvSpPr>
-          <p:cNvPr id="31" name="Down Arrow 30">
-            <a:extLst>
-              <a:ext uri="{FF2B5EF4-FFF2-40B4-BE49-F238E27FC236}">
-                <a16:creationId xmlns:a16="http://schemas.microsoft.com/office/drawing/2014/main" id="{F2382FD7-92D0-6D17-5513-0DCD300BC894}"/>
-              </a:ext>
-            </a:extLst>
-          </p:cNvPr>
-          <p:cNvSpPr/>
-          <p:nvPr/>
-        </p:nvSpPr>
-        <p:spPr>
-          <a:xfrm>
-            <a:off x="5044982" y="3671570"/>
-            <a:ext cx="247650" cy="273050"/>
-          </a:xfrm>
-          <a:prstGeom prst="downArrow">
-            <a:avLst/>
-          </a:prstGeom>
-        </p:spPr>
-        <p:style>
-          <a:lnRef idx="1">
-            <a:schemeClr val="accent2"/>
-          </a:lnRef>
-          <a:fillRef idx="2">
-            <a:schemeClr val="accent2"/>
-          </a:fillRef>
-          <a:effectRef idx="1">
-            <a:schemeClr val="accent2"/>
-          </a:effectRef>
-          <a:fontRef idx="minor">
-            <a:schemeClr val="dk1"/>
-          </a:fontRef>
-        </p:style>
-        <p:txBody>
-          <a:bodyPr rot="0" spcFirstLastPara="0" vert="horz" wrap="square" lIns="91440" tIns="45720" rIns="91440" bIns="45720" numCol="1" spcCol="0" rtlCol="0" fromWordArt="0" anchor="ctr" anchorCtr="0" forceAA="0" compatLnSpc="1">
-            <a:prstTxWarp prst="textNoShape">
-              <a:avLst/>
-            </a:prstTxWarp>
-            <a:noAutofit/>
-          </a:bodyPr>
-          <a:lstStyle/>
-          <a:p>
-            <a:endParaRPr lang="en-GB" sz="1600">
-              <a:latin typeface="Arial" panose="020B0604020202020204" pitchFamily="34" charset="0"/>
-              <a:cs typeface="Arial" panose="020B0604020202020204" pitchFamily="34" charset="0"/>
-            </a:endParaRPr>
-          </a:p>
-        </p:txBody>
-      </p:sp>
-      <p:sp>
-        <p:nvSpPr>
-          <p:cNvPr id="32" name="Text Box 8">
-            <a:extLst>
-              <a:ext uri="{FF2B5EF4-FFF2-40B4-BE49-F238E27FC236}">
-                <a16:creationId xmlns:a16="http://schemas.microsoft.com/office/drawing/2014/main" id="{3DBB94B9-3B8F-1B8D-BF65-562ECE7668D4}"/>
-              </a:ext>
-            </a:extLst>
-          </p:cNvPr>
-          <p:cNvSpPr txBox="1"/>
-          <p:nvPr/>
-        </p:nvSpPr>
-        <p:spPr>
-          <a:xfrm>
-            <a:off x="7110145" y="1765437"/>
-            <a:ext cx="2137470" cy="434838"/>
-          </a:xfrm>
-          <a:prstGeom prst="rect">
-            <a:avLst/>
-          </a:prstGeom>
-          <a:noFill/>
-          <a:ln w="6350">
-            <a:noFill/>
-          </a:ln>
-        </p:spPr>
-        <p:txBody>
-          <a:bodyPr rot="0" spcFirstLastPara="0" vert="horz" wrap="square" lIns="91440" tIns="45720" rIns="91440" bIns="45720" numCol="1" spcCol="0" rtlCol="0" fromWordArt="0" anchor="t" anchorCtr="0" forceAA="0" compatLnSpc="1">
-            <a:prstTxWarp prst="textNoShape">
-              <a:avLst/>
-            </a:prstTxWarp>
-            <a:noAutofit/>
-          </a:bodyPr>
-          <a:lstStyle/>
-          <a:p>
-            <a:pPr>
-              <a:lnSpc>
-                <a:spcPct val="107000"/>
-              </a:lnSpc>
-              <a:spcAft>
-                <a:spcPts val="800"/>
-              </a:spcAft>
-            </a:pPr>
-            <a:r>
-              <a:rPr lang="en-GB" sz="1600">
-                <a:effectLst/>
-                <a:latin typeface="Arial" panose="020B0604020202020204" pitchFamily="34" charset="0"/>
-                <a:ea typeface="Calibri" panose="020F0502020204030204" pitchFamily="34" charset="0"/>
-                <a:cs typeface="Arial" panose="020B0604020202020204" pitchFamily="34" charset="0"/>
-              </a:rPr>
-              <a:t>The exploit potential</a:t>
-            </a:r>
-          </a:p>
-        </p:txBody>
-      </p:sp>
-      <p:sp>
-        <p:nvSpPr>
-          <p:cNvPr id="33" name="Text Box 594">
-            <a:extLst>
-              <a:ext uri="{FF2B5EF4-FFF2-40B4-BE49-F238E27FC236}">
-                <a16:creationId xmlns:a16="http://schemas.microsoft.com/office/drawing/2014/main" id="{79EA2CD3-957B-020E-0B97-BA02538A9B9B}"/>
-              </a:ext>
-            </a:extLst>
-          </p:cNvPr>
-          <p:cNvSpPr txBox="1"/>
-          <p:nvPr/>
-        </p:nvSpPr>
-        <p:spPr>
-          <a:xfrm>
-            <a:off x="7015197" y="2487681"/>
-            <a:ext cx="3008983" cy="434838"/>
-          </a:xfrm>
-          <a:prstGeom prst="rect">
-            <a:avLst/>
-          </a:prstGeom>
-          <a:noFill/>
-          <a:ln w="6350">
-            <a:noFill/>
-          </a:ln>
-        </p:spPr>
-        <p:txBody>
-          <a:bodyPr rot="0" spcFirstLastPara="0" vert="horz" wrap="square" lIns="91440" tIns="45720" rIns="91440" bIns="45720" numCol="1" spcCol="0" rtlCol="0" fromWordArt="0" anchor="t" anchorCtr="0" forceAA="0" compatLnSpc="1">
-            <a:prstTxWarp prst="textNoShape">
-              <a:avLst/>
-            </a:prstTxWarp>
-            <a:noAutofit/>
-          </a:bodyPr>
-          <a:lstStyle/>
-          <a:p>
-            <a:pPr>
-              <a:lnSpc>
-                <a:spcPct val="106000"/>
-              </a:lnSpc>
-            </a:pPr>
-            <a:r>
-              <a:rPr lang="en-GB" sz="1600">
-                <a:effectLst/>
-                <a:latin typeface="Arial" panose="020B0604020202020204" pitchFamily="34" charset="0"/>
-                <a:ea typeface="Calibri" panose="020F0502020204030204" pitchFamily="34" charset="0"/>
-                <a:cs typeface="Arial" panose="020B0604020202020204" pitchFamily="34" charset="0"/>
-              </a:rPr>
-              <a:t>The weak spot to be exploited</a:t>
-            </a:r>
-            <a:endParaRPr lang="en-GB" sz="1600">
-              <a:effectLst/>
-              <a:latin typeface="Arial" panose="020B0604020202020204" pitchFamily="34" charset="0"/>
-              <a:ea typeface="Times New Roman" panose="02020603050405020304" pitchFamily="18" charset="0"/>
-              <a:cs typeface="Arial" panose="020B0604020202020204" pitchFamily="34" charset="0"/>
-            </a:endParaRPr>
-          </a:p>
-        </p:txBody>
-      </p:sp>
-      <p:sp>
-        <p:nvSpPr>
-          <p:cNvPr id="34" name="Text Box 594">
-            <a:extLst>
-              <a:ext uri="{FF2B5EF4-FFF2-40B4-BE49-F238E27FC236}">
-                <a16:creationId xmlns:a16="http://schemas.microsoft.com/office/drawing/2014/main" id="{9C882886-F65B-8E2A-3B7C-1AE73328E95D}"/>
-              </a:ext>
-            </a:extLst>
-          </p:cNvPr>
-          <p:cNvSpPr txBox="1"/>
-          <p:nvPr/>
-        </p:nvSpPr>
-        <p:spPr>
-          <a:xfrm>
-            <a:off x="6839000" y="3269408"/>
-            <a:ext cx="3091831" cy="319184"/>
-          </a:xfrm>
-          <a:prstGeom prst="rect">
-            <a:avLst/>
-          </a:prstGeom>
-          <a:noFill/>
-          <a:ln w="6350">
-            <a:noFill/>
-          </a:ln>
-        </p:spPr>
-        <p:txBody>
-          <a:bodyPr rot="0" spcFirstLastPara="0" vert="horz" wrap="square" lIns="91440" tIns="45720" rIns="91440" bIns="45720" numCol="1" spcCol="0" rtlCol="0" fromWordArt="0" anchor="t" anchorCtr="0" forceAA="0" compatLnSpc="1">
-            <a:prstTxWarp prst="textNoShape">
-              <a:avLst/>
-            </a:prstTxWarp>
-            <a:noAutofit/>
-          </a:bodyPr>
-          <a:lstStyle/>
-          <a:p>
-            <a:pPr>
-              <a:lnSpc>
-                <a:spcPct val="105000"/>
-              </a:lnSpc>
-            </a:pPr>
-            <a:r>
-              <a:rPr lang="en-GB" sz="1600">
-                <a:effectLst/>
-                <a:latin typeface="Arial" panose="020B0604020202020204" pitchFamily="34" charset="0"/>
-                <a:ea typeface="Calibri" panose="020F0502020204030204" pitchFamily="34" charset="0"/>
-                <a:cs typeface="Arial" panose="020B0604020202020204" pitchFamily="34" charset="0"/>
-              </a:rPr>
-              <a:t>The targeted exploit performed</a:t>
-            </a:r>
-            <a:endParaRPr lang="en-GB" sz="1600">
-              <a:effectLst/>
-              <a:latin typeface="Arial" panose="020B0604020202020204" pitchFamily="34" charset="0"/>
-              <a:ea typeface="Times New Roman" panose="02020603050405020304" pitchFamily="18" charset="0"/>
-              <a:cs typeface="Arial" panose="020B0604020202020204" pitchFamily="34" charset="0"/>
-            </a:endParaRPr>
-          </a:p>
-        </p:txBody>
-      </p:sp>
-      <p:sp>
-        <p:nvSpPr>
-          <p:cNvPr id="35" name="Text Box 594">
-            <a:extLst>
-              <a:ext uri="{FF2B5EF4-FFF2-40B4-BE49-F238E27FC236}">
-                <a16:creationId xmlns:a16="http://schemas.microsoft.com/office/drawing/2014/main" id="{26EB2BE3-6CBB-35FD-E62B-9398480E1371}"/>
-              </a:ext>
-            </a:extLst>
-          </p:cNvPr>
-          <p:cNvSpPr txBox="1"/>
-          <p:nvPr/>
-        </p:nvSpPr>
-        <p:spPr>
-          <a:xfrm>
-            <a:off x="6648500" y="3971924"/>
-            <a:ext cx="3967907" cy="400052"/>
-          </a:xfrm>
-          <a:prstGeom prst="rect">
-            <a:avLst/>
-          </a:prstGeom>
-          <a:noFill/>
-          <a:ln w="6350">
-            <a:noFill/>
-          </a:ln>
-        </p:spPr>
-        <p:txBody>
-          <a:bodyPr rot="0" spcFirstLastPara="0" vert="horz" wrap="square" lIns="91440" tIns="45720" rIns="91440" bIns="45720" numCol="1" spcCol="0" rtlCol="0" fromWordArt="0" anchor="t" anchorCtr="0" forceAA="0" compatLnSpc="1">
-            <a:prstTxWarp prst="textNoShape">
-              <a:avLst/>
-            </a:prstTxWarp>
-            <a:noAutofit/>
-          </a:bodyPr>
-          <a:lstStyle/>
-          <a:p>
-            <a:pPr>
-              <a:lnSpc>
-                <a:spcPct val="105000"/>
-              </a:lnSpc>
-            </a:pPr>
-            <a:r>
-              <a:rPr lang="en-GB" sz="1600">
-                <a:effectLst/>
-                <a:latin typeface="Arial" panose="020B0604020202020204" pitchFamily="34" charset="0"/>
-                <a:ea typeface="Calibri" panose="020F0502020204030204" pitchFamily="34" charset="0"/>
-                <a:cs typeface="Arial" panose="020B0604020202020204" pitchFamily="34" charset="0"/>
-              </a:rPr>
-              <a:t>The impact of the successful exploitation</a:t>
-            </a:r>
-            <a:endParaRPr lang="en-GB" sz="1600">
-              <a:effectLst/>
-              <a:latin typeface="Arial" panose="020B0604020202020204" pitchFamily="34" charset="0"/>
-              <a:ea typeface="Times New Roman" panose="02020603050405020304" pitchFamily="18" charset="0"/>
-              <a:cs typeface="Arial" panose="020B0604020202020204" pitchFamily="34" charset="0"/>
-            </a:endParaRPr>
+          <a:bodyPr rtlCol="0" anchor="ctr"/>
+          <a:lstStyle/>
+          <a:p>
+            <a:pPr algn="ctr"/>
+            <a:r>
+              <a:rPr lang="en-US"/>
+              <a:t>Database</a:t>
+            </a:r>
           </a:p>
         </p:txBody>
       </p:sp>
       <p:pic>
         <p:nvPicPr>
-          <p:cNvPr id="36" name="Picture 35">
-            <a:extLst>
-              <a:ext uri="{FF2B5EF4-FFF2-40B4-BE49-F238E27FC236}">
-                <a16:creationId xmlns:a16="http://schemas.microsoft.com/office/drawing/2014/main" id="{29999080-0940-C4E7-1527-50F446BFE1BD}"/>
+          <p:cNvPr id="4" name="Picture 3">
+            <a:extLst>
+              <a:ext uri="{FF2B5EF4-FFF2-40B4-BE49-F238E27FC236}">
+                <a16:creationId xmlns:a16="http://schemas.microsoft.com/office/drawing/2014/main" id="{0BFEA148-D2E6-6880-2E56-C2D861330564}"/>
               </a:ext>
             </a:extLst>
           </p:cNvPr>
@@ -26178,41 +25363,297 @@
           <p:nvPr/>
         </p:nvPicPr>
         <p:blipFill>
-          <a:blip r:embed="rId2">
-            <a:duotone>
-              <a:schemeClr val="accent2">
-                <a:shade val="45000"/>
-                <a:satMod val="135000"/>
-              </a:schemeClr>
-              <a:prstClr val="white"/>
-            </a:duotone>
-            <a:alphaModFix amt="85000"/>
-            <a:extLst>
-              <a:ext uri="{28A0092B-C50C-407E-A947-70E740481C1C}">
-                <a14:useLocalDpi xmlns:a14="http://schemas.microsoft.com/office/drawing/2010/main" val="0"/>
-              </a:ext>
-            </a:extLst>
-          </a:blip>
+          <a:blip r:embed="rId2"/>
           <a:stretch>
             <a:fillRect/>
           </a:stretch>
         </p:blipFill>
         <p:spPr>
           <a:xfrm>
-            <a:off x="2370344" y="2545836"/>
-            <a:ext cx="1224315" cy="1224315"/>
+            <a:off x="2729948" y="1786069"/>
+            <a:ext cx="446922" cy="446922"/>
           </a:xfrm>
           <a:prstGeom prst="rect">
             <a:avLst/>
           </a:prstGeom>
         </p:spPr>
       </p:pic>
-      <p:sp>
-        <p:nvSpPr>
-          <p:cNvPr id="46" name="Circular Arrow 45">
-            <a:extLst>
-              <a:ext uri="{FF2B5EF4-FFF2-40B4-BE49-F238E27FC236}">
-                <a16:creationId xmlns:a16="http://schemas.microsoft.com/office/drawing/2014/main" id="{EE6891D6-743B-FBD9-8E45-C8E2284BBCE7}"/>
+      <p:pic>
+        <p:nvPicPr>
+          <p:cNvPr id="6" name="Picture 5">
+            <a:extLst>
+              <a:ext uri="{FF2B5EF4-FFF2-40B4-BE49-F238E27FC236}">
+                <a16:creationId xmlns:a16="http://schemas.microsoft.com/office/drawing/2014/main" id="{37478096-ADDF-401F-152C-0FAE96F7B3AC}"/>
+              </a:ext>
+            </a:extLst>
+          </p:cNvPr>
+          <p:cNvPicPr>
+            <a:picLocks noChangeAspect="1"/>
+          </p:cNvPicPr>
+          <p:nvPr/>
+        </p:nvPicPr>
+        <p:blipFill>
+          <a:blip r:embed="rId3"/>
+          <a:stretch>
+            <a:fillRect/>
+          </a:stretch>
+        </p:blipFill>
+        <p:spPr>
+          <a:xfrm>
+            <a:off x="6172878" y="1115686"/>
+            <a:ext cx="446922" cy="446922"/>
+          </a:xfrm>
+          <a:prstGeom prst="rect">
+            <a:avLst/>
+          </a:prstGeom>
+        </p:spPr>
+      </p:pic>
+      <p:pic>
+        <p:nvPicPr>
+          <p:cNvPr id="8" name="Picture 7">
+            <a:extLst>
+              <a:ext uri="{FF2B5EF4-FFF2-40B4-BE49-F238E27FC236}">
+                <a16:creationId xmlns:a16="http://schemas.microsoft.com/office/drawing/2014/main" id="{3E09D836-AD39-74C7-DE86-CA88AF483EC1}"/>
+              </a:ext>
+            </a:extLst>
+          </p:cNvPr>
+          <p:cNvPicPr>
+            <a:picLocks noChangeAspect="1"/>
+          </p:cNvPicPr>
+          <p:nvPr/>
+        </p:nvPicPr>
+        <p:blipFill>
+          <a:blip r:embed="rId4"/>
+          <a:stretch>
+            <a:fillRect/>
+          </a:stretch>
+        </p:blipFill>
+        <p:spPr>
+          <a:xfrm>
+            <a:off x="4766153" y="892225"/>
+            <a:ext cx="446922" cy="446922"/>
+          </a:xfrm>
+          <a:prstGeom prst="rect">
+            <a:avLst/>
+          </a:prstGeom>
+        </p:spPr>
+      </p:pic>
+      <p:pic>
+        <p:nvPicPr>
+          <p:cNvPr id="10" name="Picture 9">
+            <a:extLst>
+              <a:ext uri="{FF2B5EF4-FFF2-40B4-BE49-F238E27FC236}">
+                <a16:creationId xmlns:a16="http://schemas.microsoft.com/office/drawing/2014/main" id="{99DFA715-0EED-46BA-B30B-23741968EC0A}"/>
+              </a:ext>
+            </a:extLst>
+          </p:cNvPr>
+          <p:cNvPicPr>
+            <a:picLocks noChangeAspect="1"/>
+          </p:cNvPicPr>
+          <p:nvPr/>
+        </p:nvPicPr>
+        <p:blipFill>
+          <a:blip r:embed="rId5"/>
+          <a:stretch>
+            <a:fillRect/>
+          </a:stretch>
+        </p:blipFill>
+        <p:spPr>
+          <a:xfrm>
+            <a:off x="6897182" y="1606256"/>
+            <a:ext cx="331304" cy="331304"/>
+          </a:xfrm>
+          <a:prstGeom prst="rect">
+            <a:avLst/>
+          </a:prstGeom>
+        </p:spPr>
+      </p:pic>
+      <p:pic>
+        <p:nvPicPr>
+          <p:cNvPr id="12" name="Picture 11">
+            <a:extLst>
+              <a:ext uri="{FF2B5EF4-FFF2-40B4-BE49-F238E27FC236}">
+                <a16:creationId xmlns:a16="http://schemas.microsoft.com/office/drawing/2014/main" id="{44CFEE74-ECAE-C225-5AAE-EF1B8D5AB093}"/>
+              </a:ext>
+            </a:extLst>
+          </p:cNvPr>
+          <p:cNvPicPr>
+            <a:picLocks noChangeAspect="1"/>
+          </p:cNvPicPr>
+          <p:nvPr/>
+        </p:nvPicPr>
+        <p:blipFill>
+          <a:blip r:embed="rId6"/>
+          <a:stretch>
+            <a:fillRect/>
+          </a:stretch>
+        </p:blipFill>
+        <p:spPr>
+          <a:xfrm>
+            <a:off x="3366052" y="971063"/>
+            <a:ext cx="331304" cy="331304"/>
+          </a:xfrm>
+          <a:prstGeom prst="rect">
+            <a:avLst/>
+          </a:prstGeom>
+        </p:spPr>
+      </p:pic>
+      <p:pic>
+        <p:nvPicPr>
+          <p:cNvPr id="14" name="Picture 13">
+            <a:extLst>
+              <a:ext uri="{FF2B5EF4-FFF2-40B4-BE49-F238E27FC236}">
+                <a16:creationId xmlns:a16="http://schemas.microsoft.com/office/drawing/2014/main" id="{8E00899D-E94A-8D69-A46D-910BA1F8CD74}"/>
+              </a:ext>
+            </a:extLst>
+          </p:cNvPr>
+          <p:cNvPicPr>
+            <a:picLocks noChangeAspect="1"/>
+          </p:cNvPicPr>
+          <p:nvPr/>
+        </p:nvPicPr>
+        <p:blipFill>
+          <a:blip r:embed="rId7"/>
+          <a:stretch>
+            <a:fillRect/>
+          </a:stretch>
+        </p:blipFill>
+        <p:spPr>
+          <a:xfrm>
+            <a:off x="2417324" y="1562609"/>
+            <a:ext cx="446921" cy="446921"/>
+          </a:xfrm>
+          <a:prstGeom prst="rect">
+            <a:avLst/>
+          </a:prstGeom>
+        </p:spPr>
+      </p:pic>
+      <p:pic>
+        <p:nvPicPr>
+          <p:cNvPr id="15" name="Picture 14">
+            <a:extLst>
+              <a:ext uri="{FF2B5EF4-FFF2-40B4-BE49-F238E27FC236}">
+                <a16:creationId xmlns:a16="http://schemas.microsoft.com/office/drawing/2014/main" id="{4204EAD8-3412-12C3-4A26-261C95336421}"/>
+              </a:ext>
+            </a:extLst>
+          </p:cNvPr>
+          <p:cNvPicPr>
+            <a:picLocks noChangeAspect="1"/>
+          </p:cNvPicPr>
+          <p:nvPr/>
+        </p:nvPicPr>
+        <p:blipFill>
+          <a:blip r:embed="rId7"/>
+          <a:stretch>
+            <a:fillRect/>
+          </a:stretch>
+        </p:blipFill>
+        <p:spPr>
+          <a:xfrm>
+            <a:off x="3074506" y="771131"/>
+            <a:ext cx="446921" cy="446921"/>
+          </a:xfrm>
+          <a:prstGeom prst="rect">
+            <a:avLst/>
+          </a:prstGeom>
+        </p:spPr>
+      </p:pic>
+      <p:pic>
+        <p:nvPicPr>
+          <p:cNvPr id="16" name="Picture 15">
+            <a:extLst>
+              <a:ext uri="{FF2B5EF4-FFF2-40B4-BE49-F238E27FC236}">
+                <a16:creationId xmlns:a16="http://schemas.microsoft.com/office/drawing/2014/main" id="{D60C8652-32AC-5199-EB2E-41FD45225F7E}"/>
+              </a:ext>
+            </a:extLst>
+          </p:cNvPr>
+          <p:cNvPicPr>
+            <a:picLocks noChangeAspect="1"/>
+          </p:cNvPicPr>
+          <p:nvPr/>
+        </p:nvPicPr>
+        <p:blipFill>
+          <a:blip r:embed="rId7"/>
+          <a:stretch>
+            <a:fillRect/>
+          </a:stretch>
+        </p:blipFill>
+        <p:spPr>
+          <a:xfrm>
+            <a:off x="4454726" y="658591"/>
+            <a:ext cx="446921" cy="446921"/>
+          </a:xfrm>
+          <a:prstGeom prst="rect">
+            <a:avLst/>
+          </a:prstGeom>
+        </p:spPr>
+      </p:pic>
+      <p:pic>
+        <p:nvPicPr>
+          <p:cNvPr id="17" name="Picture 16">
+            <a:extLst>
+              <a:ext uri="{FF2B5EF4-FFF2-40B4-BE49-F238E27FC236}">
+                <a16:creationId xmlns:a16="http://schemas.microsoft.com/office/drawing/2014/main" id="{3761EB12-514F-6D3D-82BF-6609F95A7705}"/>
+              </a:ext>
+            </a:extLst>
+          </p:cNvPr>
+          <p:cNvPicPr>
+            <a:picLocks noChangeAspect="1"/>
+          </p:cNvPicPr>
+          <p:nvPr/>
+        </p:nvPicPr>
+        <p:blipFill>
+          <a:blip r:embed="rId7"/>
+          <a:stretch>
+            <a:fillRect/>
+          </a:stretch>
+        </p:blipFill>
+        <p:spPr>
+          <a:xfrm>
+            <a:off x="5884645" y="892226"/>
+            <a:ext cx="446921" cy="446921"/>
+          </a:xfrm>
+          <a:prstGeom prst="rect">
+            <a:avLst/>
+          </a:prstGeom>
+        </p:spPr>
+      </p:pic>
+      <p:pic>
+        <p:nvPicPr>
+          <p:cNvPr id="18" name="Picture 17">
+            <a:extLst>
+              <a:ext uri="{FF2B5EF4-FFF2-40B4-BE49-F238E27FC236}">
+                <a16:creationId xmlns:a16="http://schemas.microsoft.com/office/drawing/2014/main" id="{031DBD0B-3BF6-3873-6181-803FAD66CB93}"/>
+              </a:ext>
+            </a:extLst>
+          </p:cNvPr>
+          <p:cNvPicPr>
+            <a:picLocks noChangeAspect="1"/>
+          </p:cNvPicPr>
+          <p:nvPr/>
+        </p:nvPicPr>
+        <p:blipFill>
+          <a:blip r:embed="rId7"/>
+          <a:stretch>
+            <a:fillRect/>
+          </a:stretch>
+        </p:blipFill>
+        <p:spPr>
+          <a:xfrm>
+            <a:off x="6619800" y="1424138"/>
+            <a:ext cx="446921" cy="446921"/>
+          </a:xfrm>
+          <a:prstGeom prst="rect">
+            <a:avLst/>
+          </a:prstGeom>
+        </p:spPr>
+      </p:pic>
+      <p:sp>
+        <p:nvSpPr>
+          <p:cNvPr id="19" name="Cloud 18">
+            <a:extLst>
+              <a:ext uri="{FF2B5EF4-FFF2-40B4-BE49-F238E27FC236}">
+                <a16:creationId xmlns:a16="http://schemas.microsoft.com/office/drawing/2014/main" id="{DC39150F-1D84-ECD2-E401-CB810080E6B2}"/>
               </a:ext>
             </a:extLst>
           </p:cNvPr>
@@ -26220,234 +25661,298 @@
           <p:nvPr/>
         </p:nvSpPr>
         <p:spPr>
-          <a:xfrm rot="13870649">
-            <a:off x="1314135" y="1501905"/>
-            <a:ext cx="3354442" cy="3354442"/>
-          </a:xfrm>
-          <a:prstGeom prst="circularArrow">
-            <a:avLst>
-              <a:gd name="adj1" fmla="val 6160"/>
-              <a:gd name="adj2" fmla="val 1142319"/>
-              <a:gd name="adj3" fmla="val 20488459"/>
-              <a:gd name="adj4" fmla="val 265192"/>
-              <a:gd name="adj5" fmla="val 8373"/>
-            </a:avLst>
-          </a:prstGeom>
+          <a:xfrm>
+            <a:off x="3775213" y="1786069"/>
+            <a:ext cx="2246243" cy="1088738"/>
+          </a:xfrm>
+          <a:prstGeom prst="cloud">
+            <a:avLst/>
+          </a:prstGeom>
+        </p:spPr>
+        <p:style>
+          <a:lnRef idx="2">
+            <a:schemeClr val="accent1"/>
+          </a:lnRef>
+          <a:fillRef idx="1">
+            <a:schemeClr val="lt1"/>
+          </a:fillRef>
+          <a:effectRef idx="0">
+            <a:schemeClr val="accent1"/>
+          </a:effectRef>
+          <a:fontRef idx="minor">
+            <a:schemeClr val="dk1"/>
+          </a:fontRef>
+        </p:style>
+        <p:txBody>
+          <a:bodyPr rtlCol="0" anchor="ctr"/>
+          <a:lstStyle/>
+          <a:p>
+            <a:pPr algn="ctr"/>
+            <a:endParaRPr lang="en-US"/>
+          </a:p>
+        </p:txBody>
+      </p:sp>
+      <p:cxnSp>
+        <p:nvCxnSpPr>
+          <p:cNvPr id="21" name="Straight Arrow Connector 20">
+            <a:extLst>
+              <a:ext uri="{FF2B5EF4-FFF2-40B4-BE49-F238E27FC236}">
+                <a16:creationId xmlns:a16="http://schemas.microsoft.com/office/drawing/2014/main" id="{D2FD0ECE-4A27-1EBC-AF87-8E9C8B94A16A}"/>
+              </a:ext>
+            </a:extLst>
+          </p:cNvPr>
+          <p:cNvCxnSpPr>
+            <a:cxnSpLocks/>
+            <a:stCxn id="19" idx="1"/>
+            <a:endCxn id="2" idx="1"/>
+          </p:cNvCxnSpPr>
+          <p:nvPr/>
+        </p:nvCxnSpPr>
+        <p:spPr>
+          <a:xfrm flipH="1">
+            <a:off x="4898334" y="2873648"/>
+            <a:ext cx="1" cy="387531"/>
+          </a:xfrm>
+          <a:prstGeom prst="straightConnector1">
+            <a:avLst/>
+          </a:prstGeom>
+          <a:ln w="38100">
+            <a:solidFill>
+              <a:schemeClr val="accent6"/>
+            </a:solidFill>
+            <a:headEnd type="triangle"/>
+            <a:tailEnd type="triangle"/>
+          </a:ln>
         </p:spPr>
         <p:style>
           <a:lnRef idx="1">
-            <a:schemeClr val="accent2"/>
-          </a:lnRef>
-          <a:fillRef idx="2">
-            <a:schemeClr val="accent2"/>
-          </a:fillRef>
-          <a:effectRef idx="1">
-            <a:schemeClr val="accent2"/>
-          </a:effectRef>
-          <a:fontRef idx="minor">
-            <a:schemeClr val="dk1"/>
-          </a:fontRef>
-        </p:style>
-        <p:txBody>
-          <a:bodyPr rtlCol="0" anchor="ctr"/>
-          <a:lstStyle/>
-          <a:p>
-            <a:pPr algn="ctr"/>
-            <a:endParaRPr lang="en-US">
-              <a:solidFill>
-                <a:schemeClr val="tx1"/>
-              </a:solidFill>
-            </a:endParaRPr>
-          </a:p>
-        </p:txBody>
-      </p:sp>
-      <p:sp>
-        <p:nvSpPr>
-          <p:cNvPr id="47" name="Oval 46">
-            <a:extLst>
-              <a:ext uri="{FF2B5EF4-FFF2-40B4-BE49-F238E27FC236}">
-                <a16:creationId xmlns:a16="http://schemas.microsoft.com/office/drawing/2014/main" id="{0BB4DFA5-12ED-3248-23A7-4BCF92FFEC4C}"/>
-              </a:ext>
-            </a:extLst>
-          </p:cNvPr>
-          <p:cNvSpPr/>
-          <p:nvPr/>
-        </p:nvSpPr>
-        <p:spPr>
-          <a:xfrm>
-            <a:off x="2682557" y="1286961"/>
-            <a:ext cx="1054100" cy="1054100"/>
-          </a:xfrm>
-          <a:prstGeom prst="ellipse">
-            <a:avLst/>
-          </a:prstGeom>
-          <a:solidFill>
-            <a:schemeClr val="bg1"/>
-          </a:solidFill>
+            <a:schemeClr val="accent1"/>
+          </a:lnRef>
+          <a:fillRef idx="0">
+            <a:schemeClr val="accent1"/>
+          </a:fillRef>
+          <a:effectRef idx="0">
+            <a:schemeClr val="accent1"/>
+          </a:effectRef>
+          <a:fontRef idx="minor">
+            <a:schemeClr val="tx1"/>
+          </a:fontRef>
+        </p:style>
+      </p:cxnSp>
+      <p:cxnSp>
+        <p:nvCxnSpPr>
+          <p:cNvPr id="25" name="Straight Arrow Connector 24">
+            <a:extLst>
+              <a:ext uri="{FF2B5EF4-FFF2-40B4-BE49-F238E27FC236}">
+                <a16:creationId xmlns:a16="http://schemas.microsoft.com/office/drawing/2014/main" id="{376B442C-B094-9D46-A49F-E4B9D680CAB7}"/>
+              </a:ext>
+            </a:extLst>
+          </p:cNvPr>
+          <p:cNvCxnSpPr>
+            <a:stCxn id="4" idx="3"/>
+          </p:cNvCxnSpPr>
+          <p:nvPr/>
+        </p:nvCxnSpPr>
+        <p:spPr>
+          <a:xfrm>
+            <a:off x="3176870" y="2009530"/>
+            <a:ext cx="669573" cy="137322"/>
+          </a:xfrm>
+          <a:prstGeom prst="straightConnector1">
+            <a:avLst/>
+          </a:prstGeom>
           <a:ln w="28575">
-            <a:solidFill>
-              <a:schemeClr val="accent2"/>
-            </a:solidFill>
+            <a:headEnd type="triangle"/>
+            <a:tailEnd type="triangle"/>
           </a:ln>
         </p:spPr>
         <p:style>
-          <a:lnRef idx="2">
-            <a:schemeClr val="accent1">
-              <a:shade val="15000"/>
-            </a:schemeClr>
-          </a:lnRef>
-          <a:fillRef idx="1">
+          <a:lnRef idx="1">
+            <a:schemeClr val="accent1"/>
+          </a:lnRef>
+          <a:fillRef idx="0">
             <a:schemeClr val="accent1"/>
           </a:fillRef>
           <a:effectRef idx="0">
             <a:schemeClr val="accent1"/>
           </a:effectRef>
           <a:fontRef idx="minor">
-            <a:schemeClr val="lt1"/>
-          </a:fontRef>
-        </p:style>
-        <p:txBody>
-          <a:bodyPr lIns="0" tIns="0" rIns="0" bIns="0" rtlCol="0" anchor="ctr"/>
-          <a:lstStyle/>
-          <a:p>
-            <a:pPr algn="ctr"/>
-            <a:r>
-              <a:rPr lang="en-US">
-                <a:solidFill>
-                  <a:schemeClr val="tx1"/>
-                </a:solidFill>
-              </a:rPr>
-              <a:t>Plan</a:t>
-            </a:r>
-          </a:p>
-        </p:txBody>
-      </p:sp>
-      <p:sp>
-        <p:nvSpPr>
-          <p:cNvPr id="48" name="Oval 47">
-            <a:extLst>
-              <a:ext uri="{FF2B5EF4-FFF2-40B4-BE49-F238E27FC236}">
-                <a16:creationId xmlns:a16="http://schemas.microsoft.com/office/drawing/2014/main" id="{EBDFC2B3-0AB5-BE48-190C-ABC8B11E7907}"/>
-              </a:ext>
-            </a:extLst>
-          </p:cNvPr>
-          <p:cNvSpPr/>
-          <p:nvPr/>
-        </p:nvSpPr>
-        <p:spPr>
-          <a:xfrm>
-            <a:off x="3399269" y="3661548"/>
-            <a:ext cx="1054100" cy="1054100"/>
-          </a:xfrm>
-          <a:prstGeom prst="ellipse">
-            <a:avLst/>
-          </a:prstGeom>
-          <a:solidFill>
-            <a:schemeClr val="bg1"/>
-          </a:solidFill>
+            <a:schemeClr val="tx1"/>
+          </a:fontRef>
+        </p:style>
+      </p:cxnSp>
+      <p:cxnSp>
+        <p:nvCxnSpPr>
+          <p:cNvPr id="26" name="Straight Arrow Connector 25">
+            <a:extLst>
+              <a:ext uri="{FF2B5EF4-FFF2-40B4-BE49-F238E27FC236}">
+                <a16:creationId xmlns:a16="http://schemas.microsoft.com/office/drawing/2014/main" id="{17D624F7-5071-65E7-CA72-9A397B02FD27}"/>
+              </a:ext>
+            </a:extLst>
+          </p:cNvPr>
+          <p:cNvCxnSpPr>
+            <a:cxnSpLocks/>
+          </p:cNvCxnSpPr>
+          <p:nvPr/>
+        </p:nvCxnSpPr>
+        <p:spPr>
+          <a:xfrm>
+            <a:off x="3649659" y="1270486"/>
+            <a:ext cx="534116" cy="600573"/>
+          </a:xfrm>
+          <a:prstGeom prst="straightConnector1">
+            <a:avLst/>
+          </a:prstGeom>
           <a:ln w="28575">
-            <a:solidFill>
-              <a:schemeClr val="accent2"/>
-            </a:solidFill>
+            <a:headEnd type="triangle"/>
+            <a:tailEnd type="triangle"/>
           </a:ln>
         </p:spPr>
         <p:style>
-          <a:lnRef idx="2">
-            <a:schemeClr val="accent1">
-              <a:shade val="15000"/>
-            </a:schemeClr>
-          </a:lnRef>
-          <a:fillRef idx="1">
+          <a:lnRef idx="1">
+            <a:schemeClr val="accent1"/>
+          </a:lnRef>
+          <a:fillRef idx="0">
             <a:schemeClr val="accent1"/>
           </a:fillRef>
           <a:effectRef idx="0">
             <a:schemeClr val="accent1"/>
           </a:effectRef>
           <a:fontRef idx="minor">
-            <a:schemeClr val="lt1"/>
-          </a:fontRef>
-        </p:style>
-        <p:txBody>
-          <a:bodyPr lIns="0" tIns="0" rIns="0" bIns="0" rtlCol="0" anchor="ctr"/>
-          <a:lstStyle/>
-          <a:p>
-            <a:pPr algn="ctr"/>
-            <a:r>
-              <a:rPr lang="en-US">
-                <a:solidFill>
-                  <a:schemeClr val="tx1"/>
-                </a:solidFill>
-              </a:rPr>
-              <a:t>Execute</a:t>
-            </a:r>
-          </a:p>
-        </p:txBody>
-      </p:sp>
-      <p:sp>
-        <p:nvSpPr>
-          <p:cNvPr id="49" name="Oval 48">
-            <a:extLst>
-              <a:ext uri="{FF2B5EF4-FFF2-40B4-BE49-F238E27FC236}">
-                <a16:creationId xmlns:a16="http://schemas.microsoft.com/office/drawing/2014/main" id="{0E121D1D-DCF3-FBCC-4950-11D067965551}"/>
-              </a:ext>
-            </a:extLst>
-          </p:cNvPr>
-          <p:cNvSpPr/>
-          <p:nvPr/>
-        </p:nvSpPr>
-        <p:spPr>
-          <a:xfrm>
-            <a:off x="1215151" y="3317213"/>
-            <a:ext cx="1054100" cy="1054100"/>
-          </a:xfrm>
-          <a:prstGeom prst="ellipse">
-            <a:avLst/>
-          </a:prstGeom>
-          <a:solidFill>
-            <a:schemeClr val="bg1"/>
-          </a:solidFill>
+            <a:schemeClr val="tx1"/>
+          </a:fontRef>
+        </p:style>
+      </p:cxnSp>
+      <p:cxnSp>
+        <p:nvCxnSpPr>
+          <p:cNvPr id="28" name="Straight Arrow Connector 27">
+            <a:extLst>
+              <a:ext uri="{FF2B5EF4-FFF2-40B4-BE49-F238E27FC236}">
+                <a16:creationId xmlns:a16="http://schemas.microsoft.com/office/drawing/2014/main" id="{297A345B-8892-6A07-AEC0-D9D2E1131E2C}"/>
+              </a:ext>
+            </a:extLst>
+          </p:cNvPr>
+          <p:cNvCxnSpPr>
+            <a:cxnSpLocks/>
+          </p:cNvCxnSpPr>
+          <p:nvPr/>
+        </p:nvCxnSpPr>
+        <p:spPr>
+          <a:xfrm>
+            <a:off x="4898334" y="1302367"/>
+            <a:ext cx="0" cy="469541"/>
+          </a:xfrm>
+          <a:prstGeom prst="straightConnector1">
+            <a:avLst/>
+          </a:prstGeom>
           <a:ln w="28575">
-            <a:solidFill>
-              <a:schemeClr val="accent2"/>
-            </a:solidFill>
+            <a:headEnd type="triangle"/>
+            <a:tailEnd type="triangle"/>
           </a:ln>
         </p:spPr>
         <p:style>
-          <a:lnRef idx="2">
-            <a:schemeClr val="accent1">
-              <a:shade val="15000"/>
-            </a:schemeClr>
-          </a:lnRef>
-          <a:fillRef idx="1">
+          <a:lnRef idx="1">
+            <a:schemeClr val="accent1"/>
+          </a:lnRef>
+          <a:fillRef idx="0">
             <a:schemeClr val="accent1"/>
           </a:fillRef>
           <a:effectRef idx="0">
             <a:schemeClr val="accent1"/>
           </a:effectRef>
           <a:fontRef idx="minor">
-            <a:schemeClr val="lt1"/>
-          </a:fontRef>
-        </p:style>
-        <p:txBody>
-          <a:bodyPr lIns="0" tIns="0" rIns="0" bIns="0" rtlCol="0" anchor="ctr"/>
-          <a:lstStyle/>
-          <a:p>
-            <a:pPr algn="ctr"/>
-            <a:r>
-              <a:rPr lang="en-US">
-                <a:solidFill>
-                  <a:schemeClr val="tx1"/>
-                </a:solidFill>
-              </a:rPr>
-              <a:t>Assess</a:t>
-            </a:r>
-          </a:p>
-        </p:txBody>
-      </p:sp>
+            <a:schemeClr val="tx1"/>
+          </a:fontRef>
+        </p:style>
+      </p:cxnSp>
+      <p:cxnSp>
+        <p:nvCxnSpPr>
+          <p:cNvPr id="31" name="Straight Arrow Connector 30">
+            <a:extLst>
+              <a:ext uri="{FF2B5EF4-FFF2-40B4-BE49-F238E27FC236}">
+                <a16:creationId xmlns:a16="http://schemas.microsoft.com/office/drawing/2014/main" id="{9698723C-FC4F-D52D-A5FE-1EDCF15E1825}"/>
+              </a:ext>
+            </a:extLst>
+          </p:cNvPr>
+          <p:cNvCxnSpPr>
+            <a:cxnSpLocks/>
+          </p:cNvCxnSpPr>
+          <p:nvPr/>
+        </p:nvCxnSpPr>
+        <p:spPr>
+          <a:xfrm flipH="1">
+            <a:off x="5788630" y="1493947"/>
+            <a:ext cx="319475" cy="391273"/>
+          </a:xfrm>
+          <a:prstGeom prst="straightConnector1">
+            <a:avLst/>
+          </a:prstGeom>
+          <a:ln w="28575">
+            <a:headEnd type="triangle"/>
+            <a:tailEnd type="triangle"/>
+          </a:ln>
+        </p:spPr>
+        <p:style>
+          <a:lnRef idx="1">
+            <a:schemeClr val="accent1"/>
+          </a:lnRef>
+          <a:fillRef idx="0">
+            <a:schemeClr val="accent1"/>
+          </a:fillRef>
+          <a:effectRef idx="0">
+            <a:schemeClr val="accent1"/>
+          </a:effectRef>
+          <a:fontRef idx="minor">
+            <a:schemeClr val="tx1"/>
+          </a:fontRef>
+        </p:style>
+      </p:cxnSp>
+      <p:cxnSp>
+        <p:nvCxnSpPr>
+          <p:cNvPr id="34" name="Straight Arrow Connector 33">
+            <a:extLst>
+              <a:ext uri="{FF2B5EF4-FFF2-40B4-BE49-F238E27FC236}">
+                <a16:creationId xmlns:a16="http://schemas.microsoft.com/office/drawing/2014/main" id="{B7A25D40-15D1-8B21-FDDD-EDB3922A7AE3}"/>
+              </a:ext>
+            </a:extLst>
+          </p:cNvPr>
+          <p:cNvCxnSpPr>
+            <a:cxnSpLocks/>
+          </p:cNvCxnSpPr>
+          <p:nvPr/>
+        </p:nvCxnSpPr>
+        <p:spPr>
+          <a:xfrm flipH="1">
+            <a:off x="6056955" y="1854730"/>
+            <a:ext cx="562844" cy="185290"/>
+          </a:xfrm>
+          <a:prstGeom prst="straightConnector1">
+            <a:avLst/>
+          </a:prstGeom>
+          <a:ln w="28575">
+            <a:headEnd type="triangle"/>
+            <a:tailEnd type="triangle"/>
+          </a:ln>
+        </p:spPr>
+        <p:style>
+          <a:lnRef idx="1">
+            <a:schemeClr val="accent1"/>
+          </a:lnRef>
+          <a:fillRef idx="0">
+            <a:schemeClr val="accent1"/>
+          </a:fillRef>
+          <a:effectRef idx="0">
+            <a:schemeClr val="accent1"/>
+          </a:effectRef>
+          <a:fontRef idx="minor">
+            <a:schemeClr val="tx1"/>
+          </a:fontRef>
+        </p:style>
+      </p:cxnSp>
     </p:spTree>
     <p:extLst>
       <p:ext uri="{BB962C8B-B14F-4D97-AF65-F5344CB8AC3E}">
-        <p14:creationId xmlns:p14="http://schemas.microsoft.com/office/powerpoint/2010/main" val="630530576"/>
+        <p14:creationId xmlns:p14="http://schemas.microsoft.com/office/powerpoint/2010/main" val="2933009385"/>
       </p:ext>
     </p:extLst>
   </p:cSld>
@@ -27058,10 +26563,10 @@
       </p:grpSpPr>
       <p:sp>
         <p:nvSpPr>
-          <p:cNvPr id="2" name="Triangle 1">
-            <a:extLst>
-              <a:ext uri="{FF2B5EF4-FFF2-40B4-BE49-F238E27FC236}">
-                <a16:creationId xmlns:a16="http://schemas.microsoft.com/office/drawing/2014/main" id="{3F7A95C9-E5CB-7D68-B2EA-3F2982E3DBA8}"/>
+          <p:cNvPr id="25" name="Rounded Rectangle 24">
+            <a:extLst>
+              <a:ext uri="{FF2B5EF4-FFF2-40B4-BE49-F238E27FC236}">
+                <a16:creationId xmlns:a16="http://schemas.microsoft.com/office/drawing/2014/main" id="{A945FEE3-5FA0-4CA6-AAD5-66328E34BF37}"/>
               </a:ext>
             </a:extLst>
           </p:cNvPr>
@@ -27069,11 +26574,286 @@
           <p:nvPr/>
         </p:nvSpPr>
         <p:spPr>
-          <a:xfrm>
-            <a:off x="4409953" y="1365814"/>
-            <a:ext cx="2858947" cy="2349660"/>
-          </a:xfrm>
-          <a:prstGeom prst="triangle">
+          <a:xfrm flipH="1">
+            <a:off x="5337082" y="1720215"/>
+            <a:ext cx="1692418" cy="480060"/>
+          </a:xfrm>
+          <a:prstGeom prst="roundRect">
+            <a:avLst/>
+          </a:prstGeom>
+          <a:ln w="28575"/>
+        </p:spPr>
+        <p:style>
+          <a:lnRef idx="2">
+            <a:schemeClr val="accent2"/>
+          </a:lnRef>
+          <a:fillRef idx="1">
+            <a:schemeClr val="lt1"/>
+          </a:fillRef>
+          <a:effectRef idx="0">
+            <a:schemeClr val="accent2"/>
+          </a:effectRef>
+          <a:fontRef idx="minor">
+            <a:schemeClr val="dk1"/>
+          </a:fontRef>
+        </p:style>
+        <p:txBody>
+          <a:bodyPr rot="0" spcFirstLastPara="0" vert="horz" wrap="square" lIns="91440" tIns="45720" rIns="91440" bIns="45720" numCol="1" spcCol="0" rtlCol="0" fromWordArt="0" anchor="ctr" anchorCtr="0" forceAA="0" compatLnSpc="1">
+            <a:prstTxWarp prst="textNoShape">
+              <a:avLst/>
+            </a:prstTxWarp>
+            <a:noAutofit/>
+          </a:bodyPr>
+          <a:lstStyle/>
+          <a:p>
+            <a:pPr algn="ctr">
+              <a:lnSpc>
+                <a:spcPct val="107000"/>
+              </a:lnSpc>
+              <a:spcAft>
+                <a:spcPts val="800"/>
+              </a:spcAft>
+            </a:pPr>
+            <a:r>
+              <a:rPr lang="en-GB" sz="1600">
+                <a:effectLst/>
+                <a:latin typeface="Arial" panose="020B0604020202020204" pitchFamily="34" charset="0"/>
+                <a:ea typeface="Dotum" panose="020B0600000101010101" pitchFamily="34" charset="-127"/>
+                <a:cs typeface="Arial" panose="020B0604020202020204" pitchFamily="34" charset="0"/>
+              </a:rPr>
+              <a:t>Threat</a:t>
+            </a:r>
+            <a:endParaRPr lang="en-GB" sz="1600">
+              <a:effectLst/>
+              <a:latin typeface="Arial" panose="020B0604020202020204" pitchFamily="34" charset="0"/>
+              <a:ea typeface="Calibri" panose="020F0502020204030204" pitchFamily="34" charset="0"/>
+              <a:cs typeface="Arial" panose="020B0604020202020204" pitchFamily="34" charset="0"/>
+            </a:endParaRPr>
+          </a:p>
+        </p:txBody>
+      </p:sp>
+      <p:sp>
+        <p:nvSpPr>
+          <p:cNvPr id="26" name="Rounded Rectangle 25">
+            <a:extLst>
+              <a:ext uri="{FF2B5EF4-FFF2-40B4-BE49-F238E27FC236}">
+                <a16:creationId xmlns:a16="http://schemas.microsoft.com/office/drawing/2014/main" id="{B964D510-9C20-B128-A19E-187D0551C77A}"/>
+              </a:ext>
+            </a:extLst>
+          </p:cNvPr>
+          <p:cNvSpPr/>
+          <p:nvPr/>
+        </p:nvSpPr>
+        <p:spPr>
+          <a:xfrm flipH="1">
+            <a:off x="4765582" y="3931920"/>
+            <a:ext cx="1692418" cy="480060"/>
+          </a:xfrm>
+          <a:prstGeom prst="roundRect">
+            <a:avLst/>
+          </a:prstGeom>
+          <a:ln w="28575"/>
+        </p:spPr>
+        <p:style>
+          <a:lnRef idx="2">
+            <a:schemeClr val="accent2"/>
+          </a:lnRef>
+          <a:fillRef idx="1">
+            <a:schemeClr val="lt1"/>
+          </a:fillRef>
+          <a:effectRef idx="0">
+            <a:schemeClr val="accent2"/>
+          </a:effectRef>
+          <a:fontRef idx="minor">
+            <a:schemeClr val="dk1"/>
+          </a:fontRef>
+        </p:style>
+        <p:txBody>
+          <a:bodyPr rot="0" spcFirstLastPara="0" vert="horz" wrap="square" lIns="91440" tIns="45720" rIns="91440" bIns="45720" numCol="1" spcCol="0" rtlCol="0" fromWordArt="0" anchor="ctr" anchorCtr="0" forceAA="0" compatLnSpc="1">
+            <a:prstTxWarp prst="textNoShape">
+              <a:avLst/>
+            </a:prstTxWarp>
+            <a:noAutofit/>
+          </a:bodyPr>
+          <a:lstStyle/>
+          <a:p>
+            <a:pPr algn="ctr">
+              <a:lnSpc>
+                <a:spcPct val="106000"/>
+              </a:lnSpc>
+            </a:pPr>
+            <a:r>
+              <a:rPr lang="en-GB" sz="1600">
+                <a:effectLst/>
+                <a:latin typeface="Arial" panose="020B0604020202020204" pitchFamily="34" charset="0"/>
+                <a:ea typeface="Dotum" panose="020B0600000101010101" pitchFamily="34" charset="-127"/>
+                <a:cs typeface="Arial" panose="020B0604020202020204" pitchFamily="34" charset="0"/>
+              </a:rPr>
+              <a:t>Compromise</a:t>
+            </a:r>
+            <a:endParaRPr lang="en-GB" sz="1600">
+              <a:effectLst/>
+              <a:latin typeface="Arial" panose="020B0604020202020204" pitchFamily="34" charset="0"/>
+              <a:ea typeface="Times New Roman" panose="02020603050405020304" pitchFamily="18" charset="0"/>
+              <a:cs typeface="Arial" panose="020B0604020202020204" pitchFamily="34" charset="0"/>
+            </a:endParaRPr>
+          </a:p>
+        </p:txBody>
+      </p:sp>
+      <p:sp>
+        <p:nvSpPr>
+          <p:cNvPr id="27" name="Rounded Rectangle 26">
+            <a:extLst>
+              <a:ext uri="{FF2B5EF4-FFF2-40B4-BE49-F238E27FC236}">
+                <a16:creationId xmlns:a16="http://schemas.microsoft.com/office/drawing/2014/main" id="{68312038-34DA-2995-C3B9-7EDC6DEA3AB2}"/>
+              </a:ext>
+            </a:extLst>
+          </p:cNvPr>
+          <p:cNvSpPr/>
+          <p:nvPr/>
+        </p:nvSpPr>
+        <p:spPr>
+          <a:xfrm flipH="1">
+            <a:off x="4956082" y="3188970"/>
+            <a:ext cx="1692418" cy="480060"/>
+          </a:xfrm>
+          <a:prstGeom prst="roundRect">
+            <a:avLst/>
+          </a:prstGeom>
+          <a:ln w="28575"/>
+        </p:spPr>
+        <p:style>
+          <a:lnRef idx="2">
+            <a:schemeClr val="accent2"/>
+          </a:lnRef>
+          <a:fillRef idx="1">
+            <a:schemeClr val="lt1"/>
+          </a:fillRef>
+          <a:effectRef idx="0">
+            <a:schemeClr val="accent2"/>
+          </a:effectRef>
+          <a:fontRef idx="minor">
+            <a:schemeClr val="dk1"/>
+          </a:fontRef>
+        </p:style>
+        <p:txBody>
+          <a:bodyPr rot="0" spcFirstLastPara="0" vert="horz" wrap="square" lIns="91440" tIns="45720" rIns="91440" bIns="45720" numCol="1" spcCol="0" rtlCol="0" fromWordArt="0" anchor="ctr" anchorCtr="0" forceAA="0" compatLnSpc="1">
+            <a:prstTxWarp prst="textNoShape">
+              <a:avLst/>
+            </a:prstTxWarp>
+            <a:noAutofit/>
+          </a:bodyPr>
+          <a:lstStyle/>
+          <a:p>
+            <a:pPr algn="ctr">
+              <a:lnSpc>
+                <a:spcPct val="106000"/>
+              </a:lnSpc>
+            </a:pPr>
+            <a:r>
+              <a:rPr lang="en-GB" sz="1600">
+                <a:effectLst/>
+                <a:latin typeface="Arial" panose="020B0604020202020204" pitchFamily="34" charset="0"/>
+                <a:ea typeface="Dotum" panose="020B0600000101010101" pitchFamily="34" charset="-127"/>
+                <a:cs typeface="Arial" panose="020B0604020202020204" pitchFamily="34" charset="0"/>
+              </a:rPr>
+              <a:t>Attack</a:t>
+            </a:r>
+            <a:endParaRPr lang="en-GB" sz="1600">
+              <a:effectLst/>
+              <a:latin typeface="Arial" panose="020B0604020202020204" pitchFamily="34" charset="0"/>
+              <a:ea typeface="Times New Roman" panose="02020603050405020304" pitchFamily="18" charset="0"/>
+              <a:cs typeface="Arial" panose="020B0604020202020204" pitchFamily="34" charset="0"/>
+            </a:endParaRPr>
+          </a:p>
+        </p:txBody>
+      </p:sp>
+      <p:sp>
+        <p:nvSpPr>
+          <p:cNvPr id="28" name="Rounded Rectangle 27">
+            <a:extLst>
+              <a:ext uri="{FF2B5EF4-FFF2-40B4-BE49-F238E27FC236}">
+                <a16:creationId xmlns:a16="http://schemas.microsoft.com/office/drawing/2014/main" id="{69277467-5544-6A27-9252-FEC20AA84244}"/>
+              </a:ext>
+            </a:extLst>
+          </p:cNvPr>
+          <p:cNvSpPr/>
+          <p:nvPr/>
+        </p:nvSpPr>
+        <p:spPr>
+          <a:xfrm flipH="1">
+            <a:off x="5146582" y="2465070"/>
+            <a:ext cx="1692418" cy="480060"/>
+          </a:xfrm>
+          <a:prstGeom prst="roundRect">
+            <a:avLst/>
+          </a:prstGeom>
+          <a:ln w="28575"/>
+        </p:spPr>
+        <p:style>
+          <a:lnRef idx="2">
+            <a:schemeClr val="accent2"/>
+          </a:lnRef>
+          <a:fillRef idx="1">
+            <a:schemeClr val="lt1"/>
+          </a:fillRef>
+          <a:effectRef idx="0">
+            <a:schemeClr val="accent2"/>
+          </a:effectRef>
+          <a:fontRef idx="minor">
+            <a:schemeClr val="dk1"/>
+          </a:fontRef>
+        </p:style>
+        <p:txBody>
+          <a:bodyPr rot="0" spcFirstLastPara="0" vert="horz" wrap="square" lIns="91440" tIns="45720" rIns="91440" bIns="45720" numCol="1" spcCol="0" rtlCol="0" fromWordArt="0" anchor="ctr" anchorCtr="0" forceAA="0" compatLnSpc="1">
+            <a:prstTxWarp prst="textNoShape">
+              <a:avLst/>
+            </a:prstTxWarp>
+            <a:noAutofit/>
+          </a:bodyPr>
+          <a:lstStyle/>
+          <a:p>
+            <a:pPr algn="ctr">
+              <a:lnSpc>
+                <a:spcPct val="106000"/>
+              </a:lnSpc>
+            </a:pPr>
+            <a:r>
+              <a:rPr lang="en-GB" sz="1600">
+                <a:effectLst/>
+                <a:latin typeface="Arial" panose="020B0604020202020204" pitchFamily="34" charset="0"/>
+                <a:ea typeface="Dotum" panose="020B0600000101010101" pitchFamily="34" charset="-127"/>
+                <a:cs typeface="Arial" panose="020B0604020202020204" pitchFamily="34" charset="0"/>
+              </a:rPr>
+              <a:t>Vulnerability</a:t>
+            </a:r>
+            <a:endParaRPr lang="en-GB" sz="1600">
+              <a:effectLst/>
+              <a:latin typeface="Arial" panose="020B0604020202020204" pitchFamily="34" charset="0"/>
+              <a:ea typeface="Times New Roman" panose="02020603050405020304" pitchFamily="18" charset="0"/>
+              <a:cs typeface="Arial" panose="020B0604020202020204" pitchFamily="34" charset="0"/>
+            </a:endParaRPr>
+          </a:p>
+        </p:txBody>
+      </p:sp>
+      <p:sp>
+        <p:nvSpPr>
+          <p:cNvPr id="29" name="Down Arrow 28">
+            <a:extLst>
+              <a:ext uri="{FF2B5EF4-FFF2-40B4-BE49-F238E27FC236}">
+                <a16:creationId xmlns:a16="http://schemas.microsoft.com/office/drawing/2014/main" id="{79224989-A76C-93CD-FED6-1D0634BA799F}"/>
+              </a:ext>
+            </a:extLst>
+          </p:cNvPr>
+          <p:cNvSpPr/>
+          <p:nvPr/>
+        </p:nvSpPr>
+        <p:spPr>
+          <a:xfrm>
+            <a:off x="5417727" y="2202815"/>
+            <a:ext cx="247650" cy="273050"/>
+          </a:xfrm>
+          <a:prstGeom prst="downArrow">
             <a:avLst/>
           </a:prstGeom>
         </p:spPr>
@@ -27092,188 +26872,638 @@
           </a:fontRef>
         </p:style>
         <p:txBody>
-          <a:bodyPr lIns="0" tIns="0" rIns="0" bIns="324000" rtlCol="0" anchor="b" anchorCtr="0">
+          <a:bodyPr rot="0" spcFirstLastPara="0" vert="horz" wrap="square" lIns="91440" tIns="45720" rIns="91440" bIns="45720" numCol="1" spcCol="0" rtlCol="0" fromWordArt="0" anchor="ctr" anchorCtr="0" forceAA="0" compatLnSpc="1">
+            <a:prstTxWarp prst="textNoShape">
+              <a:avLst/>
+            </a:prstTxWarp>
             <a:noAutofit/>
           </a:bodyPr>
           <a:lstStyle/>
           <a:p>
+            <a:endParaRPr lang="en-GB" sz="1600">
+              <a:latin typeface="Arial" panose="020B0604020202020204" pitchFamily="34" charset="0"/>
+              <a:cs typeface="Arial" panose="020B0604020202020204" pitchFamily="34" charset="0"/>
+            </a:endParaRPr>
+          </a:p>
+        </p:txBody>
+      </p:sp>
+      <p:sp>
+        <p:nvSpPr>
+          <p:cNvPr id="30" name="Down Arrow 29">
+            <a:extLst>
+              <a:ext uri="{FF2B5EF4-FFF2-40B4-BE49-F238E27FC236}">
+                <a16:creationId xmlns:a16="http://schemas.microsoft.com/office/drawing/2014/main" id="{F2EEE294-7B55-E0C4-FEBE-2DACA9B86EA8}"/>
+              </a:ext>
+            </a:extLst>
+          </p:cNvPr>
+          <p:cNvSpPr/>
+          <p:nvPr/>
+        </p:nvSpPr>
+        <p:spPr>
+          <a:xfrm>
+            <a:off x="5229132" y="2941320"/>
+            <a:ext cx="247650" cy="273050"/>
+          </a:xfrm>
+          <a:prstGeom prst="downArrow">
+            <a:avLst/>
+          </a:prstGeom>
+        </p:spPr>
+        <p:style>
+          <a:lnRef idx="1">
+            <a:schemeClr val="accent2"/>
+          </a:lnRef>
+          <a:fillRef idx="2">
+            <a:schemeClr val="accent2"/>
+          </a:fillRef>
+          <a:effectRef idx="1">
+            <a:schemeClr val="accent2"/>
+          </a:effectRef>
+          <a:fontRef idx="minor">
+            <a:schemeClr val="dk1"/>
+          </a:fontRef>
+        </p:style>
+        <p:txBody>
+          <a:bodyPr rot="0" spcFirstLastPara="0" vert="horz" wrap="square" lIns="91440" tIns="45720" rIns="91440" bIns="45720" numCol="1" spcCol="0" rtlCol="0" fromWordArt="0" anchor="ctr" anchorCtr="0" forceAA="0" compatLnSpc="1">
+            <a:prstTxWarp prst="textNoShape">
+              <a:avLst/>
+            </a:prstTxWarp>
+            <a:noAutofit/>
+          </a:bodyPr>
+          <a:lstStyle/>
+          <a:p>
+            <a:pPr algn="ctr">
+              <a:lnSpc>
+                <a:spcPct val="107000"/>
+              </a:lnSpc>
+              <a:spcAft>
+                <a:spcPts val="800"/>
+              </a:spcAft>
+            </a:pPr>
+            <a:r>
+              <a:rPr lang="en-GB" sz="1600">
+                <a:effectLst/>
+                <a:latin typeface="Arial" panose="020B0604020202020204" pitchFamily="34" charset="0"/>
+                <a:ea typeface="Calibri" panose="020F0502020204030204" pitchFamily="34" charset="0"/>
+                <a:cs typeface="Arial" panose="020B0604020202020204" pitchFamily="34" charset="0"/>
+              </a:rPr>
+              <a:t> </a:t>
+            </a:r>
+          </a:p>
+        </p:txBody>
+      </p:sp>
+      <p:sp>
+        <p:nvSpPr>
+          <p:cNvPr id="31" name="Down Arrow 30">
+            <a:extLst>
+              <a:ext uri="{FF2B5EF4-FFF2-40B4-BE49-F238E27FC236}">
+                <a16:creationId xmlns:a16="http://schemas.microsoft.com/office/drawing/2014/main" id="{F2382FD7-92D0-6D17-5513-0DCD300BC894}"/>
+              </a:ext>
+            </a:extLst>
+          </p:cNvPr>
+          <p:cNvSpPr/>
+          <p:nvPr/>
+        </p:nvSpPr>
+        <p:spPr>
+          <a:xfrm>
+            <a:off x="5044982" y="3671570"/>
+            <a:ext cx="247650" cy="273050"/>
+          </a:xfrm>
+          <a:prstGeom prst="downArrow">
+            <a:avLst/>
+          </a:prstGeom>
+        </p:spPr>
+        <p:style>
+          <a:lnRef idx="1">
+            <a:schemeClr val="accent2"/>
+          </a:lnRef>
+          <a:fillRef idx="2">
+            <a:schemeClr val="accent2"/>
+          </a:fillRef>
+          <a:effectRef idx="1">
+            <a:schemeClr val="accent2"/>
+          </a:effectRef>
+          <a:fontRef idx="minor">
+            <a:schemeClr val="dk1"/>
+          </a:fontRef>
+        </p:style>
+        <p:txBody>
+          <a:bodyPr rot="0" spcFirstLastPara="0" vert="horz" wrap="square" lIns="91440" tIns="45720" rIns="91440" bIns="45720" numCol="1" spcCol="0" rtlCol="0" fromWordArt="0" anchor="ctr" anchorCtr="0" forceAA="0" compatLnSpc="1">
+            <a:prstTxWarp prst="textNoShape">
+              <a:avLst/>
+            </a:prstTxWarp>
+            <a:noAutofit/>
+          </a:bodyPr>
+          <a:lstStyle/>
+          <a:p>
+            <a:endParaRPr lang="en-GB" sz="1600">
+              <a:latin typeface="Arial" panose="020B0604020202020204" pitchFamily="34" charset="0"/>
+              <a:cs typeface="Arial" panose="020B0604020202020204" pitchFamily="34" charset="0"/>
+            </a:endParaRPr>
+          </a:p>
+        </p:txBody>
+      </p:sp>
+      <p:sp>
+        <p:nvSpPr>
+          <p:cNvPr id="32" name="Text Box 8">
+            <a:extLst>
+              <a:ext uri="{FF2B5EF4-FFF2-40B4-BE49-F238E27FC236}">
+                <a16:creationId xmlns:a16="http://schemas.microsoft.com/office/drawing/2014/main" id="{3DBB94B9-3B8F-1B8D-BF65-562ECE7668D4}"/>
+              </a:ext>
+            </a:extLst>
+          </p:cNvPr>
+          <p:cNvSpPr txBox="1"/>
+          <p:nvPr/>
+        </p:nvSpPr>
+        <p:spPr>
+          <a:xfrm>
+            <a:off x="7110145" y="1765437"/>
+            <a:ext cx="2137470" cy="434838"/>
+          </a:xfrm>
+          <a:prstGeom prst="rect">
+            <a:avLst/>
+          </a:prstGeom>
+          <a:noFill/>
+          <a:ln w="6350">
+            <a:noFill/>
+          </a:ln>
+        </p:spPr>
+        <p:txBody>
+          <a:bodyPr rot="0" spcFirstLastPara="0" vert="horz" wrap="square" lIns="91440" tIns="45720" rIns="91440" bIns="45720" numCol="1" spcCol="0" rtlCol="0" fromWordArt="0" anchor="t" anchorCtr="0" forceAA="0" compatLnSpc="1">
+            <a:prstTxWarp prst="textNoShape">
+              <a:avLst/>
+            </a:prstTxWarp>
+            <a:noAutofit/>
+          </a:bodyPr>
+          <a:lstStyle/>
+          <a:p>
+            <a:pPr>
+              <a:lnSpc>
+                <a:spcPct val="107000"/>
+              </a:lnSpc>
+              <a:spcAft>
+                <a:spcPts val="800"/>
+              </a:spcAft>
+            </a:pPr>
+            <a:r>
+              <a:rPr lang="en-GB" sz="1600">
+                <a:effectLst/>
+                <a:latin typeface="Arial" panose="020B0604020202020204" pitchFamily="34" charset="0"/>
+                <a:ea typeface="Calibri" panose="020F0502020204030204" pitchFamily="34" charset="0"/>
+                <a:cs typeface="Arial" panose="020B0604020202020204" pitchFamily="34" charset="0"/>
+              </a:rPr>
+              <a:t>The exploit potential</a:t>
+            </a:r>
+          </a:p>
+        </p:txBody>
+      </p:sp>
+      <p:sp>
+        <p:nvSpPr>
+          <p:cNvPr id="33" name="Text Box 594">
+            <a:extLst>
+              <a:ext uri="{FF2B5EF4-FFF2-40B4-BE49-F238E27FC236}">
+                <a16:creationId xmlns:a16="http://schemas.microsoft.com/office/drawing/2014/main" id="{79EA2CD3-957B-020E-0B97-BA02538A9B9B}"/>
+              </a:ext>
+            </a:extLst>
+          </p:cNvPr>
+          <p:cNvSpPr txBox="1"/>
+          <p:nvPr/>
+        </p:nvSpPr>
+        <p:spPr>
+          <a:xfrm>
+            <a:off x="7015197" y="2487681"/>
+            <a:ext cx="3008983" cy="434838"/>
+          </a:xfrm>
+          <a:prstGeom prst="rect">
+            <a:avLst/>
+          </a:prstGeom>
+          <a:noFill/>
+          <a:ln w="6350">
+            <a:noFill/>
+          </a:ln>
+        </p:spPr>
+        <p:txBody>
+          <a:bodyPr rot="0" spcFirstLastPara="0" vert="horz" wrap="square" lIns="91440" tIns="45720" rIns="91440" bIns="45720" numCol="1" spcCol="0" rtlCol="0" fromWordArt="0" anchor="t" anchorCtr="0" forceAA="0" compatLnSpc="1">
+            <a:prstTxWarp prst="textNoShape">
+              <a:avLst/>
+            </a:prstTxWarp>
+            <a:noAutofit/>
+          </a:bodyPr>
+          <a:lstStyle/>
+          <a:p>
+            <a:pPr>
+              <a:lnSpc>
+                <a:spcPct val="106000"/>
+              </a:lnSpc>
+            </a:pPr>
+            <a:r>
+              <a:rPr lang="en-GB" sz="1600">
+                <a:effectLst/>
+                <a:latin typeface="Arial" panose="020B0604020202020204" pitchFamily="34" charset="0"/>
+                <a:ea typeface="Calibri" panose="020F0502020204030204" pitchFamily="34" charset="0"/>
+                <a:cs typeface="Arial" panose="020B0604020202020204" pitchFamily="34" charset="0"/>
+              </a:rPr>
+              <a:t>The weak spot to be exploited</a:t>
+            </a:r>
+            <a:endParaRPr lang="en-GB" sz="1600">
+              <a:effectLst/>
+              <a:latin typeface="Arial" panose="020B0604020202020204" pitchFamily="34" charset="0"/>
+              <a:ea typeface="Times New Roman" panose="02020603050405020304" pitchFamily="18" charset="0"/>
+              <a:cs typeface="Arial" panose="020B0604020202020204" pitchFamily="34" charset="0"/>
+            </a:endParaRPr>
+          </a:p>
+        </p:txBody>
+      </p:sp>
+      <p:sp>
+        <p:nvSpPr>
+          <p:cNvPr id="34" name="Text Box 594">
+            <a:extLst>
+              <a:ext uri="{FF2B5EF4-FFF2-40B4-BE49-F238E27FC236}">
+                <a16:creationId xmlns:a16="http://schemas.microsoft.com/office/drawing/2014/main" id="{9C882886-F65B-8E2A-3B7C-1AE73328E95D}"/>
+              </a:ext>
+            </a:extLst>
+          </p:cNvPr>
+          <p:cNvSpPr txBox="1"/>
+          <p:nvPr/>
+        </p:nvSpPr>
+        <p:spPr>
+          <a:xfrm>
+            <a:off x="6839000" y="3269408"/>
+            <a:ext cx="3091831" cy="319184"/>
+          </a:xfrm>
+          <a:prstGeom prst="rect">
+            <a:avLst/>
+          </a:prstGeom>
+          <a:noFill/>
+          <a:ln w="6350">
+            <a:noFill/>
+          </a:ln>
+        </p:spPr>
+        <p:txBody>
+          <a:bodyPr rot="0" spcFirstLastPara="0" vert="horz" wrap="square" lIns="91440" tIns="45720" rIns="91440" bIns="45720" numCol="1" spcCol="0" rtlCol="0" fromWordArt="0" anchor="t" anchorCtr="0" forceAA="0" compatLnSpc="1">
+            <a:prstTxWarp prst="textNoShape">
+              <a:avLst/>
+            </a:prstTxWarp>
+            <a:noAutofit/>
+          </a:bodyPr>
+          <a:lstStyle/>
+          <a:p>
+            <a:pPr>
+              <a:lnSpc>
+                <a:spcPct val="105000"/>
+              </a:lnSpc>
+            </a:pPr>
+            <a:r>
+              <a:rPr lang="en-GB" sz="1600">
+                <a:effectLst/>
+                <a:latin typeface="Arial" panose="020B0604020202020204" pitchFamily="34" charset="0"/>
+                <a:ea typeface="Calibri" panose="020F0502020204030204" pitchFamily="34" charset="0"/>
+                <a:cs typeface="Arial" panose="020B0604020202020204" pitchFamily="34" charset="0"/>
+              </a:rPr>
+              <a:t>The targeted exploit performed</a:t>
+            </a:r>
+            <a:endParaRPr lang="en-GB" sz="1600">
+              <a:effectLst/>
+              <a:latin typeface="Arial" panose="020B0604020202020204" pitchFamily="34" charset="0"/>
+              <a:ea typeface="Times New Roman" panose="02020603050405020304" pitchFamily="18" charset="0"/>
+              <a:cs typeface="Arial" panose="020B0604020202020204" pitchFamily="34" charset="0"/>
+            </a:endParaRPr>
+          </a:p>
+        </p:txBody>
+      </p:sp>
+      <p:sp>
+        <p:nvSpPr>
+          <p:cNvPr id="35" name="Text Box 594">
+            <a:extLst>
+              <a:ext uri="{FF2B5EF4-FFF2-40B4-BE49-F238E27FC236}">
+                <a16:creationId xmlns:a16="http://schemas.microsoft.com/office/drawing/2014/main" id="{26EB2BE3-6CBB-35FD-E62B-9398480E1371}"/>
+              </a:ext>
+            </a:extLst>
+          </p:cNvPr>
+          <p:cNvSpPr txBox="1"/>
+          <p:nvPr/>
+        </p:nvSpPr>
+        <p:spPr>
+          <a:xfrm>
+            <a:off x="6648500" y="3971924"/>
+            <a:ext cx="3967907" cy="400052"/>
+          </a:xfrm>
+          <a:prstGeom prst="rect">
+            <a:avLst/>
+          </a:prstGeom>
+          <a:noFill/>
+          <a:ln w="6350">
+            <a:noFill/>
+          </a:ln>
+        </p:spPr>
+        <p:txBody>
+          <a:bodyPr rot="0" spcFirstLastPara="0" vert="horz" wrap="square" lIns="91440" tIns="45720" rIns="91440" bIns="45720" numCol="1" spcCol="0" rtlCol="0" fromWordArt="0" anchor="t" anchorCtr="0" forceAA="0" compatLnSpc="1">
+            <a:prstTxWarp prst="textNoShape">
+              <a:avLst/>
+            </a:prstTxWarp>
+            <a:noAutofit/>
+          </a:bodyPr>
+          <a:lstStyle/>
+          <a:p>
+            <a:pPr>
+              <a:lnSpc>
+                <a:spcPct val="105000"/>
+              </a:lnSpc>
+            </a:pPr>
+            <a:r>
+              <a:rPr lang="en-GB" sz="1600">
+                <a:effectLst/>
+                <a:latin typeface="Arial" panose="020B0604020202020204" pitchFamily="34" charset="0"/>
+                <a:ea typeface="Calibri" panose="020F0502020204030204" pitchFamily="34" charset="0"/>
+                <a:cs typeface="Arial" panose="020B0604020202020204" pitchFamily="34" charset="0"/>
+              </a:rPr>
+              <a:t>The impact of the successful exploitation</a:t>
+            </a:r>
+            <a:endParaRPr lang="en-GB" sz="1600">
+              <a:effectLst/>
+              <a:latin typeface="Arial" panose="020B0604020202020204" pitchFamily="34" charset="0"/>
+              <a:ea typeface="Times New Roman" panose="02020603050405020304" pitchFamily="18" charset="0"/>
+              <a:cs typeface="Arial" panose="020B0604020202020204" pitchFamily="34" charset="0"/>
+            </a:endParaRPr>
+          </a:p>
+        </p:txBody>
+      </p:sp>
+      <p:pic>
+        <p:nvPicPr>
+          <p:cNvPr id="36" name="Picture 35">
+            <a:extLst>
+              <a:ext uri="{FF2B5EF4-FFF2-40B4-BE49-F238E27FC236}">
+                <a16:creationId xmlns:a16="http://schemas.microsoft.com/office/drawing/2014/main" id="{29999080-0940-C4E7-1527-50F446BFE1BD}"/>
+              </a:ext>
+            </a:extLst>
+          </p:cNvPr>
+          <p:cNvPicPr>
+            <a:picLocks noChangeAspect="1"/>
+          </p:cNvPicPr>
+          <p:nvPr/>
+        </p:nvPicPr>
+        <p:blipFill>
+          <a:blip r:embed="rId2">
+            <a:duotone>
+              <a:schemeClr val="accent2">
+                <a:shade val="45000"/>
+                <a:satMod val="135000"/>
+              </a:schemeClr>
+              <a:prstClr val="white"/>
+            </a:duotone>
+            <a:alphaModFix amt="85000"/>
+            <a:extLst>
+              <a:ext uri="{28A0092B-C50C-407E-A947-70E740481C1C}">
+                <a14:useLocalDpi xmlns:a14="http://schemas.microsoft.com/office/drawing/2010/main" val="0"/>
+              </a:ext>
+            </a:extLst>
+          </a:blip>
+          <a:stretch>
+            <a:fillRect/>
+          </a:stretch>
+        </p:blipFill>
+        <p:spPr>
+          <a:xfrm>
+            <a:off x="2370344" y="2545836"/>
+            <a:ext cx="1224315" cy="1224315"/>
+          </a:xfrm>
+          <a:prstGeom prst="rect">
+            <a:avLst/>
+          </a:prstGeom>
+        </p:spPr>
+      </p:pic>
+      <p:sp>
+        <p:nvSpPr>
+          <p:cNvPr id="46" name="Circular Arrow 45">
+            <a:extLst>
+              <a:ext uri="{FF2B5EF4-FFF2-40B4-BE49-F238E27FC236}">
+                <a16:creationId xmlns:a16="http://schemas.microsoft.com/office/drawing/2014/main" id="{EE6891D6-743B-FBD9-8E45-C8E2284BBCE7}"/>
+              </a:ext>
+            </a:extLst>
+          </p:cNvPr>
+          <p:cNvSpPr/>
+          <p:nvPr/>
+        </p:nvSpPr>
+        <p:spPr>
+          <a:xfrm rot="13870649">
+            <a:off x="1314135" y="1501905"/>
+            <a:ext cx="3354442" cy="3354442"/>
+          </a:xfrm>
+          <a:prstGeom prst="circularArrow">
+            <a:avLst>
+              <a:gd name="adj1" fmla="val 6160"/>
+              <a:gd name="adj2" fmla="val 1142319"/>
+              <a:gd name="adj3" fmla="val 20488459"/>
+              <a:gd name="adj4" fmla="val 265192"/>
+              <a:gd name="adj5" fmla="val 8373"/>
+            </a:avLst>
+          </a:prstGeom>
+        </p:spPr>
+        <p:style>
+          <a:lnRef idx="1">
+            <a:schemeClr val="accent2"/>
+          </a:lnRef>
+          <a:fillRef idx="2">
+            <a:schemeClr val="accent2"/>
+          </a:fillRef>
+          <a:effectRef idx="1">
+            <a:schemeClr val="accent2"/>
+          </a:effectRef>
+          <a:fontRef idx="minor">
+            <a:schemeClr val="dk1"/>
+          </a:fontRef>
+        </p:style>
+        <p:txBody>
+          <a:bodyPr rtlCol="0" anchor="ctr"/>
+          <a:lstStyle/>
+          <a:p>
             <a:pPr algn="ctr"/>
-            <a:endParaRPr lang="en-US"/>
-          </a:p>
+            <a:endParaRPr lang="en-US">
+              <a:solidFill>
+                <a:schemeClr val="tx1"/>
+              </a:solidFill>
+            </a:endParaRPr>
+          </a:p>
+        </p:txBody>
+      </p:sp>
+      <p:sp>
+        <p:nvSpPr>
+          <p:cNvPr id="47" name="Oval 46">
+            <a:extLst>
+              <a:ext uri="{FF2B5EF4-FFF2-40B4-BE49-F238E27FC236}">
+                <a16:creationId xmlns:a16="http://schemas.microsoft.com/office/drawing/2014/main" id="{0BB4DFA5-12ED-3248-23A7-4BCF92FFEC4C}"/>
+              </a:ext>
+            </a:extLst>
+          </p:cNvPr>
+          <p:cNvSpPr/>
+          <p:nvPr/>
+        </p:nvSpPr>
+        <p:spPr>
+          <a:xfrm>
+            <a:off x="2682557" y="1286961"/>
+            <a:ext cx="1054100" cy="1054100"/>
+          </a:xfrm>
+          <a:prstGeom prst="ellipse">
+            <a:avLst/>
+          </a:prstGeom>
+          <a:solidFill>
+            <a:schemeClr val="bg1"/>
+          </a:solidFill>
+          <a:ln w="28575">
+            <a:solidFill>
+              <a:schemeClr val="accent2"/>
+            </a:solidFill>
+          </a:ln>
+        </p:spPr>
+        <p:style>
+          <a:lnRef idx="2">
+            <a:schemeClr val="accent1">
+              <a:shade val="15000"/>
+            </a:schemeClr>
+          </a:lnRef>
+          <a:fillRef idx="1">
+            <a:schemeClr val="accent1"/>
+          </a:fillRef>
+          <a:effectRef idx="0">
+            <a:schemeClr val="accent1"/>
+          </a:effectRef>
+          <a:fontRef idx="minor">
+            <a:schemeClr val="lt1"/>
+          </a:fontRef>
+        </p:style>
+        <p:txBody>
+          <a:bodyPr lIns="0" tIns="0" rIns="0" bIns="0" rtlCol="0" anchor="ctr"/>
+          <a:lstStyle/>
           <a:p>
             <a:pPr algn="ctr"/>
             <a:r>
-              <a:rPr lang="en-US" sz="6000" b="1">
+              <a:rPr lang="en-US">
                 <a:solidFill>
-                  <a:schemeClr val="accent2">
-                    <a:lumMod val="75000"/>
-                  </a:schemeClr>
+                  <a:schemeClr val="tx1"/>
                 </a:solidFill>
               </a:rPr>
-              <a:t>C</a:t>
-            </a:r>
-          </a:p>
+              <a:t>Plan</a:t>
+            </a:r>
+          </a:p>
+        </p:txBody>
+      </p:sp>
+      <p:sp>
+        <p:nvSpPr>
+          <p:cNvPr id="48" name="Oval 47">
+            <a:extLst>
+              <a:ext uri="{FF2B5EF4-FFF2-40B4-BE49-F238E27FC236}">
+                <a16:creationId xmlns:a16="http://schemas.microsoft.com/office/drawing/2014/main" id="{EBDFC2B3-0AB5-BE48-190C-ABC8B11E7907}"/>
+              </a:ext>
+            </a:extLst>
+          </p:cNvPr>
+          <p:cNvSpPr/>
+          <p:nvPr/>
+        </p:nvSpPr>
+        <p:spPr>
+          <a:xfrm>
+            <a:off x="3399269" y="3661548"/>
+            <a:ext cx="1054100" cy="1054100"/>
+          </a:xfrm>
+          <a:prstGeom prst="ellipse">
+            <a:avLst/>
+          </a:prstGeom>
+          <a:solidFill>
+            <a:schemeClr val="bg1"/>
+          </a:solidFill>
+          <a:ln w="28575">
+            <a:solidFill>
+              <a:schemeClr val="accent2"/>
+            </a:solidFill>
+          </a:ln>
+        </p:spPr>
+        <p:style>
+          <a:lnRef idx="2">
+            <a:schemeClr val="accent1">
+              <a:shade val="15000"/>
+            </a:schemeClr>
+          </a:lnRef>
+          <a:fillRef idx="1">
+            <a:schemeClr val="accent1"/>
+          </a:fillRef>
+          <a:effectRef idx="0">
+            <a:schemeClr val="accent1"/>
+          </a:effectRef>
+          <a:fontRef idx="minor">
+            <a:schemeClr val="lt1"/>
+          </a:fontRef>
+        </p:style>
+        <p:txBody>
+          <a:bodyPr lIns="0" tIns="0" rIns="0" bIns="0" rtlCol="0" anchor="ctr"/>
+          <a:lstStyle/>
           <a:p>
             <a:pPr algn="ctr"/>
             <a:r>
-              <a:rPr lang="en-US"/>
-              <a:t>Confidentiality</a:t>
-            </a:r>
-          </a:p>
-        </p:txBody>
-      </p:sp>
-      <p:sp>
-        <p:nvSpPr>
-          <p:cNvPr id="3" name="Triangle 2">
-            <a:extLst>
-              <a:ext uri="{FF2B5EF4-FFF2-40B4-BE49-F238E27FC236}">
-                <a16:creationId xmlns:a16="http://schemas.microsoft.com/office/drawing/2014/main" id="{682D39CE-2DE9-F5F5-C515-16EAF568536F}"/>
-              </a:ext>
-            </a:extLst>
-          </p:cNvPr>
-          <p:cNvSpPr/>
-          <p:nvPr/>
-        </p:nvSpPr>
-        <p:spPr>
-          <a:xfrm>
-            <a:off x="2980479" y="3715474"/>
-            <a:ext cx="2858947" cy="2349660"/>
-          </a:xfrm>
-          <a:prstGeom prst="triangle">
-            <a:avLst/>
-          </a:prstGeom>
-        </p:spPr>
-        <p:style>
-          <a:lnRef idx="1">
-            <a:schemeClr val="accent1"/>
-          </a:lnRef>
-          <a:fillRef idx="2">
-            <a:schemeClr val="accent1"/>
-          </a:fillRef>
-          <a:effectRef idx="1">
-            <a:schemeClr val="accent1"/>
-          </a:effectRef>
-          <a:fontRef idx="minor">
-            <a:schemeClr val="dk1"/>
-          </a:fontRef>
-        </p:style>
-        <p:txBody>
-          <a:bodyPr lIns="0" tIns="0" rIns="0" bIns="324000" rtlCol="0" anchor="b" anchorCtr="0"/>
-          <a:lstStyle/>
-          <a:p>
-            <a:pPr algn="ctr"/>
-            <a:r>
-              <a:rPr lang="en-US" sz="6000" b="1">
+              <a:rPr lang="en-US">
                 <a:solidFill>
-                  <a:schemeClr val="accent1">
-                    <a:lumMod val="75000"/>
-                  </a:schemeClr>
+                  <a:schemeClr val="tx1"/>
                 </a:solidFill>
               </a:rPr>
-              <a:t>I</a:t>
-            </a:r>
-          </a:p>
+              <a:t>Execute</a:t>
+            </a:r>
+          </a:p>
+        </p:txBody>
+      </p:sp>
+      <p:sp>
+        <p:nvSpPr>
+          <p:cNvPr id="49" name="Oval 48">
+            <a:extLst>
+              <a:ext uri="{FF2B5EF4-FFF2-40B4-BE49-F238E27FC236}">
+                <a16:creationId xmlns:a16="http://schemas.microsoft.com/office/drawing/2014/main" id="{0E121D1D-DCF3-FBCC-4950-11D067965551}"/>
+              </a:ext>
+            </a:extLst>
+          </p:cNvPr>
+          <p:cNvSpPr/>
+          <p:nvPr/>
+        </p:nvSpPr>
+        <p:spPr>
+          <a:xfrm>
+            <a:off x="1215151" y="3317213"/>
+            <a:ext cx="1054100" cy="1054100"/>
+          </a:xfrm>
+          <a:prstGeom prst="ellipse">
+            <a:avLst/>
+          </a:prstGeom>
+          <a:solidFill>
+            <a:schemeClr val="bg1"/>
+          </a:solidFill>
+          <a:ln w="28575">
+            <a:solidFill>
+              <a:schemeClr val="accent2"/>
+            </a:solidFill>
+          </a:ln>
+        </p:spPr>
+        <p:style>
+          <a:lnRef idx="2">
+            <a:schemeClr val="accent1">
+              <a:shade val="15000"/>
+            </a:schemeClr>
+          </a:lnRef>
+          <a:fillRef idx="1">
+            <a:schemeClr val="accent1"/>
+          </a:fillRef>
+          <a:effectRef idx="0">
+            <a:schemeClr val="accent1"/>
+          </a:effectRef>
+          <a:fontRef idx="minor">
+            <a:schemeClr val="lt1"/>
+          </a:fontRef>
+        </p:style>
+        <p:txBody>
+          <a:bodyPr lIns="0" tIns="0" rIns="0" bIns="0" rtlCol="0" anchor="ctr"/>
+          <a:lstStyle/>
           <a:p>
             <a:pPr algn="ctr"/>
             <a:r>
-              <a:rPr lang="en-US"/>
-              <a:t>Integrity</a:t>
-            </a:r>
-          </a:p>
-        </p:txBody>
-      </p:sp>
-      <p:sp>
-        <p:nvSpPr>
-          <p:cNvPr id="4" name="Triangle 3">
-            <a:extLst>
-              <a:ext uri="{FF2B5EF4-FFF2-40B4-BE49-F238E27FC236}">
-                <a16:creationId xmlns:a16="http://schemas.microsoft.com/office/drawing/2014/main" id="{5EAEF10D-2D8D-47C9-2C42-6737198DFFB1}"/>
-              </a:ext>
-            </a:extLst>
-          </p:cNvPr>
-          <p:cNvSpPr/>
-          <p:nvPr/>
-        </p:nvSpPr>
-        <p:spPr>
-          <a:xfrm>
-            <a:off x="5839426" y="3715474"/>
-            <a:ext cx="2858947" cy="2349660"/>
-          </a:xfrm>
-          <a:prstGeom prst="triangle">
-            <a:avLst/>
-          </a:prstGeom>
-        </p:spPr>
-        <p:style>
-          <a:lnRef idx="1">
-            <a:schemeClr val="accent6"/>
-          </a:lnRef>
-          <a:fillRef idx="2">
-            <a:schemeClr val="accent6"/>
-          </a:fillRef>
-          <a:effectRef idx="1">
-            <a:schemeClr val="accent6"/>
-          </a:effectRef>
-          <a:fontRef idx="minor">
-            <a:schemeClr val="dk1"/>
-          </a:fontRef>
-        </p:style>
-        <p:txBody>
-          <a:bodyPr lIns="0" tIns="0" rIns="0" bIns="324000" rtlCol="0" anchor="b" anchorCtr="0"/>
-          <a:lstStyle/>
-          <a:p>
-            <a:pPr algn="ctr"/>
-            <a:r>
-              <a:rPr lang="en-US" sz="6000" b="1">
+              <a:rPr lang="en-US">
                 <a:solidFill>
-                  <a:schemeClr val="accent6">
-                    <a:lumMod val="75000"/>
-                  </a:schemeClr>
+                  <a:schemeClr val="tx1"/>
                 </a:solidFill>
               </a:rPr>
-              <a:t>A</a:t>
-            </a:r>
-          </a:p>
-          <a:p>
-            <a:pPr algn="ctr"/>
-            <a:r>
-              <a:rPr lang="en-US"/>
-              <a:t>Availability</a:t>
-            </a:r>
-          </a:p>
-        </p:txBody>
-      </p:sp>
-      <p:sp>
-        <p:nvSpPr>
-          <p:cNvPr id="5" name="TextBox 4">
-            <a:extLst>
-              <a:ext uri="{FF2B5EF4-FFF2-40B4-BE49-F238E27FC236}">
-                <a16:creationId xmlns:a16="http://schemas.microsoft.com/office/drawing/2014/main" id="{DF8C27C9-C8F3-23B3-0929-340A9AAD7B83}"/>
-              </a:ext>
-            </a:extLst>
-          </p:cNvPr>
-          <p:cNvSpPr txBox="1"/>
-          <p:nvPr/>
-        </p:nvSpPr>
-        <p:spPr>
-          <a:xfrm>
-            <a:off x="5225969" y="3943956"/>
-            <a:ext cx="1226914" cy="1077218"/>
-          </a:xfrm>
-          <a:prstGeom prst="rect">
-            <a:avLst/>
-          </a:prstGeom>
-          <a:noFill/>
-        </p:spPr>
-        <p:txBody>
-          <a:bodyPr wrap="square" rtlCol="0">
-            <a:spAutoFit/>
-          </a:bodyPr>
-          <a:lstStyle/>
-          <a:p>
-            <a:pPr algn="ctr"/>
-            <a:r>
-              <a:rPr lang="en-US" sz="3200" b="1"/>
-              <a:t>CIA triad</a:t>
+              <a:t>Assess</a:t>
             </a:r>
           </a:p>
         </p:txBody>
@@ -27281,7 +27511,7 @@
     </p:spTree>
     <p:extLst>
       <p:ext uri="{BB962C8B-B14F-4D97-AF65-F5344CB8AC3E}">
-        <p14:creationId xmlns:p14="http://schemas.microsoft.com/office/powerpoint/2010/main" val="2802488351"/>
+        <p14:creationId xmlns:p14="http://schemas.microsoft.com/office/powerpoint/2010/main" val="630530576"/>
       </p:ext>
     </p:extLst>
   </p:cSld>
@@ -27310,6 +27540,258 @@
       </p:grpSpPr>
       <p:sp>
         <p:nvSpPr>
+          <p:cNvPr id="2" name="Triangle 1">
+            <a:extLst>
+              <a:ext uri="{FF2B5EF4-FFF2-40B4-BE49-F238E27FC236}">
+                <a16:creationId xmlns:a16="http://schemas.microsoft.com/office/drawing/2014/main" id="{3F7A95C9-E5CB-7D68-B2EA-3F2982E3DBA8}"/>
+              </a:ext>
+            </a:extLst>
+          </p:cNvPr>
+          <p:cNvSpPr/>
+          <p:nvPr/>
+        </p:nvSpPr>
+        <p:spPr>
+          <a:xfrm>
+            <a:off x="4409953" y="1365814"/>
+            <a:ext cx="2858947" cy="2349660"/>
+          </a:xfrm>
+          <a:prstGeom prst="triangle">
+            <a:avLst/>
+          </a:prstGeom>
+        </p:spPr>
+        <p:style>
+          <a:lnRef idx="1">
+            <a:schemeClr val="accent2"/>
+          </a:lnRef>
+          <a:fillRef idx="2">
+            <a:schemeClr val="accent2"/>
+          </a:fillRef>
+          <a:effectRef idx="1">
+            <a:schemeClr val="accent2"/>
+          </a:effectRef>
+          <a:fontRef idx="minor">
+            <a:schemeClr val="dk1"/>
+          </a:fontRef>
+        </p:style>
+        <p:txBody>
+          <a:bodyPr lIns="0" tIns="0" rIns="0" bIns="324000" rtlCol="0" anchor="b" anchorCtr="0">
+            <a:noAutofit/>
+          </a:bodyPr>
+          <a:lstStyle/>
+          <a:p>
+            <a:pPr algn="ctr"/>
+            <a:endParaRPr lang="en-US"/>
+          </a:p>
+          <a:p>
+            <a:pPr algn="ctr"/>
+            <a:r>
+              <a:rPr lang="en-US" sz="6000" b="1">
+                <a:solidFill>
+                  <a:schemeClr val="accent2">
+                    <a:lumMod val="75000"/>
+                  </a:schemeClr>
+                </a:solidFill>
+              </a:rPr>
+              <a:t>C</a:t>
+            </a:r>
+          </a:p>
+          <a:p>
+            <a:pPr algn="ctr"/>
+            <a:r>
+              <a:rPr lang="en-US"/>
+              <a:t>Confidentiality</a:t>
+            </a:r>
+          </a:p>
+        </p:txBody>
+      </p:sp>
+      <p:sp>
+        <p:nvSpPr>
+          <p:cNvPr id="3" name="Triangle 2">
+            <a:extLst>
+              <a:ext uri="{FF2B5EF4-FFF2-40B4-BE49-F238E27FC236}">
+                <a16:creationId xmlns:a16="http://schemas.microsoft.com/office/drawing/2014/main" id="{682D39CE-2DE9-F5F5-C515-16EAF568536F}"/>
+              </a:ext>
+            </a:extLst>
+          </p:cNvPr>
+          <p:cNvSpPr/>
+          <p:nvPr/>
+        </p:nvSpPr>
+        <p:spPr>
+          <a:xfrm>
+            <a:off x="2980479" y="3715474"/>
+            <a:ext cx="2858947" cy="2349660"/>
+          </a:xfrm>
+          <a:prstGeom prst="triangle">
+            <a:avLst/>
+          </a:prstGeom>
+        </p:spPr>
+        <p:style>
+          <a:lnRef idx="1">
+            <a:schemeClr val="accent1"/>
+          </a:lnRef>
+          <a:fillRef idx="2">
+            <a:schemeClr val="accent1"/>
+          </a:fillRef>
+          <a:effectRef idx="1">
+            <a:schemeClr val="accent1"/>
+          </a:effectRef>
+          <a:fontRef idx="minor">
+            <a:schemeClr val="dk1"/>
+          </a:fontRef>
+        </p:style>
+        <p:txBody>
+          <a:bodyPr lIns="0" tIns="0" rIns="0" bIns="324000" rtlCol="0" anchor="b" anchorCtr="0"/>
+          <a:lstStyle/>
+          <a:p>
+            <a:pPr algn="ctr"/>
+            <a:r>
+              <a:rPr lang="en-US" sz="6000" b="1">
+                <a:solidFill>
+                  <a:schemeClr val="accent1">
+                    <a:lumMod val="75000"/>
+                  </a:schemeClr>
+                </a:solidFill>
+              </a:rPr>
+              <a:t>I</a:t>
+            </a:r>
+          </a:p>
+          <a:p>
+            <a:pPr algn="ctr"/>
+            <a:r>
+              <a:rPr lang="en-US"/>
+              <a:t>Integrity</a:t>
+            </a:r>
+          </a:p>
+        </p:txBody>
+      </p:sp>
+      <p:sp>
+        <p:nvSpPr>
+          <p:cNvPr id="4" name="Triangle 3">
+            <a:extLst>
+              <a:ext uri="{FF2B5EF4-FFF2-40B4-BE49-F238E27FC236}">
+                <a16:creationId xmlns:a16="http://schemas.microsoft.com/office/drawing/2014/main" id="{5EAEF10D-2D8D-47C9-2C42-6737198DFFB1}"/>
+              </a:ext>
+            </a:extLst>
+          </p:cNvPr>
+          <p:cNvSpPr/>
+          <p:nvPr/>
+        </p:nvSpPr>
+        <p:spPr>
+          <a:xfrm>
+            <a:off x="5839426" y="3715474"/>
+            <a:ext cx="2858947" cy="2349660"/>
+          </a:xfrm>
+          <a:prstGeom prst="triangle">
+            <a:avLst/>
+          </a:prstGeom>
+        </p:spPr>
+        <p:style>
+          <a:lnRef idx="1">
+            <a:schemeClr val="accent6"/>
+          </a:lnRef>
+          <a:fillRef idx="2">
+            <a:schemeClr val="accent6"/>
+          </a:fillRef>
+          <a:effectRef idx="1">
+            <a:schemeClr val="accent6"/>
+          </a:effectRef>
+          <a:fontRef idx="minor">
+            <a:schemeClr val="dk1"/>
+          </a:fontRef>
+        </p:style>
+        <p:txBody>
+          <a:bodyPr lIns="0" tIns="0" rIns="0" bIns="324000" rtlCol="0" anchor="b" anchorCtr="0"/>
+          <a:lstStyle/>
+          <a:p>
+            <a:pPr algn="ctr"/>
+            <a:r>
+              <a:rPr lang="en-US" sz="6000" b="1">
+                <a:solidFill>
+                  <a:schemeClr val="accent6">
+                    <a:lumMod val="75000"/>
+                  </a:schemeClr>
+                </a:solidFill>
+              </a:rPr>
+              <a:t>A</a:t>
+            </a:r>
+          </a:p>
+          <a:p>
+            <a:pPr algn="ctr"/>
+            <a:r>
+              <a:rPr lang="en-US"/>
+              <a:t>Availability</a:t>
+            </a:r>
+          </a:p>
+        </p:txBody>
+      </p:sp>
+      <p:sp>
+        <p:nvSpPr>
+          <p:cNvPr id="5" name="TextBox 4">
+            <a:extLst>
+              <a:ext uri="{FF2B5EF4-FFF2-40B4-BE49-F238E27FC236}">
+                <a16:creationId xmlns:a16="http://schemas.microsoft.com/office/drawing/2014/main" id="{DF8C27C9-C8F3-23B3-0929-340A9AAD7B83}"/>
+              </a:ext>
+            </a:extLst>
+          </p:cNvPr>
+          <p:cNvSpPr txBox="1"/>
+          <p:nvPr/>
+        </p:nvSpPr>
+        <p:spPr>
+          <a:xfrm>
+            <a:off x="5225969" y="3943956"/>
+            <a:ext cx="1226914" cy="1077218"/>
+          </a:xfrm>
+          <a:prstGeom prst="rect">
+            <a:avLst/>
+          </a:prstGeom>
+          <a:noFill/>
+        </p:spPr>
+        <p:txBody>
+          <a:bodyPr wrap="square" rtlCol="0">
+            <a:spAutoFit/>
+          </a:bodyPr>
+          <a:lstStyle/>
+          <a:p>
+            <a:pPr algn="ctr"/>
+            <a:r>
+              <a:rPr lang="en-US" sz="3200" b="1"/>
+              <a:t>CIA triad</a:t>
+            </a:r>
+          </a:p>
+        </p:txBody>
+      </p:sp>
+    </p:spTree>
+    <p:extLst>
+      <p:ext uri="{BB962C8B-B14F-4D97-AF65-F5344CB8AC3E}">
+        <p14:creationId xmlns:p14="http://schemas.microsoft.com/office/powerpoint/2010/main" val="2802488351"/>
+      </p:ext>
+    </p:extLst>
+  </p:cSld>
+  <p:clrMapOvr>
+    <a:masterClrMapping/>
+  </p:clrMapOvr>
+</p:sld>
+</file>
+
+<file path=ppt/slides/slide32.xml><?xml version="1.0" encoding="utf-8"?>
+<p:sld xmlns:a="http://schemas.openxmlformats.org/drawingml/2006/main" xmlns:r="http://schemas.openxmlformats.org/officeDocument/2006/relationships" xmlns:p="http://schemas.openxmlformats.org/presentationml/2006/main">
+  <p:cSld>
+    <p:spTree>
+      <p:nvGrpSpPr>
+        <p:cNvPr id="1" name=""/>
+        <p:cNvGrpSpPr/>
+        <p:nvPr/>
+      </p:nvGrpSpPr>
+      <p:grpSpPr>
+        <a:xfrm>
+          <a:off x="0" y="0"/>
+          <a:ext cx="0" cy="0"/>
+          <a:chOff x="0" y="0"/>
+          <a:chExt cx="0" cy="0"/>
+        </a:xfrm>
+      </p:grpSpPr>
+      <p:sp>
+        <p:nvSpPr>
           <p:cNvPr id="2" name="TextBox 1">
             <a:extLst>
               <a:ext uri="{FF2B5EF4-FFF2-40B4-BE49-F238E27FC236}">
@@ -27552,7 +28034,7 @@
 </p:sld>
 </file>
 
-<file path=ppt/slides/slide32.xml><?xml version="1.0" encoding="utf-8"?>
+<file path=ppt/slides/slide33.xml><?xml version="1.0" encoding="utf-8"?>
 <p:sld xmlns:a="http://schemas.openxmlformats.org/drawingml/2006/main" xmlns:r="http://schemas.openxmlformats.org/officeDocument/2006/relationships" xmlns:p="http://schemas.openxmlformats.org/presentationml/2006/main">
   <p:cSld>
     <p:spTree>
@@ -27610,7 +28092,7 @@
 </p:sld>
 </file>
 
-<file path=ppt/slides/slide33.xml><?xml version="1.0" encoding="utf-8"?>
+<file path=ppt/slides/slide34.xml><?xml version="1.0" encoding="utf-8"?>
 <p:sld xmlns:a="http://schemas.openxmlformats.org/drawingml/2006/main" xmlns:r="http://schemas.openxmlformats.org/officeDocument/2006/relationships" xmlns:p="http://schemas.openxmlformats.org/presentationml/2006/main">
   <p:cSld>
     <p:spTree>
@@ -27814,7 +28296,7 @@
 </p:sld>
 </file>
 
-<file path=ppt/slides/slide34.xml><?xml version="1.0" encoding="utf-8"?>
+<file path=ppt/slides/slide35.xml><?xml version="1.0" encoding="utf-8"?>
 <p:sld xmlns:a="http://schemas.openxmlformats.org/drawingml/2006/main" xmlns:r="http://schemas.openxmlformats.org/officeDocument/2006/relationships" xmlns:p="http://schemas.openxmlformats.org/presentationml/2006/main">
   <p:cSld>
     <p:spTree>
@@ -27831,6 +28313,342 @@
           <a:chExt cx="0" cy="0"/>
         </a:xfrm>
       </p:grpSpPr>
+      <p:sp>
+        <p:nvSpPr>
+          <p:cNvPr id="2" name="Right Arrow 1">
+            <a:extLst>
+              <a:ext uri="{FF2B5EF4-FFF2-40B4-BE49-F238E27FC236}">
+                <a16:creationId xmlns:a16="http://schemas.microsoft.com/office/drawing/2014/main" id="{A0C8DF07-6230-1621-BDF8-E8DFEE8C8A0B}"/>
+              </a:ext>
+            </a:extLst>
+          </p:cNvPr>
+          <p:cNvSpPr/>
+          <p:nvPr/>
+        </p:nvSpPr>
+        <p:spPr>
+          <a:xfrm>
+            <a:off x="1704109" y="3553691"/>
+            <a:ext cx="3657600" cy="561109"/>
+          </a:xfrm>
+          <a:prstGeom prst="rightArrow">
+            <a:avLst/>
+          </a:prstGeom>
+        </p:spPr>
+        <p:style>
+          <a:lnRef idx="2">
+            <a:schemeClr val="accent6">
+              <a:shade val="15000"/>
+            </a:schemeClr>
+          </a:lnRef>
+          <a:fillRef idx="1">
+            <a:schemeClr val="accent6"/>
+          </a:fillRef>
+          <a:effectRef idx="0">
+            <a:schemeClr val="accent6"/>
+          </a:effectRef>
+          <a:fontRef idx="minor">
+            <a:schemeClr val="lt1"/>
+          </a:fontRef>
+        </p:style>
+        <p:txBody>
+          <a:bodyPr rtlCol="0" anchor="ctr"/>
+          <a:lstStyle/>
+          <a:p>
+            <a:pPr algn="ctr"/>
+            <a:endParaRPr lang="en-US"/>
+          </a:p>
+        </p:txBody>
+      </p:sp>
+      <p:sp>
+        <p:nvSpPr>
+          <p:cNvPr id="3" name="Right Arrow 2">
+            <a:extLst>
+              <a:ext uri="{FF2B5EF4-FFF2-40B4-BE49-F238E27FC236}">
+                <a16:creationId xmlns:a16="http://schemas.microsoft.com/office/drawing/2014/main" id="{5ED6D970-E115-D674-2F2E-1CFE07304802}"/>
+              </a:ext>
+            </a:extLst>
+          </p:cNvPr>
+          <p:cNvSpPr/>
+          <p:nvPr/>
+        </p:nvSpPr>
+        <p:spPr>
+          <a:xfrm>
+            <a:off x="5846618" y="3553691"/>
+            <a:ext cx="2008909" cy="561109"/>
+          </a:xfrm>
+          <a:prstGeom prst="rightArrow">
+            <a:avLst/>
+          </a:prstGeom>
+        </p:spPr>
+        <p:style>
+          <a:lnRef idx="2">
+            <a:schemeClr val="accent2">
+              <a:shade val="15000"/>
+            </a:schemeClr>
+          </a:lnRef>
+          <a:fillRef idx="1">
+            <a:schemeClr val="accent2"/>
+          </a:fillRef>
+          <a:effectRef idx="0">
+            <a:schemeClr val="accent2"/>
+          </a:effectRef>
+          <a:fontRef idx="minor">
+            <a:schemeClr val="lt1"/>
+          </a:fontRef>
+        </p:style>
+        <p:txBody>
+          <a:bodyPr rtlCol="0" anchor="ctr"/>
+          <a:lstStyle/>
+          <a:p>
+            <a:pPr algn="ctr"/>
+            <a:endParaRPr lang="en-US"/>
+          </a:p>
+        </p:txBody>
+      </p:sp>
+      <p:sp>
+        <p:nvSpPr>
+          <p:cNvPr id="4" name="Oval 3">
+            <a:extLst>
+              <a:ext uri="{FF2B5EF4-FFF2-40B4-BE49-F238E27FC236}">
+                <a16:creationId xmlns:a16="http://schemas.microsoft.com/office/drawing/2014/main" id="{D3E476B6-2E4D-B87D-2424-E19265291A33}"/>
+              </a:ext>
+            </a:extLst>
+          </p:cNvPr>
+          <p:cNvSpPr/>
+          <p:nvPr/>
+        </p:nvSpPr>
+        <p:spPr>
+          <a:xfrm>
+            <a:off x="5469081" y="3719945"/>
+            <a:ext cx="228600" cy="228600"/>
+          </a:xfrm>
+          <a:prstGeom prst="ellipse">
+            <a:avLst/>
+          </a:prstGeom>
+        </p:spPr>
+        <p:style>
+          <a:lnRef idx="2">
+            <a:schemeClr val="accent1">
+              <a:shade val="15000"/>
+            </a:schemeClr>
+          </a:lnRef>
+          <a:fillRef idx="1">
+            <a:schemeClr val="accent1"/>
+          </a:fillRef>
+          <a:effectRef idx="0">
+            <a:schemeClr val="accent1"/>
+          </a:effectRef>
+          <a:fontRef idx="minor">
+            <a:schemeClr val="lt1"/>
+          </a:fontRef>
+        </p:style>
+        <p:txBody>
+          <a:bodyPr rtlCol="0" anchor="ctr"/>
+          <a:lstStyle/>
+          <a:p>
+            <a:pPr algn="ctr"/>
+            <a:endParaRPr lang="en-US"/>
+          </a:p>
+        </p:txBody>
+      </p:sp>
+      <p:sp>
+        <p:nvSpPr>
+          <p:cNvPr id="5" name="TextBox 4">
+            <a:extLst>
+              <a:ext uri="{FF2B5EF4-FFF2-40B4-BE49-F238E27FC236}">
+                <a16:creationId xmlns:a16="http://schemas.microsoft.com/office/drawing/2014/main" id="{0A186A26-4321-7D18-F18B-0FD069B712C7}"/>
+              </a:ext>
+            </a:extLst>
+          </p:cNvPr>
+          <p:cNvSpPr txBox="1"/>
+          <p:nvPr/>
+        </p:nvSpPr>
+        <p:spPr>
+          <a:xfrm>
+            <a:off x="1610591" y="1953491"/>
+            <a:ext cx="3657600" cy="1107996"/>
+          </a:xfrm>
+          <a:prstGeom prst="rect">
+            <a:avLst/>
+          </a:prstGeom>
+          <a:noFill/>
+        </p:spPr>
+        <p:txBody>
+          <a:bodyPr wrap="square" rtlCol="0">
+            <a:spAutoFit/>
+          </a:bodyPr>
+          <a:lstStyle/>
+          <a:p>
+            <a:pPr>
+              <a:spcBef>
+                <a:spcPts val="600"/>
+              </a:spcBef>
+              <a:spcAft>
+                <a:spcPts val="600"/>
+              </a:spcAft>
+            </a:pPr>
+            <a:r>
+              <a:rPr lang="en-US" sz="2000" b="1"/>
+              <a:t>Load testing</a:t>
+            </a:r>
+          </a:p>
+          <a:p>
+            <a:pPr>
+              <a:spcBef>
+                <a:spcPts val="600"/>
+              </a:spcBef>
+              <a:spcAft>
+                <a:spcPts val="600"/>
+              </a:spcAft>
+            </a:pPr>
+            <a:r>
+              <a:rPr lang="en-US"/>
+              <a:t>Will the system deliver acceptable performance within expected limits?</a:t>
+            </a:r>
+          </a:p>
+        </p:txBody>
+      </p:sp>
+      <p:sp>
+        <p:nvSpPr>
+          <p:cNvPr id="6" name="TextBox 5">
+            <a:extLst>
+              <a:ext uri="{FF2B5EF4-FFF2-40B4-BE49-F238E27FC236}">
+                <a16:creationId xmlns:a16="http://schemas.microsoft.com/office/drawing/2014/main" id="{249DA755-0B15-AA31-AA28-79F8FD3FF452}"/>
+              </a:ext>
+            </a:extLst>
+          </p:cNvPr>
+          <p:cNvSpPr txBox="1"/>
+          <p:nvPr/>
+        </p:nvSpPr>
+        <p:spPr>
+          <a:xfrm>
+            <a:off x="5846618" y="1960418"/>
+            <a:ext cx="2881746" cy="1384995"/>
+          </a:xfrm>
+          <a:prstGeom prst="rect">
+            <a:avLst/>
+          </a:prstGeom>
+          <a:noFill/>
+        </p:spPr>
+        <p:txBody>
+          <a:bodyPr wrap="square" rtlCol="0">
+            <a:spAutoFit/>
+          </a:bodyPr>
+          <a:lstStyle/>
+          <a:p>
+            <a:pPr>
+              <a:spcBef>
+                <a:spcPts val="600"/>
+              </a:spcBef>
+              <a:spcAft>
+                <a:spcPts val="600"/>
+              </a:spcAft>
+            </a:pPr>
+            <a:r>
+              <a:rPr lang="en-US" sz="2000" b="1"/>
+              <a:t>Stress testing</a:t>
+            </a:r>
+          </a:p>
+          <a:p>
+            <a:pPr>
+              <a:spcBef>
+                <a:spcPts val="600"/>
+              </a:spcBef>
+              <a:spcAft>
+                <a:spcPts val="600"/>
+              </a:spcAft>
+            </a:pPr>
+            <a:r>
+              <a:rPr lang="en-US"/>
+              <a:t>What are the limits of system performance under extreme conditions?</a:t>
+            </a:r>
+          </a:p>
+        </p:txBody>
+      </p:sp>
+      <p:sp>
+        <p:nvSpPr>
+          <p:cNvPr id="7" name="TextBox 6">
+            <a:extLst>
+              <a:ext uri="{FF2B5EF4-FFF2-40B4-BE49-F238E27FC236}">
+                <a16:creationId xmlns:a16="http://schemas.microsoft.com/office/drawing/2014/main" id="{B069094E-38C7-28C6-D2E2-952DAA4C5802}"/>
+              </a:ext>
+            </a:extLst>
+          </p:cNvPr>
+          <p:cNvSpPr txBox="1"/>
+          <p:nvPr/>
+        </p:nvSpPr>
+        <p:spPr>
+          <a:xfrm>
+            <a:off x="4142508" y="4395814"/>
+            <a:ext cx="2881746" cy="707886"/>
+          </a:xfrm>
+          <a:prstGeom prst="rect">
+            <a:avLst/>
+          </a:prstGeom>
+          <a:noFill/>
+        </p:spPr>
+        <p:txBody>
+          <a:bodyPr wrap="square" rtlCol="0">
+            <a:spAutoFit/>
+          </a:bodyPr>
+          <a:lstStyle/>
+          <a:p>
+            <a:pPr algn="ctr">
+              <a:spcBef>
+                <a:spcPts val="600"/>
+              </a:spcBef>
+              <a:spcAft>
+                <a:spcPts val="600"/>
+              </a:spcAft>
+            </a:pPr>
+            <a:r>
+              <a:rPr lang="en-US" sz="2000"/>
+              <a:t>Non-functional requirement target</a:t>
+            </a:r>
+            <a:endParaRPr lang="en-US"/>
+          </a:p>
+        </p:txBody>
+      </p:sp>
+      <p:cxnSp>
+        <p:nvCxnSpPr>
+          <p:cNvPr id="9" name="Straight Connector 8">
+            <a:extLst>
+              <a:ext uri="{FF2B5EF4-FFF2-40B4-BE49-F238E27FC236}">
+                <a16:creationId xmlns:a16="http://schemas.microsoft.com/office/drawing/2014/main" id="{EC279EE4-0EF2-ABC0-09FA-386E8D7977F9}"/>
+              </a:ext>
+            </a:extLst>
+          </p:cNvPr>
+          <p:cNvCxnSpPr>
+            <a:stCxn id="4" idx="4"/>
+            <a:endCxn id="7" idx="0"/>
+          </p:cNvCxnSpPr>
+          <p:nvPr/>
+        </p:nvCxnSpPr>
+        <p:spPr>
+          <a:xfrm>
+            <a:off x="5583381" y="3948545"/>
+            <a:ext cx="0" cy="447269"/>
+          </a:xfrm>
+          <a:prstGeom prst="line">
+            <a:avLst/>
+          </a:prstGeom>
+          <a:ln w="12700"/>
+        </p:spPr>
+        <p:style>
+          <a:lnRef idx="1">
+            <a:schemeClr val="accent1"/>
+          </a:lnRef>
+          <a:fillRef idx="0">
+            <a:schemeClr val="accent1"/>
+          </a:fillRef>
+          <a:effectRef idx="0">
+            <a:schemeClr val="accent1"/>
+          </a:effectRef>
+          <a:fontRef idx="minor">
+            <a:schemeClr val="tx1"/>
+          </a:fontRef>
+        </p:style>
+      </p:cxnSp>
     </p:spTree>
     <p:extLst>
       <p:ext uri="{BB962C8B-B14F-4D97-AF65-F5344CB8AC3E}">

--- a/images/graphics.pptx
+++ b/images/graphics.pptx
@@ -40,6 +40,12 @@
     <p:sldId id="277" r:id="rId34"/>
     <p:sldId id="278" r:id="rId35"/>
     <p:sldId id="279" r:id="rId36"/>
+    <p:sldId id="293" r:id="rId37"/>
+    <p:sldId id="294" r:id="rId38"/>
+    <p:sldId id="295" r:id="rId39"/>
+    <p:sldId id="298" r:id="rId40"/>
+    <p:sldId id="296" r:id="rId41"/>
+    <p:sldId id="297" r:id="rId42"/>
   </p:sldIdLst>
   <p:sldSz cx="12192000" cy="6858000"/>
   <p:notesSz cx="6858000" cy="9144000"/>
@@ -3373,7 +3379,7 @@
           <a:p>
             <a:fld id="{E9175749-BE88-2442-8D84-DEA4B15C26FA}" type="datetimeFigureOut">
               <a:rPr lang="en-US" smtClean="0"/>
-              <a:t>11/6/24</a:t>
+              <a:t>11/8/24</a:t>
             </a:fld>
             <a:endParaRPr lang="en-US"/>
           </a:p>
@@ -3573,7 +3579,7 @@
           <a:p>
             <a:fld id="{E9175749-BE88-2442-8D84-DEA4B15C26FA}" type="datetimeFigureOut">
               <a:rPr lang="en-US" smtClean="0"/>
-              <a:t>11/6/24</a:t>
+              <a:t>11/8/24</a:t>
             </a:fld>
             <a:endParaRPr lang="en-US"/>
           </a:p>
@@ -3783,7 +3789,7 @@
           <a:p>
             <a:fld id="{E9175749-BE88-2442-8D84-DEA4B15C26FA}" type="datetimeFigureOut">
               <a:rPr lang="en-US" smtClean="0"/>
-              <a:t>11/6/24</a:t>
+              <a:t>11/8/24</a:t>
             </a:fld>
             <a:endParaRPr lang="en-US"/>
           </a:p>
@@ -3983,7 +3989,7 @@
           <a:p>
             <a:fld id="{E9175749-BE88-2442-8D84-DEA4B15C26FA}" type="datetimeFigureOut">
               <a:rPr lang="en-US" smtClean="0"/>
-              <a:t>11/6/24</a:t>
+              <a:t>11/8/24</a:t>
             </a:fld>
             <a:endParaRPr lang="en-US"/>
           </a:p>
@@ -4259,7 +4265,7 @@
           <a:p>
             <a:fld id="{E9175749-BE88-2442-8D84-DEA4B15C26FA}" type="datetimeFigureOut">
               <a:rPr lang="en-US" smtClean="0"/>
-              <a:t>11/6/24</a:t>
+              <a:t>11/8/24</a:t>
             </a:fld>
             <a:endParaRPr lang="en-US"/>
           </a:p>
@@ -4527,7 +4533,7 @@
           <a:p>
             <a:fld id="{E9175749-BE88-2442-8D84-DEA4B15C26FA}" type="datetimeFigureOut">
               <a:rPr lang="en-US" smtClean="0"/>
-              <a:t>11/6/24</a:t>
+              <a:t>11/8/24</a:t>
             </a:fld>
             <a:endParaRPr lang="en-US"/>
           </a:p>
@@ -4942,7 +4948,7 @@
           <a:p>
             <a:fld id="{E9175749-BE88-2442-8D84-DEA4B15C26FA}" type="datetimeFigureOut">
               <a:rPr lang="en-US" smtClean="0"/>
-              <a:t>11/6/24</a:t>
+              <a:t>11/8/24</a:t>
             </a:fld>
             <a:endParaRPr lang="en-US"/>
           </a:p>
@@ -5084,7 +5090,7 @@
           <a:p>
             <a:fld id="{E9175749-BE88-2442-8D84-DEA4B15C26FA}" type="datetimeFigureOut">
               <a:rPr lang="en-US" smtClean="0"/>
-              <a:t>11/6/24</a:t>
+              <a:t>11/8/24</a:t>
             </a:fld>
             <a:endParaRPr lang="en-US"/>
           </a:p>
@@ -5197,7 +5203,7 @@
           <a:p>
             <a:fld id="{E9175749-BE88-2442-8D84-DEA4B15C26FA}" type="datetimeFigureOut">
               <a:rPr lang="en-US" smtClean="0"/>
-              <a:t>11/6/24</a:t>
+              <a:t>11/8/24</a:t>
             </a:fld>
             <a:endParaRPr lang="en-US"/>
           </a:p>
@@ -5510,7 +5516,7 @@
           <a:p>
             <a:fld id="{E9175749-BE88-2442-8D84-DEA4B15C26FA}" type="datetimeFigureOut">
               <a:rPr lang="en-US" smtClean="0"/>
-              <a:t>11/6/24</a:t>
+              <a:t>11/8/24</a:t>
             </a:fld>
             <a:endParaRPr lang="en-US"/>
           </a:p>
@@ -5799,7 +5805,7 @@
           <a:p>
             <a:fld id="{E9175749-BE88-2442-8D84-DEA4B15C26FA}" type="datetimeFigureOut">
               <a:rPr lang="en-US" smtClean="0"/>
-              <a:t>11/6/24</a:t>
+              <a:t>11/8/24</a:t>
             </a:fld>
             <a:endParaRPr lang="en-US"/>
           </a:p>
@@ -6042,7 +6048,7 @@
           <a:p>
             <a:fld id="{E9175749-BE88-2442-8D84-DEA4B15C26FA}" type="datetimeFigureOut">
               <a:rPr lang="en-US" smtClean="0"/>
-              <a:t>11/6/24</a:t>
+              <a:t>11/8/24</a:t>
             </a:fld>
             <a:endParaRPr lang="en-US"/>
           </a:p>
@@ -28662,6 +28668,4182 @@
 </p:sld>
 </file>
 
+<file path=ppt/slides/slide36.xml><?xml version="1.0" encoding="utf-8"?>
+<p:sld xmlns:a="http://schemas.openxmlformats.org/drawingml/2006/main" xmlns:r="http://schemas.openxmlformats.org/officeDocument/2006/relationships" xmlns:p="http://schemas.openxmlformats.org/presentationml/2006/main">
+  <p:cSld>
+    <p:spTree>
+      <p:nvGrpSpPr>
+        <p:cNvPr id="1" name="">
+          <a:extLst>
+            <a:ext uri="{FF2B5EF4-FFF2-40B4-BE49-F238E27FC236}">
+              <a16:creationId xmlns:a16="http://schemas.microsoft.com/office/drawing/2014/main" id="{3CD509FA-017C-6433-7188-C16517DFAF08}"/>
+            </a:ext>
+          </a:extLst>
+        </p:cNvPr>
+        <p:cNvGrpSpPr/>
+        <p:nvPr/>
+      </p:nvGrpSpPr>
+      <p:grpSpPr>
+        <a:xfrm>
+          <a:off x="0" y="0"/>
+          <a:ext cx="0" cy="0"/>
+          <a:chOff x="0" y="0"/>
+          <a:chExt cx="0" cy="0"/>
+        </a:xfrm>
+      </p:grpSpPr>
+      <p:sp>
+        <p:nvSpPr>
+          <p:cNvPr id="2" name="Doughnut 1">
+            <a:extLst>
+              <a:ext uri="{FF2B5EF4-FFF2-40B4-BE49-F238E27FC236}">
+                <a16:creationId xmlns:a16="http://schemas.microsoft.com/office/drawing/2014/main" id="{CCA05763-4C15-4810-B127-9941CCCA5E73}"/>
+              </a:ext>
+            </a:extLst>
+          </p:cNvPr>
+          <p:cNvSpPr/>
+          <p:nvPr/>
+        </p:nvSpPr>
+        <p:spPr>
+          <a:xfrm>
+            <a:off x="1107470" y="2898058"/>
+            <a:ext cx="530942" cy="530942"/>
+          </a:xfrm>
+          <a:prstGeom prst="donut">
+            <a:avLst/>
+          </a:prstGeom>
+        </p:spPr>
+        <p:style>
+          <a:lnRef idx="1">
+            <a:schemeClr val="accent6"/>
+          </a:lnRef>
+          <a:fillRef idx="3">
+            <a:schemeClr val="accent6"/>
+          </a:fillRef>
+          <a:effectRef idx="2">
+            <a:schemeClr val="accent6"/>
+          </a:effectRef>
+          <a:fontRef idx="minor">
+            <a:schemeClr val="lt1"/>
+          </a:fontRef>
+        </p:style>
+        <p:txBody>
+          <a:bodyPr rtlCol="0" anchor="ctr"/>
+          <a:lstStyle/>
+          <a:p>
+            <a:pPr algn="ctr"/>
+            <a:endParaRPr lang="en-US">
+              <a:solidFill>
+                <a:schemeClr val="tx1"/>
+              </a:solidFill>
+            </a:endParaRPr>
+          </a:p>
+        </p:txBody>
+      </p:sp>
+      <p:sp>
+        <p:nvSpPr>
+          <p:cNvPr id="3" name="Doughnut 2">
+            <a:extLst>
+              <a:ext uri="{FF2B5EF4-FFF2-40B4-BE49-F238E27FC236}">
+                <a16:creationId xmlns:a16="http://schemas.microsoft.com/office/drawing/2014/main" id="{87B407EE-8B64-2C5E-8F39-CB3DAAAC62EC}"/>
+              </a:ext>
+            </a:extLst>
+          </p:cNvPr>
+          <p:cNvSpPr/>
+          <p:nvPr/>
+        </p:nvSpPr>
+        <p:spPr>
+          <a:xfrm>
+            <a:off x="2193934" y="2898058"/>
+            <a:ext cx="530942" cy="530942"/>
+          </a:xfrm>
+          <a:prstGeom prst="donut">
+            <a:avLst/>
+          </a:prstGeom>
+        </p:spPr>
+        <p:style>
+          <a:lnRef idx="1">
+            <a:schemeClr val="accent6"/>
+          </a:lnRef>
+          <a:fillRef idx="3">
+            <a:schemeClr val="accent6"/>
+          </a:fillRef>
+          <a:effectRef idx="2">
+            <a:schemeClr val="accent6"/>
+          </a:effectRef>
+          <a:fontRef idx="minor">
+            <a:schemeClr val="lt1"/>
+          </a:fontRef>
+        </p:style>
+        <p:txBody>
+          <a:bodyPr rtlCol="0" anchor="ctr"/>
+          <a:lstStyle/>
+          <a:p>
+            <a:pPr algn="ctr"/>
+            <a:endParaRPr lang="en-US">
+              <a:solidFill>
+                <a:schemeClr val="tx1"/>
+              </a:solidFill>
+            </a:endParaRPr>
+          </a:p>
+        </p:txBody>
+      </p:sp>
+      <p:sp>
+        <p:nvSpPr>
+          <p:cNvPr id="4" name="Doughnut 3">
+            <a:extLst>
+              <a:ext uri="{FF2B5EF4-FFF2-40B4-BE49-F238E27FC236}">
+                <a16:creationId xmlns:a16="http://schemas.microsoft.com/office/drawing/2014/main" id="{DB36B8D0-3AFF-441E-F7DC-41048A0EC8E8}"/>
+              </a:ext>
+            </a:extLst>
+          </p:cNvPr>
+          <p:cNvSpPr/>
+          <p:nvPr/>
+        </p:nvSpPr>
+        <p:spPr>
+          <a:xfrm>
+            <a:off x="3280398" y="2898058"/>
+            <a:ext cx="530942" cy="530942"/>
+          </a:xfrm>
+          <a:prstGeom prst="donut">
+            <a:avLst/>
+          </a:prstGeom>
+        </p:spPr>
+        <p:style>
+          <a:lnRef idx="1">
+            <a:schemeClr val="accent6"/>
+          </a:lnRef>
+          <a:fillRef idx="3">
+            <a:schemeClr val="accent6"/>
+          </a:fillRef>
+          <a:effectRef idx="2">
+            <a:schemeClr val="accent6"/>
+          </a:effectRef>
+          <a:fontRef idx="minor">
+            <a:schemeClr val="lt1"/>
+          </a:fontRef>
+        </p:style>
+        <p:txBody>
+          <a:bodyPr rtlCol="0" anchor="ctr"/>
+          <a:lstStyle/>
+          <a:p>
+            <a:pPr algn="ctr"/>
+            <a:endParaRPr lang="en-US">
+              <a:solidFill>
+                <a:schemeClr val="tx1"/>
+              </a:solidFill>
+            </a:endParaRPr>
+          </a:p>
+        </p:txBody>
+      </p:sp>
+      <p:sp>
+        <p:nvSpPr>
+          <p:cNvPr id="5" name="TextBox 4">
+            <a:extLst>
+              <a:ext uri="{FF2B5EF4-FFF2-40B4-BE49-F238E27FC236}">
+                <a16:creationId xmlns:a16="http://schemas.microsoft.com/office/drawing/2014/main" id="{E852993F-33B3-82CB-DB7D-D0B49BA6D6FD}"/>
+              </a:ext>
+            </a:extLst>
+          </p:cNvPr>
+          <p:cNvSpPr txBox="1"/>
+          <p:nvPr/>
+        </p:nvSpPr>
+        <p:spPr>
+          <a:xfrm>
+            <a:off x="472349" y="1526049"/>
+            <a:ext cx="1800000" cy="648000"/>
+          </a:xfrm>
+          <a:prstGeom prst="rect">
+            <a:avLst/>
+          </a:prstGeom>
+          <a:noFill/>
+          <a:ln>
+            <a:noFill/>
+          </a:ln>
+        </p:spPr>
+        <p:txBody>
+          <a:bodyPr wrap="square" rtlCol="0" anchor="b" anchorCtr="0">
+            <a:spAutoFit/>
+          </a:bodyPr>
+          <a:lstStyle/>
+          <a:p>
+            <a:pPr algn="ctr"/>
+            <a:r>
+              <a:rPr lang="en-US" dirty="0"/>
+              <a:t>Source code checkout</a:t>
+            </a:r>
+          </a:p>
+        </p:txBody>
+      </p:sp>
+      <p:sp>
+        <p:nvSpPr>
+          <p:cNvPr id="6" name="TextBox 5">
+            <a:extLst>
+              <a:ext uri="{FF2B5EF4-FFF2-40B4-BE49-F238E27FC236}">
+                <a16:creationId xmlns:a16="http://schemas.microsoft.com/office/drawing/2014/main" id="{BCC766D7-CDC1-87BE-3BD9-455D60585F1C}"/>
+              </a:ext>
+            </a:extLst>
+          </p:cNvPr>
+          <p:cNvSpPr txBox="1"/>
+          <p:nvPr/>
+        </p:nvSpPr>
+        <p:spPr>
+          <a:xfrm>
+            <a:off x="1558810" y="2106153"/>
+            <a:ext cx="1800000" cy="648000"/>
+          </a:xfrm>
+          <a:prstGeom prst="rect">
+            <a:avLst/>
+          </a:prstGeom>
+          <a:noFill/>
+          <a:ln>
+            <a:noFill/>
+          </a:ln>
+        </p:spPr>
+        <p:txBody>
+          <a:bodyPr wrap="square" rtlCol="0" anchor="b" anchorCtr="0">
+            <a:spAutoFit/>
+          </a:bodyPr>
+          <a:lstStyle/>
+          <a:p>
+            <a:pPr algn="ctr"/>
+            <a:r>
+              <a:rPr lang="en-US" dirty="0"/>
+              <a:t>Dependency installation</a:t>
+            </a:r>
+          </a:p>
+        </p:txBody>
+      </p:sp>
+      <p:sp>
+        <p:nvSpPr>
+          <p:cNvPr id="7" name="TextBox 6">
+            <a:extLst>
+              <a:ext uri="{FF2B5EF4-FFF2-40B4-BE49-F238E27FC236}">
+                <a16:creationId xmlns:a16="http://schemas.microsoft.com/office/drawing/2014/main" id="{754D9A31-F3D6-974B-2A41-94C29706204F}"/>
+              </a:ext>
+            </a:extLst>
+          </p:cNvPr>
+          <p:cNvSpPr txBox="1"/>
+          <p:nvPr/>
+        </p:nvSpPr>
+        <p:spPr>
+          <a:xfrm>
+            <a:off x="2650553" y="1810100"/>
+            <a:ext cx="1800000" cy="369332"/>
+          </a:xfrm>
+          <a:prstGeom prst="rect">
+            <a:avLst/>
+          </a:prstGeom>
+          <a:noFill/>
+          <a:ln>
+            <a:noFill/>
+          </a:ln>
+        </p:spPr>
+        <p:txBody>
+          <a:bodyPr wrap="square" rtlCol="0" anchor="b" anchorCtr="0">
+            <a:spAutoFit/>
+          </a:bodyPr>
+          <a:lstStyle/>
+          <a:p>
+            <a:pPr algn="ctr"/>
+            <a:r>
+              <a:rPr lang="en-US" dirty="0"/>
+              <a:t>Build</a:t>
+            </a:r>
+          </a:p>
+        </p:txBody>
+      </p:sp>
+      <p:sp>
+        <p:nvSpPr>
+          <p:cNvPr id="8" name="Doughnut 7">
+            <a:extLst>
+              <a:ext uri="{FF2B5EF4-FFF2-40B4-BE49-F238E27FC236}">
+                <a16:creationId xmlns:a16="http://schemas.microsoft.com/office/drawing/2014/main" id="{166AC4D9-2F62-3C7D-2B24-DEB064D8AF84}"/>
+              </a:ext>
+            </a:extLst>
+          </p:cNvPr>
+          <p:cNvSpPr/>
+          <p:nvPr/>
+        </p:nvSpPr>
+        <p:spPr>
+          <a:xfrm>
+            <a:off x="4366862" y="2898058"/>
+            <a:ext cx="530942" cy="530942"/>
+          </a:xfrm>
+          <a:prstGeom prst="donut">
+            <a:avLst/>
+          </a:prstGeom>
+        </p:spPr>
+        <p:style>
+          <a:lnRef idx="1">
+            <a:schemeClr val="accent6"/>
+          </a:lnRef>
+          <a:fillRef idx="3">
+            <a:schemeClr val="accent6"/>
+          </a:fillRef>
+          <a:effectRef idx="2">
+            <a:schemeClr val="accent6"/>
+          </a:effectRef>
+          <a:fontRef idx="minor">
+            <a:schemeClr val="lt1"/>
+          </a:fontRef>
+        </p:style>
+        <p:txBody>
+          <a:bodyPr rtlCol="0" anchor="ctr"/>
+          <a:lstStyle/>
+          <a:p>
+            <a:pPr algn="ctr"/>
+            <a:endParaRPr lang="en-US">
+              <a:solidFill>
+                <a:schemeClr val="tx1"/>
+              </a:solidFill>
+            </a:endParaRPr>
+          </a:p>
+        </p:txBody>
+      </p:sp>
+      <p:sp>
+        <p:nvSpPr>
+          <p:cNvPr id="9" name="TextBox 8">
+            <a:extLst>
+              <a:ext uri="{FF2B5EF4-FFF2-40B4-BE49-F238E27FC236}">
+                <a16:creationId xmlns:a16="http://schemas.microsoft.com/office/drawing/2014/main" id="{0486E0A9-E802-39AF-862A-5F21E0CC13A7}"/>
+              </a:ext>
+            </a:extLst>
+          </p:cNvPr>
+          <p:cNvSpPr txBox="1"/>
+          <p:nvPr/>
+        </p:nvSpPr>
+        <p:spPr>
+          <a:xfrm>
+            <a:off x="3723768" y="2106152"/>
+            <a:ext cx="1800000" cy="648000"/>
+          </a:xfrm>
+          <a:prstGeom prst="rect">
+            <a:avLst/>
+          </a:prstGeom>
+          <a:noFill/>
+          <a:ln>
+            <a:noFill/>
+          </a:ln>
+        </p:spPr>
+        <p:txBody>
+          <a:bodyPr wrap="square" rtlCol="0" anchor="b" anchorCtr="0">
+            <a:spAutoFit/>
+          </a:bodyPr>
+          <a:lstStyle/>
+          <a:p>
+            <a:pPr algn="ctr"/>
+            <a:r>
+              <a:rPr lang="en-US" dirty="0"/>
+              <a:t>Automated testing</a:t>
+            </a:r>
+          </a:p>
+        </p:txBody>
+      </p:sp>
+      <p:sp>
+        <p:nvSpPr>
+          <p:cNvPr id="10" name="Doughnut 9">
+            <a:extLst>
+              <a:ext uri="{FF2B5EF4-FFF2-40B4-BE49-F238E27FC236}">
+                <a16:creationId xmlns:a16="http://schemas.microsoft.com/office/drawing/2014/main" id="{CA944776-C5ED-EC84-B5EC-B6C167AF4EF0}"/>
+              </a:ext>
+            </a:extLst>
+          </p:cNvPr>
+          <p:cNvSpPr/>
+          <p:nvPr/>
+        </p:nvSpPr>
+        <p:spPr>
+          <a:xfrm>
+            <a:off x="5453326" y="2898058"/>
+            <a:ext cx="530942" cy="530942"/>
+          </a:xfrm>
+          <a:prstGeom prst="donut">
+            <a:avLst/>
+          </a:prstGeom>
+        </p:spPr>
+        <p:style>
+          <a:lnRef idx="1">
+            <a:schemeClr val="accent6"/>
+          </a:lnRef>
+          <a:fillRef idx="3">
+            <a:schemeClr val="accent6"/>
+          </a:fillRef>
+          <a:effectRef idx="2">
+            <a:schemeClr val="accent6"/>
+          </a:effectRef>
+          <a:fontRef idx="minor">
+            <a:schemeClr val="lt1"/>
+          </a:fontRef>
+        </p:style>
+        <p:txBody>
+          <a:bodyPr rtlCol="0" anchor="ctr"/>
+          <a:lstStyle/>
+          <a:p>
+            <a:pPr algn="ctr"/>
+            <a:endParaRPr lang="en-US">
+              <a:solidFill>
+                <a:schemeClr val="tx1"/>
+              </a:solidFill>
+            </a:endParaRPr>
+          </a:p>
+        </p:txBody>
+      </p:sp>
+      <p:sp>
+        <p:nvSpPr>
+          <p:cNvPr id="11" name="TextBox 10">
+            <a:extLst>
+              <a:ext uri="{FF2B5EF4-FFF2-40B4-BE49-F238E27FC236}">
+                <a16:creationId xmlns:a16="http://schemas.microsoft.com/office/drawing/2014/main" id="{7E379CD6-7DE5-1707-65FE-CC662F87227B}"/>
+              </a:ext>
+            </a:extLst>
+          </p:cNvPr>
+          <p:cNvSpPr txBox="1"/>
+          <p:nvPr/>
+        </p:nvSpPr>
+        <p:spPr>
+          <a:xfrm>
+            <a:off x="4821421" y="1527717"/>
+            <a:ext cx="1800000" cy="646331"/>
+          </a:xfrm>
+          <a:prstGeom prst="rect">
+            <a:avLst/>
+          </a:prstGeom>
+          <a:noFill/>
+          <a:ln>
+            <a:noFill/>
+          </a:ln>
+        </p:spPr>
+        <p:txBody>
+          <a:bodyPr wrap="square" rtlCol="0" anchor="b" anchorCtr="0">
+            <a:spAutoFit/>
+          </a:bodyPr>
+          <a:lstStyle/>
+          <a:p>
+            <a:pPr algn="ctr"/>
+            <a:r>
+              <a:rPr lang="en-GB"/>
+              <a:t>Approval and merging</a:t>
+            </a:r>
+          </a:p>
+        </p:txBody>
+      </p:sp>
+      <p:sp>
+        <p:nvSpPr>
+          <p:cNvPr id="12" name="Doughnut 11">
+            <a:extLst>
+              <a:ext uri="{FF2B5EF4-FFF2-40B4-BE49-F238E27FC236}">
+                <a16:creationId xmlns:a16="http://schemas.microsoft.com/office/drawing/2014/main" id="{30F5FC22-1675-3CB1-2825-E869D199648A}"/>
+              </a:ext>
+            </a:extLst>
+          </p:cNvPr>
+          <p:cNvSpPr/>
+          <p:nvPr/>
+        </p:nvSpPr>
+        <p:spPr>
+          <a:xfrm>
+            <a:off x="6540506" y="2898058"/>
+            <a:ext cx="530942" cy="530942"/>
+          </a:xfrm>
+          <a:prstGeom prst="donut">
+            <a:avLst/>
+          </a:prstGeom>
+        </p:spPr>
+        <p:style>
+          <a:lnRef idx="1">
+            <a:schemeClr val="accent6"/>
+          </a:lnRef>
+          <a:fillRef idx="3">
+            <a:schemeClr val="accent6"/>
+          </a:fillRef>
+          <a:effectRef idx="2">
+            <a:schemeClr val="accent6"/>
+          </a:effectRef>
+          <a:fontRef idx="minor">
+            <a:schemeClr val="lt1"/>
+          </a:fontRef>
+        </p:style>
+        <p:txBody>
+          <a:bodyPr rtlCol="0" anchor="ctr"/>
+          <a:lstStyle/>
+          <a:p>
+            <a:pPr algn="ctr"/>
+            <a:endParaRPr lang="en-US">
+              <a:solidFill>
+                <a:schemeClr val="tx1"/>
+              </a:solidFill>
+            </a:endParaRPr>
+          </a:p>
+        </p:txBody>
+      </p:sp>
+      <p:sp>
+        <p:nvSpPr>
+          <p:cNvPr id="14" name="TextBox 13">
+            <a:extLst>
+              <a:ext uri="{FF2B5EF4-FFF2-40B4-BE49-F238E27FC236}">
+                <a16:creationId xmlns:a16="http://schemas.microsoft.com/office/drawing/2014/main" id="{9A466E5C-F299-42B8-31A0-CAB596110576}"/>
+              </a:ext>
+            </a:extLst>
+          </p:cNvPr>
+          <p:cNvSpPr txBox="1"/>
+          <p:nvPr/>
+        </p:nvSpPr>
+        <p:spPr>
+          <a:xfrm>
+            <a:off x="5897411" y="2107822"/>
+            <a:ext cx="1800000" cy="646331"/>
+          </a:xfrm>
+          <a:prstGeom prst="rect">
+            <a:avLst/>
+          </a:prstGeom>
+          <a:noFill/>
+          <a:ln>
+            <a:noFill/>
+          </a:ln>
+        </p:spPr>
+        <p:txBody>
+          <a:bodyPr wrap="square" rtlCol="0" anchor="b" anchorCtr="0">
+            <a:spAutoFit/>
+          </a:bodyPr>
+          <a:lstStyle/>
+          <a:p>
+            <a:pPr algn="ctr"/>
+            <a:r>
+              <a:rPr lang="en-US" dirty="0"/>
+              <a:t>Deployment to staging</a:t>
+            </a:r>
+          </a:p>
+        </p:txBody>
+      </p:sp>
+      <p:cxnSp>
+        <p:nvCxnSpPr>
+          <p:cNvPr id="17" name="Straight Connector 16">
+            <a:extLst>
+              <a:ext uri="{FF2B5EF4-FFF2-40B4-BE49-F238E27FC236}">
+                <a16:creationId xmlns:a16="http://schemas.microsoft.com/office/drawing/2014/main" id="{DE1168D0-A31E-FF9D-071D-4E67A54AEBD8}"/>
+              </a:ext>
+            </a:extLst>
+          </p:cNvPr>
+          <p:cNvCxnSpPr>
+            <a:stCxn id="5" idx="2"/>
+            <a:endCxn id="2" idx="0"/>
+          </p:cNvCxnSpPr>
+          <p:nvPr/>
+        </p:nvCxnSpPr>
+        <p:spPr>
+          <a:xfrm>
+            <a:off x="1372349" y="2174049"/>
+            <a:ext cx="592" cy="724009"/>
+          </a:xfrm>
+          <a:prstGeom prst="line">
+            <a:avLst/>
+          </a:prstGeom>
+          <a:ln w="12700"/>
+        </p:spPr>
+        <p:style>
+          <a:lnRef idx="1">
+            <a:schemeClr val="accent6"/>
+          </a:lnRef>
+          <a:fillRef idx="0">
+            <a:schemeClr val="accent6"/>
+          </a:fillRef>
+          <a:effectRef idx="0">
+            <a:schemeClr val="accent6"/>
+          </a:effectRef>
+          <a:fontRef idx="minor">
+            <a:schemeClr val="tx1"/>
+          </a:fontRef>
+        </p:style>
+      </p:cxnSp>
+      <p:cxnSp>
+        <p:nvCxnSpPr>
+          <p:cNvPr id="18" name="Straight Connector 17">
+            <a:extLst>
+              <a:ext uri="{FF2B5EF4-FFF2-40B4-BE49-F238E27FC236}">
+                <a16:creationId xmlns:a16="http://schemas.microsoft.com/office/drawing/2014/main" id="{1C98507B-11BD-4AE0-F8D4-164B332E6B6E}"/>
+              </a:ext>
+            </a:extLst>
+          </p:cNvPr>
+          <p:cNvCxnSpPr>
+            <a:cxnSpLocks/>
+            <a:stCxn id="6" idx="2"/>
+            <a:endCxn id="3" idx="0"/>
+          </p:cNvCxnSpPr>
+          <p:nvPr/>
+        </p:nvCxnSpPr>
+        <p:spPr>
+          <a:xfrm>
+            <a:off x="2458810" y="2754153"/>
+            <a:ext cx="595" cy="143905"/>
+          </a:xfrm>
+          <a:prstGeom prst="line">
+            <a:avLst/>
+          </a:prstGeom>
+          <a:ln w="12700"/>
+        </p:spPr>
+        <p:style>
+          <a:lnRef idx="1">
+            <a:schemeClr val="accent6"/>
+          </a:lnRef>
+          <a:fillRef idx="0">
+            <a:schemeClr val="accent6"/>
+          </a:fillRef>
+          <a:effectRef idx="0">
+            <a:schemeClr val="accent6"/>
+          </a:effectRef>
+          <a:fontRef idx="minor">
+            <a:schemeClr val="tx1"/>
+          </a:fontRef>
+        </p:style>
+      </p:cxnSp>
+      <p:cxnSp>
+        <p:nvCxnSpPr>
+          <p:cNvPr id="21" name="Straight Connector 20">
+            <a:extLst>
+              <a:ext uri="{FF2B5EF4-FFF2-40B4-BE49-F238E27FC236}">
+                <a16:creationId xmlns:a16="http://schemas.microsoft.com/office/drawing/2014/main" id="{8C5CD6DE-61B7-3B56-B26B-6102C4122220}"/>
+              </a:ext>
+            </a:extLst>
+          </p:cNvPr>
+          <p:cNvCxnSpPr>
+            <a:cxnSpLocks/>
+            <a:stCxn id="7" idx="2"/>
+            <a:endCxn id="4" idx="0"/>
+          </p:cNvCxnSpPr>
+          <p:nvPr/>
+        </p:nvCxnSpPr>
+        <p:spPr>
+          <a:xfrm flipH="1">
+            <a:off x="3545869" y="2179432"/>
+            <a:ext cx="4684" cy="718626"/>
+          </a:xfrm>
+          <a:prstGeom prst="line">
+            <a:avLst/>
+          </a:prstGeom>
+          <a:ln w="12700"/>
+        </p:spPr>
+        <p:style>
+          <a:lnRef idx="1">
+            <a:schemeClr val="accent6"/>
+          </a:lnRef>
+          <a:fillRef idx="0">
+            <a:schemeClr val="accent6"/>
+          </a:fillRef>
+          <a:effectRef idx="0">
+            <a:schemeClr val="accent6"/>
+          </a:effectRef>
+          <a:fontRef idx="minor">
+            <a:schemeClr val="tx1"/>
+          </a:fontRef>
+        </p:style>
+      </p:cxnSp>
+      <p:cxnSp>
+        <p:nvCxnSpPr>
+          <p:cNvPr id="24" name="Straight Connector 23">
+            <a:extLst>
+              <a:ext uri="{FF2B5EF4-FFF2-40B4-BE49-F238E27FC236}">
+                <a16:creationId xmlns:a16="http://schemas.microsoft.com/office/drawing/2014/main" id="{852F060C-1529-E501-D10F-4ED3EAF354F4}"/>
+              </a:ext>
+            </a:extLst>
+          </p:cNvPr>
+          <p:cNvCxnSpPr>
+            <a:cxnSpLocks/>
+            <a:stCxn id="9" idx="2"/>
+            <a:endCxn id="8" idx="0"/>
+          </p:cNvCxnSpPr>
+          <p:nvPr/>
+        </p:nvCxnSpPr>
+        <p:spPr>
+          <a:xfrm>
+            <a:off x="4623768" y="2754152"/>
+            <a:ext cx="8565" cy="143906"/>
+          </a:xfrm>
+          <a:prstGeom prst="line">
+            <a:avLst/>
+          </a:prstGeom>
+          <a:ln w="12700"/>
+        </p:spPr>
+        <p:style>
+          <a:lnRef idx="1">
+            <a:schemeClr val="accent6"/>
+          </a:lnRef>
+          <a:fillRef idx="0">
+            <a:schemeClr val="accent6"/>
+          </a:fillRef>
+          <a:effectRef idx="0">
+            <a:schemeClr val="accent6"/>
+          </a:effectRef>
+          <a:fontRef idx="minor">
+            <a:schemeClr val="tx1"/>
+          </a:fontRef>
+        </p:style>
+      </p:cxnSp>
+      <p:cxnSp>
+        <p:nvCxnSpPr>
+          <p:cNvPr id="27" name="Straight Connector 26">
+            <a:extLst>
+              <a:ext uri="{FF2B5EF4-FFF2-40B4-BE49-F238E27FC236}">
+                <a16:creationId xmlns:a16="http://schemas.microsoft.com/office/drawing/2014/main" id="{A039C983-D136-3D62-0FAD-51F6317F4B88}"/>
+              </a:ext>
+            </a:extLst>
+          </p:cNvPr>
+          <p:cNvCxnSpPr>
+            <a:cxnSpLocks/>
+            <a:stCxn id="11" idx="2"/>
+            <a:endCxn id="10" idx="0"/>
+          </p:cNvCxnSpPr>
+          <p:nvPr/>
+        </p:nvCxnSpPr>
+        <p:spPr>
+          <a:xfrm flipH="1">
+            <a:off x="5718797" y="2174048"/>
+            <a:ext cx="2624" cy="724010"/>
+          </a:xfrm>
+          <a:prstGeom prst="line">
+            <a:avLst/>
+          </a:prstGeom>
+          <a:ln w="12700"/>
+        </p:spPr>
+        <p:style>
+          <a:lnRef idx="1">
+            <a:schemeClr val="accent6"/>
+          </a:lnRef>
+          <a:fillRef idx="0">
+            <a:schemeClr val="accent6"/>
+          </a:fillRef>
+          <a:effectRef idx="0">
+            <a:schemeClr val="accent6"/>
+          </a:effectRef>
+          <a:fontRef idx="minor">
+            <a:schemeClr val="tx1"/>
+          </a:fontRef>
+        </p:style>
+      </p:cxnSp>
+      <p:cxnSp>
+        <p:nvCxnSpPr>
+          <p:cNvPr id="31" name="Straight Connector 30">
+            <a:extLst>
+              <a:ext uri="{FF2B5EF4-FFF2-40B4-BE49-F238E27FC236}">
+                <a16:creationId xmlns:a16="http://schemas.microsoft.com/office/drawing/2014/main" id="{D45DA6D2-CFB4-261B-0F29-C338D9B5F858}"/>
+              </a:ext>
+            </a:extLst>
+          </p:cNvPr>
+          <p:cNvCxnSpPr>
+            <a:cxnSpLocks/>
+            <a:stCxn id="14" idx="2"/>
+            <a:endCxn id="12" idx="0"/>
+          </p:cNvCxnSpPr>
+          <p:nvPr/>
+        </p:nvCxnSpPr>
+        <p:spPr>
+          <a:xfrm>
+            <a:off x="6797411" y="2754153"/>
+            <a:ext cx="8566" cy="143905"/>
+          </a:xfrm>
+          <a:prstGeom prst="line">
+            <a:avLst/>
+          </a:prstGeom>
+          <a:ln w="12700"/>
+        </p:spPr>
+        <p:style>
+          <a:lnRef idx="1">
+            <a:schemeClr val="accent6"/>
+          </a:lnRef>
+          <a:fillRef idx="0">
+            <a:schemeClr val="accent6"/>
+          </a:fillRef>
+          <a:effectRef idx="0">
+            <a:schemeClr val="accent6"/>
+          </a:effectRef>
+          <a:fontRef idx="minor">
+            <a:schemeClr val="tx1"/>
+          </a:fontRef>
+        </p:style>
+      </p:cxnSp>
+      <p:cxnSp>
+        <p:nvCxnSpPr>
+          <p:cNvPr id="38" name="Straight Arrow Connector 37">
+            <a:extLst>
+              <a:ext uri="{FF2B5EF4-FFF2-40B4-BE49-F238E27FC236}">
+                <a16:creationId xmlns:a16="http://schemas.microsoft.com/office/drawing/2014/main" id="{423B0208-E294-EE62-39C9-A583C84A4321}"/>
+              </a:ext>
+            </a:extLst>
+          </p:cNvPr>
+          <p:cNvCxnSpPr>
+            <a:stCxn id="2" idx="6"/>
+            <a:endCxn id="3" idx="2"/>
+          </p:cNvCxnSpPr>
+          <p:nvPr/>
+        </p:nvCxnSpPr>
+        <p:spPr>
+          <a:xfrm>
+            <a:off x="1638412" y="3163529"/>
+            <a:ext cx="555522" cy="0"/>
+          </a:xfrm>
+          <a:prstGeom prst="straightConnector1">
+            <a:avLst/>
+          </a:prstGeom>
+          <a:ln w="38100">
+            <a:solidFill>
+              <a:schemeClr val="accent6"/>
+            </a:solidFill>
+            <a:tailEnd type="triangle"/>
+          </a:ln>
+        </p:spPr>
+        <p:style>
+          <a:lnRef idx="1">
+            <a:schemeClr val="accent1"/>
+          </a:lnRef>
+          <a:fillRef idx="0">
+            <a:schemeClr val="accent1"/>
+          </a:fillRef>
+          <a:effectRef idx="0">
+            <a:schemeClr val="accent1"/>
+          </a:effectRef>
+          <a:fontRef idx="minor">
+            <a:schemeClr val="tx1"/>
+          </a:fontRef>
+        </p:style>
+      </p:cxnSp>
+      <p:cxnSp>
+        <p:nvCxnSpPr>
+          <p:cNvPr id="39" name="Straight Arrow Connector 38">
+            <a:extLst>
+              <a:ext uri="{FF2B5EF4-FFF2-40B4-BE49-F238E27FC236}">
+                <a16:creationId xmlns:a16="http://schemas.microsoft.com/office/drawing/2014/main" id="{B9C1E39C-D1AA-B31B-FC9F-F4241B73E110}"/>
+              </a:ext>
+            </a:extLst>
+          </p:cNvPr>
+          <p:cNvCxnSpPr>
+            <a:cxnSpLocks/>
+            <a:stCxn id="3" idx="6"/>
+            <a:endCxn id="4" idx="2"/>
+          </p:cNvCxnSpPr>
+          <p:nvPr/>
+        </p:nvCxnSpPr>
+        <p:spPr>
+          <a:xfrm>
+            <a:off x="2724876" y="3163529"/>
+            <a:ext cx="555522" cy="0"/>
+          </a:xfrm>
+          <a:prstGeom prst="straightConnector1">
+            <a:avLst/>
+          </a:prstGeom>
+          <a:ln w="38100">
+            <a:solidFill>
+              <a:schemeClr val="accent6"/>
+            </a:solidFill>
+            <a:tailEnd type="triangle"/>
+          </a:ln>
+        </p:spPr>
+        <p:style>
+          <a:lnRef idx="1">
+            <a:schemeClr val="accent1"/>
+          </a:lnRef>
+          <a:fillRef idx="0">
+            <a:schemeClr val="accent1"/>
+          </a:fillRef>
+          <a:effectRef idx="0">
+            <a:schemeClr val="accent1"/>
+          </a:effectRef>
+          <a:fontRef idx="minor">
+            <a:schemeClr val="tx1"/>
+          </a:fontRef>
+        </p:style>
+      </p:cxnSp>
+      <p:cxnSp>
+        <p:nvCxnSpPr>
+          <p:cNvPr id="42" name="Straight Arrow Connector 41">
+            <a:extLst>
+              <a:ext uri="{FF2B5EF4-FFF2-40B4-BE49-F238E27FC236}">
+                <a16:creationId xmlns:a16="http://schemas.microsoft.com/office/drawing/2014/main" id="{2EE3EB7C-E14D-48EB-99EF-2BE6A26E1074}"/>
+              </a:ext>
+            </a:extLst>
+          </p:cNvPr>
+          <p:cNvCxnSpPr>
+            <a:cxnSpLocks/>
+            <a:stCxn id="4" idx="6"/>
+            <a:endCxn id="8" idx="2"/>
+          </p:cNvCxnSpPr>
+          <p:nvPr/>
+        </p:nvCxnSpPr>
+        <p:spPr>
+          <a:xfrm>
+            <a:off x="3811340" y="3163529"/>
+            <a:ext cx="555522" cy="0"/>
+          </a:xfrm>
+          <a:prstGeom prst="straightConnector1">
+            <a:avLst/>
+          </a:prstGeom>
+          <a:ln w="38100">
+            <a:solidFill>
+              <a:schemeClr val="accent6"/>
+            </a:solidFill>
+            <a:tailEnd type="triangle"/>
+          </a:ln>
+        </p:spPr>
+        <p:style>
+          <a:lnRef idx="1">
+            <a:schemeClr val="accent1"/>
+          </a:lnRef>
+          <a:fillRef idx="0">
+            <a:schemeClr val="accent1"/>
+          </a:fillRef>
+          <a:effectRef idx="0">
+            <a:schemeClr val="accent1"/>
+          </a:effectRef>
+          <a:fontRef idx="minor">
+            <a:schemeClr val="tx1"/>
+          </a:fontRef>
+        </p:style>
+      </p:cxnSp>
+      <p:cxnSp>
+        <p:nvCxnSpPr>
+          <p:cNvPr id="45" name="Straight Arrow Connector 44">
+            <a:extLst>
+              <a:ext uri="{FF2B5EF4-FFF2-40B4-BE49-F238E27FC236}">
+                <a16:creationId xmlns:a16="http://schemas.microsoft.com/office/drawing/2014/main" id="{0F3353D6-F3B8-C6FC-AE9A-CFC52288B75D}"/>
+              </a:ext>
+            </a:extLst>
+          </p:cNvPr>
+          <p:cNvCxnSpPr>
+            <a:cxnSpLocks/>
+            <a:stCxn id="8" idx="6"/>
+            <a:endCxn id="10" idx="2"/>
+          </p:cNvCxnSpPr>
+          <p:nvPr/>
+        </p:nvCxnSpPr>
+        <p:spPr>
+          <a:xfrm>
+            <a:off x="4897804" y="3163529"/>
+            <a:ext cx="555522" cy="0"/>
+          </a:xfrm>
+          <a:prstGeom prst="straightConnector1">
+            <a:avLst/>
+          </a:prstGeom>
+          <a:ln w="38100">
+            <a:solidFill>
+              <a:schemeClr val="accent6"/>
+            </a:solidFill>
+            <a:tailEnd type="triangle"/>
+          </a:ln>
+        </p:spPr>
+        <p:style>
+          <a:lnRef idx="1">
+            <a:schemeClr val="accent1"/>
+          </a:lnRef>
+          <a:fillRef idx="0">
+            <a:schemeClr val="accent1"/>
+          </a:fillRef>
+          <a:effectRef idx="0">
+            <a:schemeClr val="accent1"/>
+          </a:effectRef>
+          <a:fontRef idx="minor">
+            <a:schemeClr val="tx1"/>
+          </a:fontRef>
+        </p:style>
+      </p:cxnSp>
+      <p:cxnSp>
+        <p:nvCxnSpPr>
+          <p:cNvPr id="48" name="Straight Arrow Connector 47">
+            <a:extLst>
+              <a:ext uri="{FF2B5EF4-FFF2-40B4-BE49-F238E27FC236}">
+                <a16:creationId xmlns:a16="http://schemas.microsoft.com/office/drawing/2014/main" id="{EB195EB3-02E6-A625-2DF6-CB549D7E13C6}"/>
+              </a:ext>
+            </a:extLst>
+          </p:cNvPr>
+          <p:cNvCxnSpPr>
+            <a:cxnSpLocks/>
+            <a:stCxn id="10" idx="6"/>
+            <a:endCxn id="12" idx="2"/>
+          </p:cNvCxnSpPr>
+          <p:nvPr/>
+        </p:nvCxnSpPr>
+        <p:spPr>
+          <a:xfrm>
+            <a:off x="5984268" y="3163529"/>
+            <a:ext cx="556238" cy="0"/>
+          </a:xfrm>
+          <a:prstGeom prst="straightConnector1">
+            <a:avLst/>
+          </a:prstGeom>
+          <a:ln w="38100">
+            <a:solidFill>
+              <a:schemeClr val="accent6"/>
+            </a:solidFill>
+            <a:tailEnd type="triangle"/>
+          </a:ln>
+        </p:spPr>
+        <p:style>
+          <a:lnRef idx="1">
+            <a:schemeClr val="accent1"/>
+          </a:lnRef>
+          <a:fillRef idx="0">
+            <a:schemeClr val="accent1"/>
+          </a:fillRef>
+          <a:effectRef idx="0">
+            <a:schemeClr val="accent1"/>
+          </a:effectRef>
+          <a:fontRef idx="minor">
+            <a:schemeClr val="tx1"/>
+          </a:fontRef>
+        </p:style>
+      </p:cxnSp>
+    </p:spTree>
+    <p:extLst>
+      <p:ext uri="{BB962C8B-B14F-4D97-AF65-F5344CB8AC3E}">
+        <p14:creationId xmlns:p14="http://schemas.microsoft.com/office/powerpoint/2010/main" val="1189122210"/>
+      </p:ext>
+    </p:extLst>
+  </p:cSld>
+  <p:clrMapOvr>
+    <a:masterClrMapping/>
+  </p:clrMapOvr>
+</p:sld>
+</file>
+
+<file path=ppt/slides/slide37.xml><?xml version="1.0" encoding="utf-8"?>
+<p:sld xmlns:a="http://schemas.openxmlformats.org/drawingml/2006/main" xmlns:r="http://schemas.openxmlformats.org/officeDocument/2006/relationships" xmlns:p="http://schemas.openxmlformats.org/presentationml/2006/main">
+  <p:cSld>
+    <p:spTree>
+      <p:nvGrpSpPr>
+        <p:cNvPr id="1" name="">
+          <a:extLst>
+            <a:ext uri="{FF2B5EF4-FFF2-40B4-BE49-F238E27FC236}">
+              <a16:creationId xmlns:a16="http://schemas.microsoft.com/office/drawing/2014/main" id="{470A1089-7590-1695-377E-A1039F5D9E0A}"/>
+            </a:ext>
+          </a:extLst>
+        </p:cNvPr>
+        <p:cNvGrpSpPr/>
+        <p:nvPr/>
+      </p:nvGrpSpPr>
+      <p:grpSpPr>
+        <a:xfrm>
+          <a:off x="0" y="0"/>
+          <a:ext cx="0" cy="0"/>
+          <a:chOff x="0" y="0"/>
+          <a:chExt cx="0" cy="0"/>
+        </a:xfrm>
+      </p:grpSpPr>
+      <p:sp>
+        <p:nvSpPr>
+          <p:cNvPr id="2" name="Doughnut 1">
+            <a:extLst>
+              <a:ext uri="{FF2B5EF4-FFF2-40B4-BE49-F238E27FC236}">
+                <a16:creationId xmlns:a16="http://schemas.microsoft.com/office/drawing/2014/main" id="{794909E2-548C-B938-064D-6A91C203F06E}"/>
+              </a:ext>
+            </a:extLst>
+          </p:cNvPr>
+          <p:cNvSpPr/>
+          <p:nvPr/>
+        </p:nvSpPr>
+        <p:spPr>
+          <a:xfrm>
+            <a:off x="1107470" y="2898058"/>
+            <a:ext cx="530942" cy="530942"/>
+          </a:xfrm>
+          <a:prstGeom prst="donut">
+            <a:avLst/>
+          </a:prstGeom>
+          <a:solidFill>
+            <a:schemeClr val="accent2"/>
+          </a:solidFill>
+          <a:ln>
+            <a:solidFill>
+              <a:schemeClr val="accent2"/>
+            </a:solidFill>
+          </a:ln>
+        </p:spPr>
+        <p:style>
+          <a:lnRef idx="1">
+            <a:schemeClr val="accent6"/>
+          </a:lnRef>
+          <a:fillRef idx="3">
+            <a:schemeClr val="accent6"/>
+          </a:fillRef>
+          <a:effectRef idx="2">
+            <a:schemeClr val="accent6"/>
+          </a:effectRef>
+          <a:fontRef idx="minor">
+            <a:schemeClr val="lt1"/>
+          </a:fontRef>
+        </p:style>
+        <p:txBody>
+          <a:bodyPr rtlCol="0" anchor="ctr"/>
+          <a:lstStyle/>
+          <a:p>
+            <a:pPr algn="ctr"/>
+            <a:endParaRPr lang="en-US">
+              <a:solidFill>
+                <a:schemeClr val="tx1"/>
+              </a:solidFill>
+            </a:endParaRPr>
+          </a:p>
+        </p:txBody>
+      </p:sp>
+      <p:sp>
+        <p:nvSpPr>
+          <p:cNvPr id="3" name="Doughnut 2">
+            <a:extLst>
+              <a:ext uri="{FF2B5EF4-FFF2-40B4-BE49-F238E27FC236}">
+                <a16:creationId xmlns:a16="http://schemas.microsoft.com/office/drawing/2014/main" id="{92503A48-4601-16E5-9480-170778CA5224}"/>
+              </a:ext>
+            </a:extLst>
+          </p:cNvPr>
+          <p:cNvSpPr/>
+          <p:nvPr/>
+        </p:nvSpPr>
+        <p:spPr>
+          <a:xfrm>
+            <a:off x="2193934" y="2898058"/>
+            <a:ext cx="530942" cy="530942"/>
+          </a:xfrm>
+          <a:prstGeom prst="donut">
+            <a:avLst/>
+          </a:prstGeom>
+          <a:solidFill>
+            <a:schemeClr val="accent2"/>
+          </a:solidFill>
+          <a:ln>
+            <a:solidFill>
+              <a:schemeClr val="accent2"/>
+            </a:solidFill>
+          </a:ln>
+        </p:spPr>
+        <p:style>
+          <a:lnRef idx="1">
+            <a:schemeClr val="accent6"/>
+          </a:lnRef>
+          <a:fillRef idx="3">
+            <a:schemeClr val="accent6"/>
+          </a:fillRef>
+          <a:effectRef idx="2">
+            <a:schemeClr val="accent6"/>
+          </a:effectRef>
+          <a:fontRef idx="minor">
+            <a:schemeClr val="lt1"/>
+          </a:fontRef>
+        </p:style>
+        <p:txBody>
+          <a:bodyPr rtlCol="0" anchor="ctr"/>
+          <a:lstStyle/>
+          <a:p>
+            <a:pPr algn="ctr"/>
+            <a:endParaRPr lang="en-US">
+              <a:solidFill>
+                <a:schemeClr val="tx1"/>
+              </a:solidFill>
+            </a:endParaRPr>
+          </a:p>
+        </p:txBody>
+      </p:sp>
+      <p:sp>
+        <p:nvSpPr>
+          <p:cNvPr id="4" name="Doughnut 3">
+            <a:extLst>
+              <a:ext uri="{FF2B5EF4-FFF2-40B4-BE49-F238E27FC236}">
+                <a16:creationId xmlns:a16="http://schemas.microsoft.com/office/drawing/2014/main" id="{4F0BB7F5-7BF1-DA9E-CF95-DFC87004A5E0}"/>
+              </a:ext>
+            </a:extLst>
+          </p:cNvPr>
+          <p:cNvSpPr/>
+          <p:nvPr/>
+        </p:nvSpPr>
+        <p:spPr>
+          <a:xfrm>
+            <a:off x="3280398" y="2898058"/>
+            <a:ext cx="530942" cy="530942"/>
+          </a:xfrm>
+          <a:prstGeom prst="donut">
+            <a:avLst/>
+          </a:prstGeom>
+        </p:spPr>
+        <p:style>
+          <a:lnRef idx="1">
+            <a:schemeClr val="accent6"/>
+          </a:lnRef>
+          <a:fillRef idx="3">
+            <a:schemeClr val="accent6"/>
+          </a:fillRef>
+          <a:effectRef idx="2">
+            <a:schemeClr val="accent6"/>
+          </a:effectRef>
+          <a:fontRef idx="minor">
+            <a:schemeClr val="lt1"/>
+          </a:fontRef>
+        </p:style>
+        <p:txBody>
+          <a:bodyPr rtlCol="0" anchor="ctr"/>
+          <a:lstStyle/>
+          <a:p>
+            <a:pPr algn="ctr"/>
+            <a:endParaRPr lang="en-US">
+              <a:solidFill>
+                <a:schemeClr val="tx1"/>
+              </a:solidFill>
+            </a:endParaRPr>
+          </a:p>
+        </p:txBody>
+      </p:sp>
+      <p:sp>
+        <p:nvSpPr>
+          <p:cNvPr id="5" name="TextBox 4">
+            <a:extLst>
+              <a:ext uri="{FF2B5EF4-FFF2-40B4-BE49-F238E27FC236}">
+                <a16:creationId xmlns:a16="http://schemas.microsoft.com/office/drawing/2014/main" id="{C1CBF506-C1E1-C15B-F060-78B165A7417A}"/>
+              </a:ext>
+            </a:extLst>
+          </p:cNvPr>
+          <p:cNvSpPr txBox="1"/>
+          <p:nvPr/>
+        </p:nvSpPr>
+        <p:spPr>
+          <a:xfrm>
+            <a:off x="472349" y="1526049"/>
+            <a:ext cx="1800000" cy="648000"/>
+          </a:xfrm>
+          <a:prstGeom prst="rect">
+            <a:avLst/>
+          </a:prstGeom>
+          <a:noFill/>
+          <a:ln>
+            <a:noFill/>
+          </a:ln>
+        </p:spPr>
+        <p:txBody>
+          <a:bodyPr wrap="square" rtlCol="0" anchor="b" anchorCtr="0">
+            <a:spAutoFit/>
+          </a:bodyPr>
+          <a:lstStyle/>
+          <a:p>
+            <a:pPr algn="ctr"/>
+            <a:r>
+              <a:rPr lang="en-US" dirty="0"/>
+              <a:t>Source code checkout</a:t>
+            </a:r>
+          </a:p>
+        </p:txBody>
+      </p:sp>
+      <p:sp>
+        <p:nvSpPr>
+          <p:cNvPr id="6" name="TextBox 5">
+            <a:extLst>
+              <a:ext uri="{FF2B5EF4-FFF2-40B4-BE49-F238E27FC236}">
+                <a16:creationId xmlns:a16="http://schemas.microsoft.com/office/drawing/2014/main" id="{07F4979D-BFF9-7D43-F227-833840F1CD24}"/>
+              </a:ext>
+            </a:extLst>
+          </p:cNvPr>
+          <p:cNvSpPr txBox="1"/>
+          <p:nvPr/>
+        </p:nvSpPr>
+        <p:spPr>
+          <a:xfrm>
+            <a:off x="1558810" y="2106153"/>
+            <a:ext cx="1800000" cy="648000"/>
+          </a:xfrm>
+          <a:prstGeom prst="rect">
+            <a:avLst/>
+          </a:prstGeom>
+          <a:noFill/>
+          <a:ln>
+            <a:noFill/>
+          </a:ln>
+        </p:spPr>
+        <p:txBody>
+          <a:bodyPr wrap="square" rtlCol="0" anchor="b" anchorCtr="0">
+            <a:spAutoFit/>
+          </a:bodyPr>
+          <a:lstStyle/>
+          <a:p>
+            <a:pPr algn="ctr"/>
+            <a:r>
+              <a:rPr lang="en-US" dirty="0"/>
+              <a:t>Dependency installation</a:t>
+            </a:r>
+          </a:p>
+        </p:txBody>
+      </p:sp>
+      <p:sp>
+        <p:nvSpPr>
+          <p:cNvPr id="7" name="TextBox 6">
+            <a:extLst>
+              <a:ext uri="{FF2B5EF4-FFF2-40B4-BE49-F238E27FC236}">
+                <a16:creationId xmlns:a16="http://schemas.microsoft.com/office/drawing/2014/main" id="{EA5AB21B-785F-FCFF-BAE3-8BFD21D788CA}"/>
+              </a:ext>
+            </a:extLst>
+          </p:cNvPr>
+          <p:cNvSpPr txBox="1"/>
+          <p:nvPr/>
+        </p:nvSpPr>
+        <p:spPr>
+          <a:xfrm>
+            <a:off x="2650553" y="1810100"/>
+            <a:ext cx="1800000" cy="369332"/>
+          </a:xfrm>
+          <a:prstGeom prst="rect">
+            <a:avLst/>
+          </a:prstGeom>
+          <a:noFill/>
+          <a:ln>
+            <a:noFill/>
+          </a:ln>
+        </p:spPr>
+        <p:txBody>
+          <a:bodyPr wrap="square" rtlCol="0" anchor="b" anchorCtr="0">
+            <a:spAutoFit/>
+          </a:bodyPr>
+          <a:lstStyle/>
+          <a:p>
+            <a:pPr algn="ctr"/>
+            <a:r>
+              <a:rPr lang="en-US" dirty="0"/>
+              <a:t>Build</a:t>
+            </a:r>
+          </a:p>
+        </p:txBody>
+      </p:sp>
+      <p:sp>
+        <p:nvSpPr>
+          <p:cNvPr id="8" name="Doughnut 7">
+            <a:extLst>
+              <a:ext uri="{FF2B5EF4-FFF2-40B4-BE49-F238E27FC236}">
+                <a16:creationId xmlns:a16="http://schemas.microsoft.com/office/drawing/2014/main" id="{F3798E7A-2452-8843-939D-25A61DAFBA0F}"/>
+              </a:ext>
+            </a:extLst>
+          </p:cNvPr>
+          <p:cNvSpPr/>
+          <p:nvPr/>
+        </p:nvSpPr>
+        <p:spPr>
+          <a:xfrm>
+            <a:off x="4366862" y="2898058"/>
+            <a:ext cx="530942" cy="530942"/>
+          </a:xfrm>
+          <a:prstGeom prst="donut">
+            <a:avLst/>
+          </a:prstGeom>
+        </p:spPr>
+        <p:style>
+          <a:lnRef idx="1">
+            <a:schemeClr val="accent6"/>
+          </a:lnRef>
+          <a:fillRef idx="3">
+            <a:schemeClr val="accent6"/>
+          </a:fillRef>
+          <a:effectRef idx="2">
+            <a:schemeClr val="accent6"/>
+          </a:effectRef>
+          <a:fontRef idx="minor">
+            <a:schemeClr val="lt1"/>
+          </a:fontRef>
+        </p:style>
+        <p:txBody>
+          <a:bodyPr rtlCol="0" anchor="ctr"/>
+          <a:lstStyle/>
+          <a:p>
+            <a:pPr algn="ctr"/>
+            <a:endParaRPr lang="en-US">
+              <a:solidFill>
+                <a:schemeClr val="tx1"/>
+              </a:solidFill>
+            </a:endParaRPr>
+          </a:p>
+        </p:txBody>
+      </p:sp>
+      <p:sp>
+        <p:nvSpPr>
+          <p:cNvPr id="9" name="TextBox 8">
+            <a:extLst>
+              <a:ext uri="{FF2B5EF4-FFF2-40B4-BE49-F238E27FC236}">
+                <a16:creationId xmlns:a16="http://schemas.microsoft.com/office/drawing/2014/main" id="{C1F6EB0C-FFDF-A6D8-2CB5-8778DCD6395E}"/>
+              </a:ext>
+            </a:extLst>
+          </p:cNvPr>
+          <p:cNvSpPr txBox="1"/>
+          <p:nvPr/>
+        </p:nvSpPr>
+        <p:spPr>
+          <a:xfrm>
+            <a:off x="3723768" y="2106152"/>
+            <a:ext cx="1800000" cy="648000"/>
+          </a:xfrm>
+          <a:prstGeom prst="rect">
+            <a:avLst/>
+          </a:prstGeom>
+          <a:noFill/>
+          <a:ln>
+            <a:noFill/>
+          </a:ln>
+        </p:spPr>
+        <p:txBody>
+          <a:bodyPr wrap="square" rtlCol="0" anchor="b" anchorCtr="0">
+            <a:spAutoFit/>
+          </a:bodyPr>
+          <a:lstStyle/>
+          <a:p>
+            <a:pPr algn="ctr"/>
+            <a:r>
+              <a:rPr lang="en-US" dirty="0"/>
+              <a:t>Automated testing</a:t>
+            </a:r>
+          </a:p>
+        </p:txBody>
+      </p:sp>
+      <p:sp>
+        <p:nvSpPr>
+          <p:cNvPr id="10" name="Doughnut 9">
+            <a:extLst>
+              <a:ext uri="{FF2B5EF4-FFF2-40B4-BE49-F238E27FC236}">
+                <a16:creationId xmlns:a16="http://schemas.microsoft.com/office/drawing/2014/main" id="{B5110B04-446E-B1C7-D5AF-591565D6BEA9}"/>
+              </a:ext>
+            </a:extLst>
+          </p:cNvPr>
+          <p:cNvSpPr/>
+          <p:nvPr/>
+        </p:nvSpPr>
+        <p:spPr>
+          <a:xfrm>
+            <a:off x="5453326" y="2898058"/>
+            <a:ext cx="530942" cy="530942"/>
+          </a:xfrm>
+          <a:prstGeom prst="donut">
+            <a:avLst/>
+          </a:prstGeom>
+        </p:spPr>
+        <p:style>
+          <a:lnRef idx="1">
+            <a:schemeClr val="accent6"/>
+          </a:lnRef>
+          <a:fillRef idx="3">
+            <a:schemeClr val="accent6"/>
+          </a:fillRef>
+          <a:effectRef idx="2">
+            <a:schemeClr val="accent6"/>
+          </a:effectRef>
+          <a:fontRef idx="minor">
+            <a:schemeClr val="lt1"/>
+          </a:fontRef>
+        </p:style>
+        <p:txBody>
+          <a:bodyPr rtlCol="0" anchor="ctr"/>
+          <a:lstStyle/>
+          <a:p>
+            <a:pPr algn="ctr"/>
+            <a:endParaRPr lang="en-US">
+              <a:solidFill>
+                <a:schemeClr val="tx1"/>
+              </a:solidFill>
+            </a:endParaRPr>
+          </a:p>
+        </p:txBody>
+      </p:sp>
+      <p:sp>
+        <p:nvSpPr>
+          <p:cNvPr id="11" name="TextBox 10">
+            <a:extLst>
+              <a:ext uri="{FF2B5EF4-FFF2-40B4-BE49-F238E27FC236}">
+                <a16:creationId xmlns:a16="http://schemas.microsoft.com/office/drawing/2014/main" id="{9D8B2D41-7743-BC40-6ABB-8C0D1E51481B}"/>
+              </a:ext>
+            </a:extLst>
+          </p:cNvPr>
+          <p:cNvSpPr txBox="1"/>
+          <p:nvPr/>
+        </p:nvSpPr>
+        <p:spPr>
+          <a:xfrm>
+            <a:off x="4821421" y="1527717"/>
+            <a:ext cx="1800000" cy="646331"/>
+          </a:xfrm>
+          <a:prstGeom prst="rect">
+            <a:avLst/>
+          </a:prstGeom>
+          <a:noFill/>
+          <a:ln>
+            <a:noFill/>
+          </a:ln>
+        </p:spPr>
+        <p:txBody>
+          <a:bodyPr wrap="square" rtlCol="0" anchor="b" anchorCtr="0">
+            <a:spAutoFit/>
+          </a:bodyPr>
+          <a:lstStyle/>
+          <a:p>
+            <a:pPr algn="ctr"/>
+            <a:r>
+              <a:rPr lang="en-GB"/>
+              <a:t>Approval and merging</a:t>
+            </a:r>
+          </a:p>
+        </p:txBody>
+      </p:sp>
+      <p:sp>
+        <p:nvSpPr>
+          <p:cNvPr id="12" name="Doughnut 11">
+            <a:extLst>
+              <a:ext uri="{FF2B5EF4-FFF2-40B4-BE49-F238E27FC236}">
+                <a16:creationId xmlns:a16="http://schemas.microsoft.com/office/drawing/2014/main" id="{D3CBA98A-8F12-D697-E21B-CF4D3A150303}"/>
+              </a:ext>
+            </a:extLst>
+          </p:cNvPr>
+          <p:cNvSpPr/>
+          <p:nvPr/>
+        </p:nvSpPr>
+        <p:spPr>
+          <a:xfrm>
+            <a:off x="6540506" y="2898058"/>
+            <a:ext cx="530942" cy="530942"/>
+          </a:xfrm>
+          <a:prstGeom prst="donut">
+            <a:avLst/>
+          </a:prstGeom>
+        </p:spPr>
+        <p:style>
+          <a:lnRef idx="1">
+            <a:schemeClr val="accent6"/>
+          </a:lnRef>
+          <a:fillRef idx="3">
+            <a:schemeClr val="accent6"/>
+          </a:fillRef>
+          <a:effectRef idx="2">
+            <a:schemeClr val="accent6"/>
+          </a:effectRef>
+          <a:fontRef idx="minor">
+            <a:schemeClr val="lt1"/>
+          </a:fontRef>
+        </p:style>
+        <p:txBody>
+          <a:bodyPr rtlCol="0" anchor="ctr"/>
+          <a:lstStyle/>
+          <a:p>
+            <a:pPr algn="ctr"/>
+            <a:endParaRPr lang="en-US">
+              <a:solidFill>
+                <a:schemeClr val="tx1"/>
+              </a:solidFill>
+            </a:endParaRPr>
+          </a:p>
+        </p:txBody>
+      </p:sp>
+      <p:sp>
+        <p:nvSpPr>
+          <p:cNvPr id="14" name="TextBox 13">
+            <a:extLst>
+              <a:ext uri="{FF2B5EF4-FFF2-40B4-BE49-F238E27FC236}">
+                <a16:creationId xmlns:a16="http://schemas.microsoft.com/office/drawing/2014/main" id="{2A572786-C857-00D3-311A-E9F158A873BC}"/>
+              </a:ext>
+            </a:extLst>
+          </p:cNvPr>
+          <p:cNvSpPr txBox="1"/>
+          <p:nvPr/>
+        </p:nvSpPr>
+        <p:spPr>
+          <a:xfrm>
+            <a:off x="5897411" y="2107822"/>
+            <a:ext cx="1800000" cy="646331"/>
+          </a:xfrm>
+          <a:prstGeom prst="rect">
+            <a:avLst/>
+          </a:prstGeom>
+          <a:noFill/>
+          <a:ln>
+            <a:noFill/>
+          </a:ln>
+        </p:spPr>
+        <p:txBody>
+          <a:bodyPr wrap="square" rtlCol="0" anchor="b" anchorCtr="0">
+            <a:spAutoFit/>
+          </a:bodyPr>
+          <a:lstStyle/>
+          <a:p>
+            <a:pPr algn="ctr"/>
+            <a:r>
+              <a:rPr lang="en-US" dirty="0"/>
+              <a:t>Deployment to staging</a:t>
+            </a:r>
+          </a:p>
+        </p:txBody>
+      </p:sp>
+      <p:cxnSp>
+        <p:nvCxnSpPr>
+          <p:cNvPr id="17" name="Straight Connector 16">
+            <a:extLst>
+              <a:ext uri="{FF2B5EF4-FFF2-40B4-BE49-F238E27FC236}">
+                <a16:creationId xmlns:a16="http://schemas.microsoft.com/office/drawing/2014/main" id="{B1B7849D-9B7F-751F-DF1B-24CA22719738}"/>
+              </a:ext>
+            </a:extLst>
+          </p:cNvPr>
+          <p:cNvCxnSpPr>
+            <a:stCxn id="5" idx="2"/>
+            <a:endCxn id="2" idx="0"/>
+          </p:cNvCxnSpPr>
+          <p:nvPr/>
+        </p:nvCxnSpPr>
+        <p:spPr>
+          <a:xfrm>
+            <a:off x="1372349" y="2174049"/>
+            <a:ext cx="592" cy="724009"/>
+          </a:xfrm>
+          <a:prstGeom prst="line">
+            <a:avLst/>
+          </a:prstGeom>
+          <a:ln w="12700">
+            <a:solidFill>
+              <a:schemeClr val="accent2"/>
+            </a:solidFill>
+          </a:ln>
+        </p:spPr>
+        <p:style>
+          <a:lnRef idx="1">
+            <a:schemeClr val="accent6"/>
+          </a:lnRef>
+          <a:fillRef idx="0">
+            <a:schemeClr val="accent6"/>
+          </a:fillRef>
+          <a:effectRef idx="0">
+            <a:schemeClr val="accent6"/>
+          </a:effectRef>
+          <a:fontRef idx="minor">
+            <a:schemeClr val="tx1"/>
+          </a:fontRef>
+        </p:style>
+      </p:cxnSp>
+      <p:cxnSp>
+        <p:nvCxnSpPr>
+          <p:cNvPr id="18" name="Straight Connector 17">
+            <a:extLst>
+              <a:ext uri="{FF2B5EF4-FFF2-40B4-BE49-F238E27FC236}">
+                <a16:creationId xmlns:a16="http://schemas.microsoft.com/office/drawing/2014/main" id="{4177C791-15D4-5B86-458D-7EDF75360762}"/>
+              </a:ext>
+            </a:extLst>
+          </p:cNvPr>
+          <p:cNvCxnSpPr>
+            <a:cxnSpLocks/>
+            <a:stCxn id="6" idx="2"/>
+            <a:endCxn id="3" idx="0"/>
+          </p:cNvCxnSpPr>
+          <p:nvPr/>
+        </p:nvCxnSpPr>
+        <p:spPr>
+          <a:xfrm>
+            <a:off x="2458810" y="2754153"/>
+            <a:ext cx="595" cy="143905"/>
+          </a:xfrm>
+          <a:prstGeom prst="line">
+            <a:avLst/>
+          </a:prstGeom>
+          <a:ln w="12700">
+            <a:solidFill>
+              <a:schemeClr val="accent2"/>
+            </a:solidFill>
+          </a:ln>
+        </p:spPr>
+        <p:style>
+          <a:lnRef idx="1">
+            <a:schemeClr val="accent6"/>
+          </a:lnRef>
+          <a:fillRef idx="0">
+            <a:schemeClr val="accent6"/>
+          </a:fillRef>
+          <a:effectRef idx="0">
+            <a:schemeClr val="accent6"/>
+          </a:effectRef>
+          <a:fontRef idx="minor">
+            <a:schemeClr val="tx1"/>
+          </a:fontRef>
+        </p:style>
+      </p:cxnSp>
+      <p:cxnSp>
+        <p:nvCxnSpPr>
+          <p:cNvPr id="21" name="Straight Connector 20">
+            <a:extLst>
+              <a:ext uri="{FF2B5EF4-FFF2-40B4-BE49-F238E27FC236}">
+                <a16:creationId xmlns:a16="http://schemas.microsoft.com/office/drawing/2014/main" id="{A180A567-F239-81CE-05DD-A264615C1179}"/>
+              </a:ext>
+            </a:extLst>
+          </p:cNvPr>
+          <p:cNvCxnSpPr>
+            <a:cxnSpLocks/>
+            <a:stCxn id="7" idx="2"/>
+            <a:endCxn id="4" idx="0"/>
+          </p:cNvCxnSpPr>
+          <p:nvPr/>
+        </p:nvCxnSpPr>
+        <p:spPr>
+          <a:xfrm flipH="1">
+            <a:off x="3545869" y="2179432"/>
+            <a:ext cx="4684" cy="718626"/>
+          </a:xfrm>
+          <a:prstGeom prst="line">
+            <a:avLst/>
+          </a:prstGeom>
+          <a:ln w="12700"/>
+        </p:spPr>
+        <p:style>
+          <a:lnRef idx="1">
+            <a:schemeClr val="accent6"/>
+          </a:lnRef>
+          <a:fillRef idx="0">
+            <a:schemeClr val="accent6"/>
+          </a:fillRef>
+          <a:effectRef idx="0">
+            <a:schemeClr val="accent6"/>
+          </a:effectRef>
+          <a:fontRef idx="minor">
+            <a:schemeClr val="tx1"/>
+          </a:fontRef>
+        </p:style>
+      </p:cxnSp>
+      <p:cxnSp>
+        <p:nvCxnSpPr>
+          <p:cNvPr id="24" name="Straight Connector 23">
+            <a:extLst>
+              <a:ext uri="{FF2B5EF4-FFF2-40B4-BE49-F238E27FC236}">
+                <a16:creationId xmlns:a16="http://schemas.microsoft.com/office/drawing/2014/main" id="{6358BEB4-B416-1572-C842-DAACC3FA5EE7}"/>
+              </a:ext>
+            </a:extLst>
+          </p:cNvPr>
+          <p:cNvCxnSpPr>
+            <a:cxnSpLocks/>
+            <a:stCxn id="9" idx="2"/>
+            <a:endCxn id="8" idx="0"/>
+          </p:cNvCxnSpPr>
+          <p:nvPr/>
+        </p:nvCxnSpPr>
+        <p:spPr>
+          <a:xfrm>
+            <a:off x="4623768" y="2754152"/>
+            <a:ext cx="8565" cy="143906"/>
+          </a:xfrm>
+          <a:prstGeom prst="line">
+            <a:avLst/>
+          </a:prstGeom>
+          <a:ln w="12700"/>
+        </p:spPr>
+        <p:style>
+          <a:lnRef idx="1">
+            <a:schemeClr val="accent6"/>
+          </a:lnRef>
+          <a:fillRef idx="0">
+            <a:schemeClr val="accent6"/>
+          </a:fillRef>
+          <a:effectRef idx="0">
+            <a:schemeClr val="accent6"/>
+          </a:effectRef>
+          <a:fontRef idx="minor">
+            <a:schemeClr val="tx1"/>
+          </a:fontRef>
+        </p:style>
+      </p:cxnSp>
+      <p:cxnSp>
+        <p:nvCxnSpPr>
+          <p:cNvPr id="27" name="Straight Connector 26">
+            <a:extLst>
+              <a:ext uri="{FF2B5EF4-FFF2-40B4-BE49-F238E27FC236}">
+                <a16:creationId xmlns:a16="http://schemas.microsoft.com/office/drawing/2014/main" id="{29C324BB-8EC8-4A58-4CF3-1974AC994E0A}"/>
+              </a:ext>
+            </a:extLst>
+          </p:cNvPr>
+          <p:cNvCxnSpPr>
+            <a:cxnSpLocks/>
+            <a:stCxn id="11" idx="2"/>
+            <a:endCxn id="10" idx="0"/>
+          </p:cNvCxnSpPr>
+          <p:nvPr/>
+        </p:nvCxnSpPr>
+        <p:spPr>
+          <a:xfrm flipH="1">
+            <a:off x="5718797" y="2174048"/>
+            <a:ext cx="2624" cy="724010"/>
+          </a:xfrm>
+          <a:prstGeom prst="line">
+            <a:avLst/>
+          </a:prstGeom>
+          <a:ln w="12700"/>
+        </p:spPr>
+        <p:style>
+          <a:lnRef idx="1">
+            <a:schemeClr val="accent6"/>
+          </a:lnRef>
+          <a:fillRef idx="0">
+            <a:schemeClr val="accent6"/>
+          </a:fillRef>
+          <a:effectRef idx="0">
+            <a:schemeClr val="accent6"/>
+          </a:effectRef>
+          <a:fontRef idx="minor">
+            <a:schemeClr val="tx1"/>
+          </a:fontRef>
+        </p:style>
+      </p:cxnSp>
+      <p:cxnSp>
+        <p:nvCxnSpPr>
+          <p:cNvPr id="31" name="Straight Connector 30">
+            <a:extLst>
+              <a:ext uri="{FF2B5EF4-FFF2-40B4-BE49-F238E27FC236}">
+                <a16:creationId xmlns:a16="http://schemas.microsoft.com/office/drawing/2014/main" id="{92DF2C15-8C05-1C59-0415-1F611C5DAF68}"/>
+              </a:ext>
+            </a:extLst>
+          </p:cNvPr>
+          <p:cNvCxnSpPr>
+            <a:cxnSpLocks/>
+            <a:stCxn id="14" idx="2"/>
+            <a:endCxn id="12" idx="0"/>
+          </p:cNvCxnSpPr>
+          <p:nvPr/>
+        </p:nvCxnSpPr>
+        <p:spPr>
+          <a:xfrm>
+            <a:off x="6797411" y="2754153"/>
+            <a:ext cx="8566" cy="143905"/>
+          </a:xfrm>
+          <a:prstGeom prst="line">
+            <a:avLst/>
+          </a:prstGeom>
+          <a:ln w="12700"/>
+        </p:spPr>
+        <p:style>
+          <a:lnRef idx="1">
+            <a:schemeClr val="accent6"/>
+          </a:lnRef>
+          <a:fillRef idx="0">
+            <a:schemeClr val="accent6"/>
+          </a:fillRef>
+          <a:effectRef idx="0">
+            <a:schemeClr val="accent6"/>
+          </a:effectRef>
+          <a:fontRef idx="minor">
+            <a:schemeClr val="tx1"/>
+          </a:fontRef>
+        </p:style>
+      </p:cxnSp>
+      <p:cxnSp>
+        <p:nvCxnSpPr>
+          <p:cNvPr id="38" name="Straight Arrow Connector 37">
+            <a:extLst>
+              <a:ext uri="{FF2B5EF4-FFF2-40B4-BE49-F238E27FC236}">
+                <a16:creationId xmlns:a16="http://schemas.microsoft.com/office/drawing/2014/main" id="{73C70DDF-084E-FE6B-7EDF-235FF2AB0BC2}"/>
+              </a:ext>
+            </a:extLst>
+          </p:cNvPr>
+          <p:cNvCxnSpPr>
+            <a:stCxn id="2" idx="6"/>
+            <a:endCxn id="3" idx="2"/>
+          </p:cNvCxnSpPr>
+          <p:nvPr/>
+        </p:nvCxnSpPr>
+        <p:spPr>
+          <a:xfrm>
+            <a:off x="1638412" y="3163529"/>
+            <a:ext cx="555522" cy="0"/>
+          </a:xfrm>
+          <a:prstGeom prst="straightConnector1">
+            <a:avLst/>
+          </a:prstGeom>
+          <a:ln w="38100">
+            <a:solidFill>
+              <a:schemeClr val="accent2"/>
+            </a:solidFill>
+            <a:tailEnd type="triangle"/>
+          </a:ln>
+        </p:spPr>
+        <p:style>
+          <a:lnRef idx="1">
+            <a:schemeClr val="accent1"/>
+          </a:lnRef>
+          <a:fillRef idx="0">
+            <a:schemeClr val="accent1"/>
+          </a:fillRef>
+          <a:effectRef idx="0">
+            <a:schemeClr val="accent1"/>
+          </a:effectRef>
+          <a:fontRef idx="minor">
+            <a:schemeClr val="tx1"/>
+          </a:fontRef>
+        </p:style>
+      </p:cxnSp>
+      <p:cxnSp>
+        <p:nvCxnSpPr>
+          <p:cNvPr id="39" name="Straight Arrow Connector 38">
+            <a:extLst>
+              <a:ext uri="{FF2B5EF4-FFF2-40B4-BE49-F238E27FC236}">
+                <a16:creationId xmlns:a16="http://schemas.microsoft.com/office/drawing/2014/main" id="{D48CA530-92CC-432C-F61C-2F5D20EBD985}"/>
+              </a:ext>
+            </a:extLst>
+          </p:cNvPr>
+          <p:cNvCxnSpPr>
+            <a:cxnSpLocks/>
+            <a:stCxn id="3" idx="6"/>
+            <a:endCxn id="4" idx="2"/>
+          </p:cNvCxnSpPr>
+          <p:nvPr/>
+        </p:nvCxnSpPr>
+        <p:spPr>
+          <a:xfrm>
+            <a:off x="2724876" y="3163529"/>
+            <a:ext cx="555522" cy="0"/>
+          </a:xfrm>
+          <a:prstGeom prst="straightConnector1">
+            <a:avLst/>
+          </a:prstGeom>
+          <a:ln w="38100">
+            <a:solidFill>
+              <a:schemeClr val="accent6"/>
+            </a:solidFill>
+            <a:tailEnd type="triangle"/>
+          </a:ln>
+        </p:spPr>
+        <p:style>
+          <a:lnRef idx="1">
+            <a:schemeClr val="accent1"/>
+          </a:lnRef>
+          <a:fillRef idx="0">
+            <a:schemeClr val="accent1"/>
+          </a:fillRef>
+          <a:effectRef idx="0">
+            <a:schemeClr val="accent1"/>
+          </a:effectRef>
+          <a:fontRef idx="minor">
+            <a:schemeClr val="tx1"/>
+          </a:fontRef>
+        </p:style>
+      </p:cxnSp>
+      <p:cxnSp>
+        <p:nvCxnSpPr>
+          <p:cNvPr id="42" name="Straight Arrow Connector 41">
+            <a:extLst>
+              <a:ext uri="{FF2B5EF4-FFF2-40B4-BE49-F238E27FC236}">
+                <a16:creationId xmlns:a16="http://schemas.microsoft.com/office/drawing/2014/main" id="{B3F73EFE-6DA7-FE8F-85F4-FA4AC28D978F}"/>
+              </a:ext>
+            </a:extLst>
+          </p:cNvPr>
+          <p:cNvCxnSpPr>
+            <a:cxnSpLocks/>
+            <a:stCxn id="4" idx="6"/>
+            <a:endCxn id="8" idx="2"/>
+          </p:cNvCxnSpPr>
+          <p:nvPr/>
+        </p:nvCxnSpPr>
+        <p:spPr>
+          <a:xfrm>
+            <a:off x="3811340" y="3163529"/>
+            <a:ext cx="555522" cy="0"/>
+          </a:xfrm>
+          <a:prstGeom prst="straightConnector1">
+            <a:avLst/>
+          </a:prstGeom>
+          <a:ln w="38100">
+            <a:solidFill>
+              <a:schemeClr val="accent6"/>
+            </a:solidFill>
+            <a:tailEnd type="triangle"/>
+          </a:ln>
+        </p:spPr>
+        <p:style>
+          <a:lnRef idx="1">
+            <a:schemeClr val="accent1"/>
+          </a:lnRef>
+          <a:fillRef idx="0">
+            <a:schemeClr val="accent1"/>
+          </a:fillRef>
+          <a:effectRef idx="0">
+            <a:schemeClr val="accent1"/>
+          </a:effectRef>
+          <a:fontRef idx="minor">
+            <a:schemeClr val="tx1"/>
+          </a:fontRef>
+        </p:style>
+      </p:cxnSp>
+      <p:cxnSp>
+        <p:nvCxnSpPr>
+          <p:cNvPr id="45" name="Straight Arrow Connector 44">
+            <a:extLst>
+              <a:ext uri="{FF2B5EF4-FFF2-40B4-BE49-F238E27FC236}">
+                <a16:creationId xmlns:a16="http://schemas.microsoft.com/office/drawing/2014/main" id="{39E915EA-1B4C-F0DE-CFB9-E2BE2E8E51F4}"/>
+              </a:ext>
+            </a:extLst>
+          </p:cNvPr>
+          <p:cNvCxnSpPr>
+            <a:cxnSpLocks/>
+            <a:stCxn id="8" idx="6"/>
+            <a:endCxn id="10" idx="2"/>
+          </p:cNvCxnSpPr>
+          <p:nvPr/>
+        </p:nvCxnSpPr>
+        <p:spPr>
+          <a:xfrm>
+            <a:off x="4897804" y="3163529"/>
+            <a:ext cx="555522" cy="0"/>
+          </a:xfrm>
+          <a:prstGeom prst="straightConnector1">
+            <a:avLst/>
+          </a:prstGeom>
+          <a:ln w="38100">
+            <a:solidFill>
+              <a:schemeClr val="accent6"/>
+            </a:solidFill>
+            <a:tailEnd type="triangle"/>
+          </a:ln>
+        </p:spPr>
+        <p:style>
+          <a:lnRef idx="1">
+            <a:schemeClr val="accent1"/>
+          </a:lnRef>
+          <a:fillRef idx="0">
+            <a:schemeClr val="accent1"/>
+          </a:fillRef>
+          <a:effectRef idx="0">
+            <a:schemeClr val="accent1"/>
+          </a:effectRef>
+          <a:fontRef idx="minor">
+            <a:schemeClr val="tx1"/>
+          </a:fontRef>
+        </p:style>
+      </p:cxnSp>
+      <p:cxnSp>
+        <p:nvCxnSpPr>
+          <p:cNvPr id="48" name="Straight Arrow Connector 47">
+            <a:extLst>
+              <a:ext uri="{FF2B5EF4-FFF2-40B4-BE49-F238E27FC236}">
+                <a16:creationId xmlns:a16="http://schemas.microsoft.com/office/drawing/2014/main" id="{6CBF6846-02F8-B222-96DF-9D23872AFF57}"/>
+              </a:ext>
+            </a:extLst>
+          </p:cNvPr>
+          <p:cNvCxnSpPr>
+            <a:cxnSpLocks/>
+            <a:stCxn id="10" idx="6"/>
+            <a:endCxn id="12" idx="2"/>
+          </p:cNvCxnSpPr>
+          <p:nvPr/>
+        </p:nvCxnSpPr>
+        <p:spPr>
+          <a:xfrm>
+            <a:off x="5984268" y="3163529"/>
+            <a:ext cx="556238" cy="0"/>
+          </a:xfrm>
+          <a:prstGeom prst="straightConnector1">
+            <a:avLst/>
+          </a:prstGeom>
+          <a:ln w="38100">
+            <a:solidFill>
+              <a:schemeClr val="accent6"/>
+            </a:solidFill>
+            <a:tailEnd type="triangle"/>
+          </a:ln>
+        </p:spPr>
+        <p:style>
+          <a:lnRef idx="1">
+            <a:schemeClr val="accent1"/>
+          </a:lnRef>
+          <a:fillRef idx="0">
+            <a:schemeClr val="accent1"/>
+          </a:fillRef>
+          <a:effectRef idx="0">
+            <a:schemeClr val="accent1"/>
+          </a:effectRef>
+          <a:fontRef idx="minor">
+            <a:schemeClr val="tx1"/>
+          </a:fontRef>
+        </p:style>
+      </p:cxnSp>
+    </p:spTree>
+    <p:extLst>
+      <p:ext uri="{BB962C8B-B14F-4D97-AF65-F5344CB8AC3E}">
+        <p14:creationId xmlns:p14="http://schemas.microsoft.com/office/powerpoint/2010/main" val="1415909769"/>
+      </p:ext>
+    </p:extLst>
+  </p:cSld>
+  <p:clrMapOvr>
+    <a:masterClrMapping/>
+  </p:clrMapOvr>
+</p:sld>
+</file>
+
+<file path=ppt/slides/slide38.xml><?xml version="1.0" encoding="utf-8"?>
+<p:sld xmlns:a="http://schemas.openxmlformats.org/drawingml/2006/main" xmlns:r="http://schemas.openxmlformats.org/officeDocument/2006/relationships" xmlns:p="http://schemas.openxmlformats.org/presentationml/2006/main">
+  <p:cSld>
+    <p:spTree>
+      <p:nvGrpSpPr>
+        <p:cNvPr id="1" name="">
+          <a:extLst>
+            <a:ext uri="{FF2B5EF4-FFF2-40B4-BE49-F238E27FC236}">
+              <a16:creationId xmlns:a16="http://schemas.microsoft.com/office/drawing/2014/main" id="{F3BB1E86-E12A-491E-8B05-E11176635BBC}"/>
+            </a:ext>
+          </a:extLst>
+        </p:cNvPr>
+        <p:cNvGrpSpPr/>
+        <p:nvPr/>
+      </p:nvGrpSpPr>
+      <p:grpSpPr>
+        <a:xfrm>
+          <a:off x="0" y="0"/>
+          <a:ext cx="0" cy="0"/>
+          <a:chOff x="0" y="0"/>
+          <a:chExt cx="0" cy="0"/>
+        </a:xfrm>
+      </p:grpSpPr>
+      <p:sp>
+        <p:nvSpPr>
+          <p:cNvPr id="2" name="Doughnut 1">
+            <a:extLst>
+              <a:ext uri="{FF2B5EF4-FFF2-40B4-BE49-F238E27FC236}">
+                <a16:creationId xmlns:a16="http://schemas.microsoft.com/office/drawing/2014/main" id="{DB151ED6-D814-CC01-967A-AD1B576176FC}"/>
+              </a:ext>
+            </a:extLst>
+          </p:cNvPr>
+          <p:cNvSpPr/>
+          <p:nvPr/>
+        </p:nvSpPr>
+        <p:spPr>
+          <a:xfrm>
+            <a:off x="1107470" y="2898058"/>
+            <a:ext cx="530942" cy="530942"/>
+          </a:xfrm>
+          <a:prstGeom prst="donut">
+            <a:avLst/>
+          </a:prstGeom>
+        </p:spPr>
+        <p:style>
+          <a:lnRef idx="1">
+            <a:schemeClr val="accent6"/>
+          </a:lnRef>
+          <a:fillRef idx="3">
+            <a:schemeClr val="accent6"/>
+          </a:fillRef>
+          <a:effectRef idx="2">
+            <a:schemeClr val="accent6"/>
+          </a:effectRef>
+          <a:fontRef idx="minor">
+            <a:schemeClr val="lt1"/>
+          </a:fontRef>
+        </p:style>
+        <p:txBody>
+          <a:bodyPr rtlCol="0" anchor="ctr"/>
+          <a:lstStyle/>
+          <a:p>
+            <a:pPr algn="ctr"/>
+            <a:endParaRPr lang="en-US">
+              <a:solidFill>
+                <a:schemeClr val="tx1"/>
+              </a:solidFill>
+            </a:endParaRPr>
+          </a:p>
+        </p:txBody>
+      </p:sp>
+      <p:sp>
+        <p:nvSpPr>
+          <p:cNvPr id="3" name="Doughnut 2">
+            <a:extLst>
+              <a:ext uri="{FF2B5EF4-FFF2-40B4-BE49-F238E27FC236}">
+                <a16:creationId xmlns:a16="http://schemas.microsoft.com/office/drawing/2014/main" id="{06918AEA-056D-E6F9-CEBC-9396DDB4C2AF}"/>
+              </a:ext>
+            </a:extLst>
+          </p:cNvPr>
+          <p:cNvSpPr/>
+          <p:nvPr/>
+        </p:nvSpPr>
+        <p:spPr>
+          <a:xfrm>
+            <a:off x="2193934" y="2898058"/>
+            <a:ext cx="530942" cy="530942"/>
+          </a:xfrm>
+          <a:prstGeom prst="donut">
+            <a:avLst/>
+          </a:prstGeom>
+        </p:spPr>
+        <p:style>
+          <a:lnRef idx="1">
+            <a:schemeClr val="accent6"/>
+          </a:lnRef>
+          <a:fillRef idx="3">
+            <a:schemeClr val="accent6"/>
+          </a:fillRef>
+          <a:effectRef idx="2">
+            <a:schemeClr val="accent6"/>
+          </a:effectRef>
+          <a:fontRef idx="minor">
+            <a:schemeClr val="lt1"/>
+          </a:fontRef>
+        </p:style>
+        <p:txBody>
+          <a:bodyPr rtlCol="0" anchor="ctr"/>
+          <a:lstStyle/>
+          <a:p>
+            <a:pPr algn="ctr"/>
+            <a:endParaRPr lang="en-US">
+              <a:solidFill>
+                <a:schemeClr val="tx1"/>
+              </a:solidFill>
+            </a:endParaRPr>
+          </a:p>
+        </p:txBody>
+      </p:sp>
+      <p:sp>
+        <p:nvSpPr>
+          <p:cNvPr id="4" name="Doughnut 3">
+            <a:extLst>
+              <a:ext uri="{FF2B5EF4-FFF2-40B4-BE49-F238E27FC236}">
+                <a16:creationId xmlns:a16="http://schemas.microsoft.com/office/drawing/2014/main" id="{C63FDC65-2262-A4B3-D036-708F22F811AC}"/>
+              </a:ext>
+            </a:extLst>
+          </p:cNvPr>
+          <p:cNvSpPr/>
+          <p:nvPr/>
+        </p:nvSpPr>
+        <p:spPr>
+          <a:xfrm>
+            <a:off x="3280398" y="2898058"/>
+            <a:ext cx="530942" cy="530942"/>
+          </a:xfrm>
+          <a:prstGeom prst="donut">
+            <a:avLst/>
+          </a:prstGeom>
+          <a:solidFill>
+            <a:schemeClr val="accent2"/>
+          </a:solidFill>
+          <a:ln>
+            <a:solidFill>
+              <a:schemeClr val="accent2"/>
+            </a:solidFill>
+          </a:ln>
+        </p:spPr>
+        <p:style>
+          <a:lnRef idx="1">
+            <a:schemeClr val="accent6"/>
+          </a:lnRef>
+          <a:fillRef idx="3">
+            <a:schemeClr val="accent6"/>
+          </a:fillRef>
+          <a:effectRef idx="2">
+            <a:schemeClr val="accent6"/>
+          </a:effectRef>
+          <a:fontRef idx="minor">
+            <a:schemeClr val="lt1"/>
+          </a:fontRef>
+        </p:style>
+        <p:txBody>
+          <a:bodyPr rtlCol="0" anchor="ctr"/>
+          <a:lstStyle/>
+          <a:p>
+            <a:pPr algn="ctr"/>
+            <a:endParaRPr lang="en-US">
+              <a:solidFill>
+                <a:schemeClr val="tx1"/>
+              </a:solidFill>
+            </a:endParaRPr>
+          </a:p>
+        </p:txBody>
+      </p:sp>
+      <p:sp>
+        <p:nvSpPr>
+          <p:cNvPr id="5" name="TextBox 4">
+            <a:extLst>
+              <a:ext uri="{FF2B5EF4-FFF2-40B4-BE49-F238E27FC236}">
+                <a16:creationId xmlns:a16="http://schemas.microsoft.com/office/drawing/2014/main" id="{5AB4AF99-4468-B8CB-9FA7-6D04118FC4BC}"/>
+              </a:ext>
+            </a:extLst>
+          </p:cNvPr>
+          <p:cNvSpPr txBox="1"/>
+          <p:nvPr/>
+        </p:nvSpPr>
+        <p:spPr>
+          <a:xfrm>
+            <a:off x="472349" y="1526049"/>
+            <a:ext cx="1800000" cy="648000"/>
+          </a:xfrm>
+          <a:prstGeom prst="rect">
+            <a:avLst/>
+          </a:prstGeom>
+          <a:noFill/>
+          <a:ln>
+            <a:noFill/>
+          </a:ln>
+        </p:spPr>
+        <p:txBody>
+          <a:bodyPr wrap="square" rtlCol="0" anchor="b" anchorCtr="0">
+            <a:spAutoFit/>
+          </a:bodyPr>
+          <a:lstStyle/>
+          <a:p>
+            <a:pPr algn="ctr"/>
+            <a:r>
+              <a:rPr lang="en-US" dirty="0"/>
+              <a:t>Source code checkout</a:t>
+            </a:r>
+          </a:p>
+        </p:txBody>
+      </p:sp>
+      <p:sp>
+        <p:nvSpPr>
+          <p:cNvPr id="6" name="TextBox 5">
+            <a:extLst>
+              <a:ext uri="{FF2B5EF4-FFF2-40B4-BE49-F238E27FC236}">
+                <a16:creationId xmlns:a16="http://schemas.microsoft.com/office/drawing/2014/main" id="{617F4508-6843-5654-C83A-84808FA8D6AC}"/>
+              </a:ext>
+            </a:extLst>
+          </p:cNvPr>
+          <p:cNvSpPr txBox="1"/>
+          <p:nvPr/>
+        </p:nvSpPr>
+        <p:spPr>
+          <a:xfrm>
+            <a:off x="1558810" y="2106153"/>
+            <a:ext cx="1800000" cy="648000"/>
+          </a:xfrm>
+          <a:prstGeom prst="rect">
+            <a:avLst/>
+          </a:prstGeom>
+          <a:noFill/>
+          <a:ln>
+            <a:noFill/>
+          </a:ln>
+        </p:spPr>
+        <p:txBody>
+          <a:bodyPr wrap="square" rtlCol="0" anchor="b" anchorCtr="0">
+            <a:spAutoFit/>
+          </a:bodyPr>
+          <a:lstStyle/>
+          <a:p>
+            <a:pPr algn="ctr"/>
+            <a:r>
+              <a:rPr lang="en-US" dirty="0"/>
+              <a:t>Dependency installation</a:t>
+            </a:r>
+          </a:p>
+        </p:txBody>
+      </p:sp>
+      <p:sp>
+        <p:nvSpPr>
+          <p:cNvPr id="7" name="TextBox 6">
+            <a:extLst>
+              <a:ext uri="{FF2B5EF4-FFF2-40B4-BE49-F238E27FC236}">
+                <a16:creationId xmlns:a16="http://schemas.microsoft.com/office/drawing/2014/main" id="{452F0384-CA1E-931B-4846-3C7CCE3F3FD5}"/>
+              </a:ext>
+            </a:extLst>
+          </p:cNvPr>
+          <p:cNvSpPr txBox="1"/>
+          <p:nvPr/>
+        </p:nvSpPr>
+        <p:spPr>
+          <a:xfrm>
+            <a:off x="2650553" y="1810100"/>
+            <a:ext cx="1800000" cy="369332"/>
+          </a:xfrm>
+          <a:prstGeom prst="rect">
+            <a:avLst/>
+          </a:prstGeom>
+          <a:noFill/>
+          <a:ln>
+            <a:noFill/>
+          </a:ln>
+        </p:spPr>
+        <p:txBody>
+          <a:bodyPr wrap="square" rtlCol="0" anchor="b" anchorCtr="0">
+            <a:spAutoFit/>
+          </a:bodyPr>
+          <a:lstStyle/>
+          <a:p>
+            <a:pPr algn="ctr"/>
+            <a:r>
+              <a:rPr lang="en-US" dirty="0"/>
+              <a:t>Build</a:t>
+            </a:r>
+          </a:p>
+        </p:txBody>
+      </p:sp>
+      <p:sp>
+        <p:nvSpPr>
+          <p:cNvPr id="8" name="Doughnut 7">
+            <a:extLst>
+              <a:ext uri="{FF2B5EF4-FFF2-40B4-BE49-F238E27FC236}">
+                <a16:creationId xmlns:a16="http://schemas.microsoft.com/office/drawing/2014/main" id="{CEB00E0C-2235-5DAA-5685-075E6DDB3E37}"/>
+              </a:ext>
+            </a:extLst>
+          </p:cNvPr>
+          <p:cNvSpPr/>
+          <p:nvPr/>
+        </p:nvSpPr>
+        <p:spPr>
+          <a:xfrm>
+            <a:off x="4366862" y="2898058"/>
+            <a:ext cx="530942" cy="530942"/>
+          </a:xfrm>
+          <a:prstGeom prst="donut">
+            <a:avLst/>
+          </a:prstGeom>
+        </p:spPr>
+        <p:style>
+          <a:lnRef idx="1">
+            <a:schemeClr val="accent6"/>
+          </a:lnRef>
+          <a:fillRef idx="3">
+            <a:schemeClr val="accent6"/>
+          </a:fillRef>
+          <a:effectRef idx="2">
+            <a:schemeClr val="accent6"/>
+          </a:effectRef>
+          <a:fontRef idx="minor">
+            <a:schemeClr val="lt1"/>
+          </a:fontRef>
+        </p:style>
+        <p:txBody>
+          <a:bodyPr rtlCol="0" anchor="ctr"/>
+          <a:lstStyle/>
+          <a:p>
+            <a:pPr algn="ctr"/>
+            <a:endParaRPr lang="en-US">
+              <a:solidFill>
+                <a:schemeClr val="tx1"/>
+              </a:solidFill>
+            </a:endParaRPr>
+          </a:p>
+        </p:txBody>
+      </p:sp>
+      <p:sp>
+        <p:nvSpPr>
+          <p:cNvPr id="9" name="TextBox 8">
+            <a:extLst>
+              <a:ext uri="{FF2B5EF4-FFF2-40B4-BE49-F238E27FC236}">
+                <a16:creationId xmlns:a16="http://schemas.microsoft.com/office/drawing/2014/main" id="{CB4B0997-C22A-5AC3-5038-BF551D7A4386}"/>
+              </a:ext>
+            </a:extLst>
+          </p:cNvPr>
+          <p:cNvSpPr txBox="1"/>
+          <p:nvPr/>
+        </p:nvSpPr>
+        <p:spPr>
+          <a:xfrm>
+            <a:off x="3723768" y="2106152"/>
+            <a:ext cx="1800000" cy="648000"/>
+          </a:xfrm>
+          <a:prstGeom prst="rect">
+            <a:avLst/>
+          </a:prstGeom>
+          <a:noFill/>
+          <a:ln>
+            <a:noFill/>
+          </a:ln>
+        </p:spPr>
+        <p:txBody>
+          <a:bodyPr wrap="square" rtlCol="0" anchor="b" anchorCtr="0">
+            <a:spAutoFit/>
+          </a:bodyPr>
+          <a:lstStyle/>
+          <a:p>
+            <a:pPr algn="ctr"/>
+            <a:r>
+              <a:rPr lang="en-US" dirty="0"/>
+              <a:t>Automated testing</a:t>
+            </a:r>
+          </a:p>
+        </p:txBody>
+      </p:sp>
+      <p:sp>
+        <p:nvSpPr>
+          <p:cNvPr id="10" name="Doughnut 9">
+            <a:extLst>
+              <a:ext uri="{FF2B5EF4-FFF2-40B4-BE49-F238E27FC236}">
+                <a16:creationId xmlns:a16="http://schemas.microsoft.com/office/drawing/2014/main" id="{4C6CE44C-B27A-73AF-5FA0-98D6EEED5A87}"/>
+              </a:ext>
+            </a:extLst>
+          </p:cNvPr>
+          <p:cNvSpPr/>
+          <p:nvPr/>
+        </p:nvSpPr>
+        <p:spPr>
+          <a:xfrm>
+            <a:off x="5453326" y="2898058"/>
+            <a:ext cx="530942" cy="530942"/>
+          </a:xfrm>
+          <a:prstGeom prst="donut">
+            <a:avLst/>
+          </a:prstGeom>
+        </p:spPr>
+        <p:style>
+          <a:lnRef idx="1">
+            <a:schemeClr val="accent6"/>
+          </a:lnRef>
+          <a:fillRef idx="3">
+            <a:schemeClr val="accent6"/>
+          </a:fillRef>
+          <a:effectRef idx="2">
+            <a:schemeClr val="accent6"/>
+          </a:effectRef>
+          <a:fontRef idx="minor">
+            <a:schemeClr val="lt1"/>
+          </a:fontRef>
+        </p:style>
+        <p:txBody>
+          <a:bodyPr rtlCol="0" anchor="ctr"/>
+          <a:lstStyle/>
+          <a:p>
+            <a:pPr algn="ctr"/>
+            <a:endParaRPr lang="en-US">
+              <a:solidFill>
+                <a:schemeClr val="tx1"/>
+              </a:solidFill>
+            </a:endParaRPr>
+          </a:p>
+        </p:txBody>
+      </p:sp>
+      <p:sp>
+        <p:nvSpPr>
+          <p:cNvPr id="11" name="TextBox 10">
+            <a:extLst>
+              <a:ext uri="{FF2B5EF4-FFF2-40B4-BE49-F238E27FC236}">
+                <a16:creationId xmlns:a16="http://schemas.microsoft.com/office/drawing/2014/main" id="{64B267B1-E48A-F221-D2AD-53857988B2C1}"/>
+              </a:ext>
+            </a:extLst>
+          </p:cNvPr>
+          <p:cNvSpPr txBox="1"/>
+          <p:nvPr/>
+        </p:nvSpPr>
+        <p:spPr>
+          <a:xfrm>
+            <a:off x="4821421" y="1527717"/>
+            <a:ext cx="1800000" cy="646331"/>
+          </a:xfrm>
+          <a:prstGeom prst="rect">
+            <a:avLst/>
+          </a:prstGeom>
+          <a:noFill/>
+          <a:ln>
+            <a:noFill/>
+          </a:ln>
+        </p:spPr>
+        <p:txBody>
+          <a:bodyPr wrap="square" rtlCol="0" anchor="b" anchorCtr="0">
+            <a:spAutoFit/>
+          </a:bodyPr>
+          <a:lstStyle/>
+          <a:p>
+            <a:pPr algn="ctr"/>
+            <a:r>
+              <a:rPr lang="en-GB"/>
+              <a:t>Approval and merging</a:t>
+            </a:r>
+          </a:p>
+        </p:txBody>
+      </p:sp>
+      <p:sp>
+        <p:nvSpPr>
+          <p:cNvPr id="12" name="Doughnut 11">
+            <a:extLst>
+              <a:ext uri="{FF2B5EF4-FFF2-40B4-BE49-F238E27FC236}">
+                <a16:creationId xmlns:a16="http://schemas.microsoft.com/office/drawing/2014/main" id="{BA5D8BD0-4388-5618-1A23-90AB74ABE749}"/>
+              </a:ext>
+            </a:extLst>
+          </p:cNvPr>
+          <p:cNvSpPr/>
+          <p:nvPr/>
+        </p:nvSpPr>
+        <p:spPr>
+          <a:xfrm>
+            <a:off x="6540506" y="2898058"/>
+            <a:ext cx="530942" cy="530942"/>
+          </a:xfrm>
+          <a:prstGeom prst="donut">
+            <a:avLst/>
+          </a:prstGeom>
+        </p:spPr>
+        <p:style>
+          <a:lnRef idx="1">
+            <a:schemeClr val="accent6"/>
+          </a:lnRef>
+          <a:fillRef idx="3">
+            <a:schemeClr val="accent6"/>
+          </a:fillRef>
+          <a:effectRef idx="2">
+            <a:schemeClr val="accent6"/>
+          </a:effectRef>
+          <a:fontRef idx="minor">
+            <a:schemeClr val="lt1"/>
+          </a:fontRef>
+        </p:style>
+        <p:txBody>
+          <a:bodyPr rtlCol="0" anchor="ctr"/>
+          <a:lstStyle/>
+          <a:p>
+            <a:pPr algn="ctr"/>
+            <a:endParaRPr lang="en-US">
+              <a:solidFill>
+                <a:schemeClr val="tx1"/>
+              </a:solidFill>
+            </a:endParaRPr>
+          </a:p>
+        </p:txBody>
+      </p:sp>
+      <p:sp>
+        <p:nvSpPr>
+          <p:cNvPr id="14" name="TextBox 13">
+            <a:extLst>
+              <a:ext uri="{FF2B5EF4-FFF2-40B4-BE49-F238E27FC236}">
+                <a16:creationId xmlns:a16="http://schemas.microsoft.com/office/drawing/2014/main" id="{C34FDB78-9539-E14A-ACD5-F164C0F3024F}"/>
+              </a:ext>
+            </a:extLst>
+          </p:cNvPr>
+          <p:cNvSpPr txBox="1"/>
+          <p:nvPr/>
+        </p:nvSpPr>
+        <p:spPr>
+          <a:xfrm>
+            <a:off x="5897411" y="2107822"/>
+            <a:ext cx="1800000" cy="646331"/>
+          </a:xfrm>
+          <a:prstGeom prst="rect">
+            <a:avLst/>
+          </a:prstGeom>
+          <a:noFill/>
+          <a:ln>
+            <a:noFill/>
+          </a:ln>
+        </p:spPr>
+        <p:txBody>
+          <a:bodyPr wrap="square" rtlCol="0" anchor="b" anchorCtr="0">
+            <a:spAutoFit/>
+          </a:bodyPr>
+          <a:lstStyle/>
+          <a:p>
+            <a:pPr algn="ctr"/>
+            <a:r>
+              <a:rPr lang="en-US" dirty="0"/>
+              <a:t>Deployment to staging</a:t>
+            </a:r>
+          </a:p>
+        </p:txBody>
+      </p:sp>
+      <p:cxnSp>
+        <p:nvCxnSpPr>
+          <p:cNvPr id="17" name="Straight Connector 16">
+            <a:extLst>
+              <a:ext uri="{FF2B5EF4-FFF2-40B4-BE49-F238E27FC236}">
+                <a16:creationId xmlns:a16="http://schemas.microsoft.com/office/drawing/2014/main" id="{2866E5BD-A3EB-95E3-2234-FA201E20E4E7}"/>
+              </a:ext>
+            </a:extLst>
+          </p:cNvPr>
+          <p:cNvCxnSpPr>
+            <a:stCxn id="5" idx="2"/>
+            <a:endCxn id="2" idx="0"/>
+          </p:cNvCxnSpPr>
+          <p:nvPr/>
+        </p:nvCxnSpPr>
+        <p:spPr>
+          <a:xfrm>
+            <a:off x="1372349" y="2174049"/>
+            <a:ext cx="592" cy="724009"/>
+          </a:xfrm>
+          <a:prstGeom prst="line">
+            <a:avLst/>
+          </a:prstGeom>
+          <a:ln w="12700"/>
+        </p:spPr>
+        <p:style>
+          <a:lnRef idx="1">
+            <a:schemeClr val="accent6"/>
+          </a:lnRef>
+          <a:fillRef idx="0">
+            <a:schemeClr val="accent6"/>
+          </a:fillRef>
+          <a:effectRef idx="0">
+            <a:schemeClr val="accent6"/>
+          </a:effectRef>
+          <a:fontRef idx="minor">
+            <a:schemeClr val="tx1"/>
+          </a:fontRef>
+        </p:style>
+      </p:cxnSp>
+      <p:cxnSp>
+        <p:nvCxnSpPr>
+          <p:cNvPr id="18" name="Straight Connector 17">
+            <a:extLst>
+              <a:ext uri="{FF2B5EF4-FFF2-40B4-BE49-F238E27FC236}">
+                <a16:creationId xmlns:a16="http://schemas.microsoft.com/office/drawing/2014/main" id="{042B27D7-6BC6-10C3-1981-59A6CDC585DF}"/>
+              </a:ext>
+            </a:extLst>
+          </p:cNvPr>
+          <p:cNvCxnSpPr>
+            <a:cxnSpLocks/>
+            <a:stCxn id="6" idx="2"/>
+            <a:endCxn id="3" idx="0"/>
+          </p:cNvCxnSpPr>
+          <p:nvPr/>
+        </p:nvCxnSpPr>
+        <p:spPr>
+          <a:xfrm>
+            <a:off x="2458810" y="2754153"/>
+            <a:ext cx="595" cy="143905"/>
+          </a:xfrm>
+          <a:prstGeom prst="line">
+            <a:avLst/>
+          </a:prstGeom>
+          <a:ln w="12700"/>
+        </p:spPr>
+        <p:style>
+          <a:lnRef idx="1">
+            <a:schemeClr val="accent6"/>
+          </a:lnRef>
+          <a:fillRef idx="0">
+            <a:schemeClr val="accent6"/>
+          </a:fillRef>
+          <a:effectRef idx="0">
+            <a:schemeClr val="accent6"/>
+          </a:effectRef>
+          <a:fontRef idx="minor">
+            <a:schemeClr val="tx1"/>
+          </a:fontRef>
+        </p:style>
+      </p:cxnSp>
+      <p:cxnSp>
+        <p:nvCxnSpPr>
+          <p:cNvPr id="21" name="Straight Connector 20">
+            <a:extLst>
+              <a:ext uri="{FF2B5EF4-FFF2-40B4-BE49-F238E27FC236}">
+                <a16:creationId xmlns:a16="http://schemas.microsoft.com/office/drawing/2014/main" id="{376CCE20-8C4B-0C46-7BA8-1F4899E7697A}"/>
+              </a:ext>
+            </a:extLst>
+          </p:cNvPr>
+          <p:cNvCxnSpPr>
+            <a:cxnSpLocks/>
+            <a:stCxn id="7" idx="2"/>
+            <a:endCxn id="4" idx="0"/>
+          </p:cNvCxnSpPr>
+          <p:nvPr/>
+        </p:nvCxnSpPr>
+        <p:spPr>
+          <a:xfrm flipH="1">
+            <a:off x="3545869" y="2179432"/>
+            <a:ext cx="4684" cy="718626"/>
+          </a:xfrm>
+          <a:prstGeom prst="line">
+            <a:avLst/>
+          </a:prstGeom>
+          <a:ln w="12700">
+            <a:solidFill>
+              <a:schemeClr val="accent2"/>
+            </a:solidFill>
+          </a:ln>
+        </p:spPr>
+        <p:style>
+          <a:lnRef idx="1">
+            <a:schemeClr val="accent6"/>
+          </a:lnRef>
+          <a:fillRef idx="0">
+            <a:schemeClr val="accent6"/>
+          </a:fillRef>
+          <a:effectRef idx="0">
+            <a:schemeClr val="accent6"/>
+          </a:effectRef>
+          <a:fontRef idx="minor">
+            <a:schemeClr val="tx1"/>
+          </a:fontRef>
+        </p:style>
+      </p:cxnSp>
+      <p:cxnSp>
+        <p:nvCxnSpPr>
+          <p:cNvPr id="24" name="Straight Connector 23">
+            <a:extLst>
+              <a:ext uri="{FF2B5EF4-FFF2-40B4-BE49-F238E27FC236}">
+                <a16:creationId xmlns:a16="http://schemas.microsoft.com/office/drawing/2014/main" id="{63ACD8D8-CAB3-68A5-7081-D3FD51A462F5}"/>
+              </a:ext>
+            </a:extLst>
+          </p:cNvPr>
+          <p:cNvCxnSpPr>
+            <a:cxnSpLocks/>
+            <a:stCxn id="9" idx="2"/>
+            <a:endCxn id="8" idx="0"/>
+          </p:cNvCxnSpPr>
+          <p:nvPr/>
+        </p:nvCxnSpPr>
+        <p:spPr>
+          <a:xfrm>
+            <a:off x="4623768" y="2754152"/>
+            <a:ext cx="8565" cy="143906"/>
+          </a:xfrm>
+          <a:prstGeom prst="line">
+            <a:avLst/>
+          </a:prstGeom>
+          <a:ln w="12700"/>
+        </p:spPr>
+        <p:style>
+          <a:lnRef idx="1">
+            <a:schemeClr val="accent6"/>
+          </a:lnRef>
+          <a:fillRef idx="0">
+            <a:schemeClr val="accent6"/>
+          </a:fillRef>
+          <a:effectRef idx="0">
+            <a:schemeClr val="accent6"/>
+          </a:effectRef>
+          <a:fontRef idx="minor">
+            <a:schemeClr val="tx1"/>
+          </a:fontRef>
+        </p:style>
+      </p:cxnSp>
+      <p:cxnSp>
+        <p:nvCxnSpPr>
+          <p:cNvPr id="27" name="Straight Connector 26">
+            <a:extLst>
+              <a:ext uri="{FF2B5EF4-FFF2-40B4-BE49-F238E27FC236}">
+                <a16:creationId xmlns:a16="http://schemas.microsoft.com/office/drawing/2014/main" id="{78C3FF47-DB3A-A032-F6E8-DD97243E2ED7}"/>
+              </a:ext>
+            </a:extLst>
+          </p:cNvPr>
+          <p:cNvCxnSpPr>
+            <a:cxnSpLocks/>
+            <a:stCxn id="11" idx="2"/>
+            <a:endCxn id="10" idx="0"/>
+          </p:cNvCxnSpPr>
+          <p:nvPr/>
+        </p:nvCxnSpPr>
+        <p:spPr>
+          <a:xfrm flipH="1">
+            <a:off x="5718797" y="2174048"/>
+            <a:ext cx="2624" cy="724010"/>
+          </a:xfrm>
+          <a:prstGeom prst="line">
+            <a:avLst/>
+          </a:prstGeom>
+          <a:ln w="12700"/>
+        </p:spPr>
+        <p:style>
+          <a:lnRef idx="1">
+            <a:schemeClr val="accent6"/>
+          </a:lnRef>
+          <a:fillRef idx="0">
+            <a:schemeClr val="accent6"/>
+          </a:fillRef>
+          <a:effectRef idx="0">
+            <a:schemeClr val="accent6"/>
+          </a:effectRef>
+          <a:fontRef idx="minor">
+            <a:schemeClr val="tx1"/>
+          </a:fontRef>
+        </p:style>
+      </p:cxnSp>
+      <p:cxnSp>
+        <p:nvCxnSpPr>
+          <p:cNvPr id="31" name="Straight Connector 30">
+            <a:extLst>
+              <a:ext uri="{FF2B5EF4-FFF2-40B4-BE49-F238E27FC236}">
+                <a16:creationId xmlns:a16="http://schemas.microsoft.com/office/drawing/2014/main" id="{6F75D87C-2F67-D2EC-6B2B-B5F0B3927671}"/>
+              </a:ext>
+            </a:extLst>
+          </p:cNvPr>
+          <p:cNvCxnSpPr>
+            <a:cxnSpLocks/>
+            <a:stCxn id="14" idx="2"/>
+            <a:endCxn id="12" idx="0"/>
+          </p:cNvCxnSpPr>
+          <p:nvPr/>
+        </p:nvCxnSpPr>
+        <p:spPr>
+          <a:xfrm>
+            <a:off x="6797411" y="2754153"/>
+            <a:ext cx="8566" cy="143905"/>
+          </a:xfrm>
+          <a:prstGeom prst="line">
+            <a:avLst/>
+          </a:prstGeom>
+          <a:ln w="12700"/>
+        </p:spPr>
+        <p:style>
+          <a:lnRef idx="1">
+            <a:schemeClr val="accent6"/>
+          </a:lnRef>
+          <a:fillRef idx="0">
+            <a:schemeClr val="accent6"/>
+          </a:fillRef>
+          <a:effectRef idx="0">
+            <a:schemeClr val="accent6"/>
+          </a:effectRef>
+          <a:fontRef idx="minor">
+            <a:schemeClr val="tx1"/>
+          </a:fontRef>
+        </p:style>
+      </p:cxnSp>
+      <p:cxnSp>
+        <p:nvCxnSpPr>
+          <p:cNvPr id="38" name="Straight Arrow Connector 37">
+            <a:extLst>
+              <a:ext uri="{FF2B5EF4-FFF2-40B4-BE49-F238E27FC236}">
+                <a16:creationId xmlns:a16="http://schemas.microsoft.com/office/drawing/2014/main" id="{04F9D4FE-DA93-E634-B3A4-D76A942FDC63}"/>
+              </a:ext>
+            </a:extLst>
+          </p:cNvPr>
+          <p:cNvCxnSpPr>
+            <a:stCxn id="2" idx="6"/>
+            <a:endCxn id="3" idx="2"/>
+          </p:cNvCxnSpPr>
+          <p:nvPr/>
+        </p:nvCxnSpPr>
+        <p:spPr>
+          <a:xfrm>
+            <a:off x="1638412" y="3163529"/>
+            <a:ext cx="555522" cy="0"/>
+          </a:xfrm>
+          <a:prstGeom prst="straightConnector1">
+            <a:avLst/>
+          </a:prstGeom>
+          <a:ln w="38100">
+            <a:solidFill>
+              <a:schemeClr val="accent6"/>
+            </a:solidFill>
+            <a:tailEnd type="triangle"/>
+          </a:ln>
+        </p:spPr>
+        <p:style>
+          <a:lnRef idx="1">
+            <a:schemeClr val="accent1"/>
+          </a:lnRef>
+          <a:fillRef idx="0">
+            <a:schemeClr val="accent1"/>
+          </a:fillRef>
+          <a:effectRef idx="0">
+            <a:schemeClr val="accent1"/>
+          </a:effectRef>
+          <a:fontRef idx="minor">
+            <a:schemeClr val="tx1"/>
+          </a:fontRef>
+        </p:style>
+      </p:cxnSp>
+      <p:cxnSp>
+        <p:nvCxnSpPr>
+          <p:cNvPr id="39" name="Straight Arrow Connector 38">
+            <a:extLst>
+              <a:ext uri="{FF2B5EF4-FFF2-40B4-BE49-F238E27FC236}">
+                <a16:creationId xmlns:a16="http://schemas.microsoft.com/office/drawing/2014/main" id="{2E1D831F-0877-BA64-6FCE-0FA10580FBCF}"/>
+              </a:ext>
+            </a:extLst>
+          </p:cNvPr>
+          <p:cNvCxnSpPr>
+            <a:cxnSpLocks/>
+            <a:stCxn id="3" idx="6"/>
+            <a:endCxn id="4" idx="2"/>
+          </p:cNvCxnSpPr>
+          <p:nvPr/>
+        </p:nvCxnSpPr>
+        <p:spPr>
+          <a:xfrm>
+            <a:off x="2724876" y="3163529"/>
+            <a:ext cx="555522" cy="0"/>
+          </a:xfrm>
+          <a:prstGeom prst="straightConnector1">
+            <a:avLst/>
+          </a:prstGeom>
+          <a:ln w="38100">
+            <a:solidFill>
+              <a:schemeClr val="accent6"/>
+            </a:solidFill>
+            <a:tailEnd type="triangle"/>
+          </a:ln>
+        </p:spPr>
+        <p:style>
+          <a:lnRef idx="1">
+            <a:schemeClr val="accent1"/>
+          </a:lnRef>
+          <a:fillRef idx="0">
+            <a:schemeClr val="accent1"/>
+          </a:fillRef>
+          <a:effectRef idx="0">
+            <a:schemeClr val="accent1"/>
+          </a:effectRef>
+          <a:fontRef idx="minor">
+            <a:schemeClr val="tx1"/>
+          </a:fontRef>
+        </p:style>
+      </p:cxnSp>
+      <p:cxnSp>
+        <p:nvCxnSpPr>
+          <p:cNvPr id="42" name="Straight Arrow Connector 41">
+            <a:extLst>
+              <a:ext uri="{FF2B5EF4-FFF2-40B4-BE49-F238E27FC236}">
+                <a16:creationId xmlns:a16="http://schemas.microsoft.com/office/drawing/2014/main" id="{CAACB0DC-59B6-47C2-6E17-6327C017C92D}"/>
+              </a:ext>
+            </a:extLst>
+          </p:cNvPr>
+          <p:cNvCxnSpPr>
+            <a:cxnSpLocks/>
+            <a:stCxn id="4" idx="6"/>
+            <a:endCxn id="8" idx="2"/>
+          </p:cNvCxnSpPr>
+          <p:nvPr/>
+        </p:nvCxnSpPr>
+        <p:spPr>
+          <a:xfrm>
+            <a:off x="3811340" y="3163529"/>
+            <a:ext cx="555522" cy="0"/>
+          </a:xfrm>
+          <a:prstGeom prst="straightConnector1">
+            <a:avLst/>
+          </a:prstGeom>
+          <a:ln w="38100">
+            <a:solidFill>
+              <a:schemeClr val="accent6"/>
+            </a:solidFill>
+            <a:tailEnd type="triangle"/>
+          </a:ln>
+        </p:spPr>
+        <p:style>
+          <a:lnRef idx="1">
+            <a:schemeClr val="accent1"/>
+          </a:lnRef>
+          <a:fillRef idx="0">
+            <a:schemeClr val="accent1"/>
+          </a:fillRef>
+          <a:effectRef idx="0">
+            <a:schemeClr val="accent1"/>
+          </a:effectRef>
+          <a:fontRef idx="minor">
+            <a:schemeClr val="tx1"/>
+          </a:fontRef>
+        </p:style>
+      </p:cxnSp>
+      <p:cxnSp>
+        <p:nvCxnSpPr>
+          <p:cNvPr id="45" name="Straight Arrow Connector 44">
+            <a:extLst>
+              <a:ext uri="{FF2B5EF4-FFF2-40B4-BE49-F238E27FC236}">
+                <a16:creationId xmlns:a16="http://schemas.microsoft.com/office/drawing/2014/main" id="{947A3877-F9D3-A130-2241-87DBED3506C9}"/>
+              </a:ext>
+            </a:extLst>
+          </p:cNvPr>
+          <p:cNvCxnSpPr>
+            <a:cxnSpLocks/>
+            <a:stCxn id="8" idx="6"/>
+            <a:endCxn id="10" idx="2"/>
+          </p:cNvCxnSpPr>
+          <p:nvPr/>
+        </p:nvCxnSpPr>
+        <p:spPr>
+          <a:xfrm>
+            <a:off x="4897804" y="3163529"/>
+            <a:ext cx="555522" cy="0"/>
+          </a:xfrm>
+          <a:prstGeom prst="straightConnector1">
+            <a:avLst/>
+          </a:prstGeom>
+          <a:ln w="38100">
+            <a:solidFill>
+              <a:schemeClr val="accent6"/>
+            </a:solidFill>
+            <a:tailEnd type="triangle"/>
+          </a:ln>
+        </p:spPr>
+        <p:style>
+          <a:lnRef idx="1">
+            <a:schemeClr val="accent1"/>
+          </a:lnRef>
+          <a:fillRef idx="0">
+            <a:schemeClr val="accent1"/>
+          </a:fillRef>
+          <a:effectRef idx="0">
+            <a:schemeClr val="accent1"/>
+          </a:effectRef>
+          <a:fontRef idx="minor">
+            <a:schemeClr val="tx1"/>
+          </a:fontRef>
+        </p:style>
+      </p:cxnSp>
+      <p:cxnSp>
+        <p:nvCxnSpPr>
+          <p:cNvPr id="48" name="Straight Arrow Connector 47">
+            <a:extLst>
+              <a:ext uri="{FF2B5EF4-FFF2-40B4-BE49-F238E27FC236}">
+                <a16:creationId xmlns:a16="http://schemas.microsoft.com/office/drawing/2014/main" id="{092F64DB-7C23-95F8-4BC5-F9E54C62A9DD}"/>
+              </a:ext>
+            </a:extLst>
+          </p:cNvPr>
+          <p:cNvCxnSpPr>
+            <a:cxnSpLocks/>
+            <a:stCxn id="10" idx="6"/>
+            <a:endCxn id="12" idx="2"/>
+          </p:cNvCxnSpPr>
+          <p:nvPr/>
+        </p:nvCxnSpPr>
+        <p:spPr>
+          <a:xfrm>
+            <a:off x="5984268" y="3163529"/>
+            <a:ext cx="556238" cy="0"/>
+          </a:xfrm>
+          <a:prstGeom prst="straightConnector1">
+            <a:avLst/>
+          </a:prstGeom>
+          <a:ln w="38100">
+            <a:solidFill>
+              <a:schemeClr val="accent6"/>
+            </a:solidFill>
+            <a:tailEnd type="triangle"/>
+          </a:ln>
+        </p:spPr>
+        <p:style>
+          <a:lnRef idx="1">
+            <a:schemeClr val="accent1"/>
+          </a:lnRef>
+          <a:fillRef idx="0">
+            <a:schemeClr val="accent1"/>
+          </a:fillRef>
+          <a:effectRef idx="0">
+            <a:schemeClr val="accent1"/>
+          </a:effectRef>
+          <a:fontRef idx="minor">
+            <a:schemeClr val="tx1"/>
+          </a:fontRef>
+        </p:style>
+      </p:cxnSp>
+    </p:spTree>
+    <p:extLst>
+      <p:ext uri="{BB962C8B-B14F-4D97-AF65-F5344CB8AC3E}">
+        <p14:creationId xmlns:p14="http://schemas.microsoft.com/office/powerpoint/2010/main" val="3324564438"/>
+      </p:ext>
+    </p:extLst>
+  </p:cSld>
+  <p:clrMapOvr>
+    <a:masterClrMapping/>
+  </p:clrMapOvr>
+</p:sld>
+</file>
+
+<file path=ppt/slides/slide39.xml><?xml version="1.0" encoding="utf-8"?>
+<p:sld xmlns:a="http://schemas.openxmlformats.org/drawingml/2006/main" xmlns:r="http://schemas.openxmlformats.org/officeDocument/2006/relationships" xmlns:p="http://schemas.openxmlformats.org/presentationml/2006/main">
+  <p:cSld>
+    <p:spTree>
+      <p:nvGrpSpPr>
+        <p:cNvPr id="1" name="">
+          <a:extLst>
+            <a:ext uri="{FF2B5EF4-FFF2-40B4-BE49-F238E27FC236}">
+              <a16:creationId xmlns:a16="http://schemas.microsoft.com/office/drawing/2014/main" id="{1C1CFD29-DF4F-2698-BF87-C2EBA69A6929}"/>
+            </a:ext>
+          </a:extLst>
+        </p:cNvPr>
+        <p:cNvGrpSpPr/>
+        <p:nvPr/>
+      </p:nvGrpSpPr>
+      <p:grpSpPr>
+        <a:xfrm>
+          <a:off x="0" y="0"/>
+          <a:ext cx="0" cy="0"/>
+          <a:chOff x="0" y="0"/>
+          <a:chExt cx="0" cy="0"/>
+        </a:xfrm>
+      </p:grpSpPr>
+      <p:sp>
+        <p:nvSpPr>
+          <p:cNvPr id="2" name="Doughnut 1">
+            <a:extLst>
+              <a:ext uri="{FF2B5EF4-FFF2-40B4-BE49-F238E27FC236}">
+                <a16:creationId xmlns:a16="http://schemas.microsoft.com/office/drawing/2014/main" id="{CE7CDE80-B000-65FB-6557-7232A39CB2CD}"/>
+              </a:ext>
+            </a:extLst>
+          </p:cNvPr>
+          <p:cNvSpPr/>
+          <p:nvPr/>
+        </p:nvSpPr>
+        <p:spPr>
+          <a:xfrm>
+            <a:off x="1107470" y="2898058"/>
+            <a:ext cx="530942" cy="530942"/>
+          </a:xfrm>
+          <a:prstGeom prst="donut">
+            <a:avLst/>
+          </a:prstGeom>
+        </p:spPr>
+        <p:style>
+          <a:lnRef idx="1">
+            <a:schemeClr val="accent6"/>
+          </a:lnRef>
+          <a:fillRef idx="3">
+            <a:schemeClr val="accent6"/>
+          </a:fillRef>
+          <a:effectRef idx="2">
+            <a:schemeClr val="accent6"/>
+          </a:effectRef>
+          <a:fontRef idx="minor">
+            <a:schemeClr val="lt1"/>
+          </a:fontRef>
+        </p:style>
+        <p:txBody>
+          <a:bodyPr rtlCol="0" anchor="ctr"/>
+          <a:lstStyle/>
+          <a:p>
+            <a:pPr algn="ctr"/>
+            <a:endParaRPr lang="en-US">
+              <a:solidFill>
+                <a:schemeClr val="tx1"/>
+              </a:solidFill>
+            </a:endParaRPr>
+          </a:p>
+        </p:txBody>
+      </p:sp>
+      <p:sp>
+        <p:nvSpPr>
+          <p:cNvPr id="3" name="Doughnut 2">
+            <a:extLst>
+              <a:ext uri="{FF2B5EF4-FFF2-40B4-BE49-F238E27FC236}">
+                <a16:creationId xmlns:a16="http://schemas.microsoft.com/office/drawing/2014/main" id="{E536D3C7-4E0B-A814-83A8-A212D9E51275}"/>
+              </a:ext>
+            </a:extLst>
+          </p:cNvPr>
+          <p:cNvSpPr/>
+          <p:nvPr/>
+        </p:nvSpPr>
+        <p:spPr>
+          <a:xfrm>
+            <a:off x="2193934" y="2898058"/>
+            <a:ext cx="530942" cy="530942"/>
+          </a:xfrm>
+          <a:prstGeom prst="donut">
+            <a:avLst/>
+          </a:prstGeom>
+        </p:spPr>
+        <p:style>
+          <a:lnRef idx="1">
+            <a:schemeClr val="accent6"/>
+          </a:lnRef>
+          <a:fillRef idx="3">
+            <a:schemeClr val="accent6"/>
+          </a:fillRef>
+          <a:effectRef idx="2">
+            <a:schemeClr val="accent6"/>
+          </a:effectRef>
+          <a:fontRef idx="minor">
+            <a:schemeClr val="lt1"/>
+          </a:fontRef>
+        </p:style>
+        <p:txBody>
+          <a:bodyPr rtlCol="0" anchor="ctr"/>
+          <a:lstStyle/>
+          <a:p>
+            <a:pPr algn="ctr"/>
+            <a:endParaRPr lang="en-US">
+              <a:solidFill>
+                <a:schemeClr val="tx1"/>
+              </a:solidFill>
+            </a:endParaRPr>
+          </a:p>
+        </p:txBody>
+      </p:sp>
+      <p:sp>
+        <p:nvSpPr>
+          <p:cNvPr id="4" name="Doughnut 3">
+            <a:extLst>
+              <a:ext uri="{FF2B5EF4-FFF2-40B4-BE49-F238E27FC236}">
+                <a16:creationId xmlns:a16="http://schemas.microsoft.com/office/drawing/2014/main" id="{6D2517C8-E71E-BF4A-7BAF-20D99F6CC78B}"/>
+              </a:ext>
+            </a:extLst>
+          </p:cNvPr>
+          <p:cNvSpPr/>
+          <p:nvPr/>
+        </p:nvSpPr>
+        <p:spPr>
+          <a:xfrm>
+            <a:off x="3280398" y="2898058"/>
+            <a:ext cx="530942" cy="530942"/>
+          </a:xfrm>
+          <a:prstGeom prst="donut">
+            <a:avLst/>
+          </a:prstGeom>
+        </p:spPr>
+        <p:style>
+          <a:lnRef idx="1">
+            <a:schemeClr val="accent6"/>
+          </a:lnRef>
+          <a:fillRef idx="3">
+            <a:schemeClr val="accent6"/>
+          </a:fillRef>
+          <a:effectRef idx="2">
+            <a:schemeClr val="accent6"/>
+          </a:effectRef>
+          <a:fontRef idx="minor">
+            <a:schemeClr val="lt1"/>
+          </a:fontRef>
+        </p:style>
+        <p:txBody>
+          <a:bodyPr rtlCol="0" anchor="ctr"/>
+          <a:lstStyle/>
+          <a:p>
+            <a:pPr algn="ctr"/>
+            <a:endParaRPr lang="en-US">
+              <a:solidFill>
+                <a:schemeClr val="tx1"/>
+              </a:solidFill>
+            </a:endParaRPr>
+          </a:p>
+        </p:txBody>
+      </p:sp>
+      <p:sp>
+        <p:nvSpPr>
+          <p:cNvPr id="5" name="TextBox 4">
+            <a:extLst>
+              <a:ext uri="{FF2B5EF4-FFF2-40B4-BE49-F238E27FC236}">
+                <a16:creationId xmlns:a16="http://schemas.microsoft.com/office/drawing/2014/main" id="{0092E1DF-D17E-F693-F990-948EA0A93F61}"/>
+              </a:ext>
+            </a:extLst>
+          </p:cNvPr>
+          <p:cNvSpPr txBox="1"/>
+          <p:nvPr/>
+        </p:nvSpPr>
+        <p:spPr>
+          <a:xfrm>
+            <a:off x="472349" y="1526049"/>
+            <a:ext cx="1800000" cy="648000"/>
+          </a:xfrm>
+          <a:prstGeom prst="rect">
+            <a:avLst/>
+          </a:prstGeom>
+          <a:noFill/>
+          <a:ln>
+            <a:noFill/>
+          </a:ln>
+        </p:spPr>
+        <p:txBody>
+          <a:bodyPr wrap="square" rtlCol="0" anchor="b" anchorCtr="0">
+            <a:spAutoFit/>
+          </a:bodyPr>
+          <a:lstStyle/>
+          <a:p>
+            <a:pPr algn="ctr"/>
+            <a:r>
+              <a:rPr lang="en-US" dirty="0"/>
+              <a:t>Source code checkout</a:t>
+            </a:r>
+          </a:p>
+        </p:txBody>
+      </p:sp>
+      <p:sp>
+        <p:nvSpPr>
+          <p:cNvPr id="6" name="TextBox 5">
+            <a:extLst>
+              <a:ext uri="{FF2B5EF4-FFF2-40B4-BE49-F238E27FC236}">
+                <a16:creationId xmlns:a16="http://schemas.microsoft.com/office/drawing/2014/main" id="{4211E98F-7FE0-09B8-7B03-10AB10C63357}"/>
+              </a:ext>
+            </a:extLst>
+          </p:cNvPr>
+          <p:cNvSpPr txBox="1"/>
+          <p:nvPr/>
+        </p:nvSpPr>
+        <p:spPr>
+          <a:xfrm>
+            <a:off x="1558810" y="2106153"/>
+            <a:ext cx="1800000" cy="648000"/>
+          </a:xfrm>
+          <a:prstGeom prst="rect">
+            <a:avLst/>
+          </a:prstGeom>
+          <a:noFill/>
+          <a:ln>
+            <a:noFill/>
+          </a:ln>
+        </p:spPr>
+        <p:txBody>
+          <a:bodyPr wrap="square" rtlCol="0" anchor="b" anchorCtr="0">
+            <a:spAutoFit/>
+          </a:bodyPr>
+          <a:lstStyle/>
+          <a:p>
+            <a:pPr algn="ctr"/>
+            <a:r>
+              <a:rPr lang="en-US" dirty="0"/>
+              <a:t>Dependency installation</a:t>
+            </a:r>
+          </a:p>
+        </p:txBody>
+      </p:sp>
+      <p:sp>
+        <p:nvSpPr>
+          <p:cNvPr id="7" name="TextBox 6">
+            <a:extLst>
+              <a:ext uri="{FF2B5EF4-FFF2-40B4-BE49-F238E27FC236}">
+                <a16:creationId xmlns:a16="http://schemas.microsoft.com/office/drawing/2014/main" id="{CE5C6E1E-C1ED-AC43-D876-0CAF855DF7FA}"/>
+              </a:ext>
+            </a:extLst>
+          </p:cNvPr>
+          <p:cNvSpPr txBox="1"/>
+          <p:nvPr/>
+        </p:nvSpPr>
+        <p:spPr>
+          <a:xfrm>
+            <a:off x="2650553" y="1810100"/>
+            <a:ext cx="1800000" cy="369332"/>
+          </a:xfrm>
+          <a:prstGeom prst="rect">
+            <a:avLst/>
+          </a:prstGeom>
+          <a:noFill/>
+          <a:ln>
+            <a:noFill/>
+          </a:ln>
+        </p:spPr>
+        <p:txBody>
+          <a:bodyPr wrap="square" rtlCol="0" anchor="b" anchorCtr="0">
+            <a:spAutoFit/>
+          </a:bodyPr>
+          <a:lstStyle/>
+          <a:p>
+            <a:pPr algn="ctr"/>
+            <a:r>
+              <a:rPr lang="en-US" dirty="0"/>
+              <a:t>Build</a:t>
+            </a:r>
+          </a:p>
+        </p:txBody>
+      </p:sp>
+      <p:sp>
+        <p:nvSpPr>
+          <p:cNvPr id="8" name="Doughnut 7">
+            <a:extLst>
+              <a:ext uri="{FF2B5EF4-FFF2-40B4-BE49-F238E27FC236}">
+                <a16:creationId xmlns:a16="http://schemas.microsoft.com/office/drawing/2014/main" id="{F4603925-A58B-126C-1BF5-3DED5C5538B8}"/>
+              </a:ext>
+            </a:extLst>
+          </p:cNvPr>
+          <p:cNvSpPr/>
+          <p:nvPr/>
+        </p:nvSpPr>
+        <p:spPr>
+          <a:xfrm>
+            <a:off x="4366862" y="2898058"/>
+            <a:ext cx="530942" cy="530942"/>
+          </a:xfrm>
+          <a:prstGeom prst="donut">
+            <a:avLst/>
+          </a:prstGeom>
+          <a:solidFill>
+            <a:schemeClr val="accent2"/>
+          </a:solidFill>
+          <a:ln>
+            <a:solidFill>
+              <a:schemeClr val="accent2"/>
+            </a:solidFill>
+          </a:ln>
+        </p:spPr>
+        <p:style>
+          <a:lnRef idx="1">
+            <a:schemeClr val="accent6"/>
+          </a:lnRef>
+          <a:fillRef idx="3">
+            <a:schemeClr val="accent6"/>
+          </a:fillRef>
+          <a:effectRef idx="2">
+            <a:schemeClr val="accent6"/>
+          </a:effectRef>
+          <a:fontRef idx="minor">
+            <a:schemeClr val="lt1"/>
+          </a:fontRef>
+        </p:style>
+        <p:txBody>
+          <a:bodyPr rtlCol="0" anchor="ctr"/>
+          <a:lstStyle/>
+          <a:p>
+            <a:pPr algn="ctr"/>
+            <a:endParaRPr lang="en-US">
+              <a:solidFill>
+                <a:schemeClr val="tx1"/>
+              </a:solidFill>
+            </a:endParaRPr>
+          </a:p>
+        </p:txBody>
+      </p:sp>
+      <p:sp>
+        <p:nvSpPr>
+          <p:cNvPr id="9" name="TextBox 8">
+            <a:extLst>
+              <a:ext uri="{FF2B5EF4-FFF2-40B4-BE49-F238E27FC236}">
+                <a16:creationId xmlns:a16="http://schemas.microsoft.com/office/drawing/2014/main" id="{59C9BEDC-992C-7710-3F80-75AA49745CAC}"/>
+              </a:ext>
+            </a:extLst>
+          </p:cNvPr>
+          <p:cNvSpPr txBox="1"/>
+          <p:nvPr/>
+        </p:nvSpPr>
+        <p:spPr>
+          <a:xfrm>
+            <a:off x="3723768" y="2106152"/>
+            <a:ext cx="1800000" cy="648000"/>
+          </a:xfrm>
+          <a:prstGeom prst="rect">
+            <a:avLst/>
+          </a:prstGeom>
+          <a:noFill/>
+          <a:ln>
+            <a:noFill/>
+          </a:ln>
+        </p:spPr>
+        <p:txBody>
+          <a:bodyPr wrap="square" rtlCol="0" anchor="b" anchorCtr="0">
+            <a:spAutoFit/>
+          </a:bodyPr>
+          <a:lstStyle/>
+          <a:p>
+            <a:pPr algn="ctr"/>
+            <a:r>
+              <a:rPr lang="en-US" dirty="0"/>
+              <a:t>Automated testing</a:t>
+            </a:r>
+          </a:p>
+        </p:txBody>
+      </p:sp>
+      <p:sp>
+        <p:nvSpPr>
+          <p:cNvPr id="10" name="Doughnut 9">
+            <a:extLst>
+              <a:ext uri="{FF2B5EF4-FFF2-40B4-BE49-F238E27FC236}">
+                <a16:creationId xmlns:a16="http://schemas.microsoft.com/office/drawing/2014/main" id="{E5E4BD15-DF7D-5CBF-A75D-31D82BA0E328}"/>
+              </a:ext>
+            </a:extLst>
+          </p:cNvPr>
+          <p:cNvSpPr/>
+          <p:nvPr/>
+        </p:nvSpPr>
+        <p:spPr>
+          <a:xfrm>
+            <a:off x="5453326" y="2898058"/>
+            <a:ext cx="530942" cy="530942"/>
+          </a:xfrm>
+          <a:prstGeom prst="donut">
+            <a:avLst/>
+          </a:prstGeom>
+        </p:spPr>
+        <p:style>
+          <a:lnRef idx="1">
+            <a:schemeClr val="accent6"/>
+          </a:lnRef>
+          <a:fillRef idx="3">
+            <a:schemeClr val="accent6"/>
+          </a:fillRef>
+          <a:effectRef idx="2">
+            <a:schemeClr val="accent6"/>
+          </a:effectRef>
+          <a:fontRef idx="minor">
+            <a:schemeClr val="lt1"/>
+          </a:fontRef>
+        </p:style>
+        <p:txBody>
+          <a:bodyPr rtlCol="0" anchor="ctr"/>
+          <a:lstStyle/>
+          <a:p>
+            <a:pPr algn="ctr"/>
+            <a:endParaRPr lang="en-US">
+              <a:solidFill>
+                <a:schemeClr val="tx1"/>
+              </a:solidFill>
+            </a:endParaRPr>
+          </a:p>
+        </p:txBody>
+      </p:sp>
+      <p:sp>
+        <p:nvSpPr>
+          <p:cNvPr id="11" name="TextBox 10">
+            <a:extLst>
+              <a:ext uri="{FF2B5EF4-FFF2-40B4-BE49-F238E27FC236}">
+                <a16:creationId xmlns:a16="http://schemas.microsoft.com/office/drawing/2014/main" id="{614A2170-4354-E0A1-D59E-524DCA6990BB}"/>
+              </a:ext>
+            </a:extLst>
+          </p:cNvPr>
+          <p:cNvSpPr txBox="1"/>
+          <p:nvPr/>
+        </p:nvSpPr>
+        <p:spPr>
+          <a:xfrm>
+            <a:off x="4821421" y="1527717"/>
+            <a:ext cx="1800000" cy="646331"/>
+          </a:xfrm>
+          <a:prstGeom prst="rect">
+            <a:avLst/>
+          </a:prstGeom>
+          <a:noFill/>
+          <a:ln>
+            <a:noFill/>
+          </a:ln>
+        </p:spPr>
+        <p:txBody>
+          <a:bodyPr wrap="square" rtlCol="0" anchor="b" anchorCtr="0">
+            <a:spAutoFit/>
+          </a:bodyPr>
+          <a:lstStyle/>
+          <a:p>
+            <a:pPr algn="ctr"/>
+            <a:r>
+              <a:rPr lang="en-GB"/>
+              <a:t>Approval and merging</a:t>
+            </a:r>
+          </a:p>
+        </p:txBody>
+      </p:sp>
+      <p:sp>
+        <p:nvSpPr>
+          <p:cNvPr id="12" name="Doughnut 11">
+            <a:extLst>
+              <a:ext uri="{FF2B5EF4-FFF2-40B4-BE49-F238E27FC236}">
+                <a16:creationId xmlns:a16="http://schemas.microsoft.com/office/drawing/2014/main" id="{44A63BFE-28C4-770A-DE76-4C2F4816D154}"/>
+              </a:ext>
+            </a:extLst>
+          </p:cNvPr>
+          <p:cNvSpPr/>
+          <p:nvPr/>
+        </p:nvSpPr>
+        <p:spPr>
+          <a:xfrm>
+            <a:off x="6540506" y="2898058"/>
+            <a:ext cx="530942" cy="530942"/>
+          </a:xfrm>
+          <a:prstGeom prst="donut">
+            <a:avLst/>
+          </a:prstGeom>
+        </p:spPr>
+        <p:style>
+          <a:lnRef idx="1">
+            <a:schemeClr val="accent6"/>
+          </a:lnRef>
+          <a:fillRef idx="3">
+            <a:schemeClr val="accent6"/>
+          </a:fillRef>
+          <a:effectRef idx="2">
+            <a:schemeClr val="accent6"/>
+          </a:effectRef>
+          <a:fontRef idx="minor">
+            <a:schemeClr val="lt1"/>
+          </a:fontRef>
+        </p:style>
+        <p:txBody>
+          <a:bodyPr rtlCol="0" anchor="ctr"/>
+          <a:lstStyle/>
+          <a:p>
+            <a:pPr algn="ctr"/>
+            <a:endParaRPr lang="en-US">
+              <a:solidFill>
+                <a:schemeClr val="tx1"/>
+              </a:solidFill>
+            </a:endParaRPr>
+          </a:p>
+        </p:txBody>
+      </p:sp>
+      <p:sp>
+        <p:nvSpPr>
+          <p:cNvPr id="14" name="TextBox 13">
+            <a:extLst>
+              <a:ext uri="{FF2B5EF4-FFF2-40B4-BE49-F238E27FC236}">
+                <a16:creationId xmlns:a16="http://schemas.microsoft.com/office/drawing/2014/main" id="{C131FF9B-8A2E-9EE6-BC65-7239BB87CBC0}"/>
+              </a:ext>
+            </a:extLst>
+          </p:cNvPr>
+          <p:cNvSpPr txBox="1"/>
+          <p:nvPr/>
+        </p:nvSpPr>
+        <p:spPr>
+          <a:xfrm>
+            <a:off x="5897411" y="2107822"/>
+            <a:ext cx="1800000" cy="646331"/>
+          </a:xfrm>
+          <a:prstGeom prst="rect">
+            <a:avLst/>
+          </a:prstGeom>
+          <a:noFill/>
+          <a:ln>
+            <a:noFill/>
+          </a:ln>
+        </p:spPr>
+        <p:txBody>
+          <a:bodyPr wrap="square" rtlCol="0" anchor="b" anchorCtr="0">
+            <a:spAutoFit/>
+          </a:bodyPr>
+          <a:lstStyle/>
+          <a:p>
+            <a:pPr algn="ctr"/>
+            <a:r>
+              <a:rPr lang="en-US" dirty="0"/>
+              <a:t>Deployment to staging</a:t>
+            </a:r>
+          </a:p>
+        </p:txBody>
+      </p:sp>
+      <p:cxnSp>
+        <p:nvCxnSpPr>
+          <p:cNvPr id="17" name="Straight Connector 16">
+            <a:extLst>
+              <a:ext uri="{FF2B5EF4-FFF2-40B4-BE49-F238E27FC236}">
+                <a16:creationId xmlns:a16="http://schemas.microsoft.com/office/drawing/2014/main" id="{D91FD578-4667-725A-DC83-C986CD2A8297}"/>
+              </a:ext>
+            </a:extLst>
+          </p:cNvPr>
+          <p:cNvCxnSpPr>
+            <a:stCxn id="5" idx="2"/>
+            <a:endCxn id="2" idx="0"/>
+          </p:cNvCxnSpPr>
+          <p:nvPr/>
+        </p:nvCxnSpPr>
+        <p:spPr>
+          <a:xfrm>
+            <a:off x="1372349" y="2174049"/>
+            <a:ext cx="592" cy="724009"/>
+          </a:xfrm>
+          <a:prstGeom prst="line">
+            <a:avLst/>
+          </a:prstGeom>
+          <a:ln w="12700"/>
+        </p:spPr>
+        <p:style>
+          <a:lnRef idx="1">
+            <a:schemeClr val="accent6"/>
+          </a:lnRef>
+          <a:fillRef idx="0">
+            <a:schemeClr val="accent6"/>
+          </a:fillRef>
+          <a:effectRef idx="0">
+            <a:schemeClr val="accent6"/>
+          </a:effectRef>
+          <a:fontRef idx="minor">
+            <a:schemeClr val="tx1"/>
+          </a:fontRef>
+        </p:style>
+      </p:cxnSp>
+      <p:cxnSp>
+        <p:nvCxnSpPr>
+          <p:cNvPr id="18" name="Straight Connector 17">
+            <a:extLst>
+              <a:ext uri="{FF2B5EF4-FFF2-40B4-BE49-F238E27FC236}">
+                <a16:creationId xmlns:a16="http://schemas.microsoft.com/office/drawing/2014/main" id="{8A7585B7-817E-318E-149C-21AC6F5300DE}"/>
+              </a:ext>
+            </a:extLst>
+          </p:cNvPr>
+          <p:cNvCxnSpPr>
+            <a:cxnSpLocks/>
+            <a:stCxn id="6" idx="2"/>
+            <a:endCxn id="3" idx="0"/>
+          </p:cNvCxnSpPr>
+          <p:nvPr/>
+        </p:nvCxnSpPr>
+        <p:spPr>
+          <a:xfrm>
+            <a:off x="2458810" y="2754153"/>
+            <a:ext cx="595" cy="143905"/>
+          </a:xfrm>
+          <a:prstGeom prst="line">
+            <a:avLst/>
+          </a:prstGeom>
+          <a:ln w="12700"/>
+        </p:spPr>
+        <p:style>
+          <a:lnRef idx="1">
+            <a:schemeClr val="accent6"/>
+          </a:lnRef>
+          <a:fillRef idx="0">
+            <a:schemeClr val="accent6"/>
+          </a:fillRef>
+          <a:effectRef idx="0">
+            <a:schemeClr val="accent6"/>
+          </a:effectRef>
+          <a:fontRef idx="minor">
+            <a:schemeClr val="tx1"/>
+          </a:fontRef>
+        </p:style>
+      </p:cxnSp>
+      <p:cxnSp>
+        <p:nvCxnSpPr>
+          <p:cNvPr id="21" name="Straight Connector 20">
+            <a:extLst>
+              <a:ext uri="{FF2B5EF4-FFF2-40B4-BE49-F238E27FC236}">
+                <a16:creationId xmlns:a16="http://schemas.microsoft.com/office/drawing/2014/main" id="{76991205-447B-4AB9-1B9D-C7DFFEF367F5}"/>
+              </a:ext>
+            </a:extLst>
+          </p:cNvPr>
+          <p:cNvCxnSpPr>
+            <a:cxnSpLocks/>
+            <a:stCxn id="7" idx="2"/>
+            <a:endCxn id="4" idx="0"/>
+          </p:cNvCxnSpPr>
+          <p:nvPr/>
+        </p:nvCxnSpPr>
+        <p:spPr>
+          <a:xfrm flipH="1">
+            <a:off x="3545869" y="2179432"/>
+            <a:ext cx="4684" cy="718626"/>
+          </a:xfrm>
+          <a:prstGeom prst="line">
+            <a:avLst/>
+          </a:prstGeom>
+          <a:ln w="12700"/>
+        </p:spPr>
+        <p:style>
+          <a:lnRef idx="1">
+            <a:schemeClr val="accent6"/>
+          </a:lnRef>
+          <a:fillRef idx="0">
+            <a:schemeClr val="accent6"/>
+          </a:fillRef>
+          <a:effectRef idx="0">
+            <a:schemeClr val="accent6"/>
+          </a:effectRef>
+          <a:fontRef idx="minor">
+            <a:schemeClr val="tx1"/>
+          </a:fontRef>
+        </p:style>
+      </p:cxnSp>
+      <p:cxnSp>
+        <p:nvCxnSpPr>
+          <p:cNvPr id="24" name="Straight Connector 23">
+            <a:extLst>
+              <a:ext uri="{FF2B5EF4-FFF2-40B4-BE49-F238E27FC236}">
+                <a16:creationId xmlns:a16="http://schemas.microsoft.com/office/drawing/2014/main" id="{399D3F6D-0F51-9647-4BF0-E08189D9B4D8}"/>
+              </a:ext>
+            </a:extLst>
+          </p:cNvPr>
+          <p:cNvCxnSpPr>
+            <a:cxnSpLocks/>
+            <a:stCxn id="9" idx="2"/>
+            <a:endCxn id="8" idx="0"/>
+          </p:cNvCxnSpPr>
+          <p:nvPr/>
+        </p:nvCxnSpPr>
+        <p:spPr>
+          <a:xfrm>
+            <a:off x="4623768" y="2754152"/>
+            <a:ext cx="8565" cy="143906"/>
+          </a:xfrm>
+          <a:prstGeom prst="line">
+            <a:avLst/>
+          </a:prstGeom>
+          <a:ln w="12700">
+            <a:solidFill>
+              <a:schemeClr val="accent2"/>
+            </a:solidFill>
+          </a:ln>
+        </p:spPr>
+        <p:style>
+          <a:lnRef idx="1">
+            <a:schemeClr val="accent6"/>
+          </a:lnRef>
+          <a:fillRef idx="0">
+            <a:schemeClr val="accent6"/>
+          </a:fillRef>
+          <a:effectRef idx="0">
+            <a:schemeClr val="accent6"/>
+          </a:effectRef>
+          <a:fontRef idx="minor">
+            <a:schemeClr val="tx1"/>
+          </a:fontRef>
+        </p:style>
+      </p:cxnSp>
+      <p:cxnSp>
+        <p:nvCxnSpPr>
+          <p:cNvPr id="27" name="Straight Connector 26">
+            <a:extLst>
+              <a:ext uri="{FF2B5EF4-FFF2-40B4-BE49-F238E27FC236}">
+                <a16:creationId xmlns:a16="http://schemas.microsoft.com/office/drawing/2014/main" id="{8BA47DB6-AAA2-7369-6A98-C5804CB9F7E6}"/>
+              </a:ext>
+            </a:extLst>
+          </p:cNvPr>
+          <p:cNvCxnSpPr>
+            <a:cxnSpLocks/>
+            <a:stCxn id="11" idx="2"/>
+            <a:endCxn id="10" idx="0"/>
+          </p:cNvCxnSpPr>
+          <p:nvPr/>
+        </p:nvCxnSpPr>
+        <p:spPr>
+          <a:xfrm flipH="1">
+            <a:off x="5718797" y="2174048"/>
+            <a:ext cx="2624" cy="724010"/>
+          </a:xfrm>
+          <a:prstGeom prst="line">
+            <a:avLst/>
+          </a:prstGeom>
+          <a:ln w="12700"/>
+        </p:spPr>
+        <p:style>
+          <a:lnRef idx="1">
+            <a:schemeClr val="accent6"/>
+          </a:lnRef>
+          <a:fillRef idx="0">
+            <a:schemeClr val="accent6"/>
+          </a:fillRef>
+          <a:effectRef idx="0">
+            <a:schemeClr val="accent6"/>
+          </a:effectRef>
+          <a:fontRef idx="minor">
+            <a:schemeClr val="tx1"/>
+          </a:fontRef>
+        </p:style>
+      </p:cxnSp>
+      <p:cxnSp>
+        <p:nvCxnSpPr>
+          <p:cNvPr id="31" name="Straight Connector 30">
+            <a:extLst>
+              <a:ext uri="{FF2B5EF4-FFF2-40B4-BE49-F238E27FC236}">
+                <a16:creationId xmlns:a16="http://schemas.microsoft.com/office/drawing/2014/main" id="{28BE9938-FF68-B8E2-6BC0-FB8426327870}"/>
+              </a:ext>
+            </a:extLst>
+          </p:cNvPr>
+          <p:cNvCxnSpPr>
+            <a:cxnSpLocks/>
+            <a:stCxn id="14" idx="2"/>
+            <a:endCxn id="12" idx="0"/>
+          </p:cNvCxnSpPr>
+          <p:nvPr/>
+        </p:nvCxnSpPr>
+        <p:spPr>
+          <a:xfrm>
+            <a:off x="6797411" y="2754153"/>
+            <a:ext cx="8566" cy="143905"/>
+          </a:xfrm>
+          <a:prstGeom prst="line">
+            <a:avLst/>
+          </a:prstGeom>
+          <a:ln w="12700"/>
+        </p:spPr>
+        <p:style>
+          <a:lnRef idx="1">
+            <a:schemeClr val="accent6"/>
+          </a:lnRef>
+          <a:fillRef idx="0">
+            <a:schemeClr val="accent6"/>
+          </a:fillRef>
+          <a:effectRef idx="0">
+            <a:schemeClr val="accent6"/>
+          </a:effectRef>
+          <a:fontRef idx="minor">
+            <a:schemeClr val="tx1"/>
+          </a:fontRef>
+        </p:style>
+      </p:cxnSp>
+      <p:cxnSp>
+        <p:nvCxnSpPr>
+          <p:cNvPr id="38" name="Straight Arrow Connector 37">
+            <a:extLst>
+              <a:ext uri="{FF2B5EF4-FFF2-40B4-BE49-F238E27FC236}">
+                <a16:creationId xmlns:a16="http://schemas.microsoft.com/office/drawing/2014/main" id="{ED2D8F6F-72F0-17B8-CF03-B2491A45B7E5}"/>
+              </a:ext>
+            </a:extLst>
+          </p:cNvPr>
+          <p:cNvCxnSpPr>
+            <a:stCxn id="2" idx="6"/>
+            <a:endCxn id="3" idx="2"/>
+          </p:cNvCxnSpPr>
+          <p:nvPr/>
+        </p:nvCxnSpPr>
+        <p:spPr>
+          <a:xfrm>
+            <a:off x="1638412" y="3163529"/>
+            <a:ext cx="555522" cy="0"/>
+          </a:xfrm>
+          <a:prstGeom prst="straightConnector1">
+            <a:avLst/>
+          </a:prstGeom>
+          <a:ln w="38100">
+            <a:solidFill>
+              <a:schemeClr val="accent6"/>
+            </a:solidFill>
+            <a:tailEnd type="triangle"/>
+          </a:ln>
+        </p:spPr>
+        <p:style>
+          <a:lnRef idx="1">
+            <a:schemeClr val="accent1"/>
+          </a:lnRef>
+          <a:fillRef idx="0">
+            <a:schemeClr val="accent1"/>
+          </a:fillRef>
+          <a:effectRef idx="0">
+            <a:schemeClr val="accent1"/>
+          </a:effectRef>
+          <a:fontRef idx="minor">
+            <a:schemeClr val="tx1"/>
+          </a:fontRef>
+        </p:style>
+      </p:cxnSp>
+      <p:cxnSp>
+        <p:nvCxnSpPr>
+          <p:cNvPr id="39" name="Straight Arrow Connector 38">
+            <a:extLst>
+              <a:ext uri="{FF2B5EF4-FFF2-40B4-BE49-F238E27FC236}">
+                <a16:creationId xmlns:a16="http://schemas.microsoft.com/office/drawing/2014/main" id="{83A7E7E6-D69D-D8B6-CE09-49E4293EBD75}"/>
+              </a:ext>
+            </a:extLst>
+          </p:cNvPr>
+          <p:cNvCxnSpPr>
+            <a:cxnSpLocks/>
+            <a:stCxn id="3" idx="6"/>
+            <a:endCxn id="4" idx="2"/>
+          </p:cNvCxnSpPr>
+          <p:nvPr/>
+        </p:nvCxnSpPr>
+        <p:spPr>
+          <a:xfrm>
+            <a:off x="2724876" y="3163529"/>
+            <a:ext cx="555522" cy="0"/>
+          </a:xfrm>
+          <a:prstGeom prst="straightConnector1">
+            <a:avLst/>
+          </a:prstGeom>
+          <a:ln w="38100">
+            <a:solidFill>
+              <a:schemeClr val="accent6"/>
+            </a:solidFill>
+            <a:tailEnd type="triangle"/>
+          </a:ln>
+        </p:spPr>
+        <p:style>
+          <a:lnRef idx="1">
+            <a:schemeClr val="accent1"/>
+          </a:lnRef>
+          <a:fillRef idx="0">
+            <a:schemeClr val="accent1"/>
+          </a:fillRef>
+          <a:effectRef idx="0">
+            <a:schemeClr val="accent1"/>
+          </a:effectRef>
+          <a:fontRef idx="minor">
+            <a:schemeClr val="tx1"/>
+          </a:fontRef>
+        </p:style>
+      </p:cxnSp>
+      <p:cxnSp>
+        <p:nvCxnSpPr>
+          <p:cNvPr id="42" name="Straight Arrow Connector 41">
+            <a:extLst>
+              <a:ext uri="{FF2B5EF4-FFF2-40B4-BE49-F238E27FC236}">
+                <a16:creationId xmlns:a16="http://schemas.microsoft.com/office/drawing/2014/main" id="{6B0F3D1C-DC60-FB20-CE84-5F1BE5E70B99}"/>
+              </a:ext>
+            </a:extLst>
+          </p:cNvPr>
+          <p:cNvCxnSpPr>
+            <a:cxnSpLocks/>
+            <a:stCxn id="4" idx="6"/>
+            <a:endCxn id="8" idx="2"/>
+          </p:cNvCxnSpPr>
+          <p:nvPr/>
+        </p:nvCxnSpPr>
+        <p:spPr>
+          <a:xfrm>
+            <a:off x="3811340" y="3163529"/>
+            <a:ext cx="555522" cy="0"/>
+          </a:xfrm>
+          <a:prstGeom prst="straightConnector1">
+            <a:avLst/>
+          </a:prstGeom>
+          <a:ln w="38100">
+            <a:solidFill>
+              <a:schemeClr val="accent6"/>
+            </a:solidFill>
+            <a:tailEnd type="triangle"/>
+          </a:ln>
+        </p:spPr>
+        <p:style>
+          <a:lnRef idx="1">
+            <a:schemeClr val="accent1"/>
+          </a:lnRef>
+          <a:fillRef idx="0">
+            <a:schemeClr val="accent1"/>
+          </a:fillRef>
+          <a:effectRef idx="0">
+            <a:schemeClr val="accent1"/>
+          </a:effectRef>
+          <a:fontRef idx="minor">
+            <a:schemeClr val="tx1"/>
+          </a:fontRef>
+        </p:style>
+      </p:cxnSp>
+      <p:cxnSp>
+        <p:nvCxnSpPr>
+          <p:cNvPr id="45" name="Straight Arrow Connector 44">
+            <a:extLst>
+              <a:ext uri="{FF2B5EF4-FFF2-40B4-BE49-F238E27FC236}">
+                <a16:creationId xmlns:a16="http://schemas.microsoft.com/office/drawing/2014/main" id="{E2D3336B-85F6-3EE7-89B1-53CEBB381B19}"/>
+              </a:ext>
+            </a:extLst>
+          </p:cNvPr>
+          <p:cNvCxnSpPr>
+            <a:cxnSpLocks/>
+            <a:stCxn id="8" idx="6"/>
+            <a:endCxn id="10" idx="2"/>
+          </p:cNvCxnSpPr>
+          <p:nvPr/>
+        </p:nvCxnSpPr>
+        <p:spPr>
+          <a:xfrm>
+            <a:off x="4897804" y="3163529"/>
+            <a:ext cx="555522" cy="0"/>
+          </a:xfrm>
+          <a:prstGeom prst="straightConnector1">
+            <a:avLst/>
+          </a:prstGeom>
+          <a:ln w="38100">
+            <a:solidFill>
+              <a:schemeClr val="accent6"/>
+            </a:solidFill>
+            <a:tailEnd type="triangle"/>
+          </a:ln>
+        </p:spPr>
+        <p:style>
+          <a:lnRef idx="1">
+            <a:schemeClr val="accent1"/>
+          </a:lnRef>
+          <a:fillRef idx="0">
+            <a:schemeClr val="accent1"/>
+          </a:fillRef>
+          <a:effectRef idx="0">
+            <a:schemeClr val="accent1"/>
+          </a:effectRef>
+          <a:fontRef idx="minor">
+            <a:schemeClr val="tx1"/>
+          </a:fontRef>
+        </p:style>
+      </p:cxnSp>
+      <p:cxnSp>
+        <p:nvCxnSpPr>
+          <p:cNvPr id="48" name="Straight Arrow Connector 47">
+            <a:extLst>
+              <a:ext uri="{FF2B5EF4-FFF2-40B4-BE49-F238E27FC236}">
+                <a16:creationId xmlns:a16="http://schemas.microsoft.com/office/drawing/2014/main" id="{EFFEE3C9-3F6B-690C-8018-57368FF4AEEF}"/>
+              </a:ext>
+            </a:extLst>
+          </p:cNvPr>
+          <p:cNvCxnSpPr>
+            <a:cxnSpLocks/>
+            <a:stCxn id="10" idx="6"/>
+            <a:endCxn id="12" idx="2"/>
+          </p:cNvCxnSpPr>
+          <p:nvPr/>
+        </p:nvCxnSpPr>
+        <p:spPr>
+          <a:xfrm>
+            <a:off x="5984268" y="3163529"/>
+            <a:ext cx="556238" cy="0"/>
+          </a:xfrm>
+          <a:prstGeom prst="straightConnector1">
+            <a:avLst/>
+          </a:prstGeom>
+          <a:ln w="38100">
+            <a:solidFill>
+              <a:schemeClr val="accent6"/>
+            </a:solidFill>
+            <a:tailEnd type="triangle"/>
+          </a:ln>
+        </p:spPr>
+        <p:style>
+          <a:lnRef idx="1">
+            <a:schemeClr val="accent1"/>
+          </a:lnRef>
+          <a:fillRef idx="0">
+            <a:schemeClr val="accent1"/>
+          </a:fillRef>
+          <a:effectRef idx="0">
+            <a:schemeClr val="accent1"/>
+          </a:effectRef>
+          <a:fontRef idx="minor">
+            <a:schemeClr val="tx1"/>
+          </a:fontRef>
+        </p:style>
+      </p:cxnSp>
+    </p:spTree>
+    <p:extLst>
+      <p:ext uri="{BB962C8B-B14F-4D97-AF65-F5344CB8AC3E}">
+        <p14:creationId xmlns:p14="http://schemas.microsoft.com/office/powerpoint/2010/main" val="38578355"/>
+      </p:ext>
+    </p:extLst>
+  </p:cSld>
+  <p:clrMapOvr>
+    <a:masterClrMapping/>
+  </p:clrMapOvr>
+</p:sld>
+</file>
+
 <file path=ppt/slides/slide4.xml><?xml version="1.0" encoding="utf-8"?>
 <p:sld xmlns:a="http://schemas.openxmlformats.org/drawingml/2006/main" xmlns:r="http://schemas.openxmlformats.org/officeDocument/2006/relationships" xmlns:p="http://schemas.openxmlformats.org/presentationml/2006/main">
   <p:cSld>
@@ -29787,6 +33969,2094 @@
     <p:extLst>
       <p:ext uri="{BB962C8B-B14F-4D97-AF65-F5344CB8AC3E}">
         <p14:creationId xmlns:p14="http://schemas.microsoft.com/office/powerpoint/2010/main" val="1089313653"/>
+      </p:ext>
+    </p:extLst>
+  </p:cSld>
+  <p:clrMapOvr>
+    <a:masterClrMapping/>
+  </p:clrMapOvr>
+</p:sld>
+</file>
+
+<file path=ppt/slides/slide40.xml><?xml version="1.0" encoding="utf-8"?>
+<p:sld xmlns:a="http://schemas.openxmlformats.org/drawingml/2006/main" xmlns:r="http://schemas.openxmlformats.org/officeDocument/2006/relationships" xmlns:p="http://schemas.openxmlformats.org/presentationml/2006/main">
+  <p:cSld>
+    <p:spTree>
+      <p:nvGrpSpPr>
+        <p:cNvPr id="1" name="">
+          <a:extLst>
+            <a:ext uri="{FF2B5EF4-FFF2-40B4-BE49-F238E27FC236}">
+              <a16:creationId xmlns:a16="http://schemas.microsoft.com/office/drawing/2014/main" id="{A6AA0395-2E34-236E-3EEC-302D818CF37B}"/>
+            </a:ext>
+          </a:extLst>
+        </p:cNvPr>
+        <p:cNvGrpSpPr/>
+        <p:nvPr/>
+      </p:nvGrpSpPr>
+      <p:grpSpPr>
+        <a:xfrm>
+          <a:off x="0" y="0"/>
+          <a:ext cx="0" cy="0"/>
+          <a:chOff x="0" y="0"/>
+          <a:chExt cx="0" cy="0"/>
+        </a:xfrm>
+      </p:grpSpPr>
+      <p:sp>
+        <p:nvSpPr>
+          <p:cNvPr id="2" name="Doughnut 1">
+            <a:extLst>
+              <a:ext uri="{FF2B5EF4-FFF2-40B4-BE49-F238E27FC236}">
+                <a16:creationId xmlns:a16="http://schemas.microsoft.com/office/drawing/2014/main" id="{E628CB53-24AF-0C8C-7BE1-8CF1CD188EA3}"/>
+              </a:ext>
+            </a:extLst>
+          </p:cNvPr>
+          <p:cNvSpPr/>
+          <p:nvPr/>
+        </p:nvSpPr>
+        <p:spPr>
+          <a:xfrm>
+            <a:off x="1107470" y="2898058"/>
+            <a:ext cx="530942" cy="530942"/>
+          </a:xfrm>
+          <a:prstGeom prst="donut">
+            <a:avLst/>
+          </a:prstGeom>
+        </p:spPr>
+        <p:style>
+          <a:lnRef idx="1">
+            <a:schemeClr val="accent6"/>
+          </a:lnRef>
+          <a:fillRef idx="3">
+            <a:schemeClr val="accent6"/>
+          </a:fillRef>
+          <a:effectRef idx="2">
+            <a:schemeClr val="accent6"/>
+          </a:effectRef>
+          <a:fontRef idx="minor">
+            <a:schemeClr val="lt1"/>
+          </a:fontRef>
+        </p:style>
+        <p:txBody>
+          <a:bodyPr rtlCol="0" anchor="ctr"/>
+          <a:lstStyle/>
+          <a:p>
+            <a:pPr algn="ctr"/>
+            <a:endParaRPr lang="en-US">
+              <a:solidFill>
+                <a:schemeClr val="tx1"/>
+              </a:solidFill>
+            </a:endParaRPr>
+          </a:p>
+        </p:txBody>
+      </p:sp>
+      <p:sp>
+        <p:nvSpPr>
+          <p:cNvPr id="3" name="Doughnut 2">
+            <a:extLst>
+              <a:ext uri="{FF2B5EF4-FFF2-40B4-BE49-F238E27FC236}">
+                <a16:creationId xmlns:a16="http://schemas.microsoft.com/office/drawing/2014/main" id="{A660EDFF-A79A-7B59-7722-06082F477A18}"/>
+              </a:ext>
+            </a:extLst>
+          </p:cNvPr>
+          <p:cNvSpPr/>
+          <p:nvPr/>
+        </p:nvSpPr>
+        <p:spPr>
+          <a:xfrm>
+            <a:off x="2193934" y="2898058"/>
+            <a:ext cx="530942" cy="530942"/>
+          </a:xfrm>
+          <a:prstGeom prst="donut">
+            <a:avLst/>
+          </a:prstGeom>
+        </p:spPr>
+        <p:style>
+          <a:lnRef idx="1">
+            <a:schemeClr val="accent6"/>
+          </a:lnRef>
+          <a:fillRef idx="3">
+            <a:schemeClr val="accent6"/>
+          </a:fillRef>
+          <a:effectRef idx="2">
+            <a:schemeClr val="accent6"/>
+          </a:effectRef>
+          <a:fontRef idx="minor">
+            <a:schemeClr val="lt1"/>
+          </a:fontRef>
+        </p:style>
+        <p:txBody>
+          <a:bodyPr rtlCol="0" anchor="ctr"/>
+          <a:lstStyle/>
+          <a:p>
+            <a:pPr algn="ctr"/>
+            <a:endParaRPr lang="en-US">
+              <a:solidFill>
+                <a:schemeClr val="tx1"/>
+              </a:solidFill>
+            </a:endParaRPr>
+          </a:p>
+        </p:txBody>
+      </p:sp>
+      <p:sp>
+        <p:nvSpPr>
+          <p:cNvPr id="4" name="Doughnut 3">
+            <a:extLst>
+              <a:ext uri="{FF2B5EF4-FFF2-40B4-BE49-F238E27FC236}">
+                <a16:creationId xmlns:a16="http://schemas.microsoft.com/office/drawing/2014/main" id="{56CBB992-11B0-8B0C-24D4-DE7E847FC7E7}"/>
+              </a:ext>
+            </a:extLst>
+          </p:cNvPr>
+          <p:cNvSpPr/>
+          <p:nvPr/>
+        </p:nvSpPr>
+        <p:spPr>
+          <a:xfrm>
+            <a:off x="3280398" y="2898058"/>
+            <a:ext cx="530942" cy="530942"/>
+          </a:xfrm>
+          <a:prstGeom prst="donut">
+            <a:avLst/>
+          </a:prstGeom>
+        </p:spPr>
+        <p:style>
+          <a:lnRef idx="1">
+            <a:schemeClr val="accent6"/>
+          </a:lnRef>
+          <a:fillRef idx="3">
+            <a:schemeClr val="accent6"/>
+          </a:fillRef>
+          <a:effectRef idx="2">
+            <a:schemeClr val="accent6"/>
+          </a:effectRef>
+          <a:fontRef idx="minor">
+            <a:schemeClr val="lt1"/>
+          </a:fontRef>
+        </p:style>
+        <p:txBody>
+          <a:bodyPr rtlCol="0" anchor="ctr"/>
+          <a:lstStyle/>
+          <a:p>
+            <a:pPr algn="ctr"/>
+            <a:endParaRPr lang="en-US">
+              <a:solidFill>
+                <a:schemeClr val="tx1"/>
+              </a:solidFill>
+            </a:endParaRPr>
+          </a:p>
+        </p:txBody>
+      </p:sp>
+      <p:sp>
+        <p:nvSpPr>
+          <p:cNvPr id="5" name="TextBox 4">
+            <a:extLst>
+              <a:ext uri="{FF2B5EF4-FFF2-40B4-BE49-F238E27FC236}">
+                <a16:creationId xmlns:a16="http://schemas.microsoft.com/office/drawing/2014/main" id="{6FB5C51C-29BD-1767-D8F8-3BBA20D17513}"/>
+              </a:ext>
+            </a:extLst>
+          </p:cNvPr>
+          <p:cNvSpPr txBox="1"/>
+          <p:nvPr/>
+        </p:nvSpPr>
+        <p:spPr>
+          <a:xfrm>
+            <a:off x="472349" y="1526049"/>
+            <a:ext cx="1800000" cy="648000"/>
+          </a:xfrm>
+          <a:prstGeom prst="rect">
+            <a:avLst/>
+          </a:prstGeom>
+          <a:noFill/>
+          <a:ln>
+            <a:noFill/>
+          </a:ln>
+        </p:spPr>
+        <p:txBody>
+          <a:bodyPr wrap="square" rtlCol="0" anchor="b" anchorCtr="0">
+            <a:spAutoFit/>
+          </a:bodyPr>
+          <a:lstStyle/>
+          <a:p>
+            <a:pPr algn="ctr"/>
+            <a:r>
+              <a:rPr lang="en-US" dirty="0"/>
+              <a:t>Source code checkout</a:t>
+            </a:r>
+          </a:p>
+        </p:txBody>
+      </p:sp>
+      <p:sp>
+        <p:nvSpPr>
+          <p:cNvPr id="6" name="TextBox 5">
+            <a:extLst>
+              <a:ext uri="{FF2B5EF4-FFF2-40B4-BE49-F238E27FC236}">
+                <a16:creationId xmlns:a16="http://schemas.microsoft.com/office/drawing/2014/main" id="{CB1EEC7E-9EDB-5907-0DA1-7725F8DFE74E}"/>
+              </a:ext>
+            </a:extLst>
+          </p:cNvPr>
+          <p:cNvSpPr txBox="1"/>
+          <p:nvPr/>
+        </p:nvSpPr>
+        <p:spPr>
+          <a:xfrm>
+            <a:off x="1558810" y="2106153"/>
+            <a:ext cx="1800000" cy="648000"/>
+          </a:xfrm>
+          <a:prstGeom prst="rect">
+            <a:avLst/>
+          </a:prstGeom>
+          <a:noFill/>
+          <a:ln>
+            <a:noFill/>
+          </a:ln>
+        </p:spPr>
+        <p:txBody>
+          <a:bodyPr wrap="square" rtlCol="0" anchor="b" anchorCtr="0">
+            <a:spAutoFit/>
+          </a:bodyPr>
+          <a:lstStyle/>
+          <a:p>
+            <a:pPr algn="ctr"/>
+            <a:r>
+              <a:rPr lang="en-US" dirty="0"/>
+              <a:t>Dependency installation</a:t>
+            </a:r>
+          </a:p>
+        </p:txBody>
+      </p:sp>
+      <p:sp>
+        <p:nvSpPr>
+          <p:cNvPr id="7" name="TextBox 6">
+            <a:extLst>
+              <a:ext uri="{FF2B5EF4-FFF2-40B4-BE49-F238E27FC236}">
+                <a16:creationId xmlns:a16="http://schemas.microsoft.com/office/drawing/2014/main" id="{96645467-6728-0B2C-D6F3-5087A898F8EF}"/>
+              </a:ext>
+            </a:extLst>
+          </p:cNvPr>
+          <p:cNvSpPr txBox="1"/>
+          <p:nvPr/>
+        </p:nvSpPr>
+        <p:spPr>
+          <a:xfrm>
+            <a:off x="2650553" y="1810100"/>
+            <a:ext cx="1800000" cy="369332"/>
+          </a:xfrm>
+          <a:prstGeom prst="rect">
+            <a:avLst/>
+          </a:prstGeom>
+          <a:noFill/>
+          <a:ln>
+            <a:noFill/>
+          </a:ln>
+        </p:spPr>
+        <p:txBody>
+          <a:bodyPr wrap="square" rtlCol="0" anchor="b" anchorCtr="0">
+            <a:spAutoFit/>
+          </a:bodyPr>
+          <a:lstStyle/>
+          <a:p>
+            <a:pPr algn="ctr"/>
+            <a:r>
+              <a:rPr lang="en-US" dirty="0"/>
+              <a:t>Build</a:t>
+            </a:r>
+          </a:p>
+        </p:txBody>
+      </p:sp>
+      <p:sp>
+        <p:nvSpPr>
+          <p:cNvPr id="8" name="Doughnut 7">
+            <a:extLst>
+              <a:ext uri="{FF2B5EF4-FFF2-40B4-BE49-F238E27FC236}">
+                <a16:creationId xmlns:a16="http://schemas.microsoft.com/office/drawing/2014/main" id="{E50FE214-DD03-DDCC-0530-CC9881979BA4}"/>
+              </a:ext>
+            </a:extLst>
+          </p:cNvPr>
+          <p:cNvSpPr/>
+          <p:nvPr/>
+        </p:nvSpPr>
+        <p:spPr>
+          <a:xfrm>
+            <a:off x="4366862" y="2898058"/>
+            <a:ext cx="530942" cy="530942"/>
+          </a:xfrm>
+          <a:prstGeom prst="donut">
+            <a:avLst/>
+          </a:prstGeom>
+        </p:spPr>
+        <p:style>
+          <a:lnRef idx="1">
+            <a:schemeClr val="accent6"/>
+          </a:lnRef>
+          <a:fillRef idx="3">
+            <a:schemeClr val="accent6"/>
+          </a:fillRef>
+          <a:effectRef idx="2">
+            <a:schemeClr val="accent6"/>
+          </a:effectRef>
+          <a:fontRef idx="minor">
+            <a:schemeClr val="lt1"/>
+          </a:fontRef>
+        </p:style>
+        <p:txBody>
+          <a:bodyPr rtlCol="0" anchor="ctr"/>
+          <a:lstStyle/>
+          <a:p>
+            <a:pPr algn="ctr"/>
+            <a:endParaRPr lang="en-US">
+              <a:solidFill>
+                <a:schemeClr val="tx1"/>
+              </a:solidFill>
+            </a:endParaRPr>
+          </a:p>
+        </p:txBody>
+      </p:sp>
+      <p:sp>
+        <p:nvSpPr>
+          <p:cNvPr id="9" name="TextBox 8">
+            <a:extLst>
+              <a:ext uri="{FF2B5EF4-FFF2-40B4-BE49-F238E27FC236}">
+                <a16:creationId xmlns:a16="http://schemas.microsoft.com/office/drawing/2014/main" id="{CE67E19F-230D-03F8-584D-85B6A12DF1C3}"/>
+              </a:ext>
+            </a:extLst>
+          </p:cNvPr>
+          <p:cNvSpPr txBox="1"/>
+          <p:nvPr/>
+        </p:nvSpPr>
+        <p:spPr>
+          <a:xfrm>
+            <a:off x="3723768" y="2106152"/>
+            <a:ext cx="1800000" cy="648000"/>
+          </a:xfrm>
+          <a:prstGeom prst="rect">
+            <a:avLst/>
+          </a:prstGeom>
+          <a:noFill/>
+          <a:ln>
+            <a:noFill/>
+          </a:ln>
+        </p:spPr>
+        <p:txBody>
+          <a:bodyPr wrap="square" rtlCol="0" anchor="b" anchorCtr="0">
+            <a:spAutoFit/>
+          </a:bodyPr>
+          <a:lstStyle/>
+          <a:p>
+            <a:pPr algn="ctr"/>
+            <a:r>
+              <a:rPr lang="en-US" dirty="0"/>
+              <a:t>Automated testing</a:t>
+            </a:r>
+          </a:p>
+        </p:txBody>
+      </p:sp>
+      <p:sp>
+        <p:nvSpPr>
+          <p:cNvPr id="10" name="Doughnut 9">
+            <a:extLst>
+              <a:ext uri="{FF2B5EF4-FFF2-40B4-BE49-F238E27FC236}">
+                <a16:creationId xmlns:a16="http://schemas.microsoft.com/office/drawing/2014/main" id="{AC357390-9BDE-731C-953D-6E43092845FD}"/>
+              </a:ext>
+            </a:extLst>
+          </p:cNvPr>
+          <p:cNvSpPr/>
+          <p:nvPr/>
+        </p:nvSpPr>
+        <p:spPr>
+          <a:xfrm>
+            <a:off x="5453326" y="2898058"/>
+            <a:ext cx="530942" cy="530942"/>
+          </a:xfrm>
+          <a:prstGeom prst="donut">
+            <a:avLst/>
+          </a:prstGeom>
+          <a:solidFill>
+            <a:schemeClr val="accent2"/>
+          </a:solidFill>
+          <a:ln>
+            <a:solidFill>
+              <a:schemeClr val="accent2"/>
+            </a:solidFill>
+          </a:ln>
+        </p:spPr>
+        <p:style>
+          <a:lnRef idx="1">
+            <a:schemeClr val="accent6"/>
+          </a:lnRef>
+          <a:fillRef idx="3">
+            <a:schemeClr val="accent6"/>
+          </a:fillRef>
+          <a:effectRef idx="2">
+            <a:schemeClr val="accent6"/>
+          </a:effectRef>
+          <a:fontRef idx="minor">
+            <a:schemeClr val="lt1"/>
+          </a:fontRef>
+        </p:style>
+        <p:txBody>
+          <a:bodyPr rtlCol="0" anchor="ctr"/>
+          <a:lstStyle/>
+          <a:p>
+            <a:pPr algn="ctr"/>
+            <a:endParaRPr lang="en-US">
+              <a:solidFill>
+                <a:schemeClr val="tx1"/>
+              </a:solidFill>
+            </a:endParaRPr>
+          </a:p>
+        </p:txBody>
+      </p:sp>
+      <p:sp>
+        <p:nvSpPr>
+          <p:cNvPr id="11" name="TextBox 10">
+            <a:extLst>
+              <a:ext uri="{FF2B5EF4-FFF2-40B4-BE49-F238E27FC236}">
+                <a16:creationId xmlns:a16="http://schemas.microsoft.com/office/drawing/2014/main" id="{8B8F895B-3CDC-17B9-5199-BAA09244B073}"/>
+              </a:ext>
+            </a:extLst>
+          </p:cNvPr>
+          <p:cNvSpPr txBox="1"/>
+          <p:nvPr/>
+        </p:nvSpPr>
+        <p:spPr>
+          <a:xfrm>
+            <a:off x="4821421" y="1527717"/>
+            <a:ext cx="1800000" cy="646331"/>
+          </a:xfrm>
+          <a:prstGeom prst="rect">
+            <a:avLst/>
+          </a:prstGeom>
+          <a:noFill/>
+          <a:ln>
+            <a:noFill/>
+          </a:ln>
+        </p:spPr>
+        <p:txBody>
+          <a:bodyPr wrap="square" rtlCol="0" anchor="b" anchorCtr="0">
+            <a:spAutoFit/>
+          </a:bodyPr>
+          <a:lstStyle/>
+          <a:p>
+            <a:pPr algn="ctr"/>
+            <a:r>
+              <a:rPr lang="en-GB"/>
+              <a:t>Approval and merging</a:t>
+            </a:r>
+          </a:p>
+        </p:txBody>
+      </p:sp>
+      <p:sp>
+        <p:nvSpPr>
+          <p:cNvPr id="12" name="Doughnut 11">
+            <a:extLst>
+              <a:ext uri="{FF2B5EF4-FFF2-40B4-BE49-F238E27FC236}">
+                <a16:creationId xmlns:a16="http://schemas.microsoft.com/office/drawing/2014/main" id="{E36B7323-6321-4CAD-5F81-5EBF6295DD62}"/>
+              </a:ext>
+            </a:extLst>
+          </p:cNvPr>
+          <p:cNvSpPr/>
+          <p:nvPr/>
+        </p:nvSpPr>
+        <p:spPr>
+          <a:xfrm>
+            <a:off x="6540506" y="2898058"/>
+            <a:ext cx="530942" cy="530942"/>
+          </a:xfrm>
+          <a:prstGeom prst="donut">
+            <a:avLst/>
+          </a:prstGeom>
+        </p:spPr>
+        <p:style>
+          <a:lnRef idx="1">
+            <a:schemeClr val="accent6"/>
+          </a:lnRef>
+          <a:fillRef idx="3">
+            <a:schemeClr val="accent6"/>
+          </a:fillRef>
+          <a:effectRef idx="2">
+            <a:schemeClr val="accent6"/>
+          </a:effectRef>
+          <a:fontRef idx="minor">
+            <a:schemeClr val="lt1"/>
+          </a:fontRef>
+        </p:style>
+        <p:txBody>
+          <a:bodyPr rtlCol="0" anchor="ctr"/>
+          <a:lstStyle/>
+          <a:p>
+            <a:pPr algn="ctr"/>
+            <a:endParaRPr lang="en-US">
+              <a:solidFill>
+                <a:schemeClr val="tx1"/>
+              </a:solidFill>
+            </a:endParaRPr>
+          </a:p>
+        </p:txBody>
+      </p:sp>
+      <p:sp>
+        <p:nvSpPr>
+          <p:cNvPr id="14" name="TextBox 13">
+            <a:extLst>
+              <a:ext uri="{FF2B5EF4-FFF2-40B4-BE49-F238E27FC236}">
+                <a16:creationId xmlns:a16="http://schemas.microsoft.com/office/drawing/2014/main" id="{65671DCE-C971-9AA9-5645-3FF31C3B6DF1}"/>
+              </a:ext>
+            </a:extLst>
+          </p:cNvPr>
+          <p:cNvSpPr txBox="1"/>
+          <p:nvPr/>
+        </p:nvSpPr>
+        <p:spPr>
+          <a:xfrm>
+            <a:off x="5897411" y="2107822"/>
+            <a:ext cx="1800000" cy="646331"/>
+          </a:xfrm>
+          <a:prstGeom prst="rect">
+            <a:avLst/>
+          </a:prstGeom>
+          <a:noFill/>
+          <a:ln>
+            <a:noFill/>
+          </a:ln>
+        </p:spPr>
+        <p:txBody>
+          <a:bodyPr wrap="square" rtlCol="0" anchor="b" anchorCtr="0">
+            <a:spAutoFit/>
+          </a:bodyPr>
+          <a:lstStyle/>
+          <a:p>
+            <a:pPr algn="ctr"/>
+            <a:r>
+              <a:rPr lang="en-US" dirty="0"/>
+              <a:t>Deployment to staging</a:t>
+            </a:r>
+          </a:p>
+        </p:txBody>
+      </p:sp>
+      <p:cxnSp>
+        <p:nvCxnSpPr>
+          <p:cNvPr id="17" name="Straight Connector 16">
+            <a:extLst>
+              <a:ext uri="{FF2B5EF4-FFF2-40B4-BE49-F238E27FC236}">
+                <a16:creationId xmlns:a16="http://schemas.microsoft.com/office/drawing/2014/main" id="{7970E79C-B94E-D99D-0CEA-8E383F1CEBAB}"/>
+              </a:ext>
+            </a:extLst>
+          </p:cNvPr>
+          <p:cNvCxnSpPr>
+            <a:stCxn id="5" idx="2"/>
+            <a:endCxn id="2" idx="0"/>
+          </p:cNvCxnSpPr>
+          <p:nvPr/>
+        </p:nvCxnSpPr>
+        <p:spPr>
+          <a:xfrm>
+            <a:off x="1372349" y="2174049"/>
+            <a:ext cx="592" cy="724009"/>
+          </a:xfrm>
+          <a:prstGeom prst="line">
+            <a:avLst/>
+          </a:prstGeom>
+          <a:ln w="12700"/>
+        </p:spPr>
+        <p:style>
+          <a:lnRef idx="1">
+            <a:schemeClr val="accent6"/>
+          </a:lnRef>
+          <a:fillRef idx="0">
+            <a:schemeClr val="accent6"/>
+          </a:fillRef>
+          <a:effectRef idx="0">
+            <a:schemeClr val="accent6"/>
+          </a:effectRef>
+          <a:fontRef idx="minor">
+            <a:schemeClr val="tx1"/>
+          </a:fontRef>
+        </p:style>
+      </p:cxnSp>
+      <p:cxnSp>
+        <p:nvCxnSpPr>
+          <p:cNvPr id="18" name="Straight Connector 17">
+            <a:extLst>
+              <a:ext uri="{FF2B5EF4-FFF2-40B4-BE49-F238E27FC236}">
+                <a16:creationId xmlns:a16="http://schemas.microsoft.com/office/drawing/2014/main" id="{0A2407FC-9879-FF1B-CAA6-2373A9678D11}"/>
+              </a:ext>
+            </a:extLst>
+          </p:cNvPr>
+          <p:cNvCxnSpPr>
+            <a:cxnSpLocks/>
+            <a:stCxn id="6" idx="2"/>
+            <a:endCxn id="3" idx="0"/>
+          </p:cNvCxnSpPr>
+          <p:nvPr/>
+        </p:nvCxnSpPr>
+        <p:spPr>
+          <a:xfrm>
+            <a:off x="2458810" y="2754153"/>
+            <a:ext cx="595" cy="143905"/>
+          </a:xfrm>
+          <a:prstGeom prst="line">
+            <a:avLst/>
+          </a:prstGeom>
+          <a:ln w="12700"/>
+        </p:spPr>
+        <p:style>
+          <a:lnRef idx="1">
+            <a:schemeClr val="accent6"/>
+          </a:lnRef>
+          <a:fillRef idx="0">
+            <a:schemeClr val="accent6"/>
+          </a:fillRef>
+          <a:effectRef idx="0">
+            <a:schemeClr val="accent6"/>
+          </a:effectRef>
+          <a:fontRef idx="minor">
+            <a:schemeClr val="tx1"/>
+          </a:fontRef>
+        </p:style>
+      </p:cxnSp>
+      <p:cxnSp>
+        <p:nvCxnSpPr>
+          <p:cNvPr id="21" name="Straight Connector 20">
+            <a:extLst>
+              <a:ext uri="{FF2B5EF4-FFF2-40B4-BE49-F238E27FC236}">
+                <a16:creationId xmlns:a16="http://schemas.microsoft.com/office/drawing/2014/main" id="{6A4527B5-AB1D-53B0-5D8E-F63A8CEAA8C2}"/>
+              </a:ext>
+            </a:extLst>
+          </p:cNvPr>
+          <p:cNvCxnSpPr>
+            <a:cxnSpLocks/>
+            <a:stCxn id="7" idx="2"/>
+            <a:endCxn id="4" idx="0"/>
+          </p:cNvCxnSpPr>
+          <p:nvPr/>
+        </p:nvCxnSpPr>
+        <p:spPr>
+          <a:xfrm flipH="1">
+            <a:off x="3545869" y="2179432"/>
+            <a:ext cx="4684" cy="718626"/>
+          </a:xfrm>
+          <a:prstGeom prst="line">
+            <a:avLst/>
+          </a:prstGeom>
+          <a:ln w="12700"/>
+        </p:spPr>
+        <p:style>
+          <a:lnRef idx="1">
+            <a:schemeClr val="accent6"/>
+          </a:lnRef>
+          <a:fillRef idx="0">
+            <a:schemeClr val="accent6"/>
+          </a:fillRef>
+          <a:effectRef idx="0">
+            <a:schemeClr val="accent6"/>
+          </a:effectRef>
+          <a:fontRef idx="minor">
+            <a:schemeClr val="tx1"/>
+          </a:fontRef>
+        </p:style>
+      </p:cxnSp>
+      <p:cxnSp>
+        <p:nvCxnSpPr>
+          <p:cNvPr id="24" name="Straight Connector 23">
+            <a:extLst>
+              <a:ext uri="{FF2B5EF4-FFF2-40B4-BE49-F238E27FC236}">
+                <a16:creationId xmlns:a16="http://schemas.microsoft.com/office/drawing/2014/main" id="{DA80BC91-FACE-A945-437D-97B32B9CB4DA}"/>
+              </a:ext>
+            </a:extLst>
+          </p:cNvPr>
+          <p:cNvCxnSpPr>
+            <a:cxnSpLocks/>
+            <a:stCxn id="9" idx="2"/>
+            <a:endCxn id="8" idx="0"/>
+          </p:cNvCxnSpPr>
+          <p:nvPr/>
+        </p:nvCxnSpPr>
+        <p:spPr>
+          <a:xfrm>
+            <a:off x="4623768" y="2754152"/>
+            <a:ext cx="8565" cy="143906"/>
+          </a:xfrm>
+          <a:prstGeom prst="line">
+            <a:avLst/>
+          </a:prstGeom>
+          <a:ln w="12700"/>
+        </p:spPr>
+        <p:style>
+          <a:lnRef idx="1">
+            <a:schemeClr val="accent6"/>
+          </a:lnRef>
+          <a:fillRef idx="0">
+            <a:schemeClr val="accent6"/>
+          </a:fillRef>
+          <a:effectRef idx="0">
+            <a:schemeClr val="accent6"/>
+          </a:effectRef>
+          <a:fontRef idx="minor">
+            <a:schemeClr val="tx1"/>
+          </a:fontRef>
+        </p:style>
+      </p:cxnSp>
+      <p:cxnSp>
+        <p:nvCxnSpPr>
+          <p:cNvPr id="27" name="Straight Connector 26">
+            <a:extLst>
+              <a:ext uri="{FF2B5EF4-FFF2-40B4-BE49-F238E27FC236}">
+                <a16:creationId xmlns:a16="http://schemas.microsoft.com/office/drawing/2014/main" id="{D329CEDD-5522-1392-0F8F-7AA511FA2BC1}"/>
+              </a:ext>
+            </a:extLst>
+          </p:cNvPr>
+          <p:cNvCxnSpPr>
+            <a:cxnSpLocks/>
+            <a:stCxn id="11" idx="2"/>
+            <a:endCxn id="10" idx="0"/>
+          </p:cNvCxnSpPr>
+          <p:nvPr/>
+        </p:nvCxnSpPr>
+        <p:spPr>
+          <a:xfrm flipH="1">
+            <a:off x="5718797" y="2174048"/>
+            <a:ext cx="2624" cy="724010"/>
+          </a:xfrm>
+          <a:prstGeom prst="line">
+            <a:avLst/>
+          </a:prstGeom>
+          <a:ln w="12700">
+            <a:solidFill>
+              <a:schemeClr val="accent2"/>
+            </a:solidFill>
+          </a:ln>
+        </p:spPr>
+        <p:style>
+          <a:lnRef idx="1">
+            <a:schemeClr val="accent6"/>
+          </a:lnRef>
+          <a:fillRef idx="0">
+            <a:schemeClr val="accent6"/>
+          </a:fillRef>
+          <a:effectRef idx="0">
+            <a:schemeClr val="accent6"/>
+          </a:effectRef>
+          <a:fontRef idx="minor">
+            <a:schemeClr val="tx1"/>
+          </a:fontRef>
+        </p:style>
+      </p:cxnSp>
+      <p:cxnSp>
+        <p:nvCxnSpPr>
+          <p:cNvPr id="31" name="Straight Connector 30">
+            <a:extLst>
+              <a:ext uri="{FF2B5EF4-FFF2-40B4-BE49-F238E27FC236}">
+                <a16:creationId xmlns:a16="http://schemas.microsoft.com/office/drawing/2014/main" id="{1BBADAD0-E47D-3773-EDC6-F39D4B51C57E}"/>
+              </a:ext>
+            </a:extLst>
+          </p:cNvPr>
+          <p:cNvCxnSpPr>
+            <a:cxnSpLocks/>
+            <a:stCxn id="14" idx="2"/>
+            <a:endCxn id="12" idx="0"/>
+          </p:cNvCxnSpPr>
+          <p:nvPr/>
+        </p:nvCxnSpPr>
+        <p:spPr>
+          <a:xfrm>
+            <a:off x="6797411" y="2754153"/>
+            <a:ext cx="8566" cy="143905"/>
+          </a:xfrm>
+          <a:prstGeom prst="line">
+            <a:avLst/>
+          </a:prstGeom>
+          <a:ln w="12700"/>
+        </p:spPr>
+        <p:style>
+          <a:lnRef idx="1">
+            <a:schemeClr val="accent6"/>
+          </a:lnRef>
+          <a:fillRef idx="0">
+            <a:schemeClr val="accent6"/>
+          </a:fillRef>
+          <a:effectRef idx="0">
+            <a:schemeClr val="accent6"/>
+          </a:effectRef>
+          <a:fontRef idx="minor">
+            <a:schemeClr val="tx1"/>
+          </a:fontRef>
+        </p:style>
+      </p:cxnSp>
+      <p:cxnSp>
+        <p:nvCxnSpPr>
+          <p:cNvPr id="38" name="Straight Arrow Connector 37">
+            <a:extLst>
+              <a:ext uri="{FF2B5EF4-FFF2-40B4-BE49-F238E27FC236}">
+                <a16:creationId xmlns:a16="http://schemas.microsoft.com/office/drawing/2014/main" id="{4F5C8F0C-6CAF-B3CC-DFFE-D48310A7A31E}"/>
+              </a:ext>
+            </a:extLst>
+          </p:cNvPr>
+          <p:cNvCxnSpPr>
+            <a:stCxn id="2" idx="6"/>
+            <a:endCxn id="3" idx="2"/>
+          </p:cNvCxnSpPr>
+          <p:nvPr/>
+        </p:nvCxnSpPr>
+        <p:spPr>
+          <a:xfrm>
+            <a:off x="1638412" y="3163529"/>
+            <a:ext cx="555522" cy="0"/>
+          </a:xfrm>
+          <a:prstGeom prst="straightConnector1">
+            <a:avLst/>
+          </a:prstGeom>
+          <a:ln w="38100">
+            <a:solidFill>
+              <a:schemeClr val="accent6"/>
+            </a:solidFill>
+            <a:tailEnd type="triangle"/>
+          </a:ln>
+        </p:spPr>
+        <p:style>
+          <a:lnRef idx="1">
+            <a:schemeClr val="accent1"/>
+          </a:lnRef>
+          <a:fillRef idx="0">
+            <a:schemeClr val="accent1"/>
+          </a:fillRef>
+          <a:effectRef idx="0">
+            <a:schemeClr val="accent1"/>
+          </a:effectRef>
+          <a:fontRef idx="minor">
+            <a:schemeClr val="tx1"/>
+          </a:fontRef>
+        </p:style>
+      </p:cxnSp>
+      <p:cxnSp>
+        <p:nvCxnSpPr>
+          <p:cNvPr id="39" name="Straight Arrow Connector 38">
+            <a:extLst>
+              <a:ext uri="{FF2B5EF4-FFF2-40B4-BE49-F238E27FC236}">
+                <a16:creationId xmlns:a16="http://schemas.microsoft.com/office/drawing/2014/main" id="{3D2E1450-5C0E-79A6-1B31-E814D793FD7D}"/>
+              </a:ext>
+            </a:extLst>
+          </p:cNvPr>
+          <p:cNvCxnSpPr>
+            <a:cxnSpLocks/>
+            <a:stCxn id="3" idx="6"/>
+            <a:endCxn id="4" idx="2"/>
+          </p:cNvCxnSpPr>
+          <p:nvPr/>
+        </p:nvCxnSpPr>
+        <p:spPr>
+          <a:xfrm>
+            <a:off x="2724876" y="3163529"/>
+            <a:ext cx="555522" cy="0"/>
+          </a:xfrm>
+          <a:prstGeom prst="straightConnector1">
+            <a:avLst/>
+          </a:prstGeom>
+          <a:ln w="38100">
+            <a:solidFill>
+              <a:schemeClr val="accent6"/>
+            </a:solidFill>
+            <a:tailEnd type="triangle"/>
+          </a:ln>
+        </p:spPr>
+        <p:style>
+          <a:lnRef idx="1">
+            <a:schemeClr val="accent1"/>
+          </a:lnRef>
+          <a:fillRef idx="0">
+            <a:schemeClr val="accent1"/>
+          </a:fillRef>
+          <a:effectRef idx="0">
+            <a:schemeClr val="accent1"/>
+          </a:effectRef>
+          <a:fontRef idx="minor">
+            <a:schemeClr val="tx1"/>
+          </a:fontRef>
+        </p:style>
+      </p:cxnSp>
+      <p:cxnSp>
+        <p:nvCxnSpPr>
+          <p:cNvPr id="42" name="Straight Arrow Connector 41">
+            <a:extLst>
+              <a:ext uri="{FF2B5EF4-FFF2-40B4-BE49-F238E27FC236}">
+                <a16:creationId xmlns:a16="http://schemas.microsoft.com/office/drawing/2014/main" id="{05E9A1AC-008D-9528-88B3-F7F214C34498}"/>
+              </a:ext>
+            </a:extLst>
+          </p:cNvPr>
+          <p:cNvCxnSpPr>
+            <a:cxnSpLocks/>
+            <a:stCxn id="4" idx="6"/>
+            <a:endCxn id="8" idx="2"/>
+          </p:cNvCxnSpPr>
+          <p:nvPr/>
+        </p:nvCxnSpPr>
+        <p:spPr>
+          <a:xfrm>
+            <a:off x="3811340" y="3163529"/>
+            <a:ext cx="555522" cy="0"/>
+          </a:xfrm>
+          <a:prstGeom prst="straightConnector1">
+            <a:avLst/>
+          </a:prstGeom>
+          <a:ln w="38100">
+            <a:solidFill>
+              <a:schemeClr val="accent6"/>
+            </a:solidFill>
+            <a:tailEnd type="triangle"/>
+          </a:ln>
+        </p:spPr>
+        <p:style>
+          <a:lnRef idx="1">
+            <a:schemeClr val="accent1"/>
+          </a:lnRef>
+          <a:fillRef idx="0">
+            <a:schemeClr val="accent1"/>
+          </a:fillRef>
+          <a:effectRef idx="0">
+            <a:schemeClr val="accent1"/>
+          </a:effectRef>
+          <a:fontRef idx="minor">
+            <a:schemeClr val="tx1"/>
+          </a:fontRef>
+        </p:style>
+      </p:cxnSp>
+      <p:cxnSp>
+        <p:nvCxnSpPr>
+          <p:cNvPr id="45" name="Straight Arrow Connector 44">
+            <a:extLst>
+              <a:ext uri="{FF2B5EF4-FFF2-40B4-BE49-F238E27FC236}">
+                <a16:creationId xmlns:a16="http://schemas.microsoft.com/office/drawing/2014/main" id="{16B29EBE-7F78-ED99-F293-4D7B7982B0BE}"/>
+              </a:ext>
+            </a:extLst>
+          </p:cNvPr>
+          <p:cNvCxnSpPr>
+            <a:cxnSpLocks/>
+            <a:stCxn id="8" idx="6"/>
+            <a:endCxn id="10" idx="2"/>
+          </p:cNvCxnSpPr>
+          <p:nvPr/>
+        </p:nvCxnSpPr>
+        <p:spPr>
+          <a:xfrm>
+            <a:off x="4897804" y="3163529"/>
+            <a:ext cx="555522" cy="0"/>
+          </a:xfrm>
+          <a:prstGeom prst="straightConnector1">
+            <a:avLst/>
+          </a:prstGeom>
+          <a:ln w="38100">
+            <a:solidFill>
+              <a:schemeClr val="accent6"/>
+            </a:solidFill>
+            <a:tailEnd type="triangle"/>
+          </a:ln>
+        </p:spPr>
+        <p:style>
+          <a:lnRef idx="1">
+            <a:schemeClr val="accent1"/>
+          </a:lnRef>
+          <a:fillRef idx="0">
+            <a:schemeClr val="accent1"/>
+          </a:fillRef>
+          <a:effectRef idx="0">
+            <a:schemeClr val="accent1"/>
+          </a:effectRef>
+          <a:fontRef idx="minor">
+            <a:schemeClr val="tx1"/>
+          </a:fontRef>
+        </p:style>
+      </p:cxnSp>
+      <p:cxnSp>
+        <p:nvCxnSpPr>
+          <p:cNvPr id="48" name="Straight Arrow Connector 47">
+            <a:extLst>
+              <a:ext uri="{FF2B5EF4-FFF2-40B4-BE49-F238E27FC236}">
+                <a16:creationId xmlns:a16="http://schemas.microsoft.com/office/drawing/2014/main" id="{59C425BB-4652-0D56-8F82-8838C274089F}"/>
+              </a:ext>
+            </a:extLst>
+          </p:cNvPr>
+          <p:cNvCxnSpPr>
+            <a:cxnSpLocks/>
+            <a:stCxn id="10" idx="6"/>
+            <a:endCxn id="12" idx="2"/>
+          </p:cNvCxnSpPr>
+          <p:nvPr/>
+        </p:nvCxnSpPr>
+        <p:spPr>
+          <a:xfrm>
+            <a:off x="5984268" y="3163529"/>
+            <a:ext cx="556238" cy="0"/>
+          </a:xfrm>
+          <a:prstGeom prst="straightConnector1">
+            <a:avLst/>
+          </a:prstGeom>
+          <a:ln w="38100">
+            <a:solidFill>
+              <a:schemeClr val="accent6"/>
+            </a:solidFill>
+            <a:tailEnd type="triangle"/>
+          </a:ln>
+        </p:spPr>
+        <p:style>
+          <a:lnRef idx="1">
+            <a:schemeClr val="accent1"/>
+          </a:lnRef>
+          <a:fillRef idx="0">
+            <a:schemeClr val="accent1"/>
+          </a:fillRef>
+          <a:effectRef idx="0">
+            <a:schemeClr val="accent1"/>
+          </a:effectRef>
+          <a:fontRef idx="minor">
+            <a:schemeClr val="tx1"/>
+          </a:fontRef>
+        </p:style>
+      </p:cxnSp>
+    </p:spTree>
+    <p:extLst>
+      <p:ext uri="{BB962C8B-B14F-4D97-AF65-F5344CB8AC3E}">
+        <p14:creationId xmlns:p14="http://schemas.microsoft.com/office/powerpoint/2010/main" val="3709184840"/>
+      </p:ext>
+    </p:extLst>
+  </p:cSld>
+  <p:clrMapOvr>
+    <a:masterClrMapping/>
+  </p:clrMapOvr>
+</p:sld>
+</file>
+
+<file path=ppt/slides/slide41.xml><?xml version="1.0" encoding="utf-8"?>
+<p:sld xmlns:a="http://schemas.openxmlformats.org/drawingml/2006/main" xmlns:r="http://schemas.openxmlformats.org/officeDocument/2006/relationships" xmlns:p="http://schemas.openxmlformats.org/presentationml/2006/main">
+  <p:cSld>
+    <p:spTree>
+      <p:nvGrpSpPr>
+        <p:cNvPr id="1" name="">
+          <a:extLst>
+            <a:ext uri="{FF2B5EF4-FFF2-40B4-BE49-F238E27FC236}">
+              <a16:creationId xmlns:a16="http://schemas.microsoft.com/office/drawing/2014/main" id="{AA5F3F34-34EE-5086-6274-84F159B55EFC}"/>
+            </a:ext>
+          </a:extLst>
+        </p:cNvPr>
+        <p:cNvGrpSpPr/>
+        <p:nvPr/>
+      </p:nvGrpSpPr>
+      <p:grpSpPr>
+        <a:xfrm>
+          <a:off x="0" y="0"/>
+          <a:ext cx="0" cy="0"/>
+          <a:chOff x="0" y="0"/>
+          <a:chExt cx="0" cy="0"/>
+        </a:xfrm>
+      </p:grpSpPr>
+      <p:sp>
+        <p:nvSpPr>
+          <p:cNvPr id="2" name="Doughnut 1">
+            <a:extLst>
+              <a:ext uri="{FF2B5EF4-FFF2-40B4-BE49-F238E27FC236}">
+                <a16:creationId xmlns:a16="http://schemas.microsoft.com/office/drawing/2014/main" id="{8935BAFE-7872-4DC5-2192-4632E10E637E}"/>
+              </a:ext>
+            </a:extLst>
+          </p:cNvPr>
+          <p:cNvSpPr/>
+          <p:nvPr/>
+        </p:nvSpPr>
+        <p:spPr>
+          <a:xfrm>
+            <a:off x="1107470" y="2898058"/>
+            <a:ext cx="530942" cy="530942"/>
+          </a:xfrm>
+          <a:prstGeom prst="donut">
+            <a:avLst/>
+          </a:prstGeom>
+        </p:spPr>
+        <p:style>
+          <a:lnRef idx="1">
+            <a:schemeClr val="accent6"/>
+          </a:lnRef>
+          <a:fillRef idx="3">
+            <a:schemeClr val="accent6"/>
+          </a:fillRef>
+          <a:effectRef idx="2">
+            <a:schemeClr val="accent6"/>
+          </a:effectRef>
+          <a:fontRef idx="minor">
+            <a:schemeClr val="lt1"/>
+          </a:fontRef>
+        </p:style>
+        <p:txBody>
+          <a:bodyPr rtlCol="0" anchor="ctr"/>
+          <a:lstStyle/>
+          <a:p>
+            <a:pPr algn="ctr"/>
+            <a:endParaRPr lang="en-US">
+              <a:solidFill>
+                <a:schemeClr val="tx1"/>
+              </a:solidFill>
+            </a:endParaRPr>
+          </a:p>
+        </p:txBody>
+      </p:sp>
+      <p:sp>
+        <p:nvSpPr>
+          <p:cNvPr id="3" name="Doughnut 2">
+            <a:extLst>
+              <a:ext uri="{FF2B5EF4-FFF2-40B4-BE49-F238E27FC236}">
+                <a16:creationId xmlns:a16="http://schemas.microsoft.com/office/drawing/2014/main" id="{04EAFA0F-32B6-2E80-61D3-8C0EB323E3C9}"/>
+              </a:ext>
+            </a:extLst>
+          </p:cNvPr>
+          <p:cNvSpPr/>
+          <p:nvPr/>
+        </p:nvSpPr>
+        <p:spPr>
+          <a:xfrm>
+            <a:off x="2193934" y="2898058"/>
+            <a:ext cx="530942" cy="530942"/>
+          </a:xfrm>
+          <a:prstGeom prst="donut">
+            <a:avLst/>
+          </a:prstGeom>
+        </p:spPr>
+        <p:style>
+          <a:lnRef idx="1">
+            <a:schemeClr val="accent6"/>
+          </a:lnRef>
+          <a:fillRef idx="3">
+            <a:schemeClr val="accent6"/>
+          </a:fillRef>
+          <a:effectRef idx="2">
+            <a:schemeClr val="accent6"/>
+          </a:effectRef>
+          <a:fontRef idx="minor">
+            <a:schemeClr val="lt1"/>
+          </a:fontRef>
+        </p:style>
+        <p:txBody>
+          <a:bodyPr rtlCol="0" anchor="ctr"/>
+          <a:lstStyle/>
+          <a:p>
+            <a:pPr algn="ctr"/>
+            <a:endParaRPr lang="en-US">
+              <a:solidFill>
+                <a:schemeClr val="tx1"/>
+              </a:solidFill>
+            </a:endParaRPr>
+          </a:p>
+        </p:txBody>
+      </p:sp>
+      <p:sp>
+        <p:nvSpPr>
+          <p:cNvPr id="4" name="Doughnut 3">
+            <a:extLst>
+              <a:ext uri="{FF2B5EF4-FFF2-40B4-BE49-F238E27FC236}">
+                <a16:creationId xmlns:a16="http://schemas.microsoft.com/office/drawing/2014/main" id="{B990BDFD-77A8-D3AC-35B7-357F873371CA}"/>
+              </a:ext>
+            </a:extLst>
+          </p:cNvPr>
+          <p:cNvSpPr/>
+          <p:nvPr/>
+        </p:nvSpPr>
+        <p:spPr>
+          <a:xfrm>
+            <a:off x="3280398" y="2898058"/>
+            <a:ext cx="530942" cy="530942"/>
+          </a:xfrm>
+          <a:prstGeom prst="donut">
+            <a:avLst/>
+          </a:prstGeom>
+        </p:spPr>
+        <p:style>
+          <a:lnRef idx="1">
+            <a:schemeClr val="accent6"/>
+          </a:lnRef>
+          <a:fillRef idx="3">
+            <a:schemeClr val="accent6"/>
+          </a:fillRef>
+          <a:effectRef idx="2">
+            <a:schemeClr val="accent6"/>
+          </a:effectRef>
+          <a:fontRef idx="minor">
+            <a:schemeClr val="lt1"/>
+          </a:fontRef>
+        </p:style>
+        <p:txBody>
+          <a:bodyPr rtlCol="0" anchor="ctr"/>
+          <a:lstStyle/>
+          <a:p>
+            <a:pPr algn="ctr"/>
+            <a:endParaRPr lang="en-US">
+              <a:solidFill>
+                <a:schemeClr val="tx1"/>
+              </a:solidFill>
+            </a:endParaRPr>
+          </a:p>
+        </p:txBody>
+      </p:sp>
+      <p:sp>
+        <p:nvSpPr>
+          <p:cNvPr id="5" name="TextBox 4">
+            <a:extLst>
+              <a:ext uri="{FF2B5EF4-FFF2-40B4-BE49-F238E27FC236}">
+                <a16:creationId xmlns:a16="http://schemas.microsoft.com/office/drawing/2014/main" id="{F18FA6E1-92A6-7F4D-5033-C96D5C7F034D}"/>
+              </a:ext>
+            </a:extLst>
+          </p:cNvPr>
+          <p:cNvSpPr txBox="1"/>
+          <p:nvPr/>
+        </p:nvSpPr>
+        <p:spPr>
+          <a:xfrm>
+            <a:off x="472349" y="1526049"/>
+            <a:ext cx="1800000" cy="648000"/>
+          </a:xfrm>
+          <a:prstGeom prst="rect">
+            <a:avLst/>
+          </a:prstGeom>
+          <a:noFill/>
+          <a:ln>
+            <a:noFill/>
+          </a:ln>
+        </p:spPr>
+        <p:txBody>
+          <a:bodyPr wrap="square" rtlCol="0" anchor="b" anchorCtr="0">
+            <a:spAutoFit/>
+          </a:bodyPr>
+          <a:lstStyle/>
+          <a:p>
+            <a:pPr algn="ctr"/>
+            <a:r>
+              <a:rPr lang="en-US" dirty="0"/>
+              <a:t>Source code checkout</a:t>
+            </a:r>
+          </a:p>
+        </p:txBody>
+      </p:sp>
+      <p:sp>
+        <p:nvSpPr>
+          <p:cNvPr id="6" name="TextBox 5">
+            <a:extLst>
+              <a:ext uri="{FF2B5EF4-FFF2-40B4-BE49-F238E27FC236}">
+                <a16:creationId xmlns:a16="http://schemas.microsoft.com/office/drawing/2014/main" id="{AD5A865F-819D-7B9B-B535-2BD96B1F2B31}"/>
+              </a:ext>
+            </a:extLst>
+          </p:cNvPr>
+          <p:cNvSpPr txBox="1"/>
+          <p:nvPr/>
+        </p:nvSpPr>
+        <p:spPr>
+          <a:xfrm>
+            <a:off x="1558810" y="2106153"/>
+            <a:ext cx="1800000" cy="648000"/>
+          </a:xfrm>
+          <a:prstGeom prst="rect">
+            <a:avLst/>
+          </a:prstGeom>
+          <a:noFill/>
+          <a:ln>
+            <a:noFill/>
+          </a:ln>
+        </p:spPr>
+        <p:txBody>
+          <a:bodyPr wrap="square" rtlCol="0" anchor="b" anchorCtr="0">
+            <a:spAutoFit/>
+          </a:bodyPr>
+          <a:lstStyle/>
+          <a:p>
+            <a:pPr algn="ctr"/>
+            <a:r>
+              <a:rPr lang="en-US" dirty="0"/>
+              <a:t>Dependency installation</a:t>
+            </a:r>
+          </a:p>
+        </p:txBody>
+      </p:sp>
+      <p:sp>
+        <p:nvSpPr>
+          <p:cNvPr id="7" name="TextBox 6">
+            <a:extLst>
+              <a:ext uri="{FF2B5EF4-FFF2-40B4-BE49-F238E27FC236}">
+                <a16:creationId xmlns:a16="http://schemas.microsoft.com/office/drawing/2014/main" id="{3FFD25EB-E216-14DF-82E1-302533A3CFDC}"/>
+              </a:ext>
+            </a:extLst>
+          </p:cNvPr>
+          <p:cNvSpPr txBox="1"/>
+          <p:nvPr/>
+        </p:nvSpPr>
+        <p:spPr>
+          <a:xfrm>
+            <a:off x="2650553" y="1810100"/>
+            <a:ext cx="1800000" cy="369332"/>
+          </a:xfrm>
+          <a:prstGeom prst="rect">
+            <a:avLst/>
+          </a:prstGeom>
+          <a:noFill/>
+          <a:ln>
+            <a:noFill/>
+          </a:ln>
+        </p:spPr>
+        <p:txBody>
+          <a:bodyPr wrap="square" rtlCol="0" anchor="b" anchorCtr="0">
+            <a:spAutoFit/>
+          </a:bodyPr>
+          <a:lstStyle/>
+          <a:p>
+            <a:pPr algn="ctr"/>
+            <a:r>
+              <a:rPr lang="en-US" dirty="0"/>
+              <a:t>Build</a:t>
+            </a:r>
+          </a:p>
+        </p:txBody>
+      </p:sp>
+      <p:sp>
+        <p:nvSpPr>
+          <p:cNvPr id="8" name="Doughnut 7">
+            <a:extLst>
+              <a:ext uri="{FF2B5EF4-FFF2-40B4-BE49-F238E27FC236}">
+                <a16:creationId xmlns:a16="http://schemas.microsoft.com/office/drawing/2014/main" id="{14B1332A-A106-EFEC-2138-0FAE3E36E3FA}"/>
+              </a:ext>
+            </a:extLst>
+          </p:cNvPr>
+          <p:cNvSpPr/>
+          <p:nvPr/>
+        </p:nvSpPr>
+        <p:spPr>
+          <a:xfrm>
+            <a:off x="4366862" y="2898058"/>
+            <a:ext cx="530942" cy="530942"/>
+          </a:xfrm>
+          <a:prstGeom prst="donut">
+            <a:avLst/>
+          </a:prstGeom>
+        </p:spPr>
+        <p:style>
+          <a:lnRef idx="1">
+            <a:schemeClr val="accent6"/>
+          </a:lnRef>
+          <a:fillRef idx="3">
+            <a:schemeClr val="accent6"/>
+          </a:fillRef>
+          <a:effectRef idx="2">
+            <a:schemeClr val="accent6"/>
+          </a:effectRef>
+          <a:fontRef idx="minor">
+            <a:schemeClr val="lt1"/>
+          </a:fontRef>
+        </p:style>
+        <p:txBody>
+          <a:bodyPr rtlCol="0" anchor="ctr"/>
+          <a:lstStyle/>
+          <a:p>
+            <a:pPr algn="ctr"/>
+            <a:endParaRPr lang="en-US">
+              <a:solidFill>
+                <a:schemeClr val="tx1"/>
+              </a:solidFill>
+            </a:endParaRPr>
+          </a:p>
+        </p:txBody>
+      </p:sp>
+      <p:sp>
+        <p:nvSpPr>
+          <p:cNvPr id="9" name="TextBox 8">
+            <a:extLst>
+              <a:ext uri="{FF2B5EF4-FFF2-40B4-BE49-F238E27FC236}">
+                <a16:creationId xmlns:a16="http://schemas.microsoft.com/office/drawing/2014/main" id="{7F2B7174-C217-BC0F-DC92-1FF72962AA14}"/>
+              </a:ext>
+            </a:extLst>
+          </p:cNvPr>
+          <p:cNvSpPr txBox="1"/>
+          <p:nvPr/>
+        </p:nvSpPr>
+        <p:spPr>
+          <a:xfrm>
+            <a:off x="3723768" y="2106152"/>
+            <a:ext cx="1800000" cy="648000"/>
+          </a:xfrm>
+          <a:prstGeom prst="rect">
+            <a:avLst/>
+          </a:prstGeom>
+          <a:noFill/>
+          <a:ln>
+            <a:noFill/>
+          </a:ln>
+        </p:spPr>
+        <p:txBody>
+          <a:bodyPr wrap="square" rtlCol="0" anchor="b" anchorCtr="0">
+            <a:spAutoFit/>
+          </a:bodyPr>
+          <a:lstStyle/>
+          <a:p>
+            <a:pPr algn="ctr"/>
+            <a:r>
+              <a:rPr lang="en-US" dirty="0"/>
+              <a:t>Automated testing</a:t>
+            </a:r>
+          </a:p>
+        </p:txBody>
+      </p:sp>
+      <p:sp>
+        <p:nvSpPr>
+          <p:cNvPr id="10" name="Doughnut 9">
+            <a:extLst>
+              <a:ext uri="{FF2B5EF4-FFF2-40B4-BE49-F238E27FC236}">
+                <a16:creationId xmlns:a16="http://schemas.microsoft.com/office/drawing/2014/main" id="{BA646AB6-BFD0-F839-5896-D3201FEC6206}"/>
+              </a:ext>
+            </a:extLst>
+          </p:cNvPr>
+          <p:cNvSpPr/>
+          <p:nvPr/>
+        </p:nvSpPr>
+        <p:spPr>
+          <a:xfrm>
+            <a:off x="5453326" y="2898058"/>
+            <a:ext cx="530942" cy="530942"/>
+          </a:xfrm>
+          <a:prstGeom prst="donut">
+            <a:avLst/>
+          </a:prstGeom>
+        </p:spPr>
+        <p:style>
+          <a:lnRef idx="1">
+            <a:schemeClr val="accent6"/>
+          </a:lnRef>
+          <a:fillRef idx="3">
+            <a:schemeClr val="accent6"/>
+          </a:fillRef>
+          <a:effectRef idx="2">
+            <a:schemeClr val="accent6"/>
+          </a:effectRef>
+          <a:fontRef idx="minor">
+            <a:schemeClr val="lt1"/>
+          </a:fontRef>
+        </p:style>
+        <p:txBody>
+          <a:bodyPr rtlCol="0" anchor="ctr"/>
+          <a:lstStyle/>
+          <a:p>
+            <a:pPr algn="ctr"/>
+            <a:endParaRPr lang="en-US">
+              <a:solidFill>
+                <a:schemeClr val="tx1"/>
+              </a:solidFill>
+            </a:endParaRPr>
+          </a:p>
+        </p:txBody>
+      </p:sp>
+      <p:sp>
+        <p:nvSpPr>
+          <p:cNvPr id="11" name="TextBox 10">
+            <a:extLst>
+              <a:ext uri="{FF2B5EF4-FFF2-40B4-BE49-F238E27FC236}">
+                <a16:creationId xmlns:a16="http://schemas.microsoft.com/office/drawing/2014/main" id="{6CA2E80B-A50D-16AC-C700-EA3A10572D30}"/>
+              </a:ext>
+            </a:extLst>
+          </p:cNvPr>
+          <p:cNvSpPr txBox="1"/>
+          <p:nvPr/>
+        </p:nvSpPr>
+        <p:spPr>
+          <a:xfrm>
+            <a:off x="4821421" y="1527717"/>
+            <a:ext cx="1800000" cy="646331"/>
+          </a:xfrm>
+          <a:prstGeom prst="rect">
+            <a:avLst/>
+          </a:prstGeom>
+          <a:noFill/>
+          <a:ln>
+            <a:noFill/>
+          </a:ln>
+        </p:spPr>
+        <p:txBody>
+          <a:bodyPr wrap="square" rtlCol="0" anchor="b" anchorCtr="0">
+            <a:spAutoFit/>
+          </a:bodyPr>
+          <a:lstStyle/>
+          <a:p>
+            <a:pPr algn="ctr"/>
+            <a:r>
+              <a:rPr lang="en-GB"/>
+              <a:t>Approval and merging</a:t>
+            </a:r>
+          </a:p>
+        </p:txBody>
+      </p:sp>
+      <p:sp>
+        <p:nvSpPr>
+          <p:cNvPr id="12" name="Doughnut 11">
+            <a:extLst>
+              <a:ext uri="{FF2B5EF4-FFF2-40B4-BE49-F238E27FC236}">
+                <a16:creationId xmlns:a16="http://schemas.microsoft.com/office/drawing/2014/main" id="{50F5F380-FA8B-FFEB-8DCF-0050DE59C524}"/>
+              </a:ext>
+            </a:extLst>
+          </p:cNvPr>
+          <p:cNvSpPr/>
+          <p:nvPr/>
+        </p:nvSpPr>
+        <p:spPr>
+          <a:xfrm>
+            <a:off x="6540506" y="2898058"/>
+            <a:ext cx="530942" cy="530942"/>
+          </a:xfrm>
+          <a:prstGeom prst="donut">
+            <a:avLst/>
+          </a:prstGeom>
+          <a:solidFill>
+            <a:schemeClr val="accent2"/>
+          </a:solidFill>
+          <a:ln>
+            <a:solidFill>
+              <a:schemeClr val="accent2"/>
+            </a:solidFill>
+          </a:ln>
+        </p:spPr>
+        <p:style>
+          <a:lnRef idx="1">
+            <a:schemeClr val="accent6"/>
+          </a:lnRef>
+          <a:fillRef idx="3">
+            <a:schemeClr val="accent6"/>
+          </a:fillRef>
+          <a:effectRef idx="2">
+            <a:schemeClr val="accent6"/>
+          </a:effectRef>
+          <a:fontRef idx="minor">
+            <a:schemeClr val="lt1"/>
+          </a:fontRef>
+        </p:style>
+        <p:txBody>
+          <a:bodyPr rtlCol="0" anchor="ctr"/>
+          <a:lstStyle/>
+          <a:p>
+            <a:pPr algn="ctr"/>
+            <a:endParaRPr lang="en-US">
+              <a:solidFill>
+                <a:schemeClr val="tx1"/>
+              </a:solidFill>
+            </a:endParaRPr>
+          </a:p>
+        </p:txBody>
+      </p:sp>
+      <p:sp>
+        <p:nvSpPr>
+          <p:cNvPr id="14" name="TextBox 13">
+            <a:extLst>
+              <a:ext uri="{FF2B5EF4-FFF2-40B4-BE49-F238E27FC236}">
+                <a16:creationId xmlns:a16="http://schemas.microsoft.com/office/drawing/2014/main" id="{8D4397F3-3EBE-D81B-D1FE-EB49A7FA0EBB}"/>
+              </a:ext>
+            </a:extLst>
+          </p:cNvPr>
+          <p:cNvSpPr txBox="1"/>
+          <p:nvPr/>
+        </p:nvSpPr>
+        <p:spPr>
+          <a:xfrm>
+            <a:off x="5897411" y="2107822"/>
+            <a:ext cx="1800000" cy="646331"/>
+          </a:xfrm>
+          <a:prstGeom prst="rect">
+            <a:avLst/>
+          </a:prstGeom>
+          <a:noFill/>
+          <a:ln>
+            <a:noFill/>
+          </a:ln>
+        </p:spPr>
+        <p:txBody>
+          <a:bodyPr wrap="square" rtlCol="0" anchor="b" anchorCtr="0">
+            <a:spAutoFit/>
+          </a:bodyPr>
+          <a:lstStyle/>
+          <a:p>
+            <a:pPr algn="ctr"/>
+            <a:r>
+              <a:rPr lang="en-US" dirty="0"/>
+              <a:t>Deployment to staging</a:t>
+            </a:r>
+          </a:p>
+        </p:txBody>
+      </p:sp>
+      <p:cxnSp>
+        <p:nvCxnSpPr>
+          <p:cNvPr id="17" name="Straight Connector 16">
+            <a:extLst>
+              <a:ext uri="{FF2B5EF4-FFF2-40B4-BE49-F238E27FC236}">
+                <a16:creationId xmlns:a16="http://schemas.microsoft.com/office/drawing/2014/main" id="{827C21C3-3473-B03F-F411-75578C8536DE}"/>
+              </a:ext>
+            </a:extLst>
+          </p:cNvPr>
+          <p:cNvCxnSpPr>
+            <a:stCxn id="5" idx="2"/>
+            <a:endCxn id="2" idx="0"/>
+          </p:cNvCxnSpPr>
+          <p:nvPr/>
+        </p:nvCxnSpPr>
+        <p:spPr>
+          <a:xfrm>
+            <a:off x="1372349" y="2174049"/>
+            <a:ext cx="592" cy="724009"/>
+          </a:xfrm>
+          <a:prstGeom prst="line">
+            <a:avLst/>
+          </a:prstGeom>
+          <a:ln w="12700"/>
+        </p:spPr>
+        <p:style>
+          <a:lnRef idx="1">
+            <a:schemeClr val="accent6"/>
+          </a:lnRef>
+          <a:fillRef idx="0">
+            <a:schemeClr val="accent6"/>
+          </a:fillRef>
+          <a:effectRef idx="0">
+            <a:schemeClr val="accent6"/>
+          </a:effectRef>
+          <a:fontRef idx="minor">
+            <a:schemeClr val="tx1"/>
+          </a:fontRef>
+        </p:style>
+      </p:cxnSp>
+      <p:cxnSp>
+        <p:nvCxnSpPr>
+          <p:cNvPr id="18" name="Straight Connector 17">
+            <a:extLst>
+              <a:ext uri="{FF2B5EF4-FFF2-40B4-BE49-F238E27FC236}">
+                <a16:creationId xmlns:a16="http://schemas.microsoft.com/office/drawing/2014/main" id="{CF0A0F89-4F37-72FC-2869-00A2856C8358}"/>
+              </a:ext>
+            </a:extLst>
+          </p:cNvPr>
+          <p:cNvCxnSpPr>
+            <a:cxnSpLocks/>
+            <a:stCxn id="6" idx="2"/>
+            <a:endCxn id="3" idx="0"/>
+          </p:cNvCxnSpPr>
+          <p:nvPr/>
+        </p:nvCxnSpPr>
+        <p:spPr>
+          <a:xfrm>
+            <a:off x="2458810" y="2754153"/>
+            <a:ext cx="595" cy="143905"/>
+          </a:xfrm>
+          <a:prstGeom prst="line">
+            <a:avLst/>
+          </a:prstGeom>
+          <a:ln w="12700"/>
+        </p:spPr>
+        <p:style>
+          <a:lnRef idx="1">
+            <a:schemeClr val="accent6"/>
+          </a:lnRef>
+          <a:fillRef idx="0">
+            <a:schemeClr val="accent6"/>
+          </a:fillRef>
+          <a:effectRef idx="0">
+            <a:schemeClr val="accent6"/>
+          </a:effectRef>
+          <a:fontRef idx="minor">
+            <a:schemeClr val="tx1"/>
+          </a:fontRef>
+        </p:style>
+      </p:cxnSp>
+      <p:cxnSp>
+        <p:nvCxnSpPr>
+          <p:cNvPr id="21" name="Straight Connector 20">
+            <a:extLst>
+              <a:ext uri="{FF2B5EF4-FFF2-40B4-BE49-F238E27FC236}">
+                <a16:creationId xmlns:a16="http://schemas.microsoft.com/office/drawing/2014/main" id="{DEF5AF83-84E3-FC64-6F29-D5C5BFDE225D}"/>
+              </a:ext>
+            </a:extLst>
+          </p:cNvPr>
+          <p:cNvCxnSpPr>
+            <a:cxnSpLocks/>
+            <a:stCxn id="7" idx="2"/>
+            <a:endCxn id="4" idx="0"/>
+          </p:cNvCxnSpPr>
+          <p:nvPr/>
+        </p:nvCxnSpPr>
+        <p:spPr>
+          <a:xfrm flipH="1">
+            <a:off x="3545869" y="2179432"/>
+            <a:ext cx="4684" cy="718626"/>
+          </a:xfrm>
+          <a:prstGeom prst="line">
+            <a:avLst/>
+          </a:prstGeom>
+          <a:ln w="12700"/>
+        </p:spPr>
+        <p:style>
+          <a:lnRef idx="1">
+            <a:schemeClr val="accent6"/>
+          </a:lnRef>
+          <a:fillRef idx="0">
+            <a:schemeClr val="accent6"/>
+          </a:fillRef>
+          <a:effectRef idx="0">
+            <a:schemeClr val="accent6"/>
+          </a:effectRef>
+          <a:fontRef idx="minor">
+            <a:schemeClr val="tx1"/>
+          </a:fontRef>
+        </p:style>
+      </p:cxnSp>
+      <p:cxnSp>
+        <p:nvCxnSpPr>
+          <p:cNvPr id="24" name="Straight Connector 23">
+            <a:extLst>
+              <a:ext uri="{FF2B5EF4-FFF2-40B4-BE49-F238E27FC236}">
+                <a16:creationId xmlns:a16="http://schemas.microsoft.com/office/drawing/2014/main" id="{1B276BBE-D0FB-BAB4-03C0-D8096DAE120B}"/>
+              </a:ext>
+            </a:extLst>
+          </p:cNvPr>
+          <p:cNvCxnSpPr>
+            <a:cxnSpLocks/>
+            <a:stCxn id="9" idx="2"/>
+            <a:endCxn id="8" idx="0"/>
+          </p:cNvCxnSpPr>
+          <p:nvPr/>
+        </p:nvCxnSpPr>
+        <p:spPr>
+          <a:xfrm>
+            <a:off x="4623768" y="2754152"/>
+            <a:ext cx="8565" cy="143906"/>
+          </a:xfrm>
+          <a:prstGeom prst="line">
+            <a:avLst/>
+          </a:prstGeom>
+          <a:ln w="12700"/>
+        </p:spPr>
+        <p:style>
+          <a:lnRef idx="1">
+            <a:schemeClr val="accent6"/>
+          </a:lnRef>
+          <a:fillRef idx="0">
+            <a:schemeClr val="accent6"/>
+          </a:fillRef>
+          <a:effectRef idx="0">
+            <a:schemeClr val="accent6"/>
+          </a:effectRef>
+          <a:fontRef idx="minor">
+            <a:schemeClr val="tx1"/>
+          </a:fontRef>
+        </p:style>
+      </p:cxnSp>
+      <p:cxnSp>
+        <p:nvCxnSpPr>
+          <p:cNvPr id="27" name="Straight Connector 26">
+            <a:extLst>
+              <a:ext uri="{FF2B5EF4-FFF2-40B4-BE49-F238E27FC236}">
+                <a16:creationId xmlns:a16="http://schemas.microsoft.com/office/drawing/2014/main" id="{C6BCB741-673B-65D9-D0E7-66389C43A7CD}"/>
+              </a:ext>
+            </a:extLst>
+          </p:cNvPr>
+          <p:cNvCxnSpPr>
+            <a:cxnSpLocks/>
+            <a:stCxn id="11" idx="2"/>
+            <a:endCxn id="10" idx="0"/>
+          </p:cNvCxnSpPr>
+          <p:nvPr/>
+        </p:nvCxnSpPr>
+        <p:spPr>
+          <a:xfrm flipH="1">
+            <a:off x="5718797" y="2174048"/>
+            <a:ext cx="2624" cy="724010"/>
+          </a:xfrm>
+          <a:prstGeom prst="line">
+            <a:avLst/>
+          </a:prstGeom>
+          <a:ln w="12700"/>
+        </p:spPr>
+        <p:style>
+          <a:lnRef idx="1">
+            <a:schemeClr val="accent6"/>
+          </a:lnRef>
+          <a:fillRef idx="0">
+            <a:schemeClr val="accent6"/>
+          </a:fillRef>
+          <a:effectRef idx="0">
+            <a:schemeClr val="accent6"/>
+          </a:effectRef>
+          <a:fontRef idx="minor">
+            <a:schemeClr val="tx1"/>
+          </a:fontRef>
+        </p:style>
+      </p:cxnSp>
+      <p:cxnSp>
+        <p:nvCxnSpPr>
+          <p:cNvPr id="31" name="Straight Connector 30">
+            <a:extLst>
+              <a:ext uri="{FF2B5EF4-FFF2-40B4-BE49-F238E27FC236}">
+                <a16:creationId xmlns:a16="http://schemas.microsoft.com/office/drawing/2014/main" id="{F15C31AC-9355-FF18-2848-1B531605E3DC}"/>
+              </a:ext>
+            </a:extLst>
+          </p:cNvPr>
+          <p:cNvCxnSpPr>
+            <a:cxnSpLocks/>
+            <a:stCxn id="14" idx="2"/>
+            <a:endCxn id="12" idx="0"/>
+          </p:cNvCxnSpPr>
+          <p:nvPr/>
+        </p:nvCxnSpPr>
+        <p:spPr>
+          <a:xfrm>
+            <a:off x="6797411" y="2754153"/>
+            <a:ext cx="8566" cy="143905"/>
+          </a:xfrm>
+          <a:prstGeom prst="line">
+            <a:avLst/>
+          </a:prstGeom>
+          <a:ln w="12700">
+            <a:solidFill>
+              <a:schemeClr val="accent2"/>
+            </a:solidFill>
+          </a:ln>
+        </p:spPr>
+        <p:style>
+          <a:lnRef idx="1">
+            <a:schemeClr val="accent6"/>
+          </a:lnRef>
+          <a:fillRef idx="0">
+            <a:schemeClr val="accent6"/>
+          </a:fillRef>
+          <a:effectRef idx="0">
+            <a:schemeClr val="accent6"/>
+          </a:effectRef>
+          <a:fontRef idx="minor">
+            <a:schemeClr val="tx1"/>
+          </a:fontRef>
+        </p:style>
+      </p:cxnSp>
+      <p:cxnSp>
+        <p:nvCxnSpPr>
+          <p:cNvPr id="38" name="Straight Arrow Connector 37">
+            <a:extLst>
+              <a:ext uri="{FF2B5EF4-FFF2-40B4-BE49-F238E27FC236}">
+                <a16:creationId xmlns:a16="http://schemas.microsoft.com/office/drawing/2014/main" id="{048AE113-B6E4-2F7F-4530-A7BEE13946EE}"/>
+              </a:ext>
+            </a:extLst>
+          </p:cNvPr>
+          <p:cNvCxnSpPr>
+            <a:stCxn id="2" idx="6"/>
+            <a:endCxn id="3" idx="2"/>
+          </p:cNvCxnSpPr>
+          <p:nvPr/>
+        </p:nvCxnSpPr>
+        <p:spPr>
+          <a:xfrm>
+            <a:off x="1638412" y="3163529"/>
+            <a:ext cx="555522" cy="0"/>
+          </a:xfrm>
+          <a:prstGeom prst="straightConnector1">
+            <a:avLst/>
+          </a:prstGeom>
+          <a:ln w="38100">
+            <a:solidFill>
+              <a:schemeClr val="accent6"/>
+            </a:solidFill>
+            <a:tailEnd type="triangle"/>
+          </a:ln>
+        </p:spPr>
+        <p:style>
+          <a:lnRef idx="1">
+            <a:schemeClr val="accent1"/>
+          </a:lnRef>
+          <a:fillRef idx="0">
+            <a:schemeClr val="accent1"/>
+          </a:fillRef>
+          <a:effectRef idx="0">
+            <a:schemeClr val="accent1"/>
+          </a:effectRef>
+          <a:fontRef idx="minor">
+            <a:schemeClr val="tx1"/>
+          </a:fontRef>
+        </p:style>
+      </p:cxnSp>
+      <p:cxnSp>
+        <p:nvCxnSpPr>
+          <p:cNvPr id="39" name="Straight Arrow Connector 38">
+            <a:extLst>
+              <a:ext uri="{FF2B5EF4-FFF2-40B4-BE49-F238E27FC236}">
+                <a16:creationId xmlns:a16="http://schemas.microsoft.com/office/drawing/2014/main" id="{24E37DB0-FFB5-71EC-0823-84D88A449C88}"/>
+              </a:ext>
+            </a:extLst>
+          </p:cNvPr>
+          <p:cNvCxnSpPr>
+            <a:cxnSpLocks/>
+            <a:stCxn id="3" idx="6"/>
+            <a:endCxn id="4" idx="2"/>
+          </p:cNvCxnSpPr>
+          <p:nvPr/>
+        </p:nvCxnSpPr>
+        <p:spPr>
+          <a:xfrm>
+            <a:off x="2724876" y="3163529"/>
+            <a:ext cx="555522" cy="0"/>
+          </a:xfrm>
+          <a:prstGeom prst="straightConnector1">
+            <a:avLst/>
+          </a:prstGeom>
+          <a:ln w="38100">
+            <a:solidFill>
+              <a:schemeClr val="accent6"/>
+            </a:solidFill>
+            <a:tailEnd type="triangle"/>
+          </a:ln>
+        </p:spPr>
+        <p:style>
+          <a:lnRef idx="1">
+            <a:schemeClr val="accent1"/>
+          </a:lnRef>
+          <a:fillRef idx="0">
+            <a:schemeClr val="accent1"/>
+          </a:fillRef>
+          <a:effectRef idx="0">
+            <a:schemeClr val="accent1"/>
+          </a:effectRef>
+          <a:fontRef idx="minor">
+            <a:schemeClr val="tx1"/>
+          </a:fontRef>
+        </p:style>
+      </p:cxnSp>
+      <p:cxnSp>
+        <p:nvCxnSpPr>
+          <p:cNvPr id="42" name="Straight Arrow Connector 41">
+            <a:extLst>
+              <a:ext uri="{FF2B5EF4-FFF2-40B4-BE49-F238E27FC236}">
+                <a16:creationId xmlns:a16="http://schemas.microsoft.com/office/drawing/2014/main" id="{BCB27978-745C-215C-FD4E-A1E7E238B6DD}"/>
+              </a:ext>
+            </a:extLst>
+          </p:cNvPr>
+          <p:cNvCxnSpPr>
+            <a:cxnSpLocks/>
+            <a:stCxn id="4" idx="6"/>
+            <a:endCxn id="8" idx="2"/>
+          </p:cNvCxnSpPr>
+          <p:nvPr/>
+        </p:nvCxnSpPr>
+        <p:spPr>
+          <a:xfrm>
+            <a:off x="3811340" y="3163529"/>
+            <a:ext cx="555522" cy="0"/>
+          </a:xfrm>
+          <a:prstGeom prst="straightConnector1">
+            <a:avLst/>
+          </a:prstGeom>
+          <a:ln w="38100">
+            <a:solidFill>
+              <a:schemeClr val="accent6"/>
+            </a:solidFill>
+            <a:tailEnd type="triangle"/>
+          </a:ln>
+        </p:spPr>
+        <p:style>
+          <a:lnRef idx="1">
+            <a:schemeClr val="accent1"/>
+          </a:lnRef>
+          <a:fillRef idx="0">
+            <a:schemeClr val="accent1"/>
+          </a:fillRef>
+          <a:effectRef idx="0">
+            <a:schemeClr val="accent1"/>
+          </a:effectRef>
+          <a:fontRef idx="minor">
+            <a:schemeClr val="tx1"/>
+          </a:fontRef>
+        </p:style>
+      </p:cxnSp>
+      <p:cxnSp>
+        <p:nvCxnSpPr>
+          <p:cNvPr id="45" name="Straight Arrow Connector 44">
+            <a:extLst>
+              <a:ext uri="{FF2B5EF4-FFF2-40B4-BE49-F238E27FC236}">
+                <a16:creationId xmlns:a16="http://schemas.microsoft.com/office/drawing/2014/main" id="{5FC579C0-9FE0-A778-5634-039BC4C0F126}"/>
+              </a:ext>
+            </a:extLst>
+          </p:cNvPr>
+          <p:cNvCxnSpPr>
+            <a:cxnSpLocks/>
+            <a:stCxn id="8" idx="6"/>
+            <a:endCxn id="10" idx="2"/>
+          </p:cNvCxnSpPr>
+          <p:nvPr/>
+        </p:nvCxnSpPr>
+        <p:spPr>
+          <a:xfrm>
+            <a:off x="4897804" y="3163529"/>
+            <a:ext cx="555522" cy="0"/>
+          </a:xfrm>
+          <a:prstGeom prst="straightConnector1">
+            <a:avLst/>
+          </a:prstGeom>
+          <a:ln w="38100">
+            <a:solidFill>
+              <a:schemeClr val="accent6"/>
+            </a:solidFill>
+            <a:tailEnd type="triangle"/>
+          </a:ln>
+        </p:spPr>
+        <p:style>
+          <a:lnRef idx="1">
+            <a:schemeClr val="accent1"/>
+          </a:lnRef>
+          <a:fillRef idx="0">
+            <a:schemeClr val="accent1"/>
+          </a:fillRef>
+          <a:effectRef idx="0">
+            <a:schemeClr val="accent1"/>
+          </a:effectRef>
+          <a:fontRef idx="minor">
+            <a:schemeClr val="tx1"/>
+          </a:fontRef>
+        </p:style>
+      </p:cxnSp>
+      <p:cxnSp>
+        <p:nvCxnSpPr>
+          <p:cNvPr id="48" name="Straight Arrow Connector 47">
+            <a:extLst>
+              <a:ext uri="{FF2B5EF4-FFF2-40B4-BE49-F238E27FC236}">
+                <a16:creationId xmlns:a16="http://schemas.microsoft.com/office/drawing/2014/main" id="{BE293372-C74D-3340-8B11-4D953197633C}"/>
+              </a:ext>
+            </a:extLst>
+          </p:cNvPr>
+          <p:cNvCxnSpPr>
+            <a:cxnSpLocks/>
+            <a:stCxn id="10" idx="6"/>
+            <a:endCxn id="12" idx="2"/>
+          </p:cNvCxnSpPr>
+          <p:nvPr/>
+        </p:nvCxnSpPr>
+        <p:spPr>
+          <a:xfrm>
+            <a:off x="5984268" y="3163529"/>
+            <a:ext cx="556238" cy="0"/>
+          </a:xfrm>
+          <a:prstGeom prst="straightConnector1">
+            <a:avLst/>
+          </a:prstGeom>
+          <a:ln w="38100">
+            <a:solidFill>
+              <a:schemeClr val="accent6"/>
+            </a:solidFill>
+            <a:tailEnd type="triangle"/>
+          </a:ln>
+        </p:spPr>
+        <p:style>
+          <a:lnRef idx="1">
+            <a:schemeClr val="accent1"/>
+          </a:lnRef>
+          <a:fillRef idx="0">
+            <a:schemeClr val="accent1"/>
+          </a:fillRef>
+          <a:effectRef idx="0">
+            <a:schemeClr val="accent1"/>
+          </a:effectRef>
+          <a:fontRef idx="minor">
+            <a:schemeClr val="tx1"/>
+          </a:fontRef>
+        </p:style>
+      </p:cxnSp>
+    </p:spTree>
+    <p:extLst>
+      <p:ext uri="{BB962C8B-B14F-4D97-AF65-F5344CB8AC3E}">
+        <p14:creationId xmlns:p14="http://schemas.microsoft.com/office/powerpoint/2010/main" val="917611578"/>
       </p:ext>
     </p:extLst>
   </p:cSld>

--- a/images/graphics.pptx
+++ b/images/graphics.pptx
@@ -46,6 +46,7 @@
     <p:sldId id="298" r:id="rId40"/>
     <p:sldId id="296" r:id="rId41"/>
     <p:sldId id="297" r:id="rId42"/>
+    <p:sldId id="299" r:id="rId43"/>
   </p:sldIdLst>
   <p:sldSz cx="12192000" cy="6858000"/>
   <p:notesSz cx="6858000" cy="9144000"/>
@@ -3379,7 +3380,7 @@
           <a:p>
             <a:fld id="{E9175749-BE88-2442-8D84-DEA4B15C26FA}" type="datetimeFigureOut">
               <a:rPr lang="en-US" smtClean="0"/>
-              <a:t>11/8/24</a:t>
+              <a:t>11/17/24</a:t>
             </a:fld>
             <a:endParaRPr lang="en-US"/>
           </a:p>
@@ -3579,7 +3580,7 @@
           <a:p>
             <a:fld id="{E9175749-BE88-2442-8D84-DEA4B15C26FA}" type="datetimeFigureOut">
               <a:rPr lang="en-US" smtClean="0"/>
-              <a:t>11/8/24</a:t>
+              <a:t>11/17/24</a:t>
             </a:fld>
             <a:endParaRPr lang="en-US"/>
           </a:p>
@@ -3789,7 +3790,7 @@
           <a:p>
             <a:fld id="{E9175749-BE88-2442-8D84-DEA4B15C26FA}" type="datetimeFigureOut">
               <a:rPr lang="en-US" smtClean="0"/>
-              <a:t>11/8/24</a:t>
+              <a:t>11/17/24</a:t>
             </a:fld>
             <a:endParaRPr lang="en-US"/>
           </a:p>
@@ -3989,7 +3990,7 @@
           <a:p>
             <a:fld id="{E9175749-BE88-2442-8D84-DEA4B15C26FA}" type="datetimeFigureOut">
               <a:rPr lang="en-US" smtClean="0"/>
-              <a:t>11/8/24</a:t>
+              <a:t>11/17/24</a:t>
             </a:fld>
             <a:endParaRPr lang="en-US"/>
           </a:p>
@@ -4265,7 +4266,7 @@
           <a:p>
             <a:fld id="{E9175749-BE88-2442-8D84-DEA4B15C26FA}" type="datetimeFigureOut">
               <a:rPr lang="en-US" smtClean="0"/>
-              <a:t>11/8/24</a:t>
+              <a:t>11/17/24</a:t>
             </a:fld>
             <a:endParaRPr lang="en-US"/>
           </a:p>
@@ -4533,7 +4534,7 @@
           <a:p>
             <a:fld id="{E9175749-BE88-2442-8D84-DEA4B15C26FA}" type="datetimeFigureOut">
               <a:rPr lang="en-US" smtClean="0"/>
-              <a:t>11/8/24</a:t>
+              <a:t>11/17/24</a:t>
             </a:fld>
             <a:endParaRPr lang="en-US"/>
           </a:p>
@@ -4948,7 +4949,7 @@
           <a:p>
             <a:fld id="{E9175749-BE88-2442-8D84-DEA4B15C26FA}" type="datetimeFigureOut">
               <a:rPr lang="en-US" smtClean="0"/>
-              <a:t>11/8/24</a:t>
+              <a:t>11/17/24</a:t>
             </a:fld>
             <a:endParaRPr lang="en-US"/>
           </a:p>
@@ -5090,7 +5091,7 @@
           <a:p>
             <a:fld id="{E9175749-BE88-2442-8D84-DEA4B15C26FA}" type="datetimeFigureOut">
               <a:rPr lang="en-US" smtClean="0"/>
-              <a:t>11/8/24</a:t>
+              <a:t>11/17/24</a:t>
             </a:fld>
             <a:endParaRPr lang="en-US"/>
           </a:p>
@@ -5203,7 +5204,7 @@
           <a:p>
             <a:fld id="{E9175749-BE88-2442-8D84-DEA4B15C26FA}" type="datetimeFigureOut">
               <a:rPr lang="en-US" smtClean="0"/>
-              <a:t>11/8/24</a:t>
+              <a:t>11/17/24</a:t>
             </a:fld>
             <a:endParaRPr lang="en-US"/>
           </a:p>
@@ -5516,7 +5517,7 @@
           <a:p>
             <a:fld id="{E9175749-BE88-2442-8D84-DEA4B15C26FA}" type="datetimeFigureOut">
               <a:rPr lang="en-US" smtClean="0"/>
-              <a:t>11/8/24</a:t>
+              <a:t>11/17/24</a:t>
             </a:fld>
             <a:endParaRPr lang="en-US"/>
           </a:p>
@@ -5805,7 +5806,7 @@
           <a:p>
             <a:fld id="{E9175749-BE88-2442-8D84-DEA4B15C26FA}" type="datetimeFigureOut">
               <a:rPr lang="en-US" smtClean="0"/>
-              <a:t>11/8/24</a:t>
+              <a:t>11/17/24</a:t>
             </a:fld>
             <a:endParaRPr lang="en-US"/>
           </a:p>
@@ -6048,7 +6049,7 @@
           <a:p>
             <a:fld id="{E9175749-BE88-2442-8D84-DEA4B15C26FA}" type="datetimeFigureOut">
               <a:rPr lang="en-US" smtClean="0"/>
-              <a:t>11/8/24</a:t>
+              <a:t>11/17/24</a:t>
             </a:fld>
             <a:endParaRPr lang="en-US"/>
           </a:p>
@@ -36066,6 +36067,574 @@
 </p:sld>
 </file>
 
+<file path=ppt/slides/slide42.xml><?xml version="1.0" encoding="utf-8"?>
+<p:sld xmlns:a="http://schemas.openxmlformats.org/drawingml/2006/main" xmlns:r="http://schemas.openxmlformats.org/officeDocument/2006/relationships" xmlns:p="http://schemas.openxmlformats.org/presentationml/2006/main">
+  <p:cSld>
+    <p:spTree>
+      <p:nvGrpSpPr>
+        <p:cNvPr id="1" name=""/>
+        <p:cNvGrpSpPr/>
+        <p:nvPr/>
+      </p:nvGrpSpPr>
+      <p:grpSpPr>
+        <a:xfrm>
+          <a:off x="0" y="0"/>
+          <a:ext cx="0" cy="0"/>
+          <a:chOff x="0" y="0"/>
+          <a:chExt cx="0" cy="0"/>
+        </a:xfrm>
+      </p:grpSpPr>
+      <p:sp>
+        <p:nvSpPr>
+          <p:cNvPr id="2" name="Rounded Rectangle 1">
+            <a:extLst>
+              <a:ext uri="{FF2B5EF4-FFF2-40B4-BE49-F238E27FC236}">
+                <a16:creationId xmlns:a16="http://schemas.microsoft.com/office/drawing/2014/main" id="{55B4E83A-2F43-70ED-0B47-4FA71879D21A}"/>
+              </a:ext>
+            </a:extLst>
+          </p:cNvPr>
+          <p:cNvSpPr/>
+          <p:nvPr/>
+        </p:nvSpPr>
+        <p:spPr>
+          <a:xfrm>
+            <a:off x="1496291" y="800100"/>
+            <a:ext cx="2732809" cy="2732809"/>
+          </a:xfrm>
+          <a:prstGeom prst="roundRect">
+            <a:avLst/>
+          </a:prstGeom>
+        </p:spPr>
+        <p:style>
+          <a:lnRef idx="2">
+            <a:schemeClr val="accent1"/>
+          </a:lnRef>
+          <a:fillRef idx="1">
+            <a:schemeClr val="lt1"/>
+          </a:fillRef>
+          <a:effectRef idx="0">
+            <a:schemeClr val="accent1"/>
+          </a:effectRef>
+          <a:fontRef idx="minor">
+            <a:schemeClr val="dk1"/>
+          </a:fontRef>
+        </p:style>
+        <p:txBody>
+          <a:bodyPr rtlCol="0" anchor="t" anchorCtr="0"/>
+          <a:lstStyle/>
+          <a:p>
+            <a:pPr algn="ctr"/>
+            <a:r>
+              <a:rPr lang="en-US"/>
+              <a:t>Client</a:t>
+            </a:r>
+          </a:p>
+        </p:txBody>
+      </p:sp>
+      <p:sp>
+        <p:nvSpPr>
+          <p:cNvPr id="3" name="Rounded Rectangle 2">
+            <a:extLst>
+              <a:ext uri="{FF2B5EF4-FFF2-40B4-BE49-F238E27FC236}">
+                <a16:creationId xmlns:a16="http://schemas.microsoft.com/office/drawing/2014/main" id="{53AF5E62-62D2-E343-FA66-5F2E3A93C4BF}"/>
+              </a:ext>
+            </a:extLst>
+          </p:cNvPr>
+          <p:cNvSpPr/>
+          <p:nvPr/>
+        </p:nvSpPr>
+        <p:spPr>
+          <a:xfrm>
+            <a:off x="7623463" y="800099"/>
+            <a:ext cx="2732809" cy="2732809"/>
+          </a:xfrm>
+          <a:prstGeom prst="roundRect">
+            <a:avLst/>
+          </a:prstGeom>
+        </p:spPr>
+        <p:style>
+          <a:lnRef idx="2">
+            <a:schemeClr val="accent1"/>
+          </a:lnRef>
+          <a:fillRef idx="1">
+            <a:schemeClr val="lt1"/>
+          </a:fillRef>
+          <a:effectRef idx="0">
+            <a:schemeClr val="accent1"/>
+          </a:effectRef>
+          <a:fontRef idx="minor">
+            <a:schemeClr val="dk1"/>
+          </a:fontRef>
+        </p:style>
+        <p:txBody>
+          <a:bodyPr rtlCol="0" anchor="t" anchorCtr="0"/>
+          <a:lstStyle/>
+          <a:p>
+            <a:pPr algn="ctr"/>
+            <a:r>
+              <a:rPr lang="en-US"/>
+              <a:t>Server</a:t>
+            </a:r>
+          </a:p>
+        </p:txBody>
+      </p:sp>
+      <p:sp>
+        <p:nvSpPr>
+          <p:cNvPr id="4" name="Rounded Rectangle 3">
+            <a:extLst>
+              <a:ext uri="{FF2B5EF4-FFF2-40B4-BE49-F238E27FC236}">
+                <a16:creationId xmlns:a16="http://schemas.microsoft.com/office/drawing/2014/main" id="{31A7D569-AD2B-539F-E4A1-4ED04544C504}"/>
+              </a:ext>
+            </a:extLst>
+          </p:cNvPr>
+          <p:cNvSpPr/>
+          <p:nvPr/>
+        </p:nvSpPr>
+        <p:spPr>
+          <a:xfrm>
+            <a:off x="2234045" y="2701636"/>
+            <a:ext cx="1257300" cy="353291"/>
+          </a:xfrm>
+          <a:prstGeom prst="roundRect">
+            <a:avLst/>
+          </a:prstGeom>
+        </p:spPr>
+        <p:style>
+          <a:lnRef idx="2">
+            <a:schemeClr val="accent6">
+              <a:shade val="15000"/>
+            </a:schemeClr>
+          </a:lnRef>
+          <a:fillRef idx="1">
+            <a:schemeClr val="accent6"/>
+          </a:fillRef>
+          <a:effectRef idx="0">
+            <a:schemeClr val="accent6"/>
+          </a:effectRef>
+          <a:fontRef idx="minor">
+            <a:schemeClr val="lt1"/>
+          </a:fontRef>
+        </p:style>
+        <p:txBody>
+          <a:bodyPr rtlCol="0" anchor="ctr"/>
+          <a:lstStyle/>
+          <a:p>
+            <a:pPr algn="ctr"/>
+            <a:r>
+              <a:rPr lang="en-US"/>
+              <a:t>Port: 3307</a:t>
+            </a:r>
+          </a:p>
+        </p:txBody>
+      </p:sp>
+      <p:sp>
+        <p:nvSpPr>
+          <p:cNvPr id="5" name="Rounded Rectangle 4">
+            <a:extLst>
+              <a:ext uri="{FF2B5EF4-FFF2-40B4-BE49-F238E27FC236}">
+                <a16:creationId xmlns:a16="http://schemas.microsoft.com/office/drawing/2014/main" id="{0809F8FD-CEE1-7E49-5224-0E65DF16BB38}"/>
+              </a:ext>
+            </a:extLst>
+          </p:cNvPr>
+          <p:cNvSpPr/>
+          <p:nvPr/>
+        </p:nvSpPr>
+        <p:spPr>
+          <a:xfrm>
+            <a:off x="8361217" y="2701635"/>
+            <a:ext cx="1257300" cy="353291"/>
+          </a:xfrm>
+          <a:prstGeom prst="roundRect">
+            <a:avLst/>
+          </a:prstGeom>
+        </p:spPr>
+        <p:style>
+          <a:lnRef idx="2">
+            <a:schemeClr val="accent6">
+              <a:shade val="15000"/>
+            </a:schemeClr>
+          </a:lnRef>
+          <a:fillRef idx="1">
+            <a:schemeClr val="accent6"/>
+          </a:fillRef>
+          <a:effectRef idx="0">
+            <a:schemeClr val="accent6"/>
+          </a:effectRef>
+          <a:fontRef idx="minor">
+            <a:schemeClr val="lt1"/>
+          </a:fontRef>
+        </p:style>
+        <p:txBody>
+          <a:bodyPr rtlCol="0" anchor="ctr"/>
+          <a:lstStyle/>
+          <a:p>
+            <a:pPr algn="ctr"/>
+            <a:r>
+              <a:rPr lang="en-US"/>
+              <a:t>Port: 3306</a:t>
+            </a:r>
+          </a:p>
+        </p:txBody>
+      </p:sp>
+      <p:sp>
+        <p:nvSpPr>
+          <p:cNvPr id="6" name="Rounded Rectangle 5">
+            <a:extLst>
+              <a:ext uri="{FF2B5EF4-FFF2-40B4-BE49-F238E27FC236}">
+                <a16:creationId xmlns:a16="http://schemas.microsoft.com/office/drawing/2014/main" id="{E41CEF1C-40F8-0876-6CEB-AD21B8362C72}"/>
+              </a:ext>
+            </a:extLst>
+          </p:cNvPr>
+          <p:cNvSpPr/>
+          <p:nvPr/>
+        </p:nvSpPr>
+        <p:spPr>
+          <a:xfrm>
+            <a:off x="2234045" y="1574223"/>
+            <a:ext cx="1257300" cy="353291"/>
+          </a:xfrm>
+          <a:prstGeom prst="roundRect">
+            <a:avLst/>
+          </a:prstGeom>
+        </p:spPr>
+        <p:style>
+          <a:lnRef idx="2">
+            <a:schemeClr val="accent1">
+              <a:shade val="15000"/>
+            </a:schemeClr>
+          </a:lnRef>
+          <a:fillRef idx="1">
+            <a:schemeClr val="accent1"/>
+          </a:fillRef>
+          <a:effectRef idx="0">
+            <a:schemeClr val="accent1"/>
+          </a:effectRef>
+          <a:fontRef idx="minor">
+            <a:schemeClr val="lt1"/>
+          </a:fontRef>
+        </p:style>
+        <p:txBody>
+          <a:bodyPr rtlCol="0" anchor="ctr"/>
+          <a:lstStyle/>
+          <a:p>
+            <a:pPr algn="ctr"/>
+            <a:r>
+              <a:rPr lang="en-US"/>
+              <a:t>Port: 22</a:t>
+            </a:r>
+          </a:p>
+        </p:txBody>
+      </p:sp>
+      <p:sp>
+        <p:nvSpPr>
+          <p:cNvPr id="7" name="Rounded Rectangle 6">
+            <a:extLst>
+              <a:ext uri="{FF2B5EF4-FFF2-40B4-BE49-F238E27FC236}">
+                <a16:creationId xmlns:a16="http://schemas.microsoft.com/office/drawing/2014/main" id="{538A1861-80FE-DF2F-E025-A28A7949123B}"/>
+              </a:ext>
+            </a:extLst>
+          </p:cNvPr>
+          <p:cNvSpPr/>
+          <p:nvPr/>
+        </p:nvSpPr>
+        <p:spPr>
+          <a:xfrm>
+            <a:off x="8361217" y="1574222"/>
+            <a:ext cx="1257300" cy="353291"/>
+          </a:xfrm>
+          <a:prstGeom prst="roundRect">
+            <a:avLst/>
+          </a:prstGeom>
+        </p:spPr>
+        <p:style>
+          <a:lnRef idx="2">
+            <a:schemeClr val="accent1">
+              <a:shade val="15000"/>
+            </a:schemeClr>
+          </a:lnRef>
+          <a:fillRef idx="1">
+            <a:schemeClr val="accent1"/>
+          </a:fillRef>
+          <a:effectRef idx="0">
+            <a:schemeClr val="accent1"/>
+          </a:effectRef>
+          <a:fontRef idx="minor">
+            <a:schemeClr val="lt1"/>
+          </a:fontRef>
+        </p:style>
+        <p:txBody>
+          <a:bodyPr rtlCol="0" anchor="ctr"/>
+          <a:lstStyle/>
+          <a:p>
+            <a:pPr algn="ctr"/>
+            <a:r>
+              <a:rPr lang="en-US"/>
+              <a:t>Port: 22</a:t>
+            </a:r>
+          </a:p>
+        </p:txBody>
+      </p:sp>
+      <p:cxnSp>
+        <p:nvCxnSpPr>
+          <p:cNvPr id="9" name="Straight Arrow Connector 8">
+            <a:extLst>
+              <a:ext uri="{FF2B5EF4-FFF2-40B4-BE49-F238E27FC236}">
+                <a16:creationId xmlns:a16="http://schemas.microsoft.com/office/drawing/2014/main" id="{E2C15017-0C0A-F30E-F171-9DA7FFE5A6ED}"/>
+              </a:ext>
+            </a:extLst>
+          </p:cNvPr>
+          <p:cNvCxnSpPr>
+            <a:stCxn id="6" idx="3"/>
+            <a:endCxn id="7" idx="1"/>
+          </p:cNvCxnSpPr>
+          <p:nvPr/>
+        </p:nvCxnSpPr>
+        <p:spPr>
+          <a:xfrm flipV="1">
+            <a:off x="3491345" y="1750868"/>
+            <a:ext cx="4869872" cy="1"/>
+          </a:xfrm>
+          <a:prstGeom prst="straightConnector1">
+            <a:avLst/>
+          </a:prstGeom>
+          <a:ln w="28575">
+            <a:headEnd type="triangle"/>
+            <a:tailEnd type="triangle"/>
+          </a:ln>
+        </p:spPr>
+        <p:style>
+          <a:lnRef idx="1">
+            <a:schemeClr val="accent1"/>
+          </a:lnRef>
+          <a:fillRef idx="0">
+            <a:schemeClr val="accent1"/>
+          </a:fillRef>
+          <a:effectRef idx="0">
+            <a:schemeClr val="accent1"/>
+          </a:effectRef>
+          <a:fontRef idx="minor">
+            <a:schemeClr val="tx1"/>
+          </a:fontRef>
+        </p:style>
+      </p:cxnSp>
+      <p:cxnSp>
+        <p:nvCxnSpPr>
+          <p:cNvPr id="11" name="Straight Arrow Connector 10">
+            <a:extLst>
+              <a:ext uri="{FF2B5EF4-FFF2-40B4-BE49-F238E27FC236}">
+                <a16:creationId xmlns:a16="http://schemas.microsoft.com/office/drawing/2014/main" id="{1E3AF3DF-AF92-6245-8EB3-29E638388340}"/>
+              </a:ext>
+            </a:extLst>
+          </p:cNvPr>
+          <p:cNvCxnSpPr>
+            <a:stCxn id="6" idx="2"/>
+            <a:endCxn id="4" idx="0"/>
+          </p:cNvCxnSpPr>
+          <p:nvPr/>
+        </p:nvCxnSpPr>
+        <p:spPr>
+          <a:xfrm>
+            <a:off x="2862695" y="1927514"/>
+            <a:ext cx="0" cy="774122"/>
+          </a:xfrm>
+          <a:prstGeom prst="straightConnector1">
+            <a:avLst/>
+          </a:prstGeom>
+          <a:ln w="28575">
+            <a:solidFill>
+              <a:schemeClr val="accent6"/>
+            </a:solidFill>
+            <a:headEnd type="triangle"/>
+            <a:tailEnd type="triangle"/>
+          </a:ln>
+        </p:spPr>
+        <p:style>
+          <a:lnRef idx="1">
+            <a:schemeClr val="accent1"/>
+          </a:lnRef>
+          <a:fillRef idx="0">
+            <a:schemeClr val="accent1"/>
+          </a:fillRef>
+          <a:effectRef idx="0">
+            <a:schemeClr val="accent1"/>
+          </a:effectRef>
+          <a:fontRef idx="minor">
+            <a:schemeClr val="tx1"/>
+          </a:fontRef>
+        </p:style>
+      </p:cxnSp>
+      <p:cxnSp>
+        <p:nvCxnSpPr>
+          <p:cNvPr id="12" name="Straight Arrow Connector 11">
+            <a:extLst>
+              <a:ext uri="{FF2B5EF4-FFF2-40B4-BE49-F238E27FC236}">
+                <a16:creationId xmlns:a16="http://schemas.microsoft.com/office/drawing/2014/main" id="{DFDEFDB2-BAB6-F2B2-E464-7575DB4FB65D}"/>
+              </a:ext>
+            </a:extLst>
+          </p:cNvPr>
+          <p:cNvCxnSpPr>
+            <a:cxnSpLocks/>
+            <a:stCxn id="7" idx="2"/>
+            <a:endCxn id="5" idx="0"/>
+          </p:cNvCxnSpPr>
+          <p:nvPr/>
+        </p:nvCxnSpPr>
+        <p:spPr>
+          <a:xfrm>
+            <a:off x="8989867" y="1927513"/>
+            <a:ext cx="0" cy="774122"/>
+          </a:xfrm>
+          <a:prstGeom prst="straightConnector1">
+            <a:avLst/>
+          </a:prstGeom>
+          <a:ln w="28575">
+            <a:solidFill>
+              <a:schemeClr val="accent6"/>
+            </a:solidFill>
+            <a:headEnd type="triangle"/>
+            <a:tailEnd type="triangle"/>
+          </a:ln>
+        </p:spPr>
+        <p:style>
+          <a:lnRef idx="1">
+            <a:schemeClr val="accent1"/>
+          </a:lnRef>
+          <a:fillRef idx="0">
+            <a:schemeClr val="accent1"/>
+          </a:fillRef>
+          <a:effectRef idx="0">
+            <a:schemeClr val="accent1"/>
+          </a:effectRef>
+          <a:fontRef idx="minor">
+            <a:schemeClr val="tx1"/>
+          </a:fontRef>
+        </p:style>
+      </p:cxnSp>
+      <p:sp>
+        <p:nvSpPr>
+          <p:cNvPr id="15" name="TextBox 14">
+            <a:extLst>
+              <a:ext uri="{FF2B5EF4-FFF2-40B4-BE49-F238E27FC236}">
+                <a16:creationId xmlns:a16="http://schemas.microsoft.com/office/drawing/2014/main" id="{69826937-9B59-8EFE-6C79-876207155AEF}"/>
+              </a:ext>
+            </a:extLst>
+          </p:cNvPr>
+          <p:cNvSpPr txBox="1"/>
+          <p:nvPr/>
+        </p:nvSpPr>
+        <p:spPr>
+          <a:xfrm>
+            <a:off x="5124449" y="1293213"/>
+            <a:ext cx="1465119" cy="369332"/>
+          </a:xfrm>
+          <a:prstGeom prst="rect">
+            <a:avLst/>
+          </a:prstGeom>
+          <a:noFill/>
+        </p:spPr>
+        <p:txBody>
+          <a:bodyPr wrap="square" rtlCol="0">
+            <a:spAutoFit/>
+          </a:bodyPr>
+          <a:lstStyle/>
+          <a:p>
+            <a:pPr algn="ctr"/>
+            <a:r>
+              <a:rPr lang="en-US"/>
+              <a:t>SSH</a:t>
+            </a:r>
+          </a:p>
+        </p:txBody>
+      </p:sp>
+      <p:sp>
+        <p:nvSpPr>
+          <p:cNvPr id="16" name="TextBox 15">
+            <a:extLst>
+              <a:ext uri="{FF2B5EF4-FFF2-40B4-BE49-F238E27FC236}">
+                <a16:creationId xmlns:a16="http://schemas.microsoft.com/office/drawing/2014/main" id="{B791B977-E3FD-7E09-BD93-84F510E97647}"/>
+              </a:ext>
+            </a:extLst>
+          </p:cNvPr>
+          <p:cNvSpPr txBox="1"/>
+          <p:nvPr/>
+        </p:nvSpPr>
+        <p:spPr>
+          <a:xfrm>
+            <a:off x="3293918" y="1991408"/>
+            <a:ext cx="1870363" cy="646331"/>
+          </a:xfrm>
+          <a:prstGeom prst="rect">
+            <a:avLst/>
+          </a:prstGeom>
+          <a:solidFill>
+            <a:schemeClr val="bg1"/>
+          </a:solidFill>
+        </p:spPr>
+        <p:txBody>
+          <a:bodyPr wrap="square" rtlCol="0">
+            <a:spAutoFit/>
+          </a:bodyPr>
+          <a:lstStyle/>
+          <a:p>
+            <a:pPr algn="ctr"/>
+            <a:r>
+              <a:rPr lang="en-US"/>
+              <a:t>Handled in application code</a:t>
+            </a:r>
+          </a:p>
+        </p:txBody>
+      </p:sp>
+      <p:sp>
+        <p:nvSpPr>
+          <p:cNvPr id="17" name="TextBox 16">
+            <a:extLst>
+              <a:ext uri="{FF2B5EF4-FFF2-40B4-BE49-F238E27FC236}">
+                <a16:creationId xmlns:a16="http://schemas.microsoft.com/office/drawing/2014/main" id="{E9EE0FE0-27E7-38B3-2630-961FEBE23F98}"/>
+              </a:ext>
+            </a:extLst>
+          </p:cNvPr>
+          <p:cNvSpPr txBox="1"/>
+          <p:nvPr/>
+        </p:nvSpPr>
+        <p:spPr>
+          <a:xfrm>
+            <a:off x="6530685" y="2055304"/>
+            <a:ext cx="1870363" cy="646331"/>
+          </a:xfrm>
+          <a:prstGeom prst="rect">
+            <a:avLst/>
+          </a:prstGeom>
+          <a:solidFill>
+            <a:schemeClr val="bg1"/>
+          </a:solidFill>
+        </p:spPr>
+        <p:txBody>
+          <a:bodyPr wrap="square" rtlCol="0">
+            <a:spAutoFit/>
+          </a:bodyPr>
+          <a:lstStyle/>
+          <a:p>
+            <a:pPr algn="ctr"/>
+            <a:r>
+              <a:rPr lang="en-US"/>
+              <a:t>Handled by server config</a:t>
+            </a:r>
+          </a:p>
+        </p:txBody>
+      </p:sp>
+    </p:spTree>
+    <p:extLst>
+      <p:ext uri="{BB962C8B-B14F-4D97-AF65-F5344CB8AC3E}">
+        <p14:creationId xmlns:p14="http://schemas.microsoft.com/office/powerpoint/2010/main" val="3650343038"/>
+      </p:ext>
+    </p:extLst>
+  </p:cSld>
+  <p:clrMapOvr>
+    <a:masterClrMapping/>
+  </p:clrMapOvr>
+</p:sld>
+</file>
+
 <file path=ppt/slides/slide5.xml><?xml version="1.0" encoding="utf-8"?>
 <p:sld xmlns:a="http://schemas.openxmlformats.org/drawingml/2006/main" xmlns:r="http://schemas.openxmlformats.org/officeDocument/2006/relationships" xmlns:p="http://schemas.openxmlformats.org/presentationml/2006/main">
   <p:cSld>

--- a/images/graphics.pptx
+++ b/images/graphics.pptx
@@ -47,6 +47,9 @@
     <p:sldId id="296" r:id="rId41"/>
     <p:sldId id="297" r:id="rId42"/>
     <p:sldId id="299" r:id="rId43"/>
+    <p:sldId id="300" r:id="rId44"/>
+    <p:sldId id="301" r:id="rId45"/>
+    <p:sldId id="302" r:id="rId46"/>
   </p:sldIdLst>
   <p:sldSz cx="12192000" cy="6858000"/>
   <p:notesSz cx="6858000" cy="9144000"/>
@@ -3380,7 +3383,7 @@
           <a:p>
             <a:fld id="{E9175749-BE88-2442-8D84-DEA4B15C26FA}" type="datetimeFigureOut">
               <a:rPr lang="en-US" smtClean="0"/>
-              <a:t>11/17/24</a:t>
+              <a:t>1/8/25</a:t>
             </a:fld>
             <a:endParaRPr lang="en-US"/>
           </a:p>
@@ -3580,7 +3583,7 @@
           <a:p>
             <a:fld id="{E9175749-BE88-2442-8D84-DEA4B15C26FA}" type="datetimeFigureOut">
               <a:rPr lang="en-US" smtClean="0"/>
-              <a:t>11/17/24</a:t>
+              <a:t>1/8/25</a:t>
             </a:fld>
             <a:endParaRPr lang="en-US"/>
           </a:p>
@@ -3790,7 +3793,7 @@
           <a:p>
             <a:fld id="{E9175749-BE88-2442-8D84-DEA4B15C26FA}" type="datetimeFigureOut">
               <a:rPr lang="en-US" smtClean="0"/>
-              <a:t>11/17/24</a:t>
+              <a:t>1/8/25</a:t>
             </a:fld>
             <a:endParaRPr lang="en-US"/>
           </a:p>
@@ -3990,7 +3993,7 @@
           <a:p>
             <a:fld id="{E9175749-BE88-2442-8D84-DEA4B15C26FA}" type="datetimeFigureOut">
               <a:rPr lang="en-US" smtClean="0"/>
-              <a:t>11/17/24</a:t>
+              <a:t>1/8/25</a:t>
             </a:fld>
             <a:endParaRPr lang="en-US"/>
           </a:p>
@@ -4266,7 +4269,7 @@
           <a:p>
             <a:fld id="{E9175749-BE88-2442-8D84-DEA4B15C26FA}" type="datetimeFigureOut">
               <a:rPr lang="en-US" smtClean="0"/>
-              <a:t>11/17/24</a:t>
+              <a:t>1/8/25</a:t>
             </a:fld>
             <a:endParaRPr lang="en-US"/>
           </a:p>
@@ -4534,7 +4537,7 @@
           <a:p>
             <a:fld id="{E9175749-BE88-2442-8D84-DEA4B15C26FA}" type="datetimeFigureOut">
               <a:rPr lang="en-US" smtClean="0"/>
-              <a:t>11/17/24</a:t>
+              <a:t>1/8/25</a:t>
             </a:fld>
             <a:endParaRPr lang="en-US"/>
           </a:p>
@@ -4949,7 +4952,7 @@
           <a:p>
             <a:fld id="{E9175749-BE88-2442-8D84-DEA4B15C26FA}" type="datetimeFigureOut">
               <a:rPr lang="en-US" smtClean="0"/>
-              <a:t>11/17/24</a:t>
+              <a:t>1/8/25</a:t>
             </a:fld>
             <a:endParaRPr lang="en-US"/>
           </a:p>
@@ -5091,7 +5094,7 @@
           <a:p>
             <a:fld id="{E9175749-BE88-2442-8D84-DEA4B15C26FA}" type="datetimeFigureOut">
               <a:rPr lang="en-US" smtClean="0"/>
-              <a:t>11/17/24</a:t>
+              <a:t>1/8/25</a:t>
             </a:fld>
             <a:endParaRPr lang="en-US"/>
           </a:p>
@@ -5204,7 +5207,7 @@
           <a:p>
             <a:fld id="{E9175749-BE88-2442-8D84-DEA4B15C26FA}" type="datetimeFigureOut">
               <a:rPr lang="en-US" smtClean="0"/>
-              <a:t>11/17/24</a:t>
+              <a:t>1/8/25</a:t>
             </a:fld>
             <a:endParaRPr lang="en-US"/>
           </a:p>
@@ -5517,7 +5520,7 @@
           <a:p>
             <a:fld id="{E9175749-BE88-2442-8D84-DEA4B15C26FA}" type="datetimeFigureOut">
               <a:rPr lang="en-US" smtClean="0"/>
-              <a:t>11/17/24</a:t>
+              <a:t>1/8/25</a:t>
             </a:fld>
             <a:endParaRPr lang="en-US"/>
           </a:p>
@@ -5806,7 +5809,7 @@
           <a:p>
             <a:fld id="{E9175749-BE88-2442-8D84-DEA4B15C26FA}" type="datetimeFigureOut">
               <a:rPr lang="en-US" smtClean="0"/>
-              <a:t>11/17/24</a:t>
+              <a:t>1/8/25</a:t>
             </a:fld>
             <a:endParaRPr lang="en-US"/>
           </a:p>
@@ -6049,7 +6052,7 @@
           <a:p>
             <a:fld id="{E9175749-BE88-2442-8D84-DEA4B15C26FA}" type="datetimeFigureOut">
               <a:rPr lang="en-US" smtClean="0"/>
-              <a:t>11/17/24</a:t>
+              <a:t>1/8/25</a:t>
             </a:fld>
             <a:endParaRPr lang="en-US"/>
           </a:p>
@@ -18579,7 +18582,7 @@
           <p:nvPr/>
         </p:nvPicPr>
         <p:blipFill>
-          <a:blip r:embed="rId2">
+          <a:blip>
             <a:clrChange>
               <a:clrFrom>
                 <a:srgbClr val="FFFFFF"/>
@@ -18650,7 +18653,7 @@
           <p:nvPr/>
         </p:nvPicPr>
         <p:blipFill>
-          <a:blip r:embed="rId2"/>
+          <a:blip/>
           <a:stretch>
             <a:fillRect/>
           </a:stretch>
@@ -18680,7 +18683,7 @@
           <p:nvPr/>
         </p:nvPicPr>
         <p:blipFill>
-          <a:blip r:embed="rId3"/>
+          <a:blip/>
           <a:stretch>
             <a:fillRect/>
           </a:stretch>
@@ -18710,7 +18713,7 @@
           <p:nvPr/>
         </p:nvPicPr>
         <p:blipFill>
-          <a:blip r:embed="rId4"/>
+          <a:blip/>
           <a:stretch>
             <a:fillRect/>
           </a:stretch>
@@ -25370,7 +25373,7 @@
           <p:nvPr/>
         </p:nvPicPr>
         <p:blipFill>
-          <a:blip r:embed="rId2"/>
+          <a:blip/>
           <a:stretch>
             <a:fillRect/>
           </a:stretch>
@@ -25400,7 +25403,7 @@
           <p:nvPr/>
         </p:nvPicPr>
         <p:blipFill>
-          <a:blip r:embed="rId3"/>
+          <a:blip/>
           <a:stretch>
             <a:fillRect/>
           </a:stretch>
@@ -25430,7 +25433,7 @@
           <p:nvPr/>
         </p:nvPicPr>
         <p:blipFill>
-          <a:blip r:embed="rId4"/>
+          <a:blip/>
           <a:stretch>
             <a:fillRect/>
           </a:stretch>
@@ -25460,7 +25463,7 @@
           <p:nvPr/>
         </p:nvPicPr>
         <p:blipFill>
-          <a:blip r:embed="rId5"/>
+          <a:blip/>
           <a:stretch>
             <a:fillRect/>
           </a:stretch>
@@ -25490,7 +25493,7 @@
           <p:nvPr/>
         </p:nvPicPr>
         <p:blipFill>
-          <a:blip r:embed="rId6"/>
+          <a:blip/>
           <a:stretch>
             <a:fillRect/>
           </a:stretch>
@@ -25520,7 +25523,7 @@
           <p:nvPr/>
         </p:nvPicPr>
         <p:blipFill>
-          <a:blip r:embed="rId7"/>
+          <a:blip/>
           <a:stretch>
             <a:fillRect/>
           </a:stretch>
@@ -25550,7 +25553,7 @@
           <p:nvPr/>
         </p:nvPicPr>
         <p:blipFill>
-          <a:blip r:embed="rId7"/>
+          <a:blip/>
           <a:stretch>
             <a:fillRect/>
           </a:stretch>
@@ -25580,7 +25583,7 @@
           <p:nvPr/>
         </p:nvPicPr>
         <p:blipFill>
-          <a:blip r:embed="rId7"/>
+          <a:blip/>
           <a:stretch>
             <a:fillRect/>
           </a:stretch>
@@ -25610,7 +25613,7 @@
           <p:nvPr/>
         </p:nvPicPr>
         <p:blipFill>
-          <a:blip r:embed="rId7"/>
+          <a:blip/>
           <a:stretch>
             <a:fillRect/>
           </a:stretch>
@@ -25640,7 +25643,7 @@
           <p:nvPr/>
         </p:nvPicPr>
         <p:blipFill>
-          <a:blip r:embed="rId7"/>
+          <a:blip/>
           <a:stretch>
             <a:fillRect/>
           </a:stretch>
@@ -27249,7 +27252,7 @@
           <p:nvPr/>
         </p:nvPicPr>
         <p:blipFill>
-          <a:blip r:embed="rId2">
+          <a:blip>
             <a:duotone>
               <a:schemeClr val="accent2">
                 <a:shade val="45000"/>
@@ -28131,7 +28134,7 @@
           <p:nvPr/>
         </p:nvPicPr>
         <p:blipFill>
-          <a:blip r:embed="rId2"/>
+          <a:blip/>
           <a:stretch>
             <a:fillRect/>
           </a:stretch>
@@ -33505,7 +33508,7 @@
           <p:nvPr/>
         </p:nvPicPr>
         <p:blipFill>
-          <a:blip r:embed="rId2"/>
+          <a:blip/>
           <a:stretch>
             <a:fillRect/>
           </a:stretch>
@@ -36635,6 +36638,724 @@
 </p:sld>
 </file>
 
+<file path=ppt/slides/slide43.xml><?xml version="1.0" encoding="utf-8"?>
+<p:sld xmlns:a="http://schemas.openxmlformats.org/drawingml/2006/main" xmlns:r="http://schemas.openxmlformats.org/officeDocument/2006/relationships" xmlns:p="http://schemas.openxmlformats.org/presentationml/2006/main">
+  <p:cSld>
+    <p:spTree>
+      <p:nvGrpSpPr>
+        <p:cNvPr id="1" name=""/>
+        <p:cNvGrpSpPr/>
+        <p:nvPr/>
+      </p:nvGrpSpPr>
+      <p:grpSpPr>
+        <a:xfrm>
+          <a:off x="0" y="0"/>
+          <a:ext cx="0" cy="0"/>
+          <a:chOff x="0" y="0"/>
+          <a:chExt cx="0" cy="0"/>
+        </a:xfrm>
+      </p:grpSpPr>
+      <p:pic>
+        <p:nvPicPr>
+          <p:cNvPr id="3" name="Picture 2" descr="A screenshot of a phone&#10;&#10;AI-generated content may be incorrect.">
+            <a:extLst>
+              <a:ext uri="{FF2B5EF4-FFF2-40B4-BE49-F238E27FC236}">
+                <a16:creationId xmlns:a16="http://schemas.microsoft.com/office/drawing/2014/main" id="{AB8E5215-3080-BD12-FB30-1EAD7DEE384C}"/>
+              </a:ext>
+            </a:extLst>
+          </p:cNvPr>
+          <p:cNvPicPr>
+            <a:picLocks noChangeAspect="1"/>
+          </p:cNvPicPr>
+          <p:nvPr/>
+        </p:nvPicPr>
+        <p:blipFill>
+          <a:blip r:embed="rId2"/>
+          <a:stretch>
+            <a:fillRect/>
+          </a:stretch>
+        </p:blipFill>
+        <p:spPr>
+          <a:xfrm>
+            <a:off x="3848100" y="2049516"/>
+            <a:ext cx="3250645" cy="4471933"/>
+          </a:xfrm>
+          <a:prstGeom prst="rect">
+            <a:avLst/>
+          </a:prstGeom>
+        </p:spPr>
+      </p:pic>
+      <p:cxnSp>
+        <p:nvCxnSpPr>
+          <p:cNvPr id="6" name="Straight Connector 5">
+            <a:extLst>
+              <a:ext uri="{FF2B5EF4-FFF2-40B4-BE49-F238E27FC236}">
+                <a16:creationId xmlns:a16="http://schemas.microsoft.com/office/drawing/2014/main" id="{162980FB-45C1-88E8-1B13-5B174F5C21B7}"/>
+              </a:ext>
+            </a:extLst>
+          </p:cNvPr>
+          <p:cNvCxnSpPr>
+            <a:cxnSpLocks/>
+          </p:cNvCxnSpPr>
+          <p:nvPr/>
+        </p:nvCxnSpPr>
+        <p:spPr>
+          <a:xfrm>
+            <a:off x="2753710" y="2596056"/>
+            <a:ext cx="1208690" cy="725214"/>
+          </a:xfrm>
+          <a:prstGeom prst="line">
+            <a:avLst/>
+          </a:prstGeom>
+          <a:ln w="12700"/>
+        </p:spPr>
+        <p:style>
+          <a:lnRef idx="1">
+            <a:schemeClr val="accent1"/>
+          </a:lnRef>
+          <a:fillRef idx="0">
+            <a:schemeClr val="accent1"/>
+          </a:fillRef>
+          <a:effectRef idx="0">
+            <a:schemeClr val="accent1"/>
+          </a:effectRef>
+          <a:fontRef idx="minor">
+            <a:schemeClr val="tx1"/>
+          </a:fontRef>
+        </p:style>
+      </p:cxnSp>
+      <p:sp>
+        <p:nvSpPr>
+          <p:cNvPr id="4" name="Oval 3">
+            <a:extLst>
+              <a:ext uri="{FF2B5EF4-FFF2-40B4-BE49-F238E27FC236}">
+                <a16:creationId xmlns:a16="http://schemas.microsoft.com/office/drawing/2014/main" id="{3092D7DA-271D-0560-889E-8353B75806AD}"/>
+              </a:ext>
+            </a:extLst>
+          </p:cNvPr>
+          <p:cNvSpPr/>
+          <p:nvPr/>
+        </p:nvSpPr>
+        <p:spPr>
+          <a:xfrm>
+            <a:off x="2508993" y="2350186"/>
+            <a:ext cx="507436" cy="507436"/>
+          </a:xfrm>
+          <a:prstGeom prst="ellipse">
+            <a:avLst/>
+          </a:prstGeom>
+        </p:spPr>
+        <p:style>
+          <a:lnRef idx="2">
+            <a:schemeClr val="accent1"/>
+          </a:lnRef>
+          <a:fillRef idx="1">
+            <a:schemeClr val="lt1"/>
+          </a:fillRef>
+          <a:effectRef idx="0">
+            <a:schemeClr val="accent1"/>
+          </a:effectRef>
+          <a:fontRef idx="minor">
+            <a:schemeClr val="dk1"/>
+          </a:fontRef>
+        </p:style>
+        <p:txBody>
+          <a:bodyPr rtlCol="0" anchor="ctr"/>
+          <a:lstStyle/>
+          <a:p>
+            <a:pPr algn="ctr"/>
+            <a:r>
+              <a:rPr lang="en-US">
+                <a:latin typeface="Arial" panose="020B0604020202020204" pitchFamily="34" charset="0"/>
+                <a:cs typeface="Arial" panose="020B0604020202020204" pitchFamily="34" charset="0"/>
+              </a:rPr>
+              <a:t>1</a:t>
+            </a:r>
+          </a:p>
+        </p:txBody>
+      </p:sp>
+      <p:cxnSp>
+        <p:nvCxnSpPr>
+          <p:cNvPr id="8" name="Straight Connector 7">
+            <a:extLst>
+              <a:ext uri="{FF2B5EF4-FFF2-40B4-BE49-F238E27FC236}">
+                <a16:creationId xmlns:a16="http://schemas.microsoft.com/office/drawing/2014/main" id="{B6377DA6-B414-799B-6A28-D598A614C408}"/>
+              </a:ext>
+            </a:extLst>
+          </p:cNvPr>
+          <p:cNvCxnSpPr>
+            <a:cxnSpLocks/>
+          </p:cNvCxnSpPr>
+          <p:nvPr/>
+        </p:nvCxnSpPr>
+        <p:spPr>
+          <a:xfrm flipH="1">
+            <a:off x="6726620" y="3167434"/>
+            <a:ext cx="859893" cy="635874"/>
+          </a:xfrm>
+          <a:prstGeom prst="line">
+            <a:avLst/>
+          </a:prstGeom>
+          <a:ln w="12700"/>
+        </p:spPr>
+        <p:style>
+          <a:lnRef idx="1">
+            <a:schemeClr val="accent1"/>
+          </a:lnRef>
+          <a:fillRef idx="0">
+            <a:schemeClr val="accent1"/>
+          </a:fillRef>
+          <a:effectRef idx="0">
+            <a:schemeClr val="accent1"/>
+          </a:effectRef>
+          <a:fontRef idx="minor">
+            <a:schemeClr val="tx1"/>
+          </a:fontRef>
+        </p:style>
+      </p:cxnSp>
+      <p:sp>
+        <p:nvSpPr>
+          <p:cNvPr id="9" name="Oval 8">
+            <a:extLst>
+              <a:ext uri="{FF2B5EF4-FFF2-40B4-BE49-F238E27FC236}">
+                <a16:creationId xmlns:a16="http://schemas.microsoft.com/office/drawing/2014/main" id="{871CC629-CDDC-42DC-9199-7AB755344E83}"/>
+              </a:ext>
+            </a:extLst>
+          </p:cNvPr>
+          <p:cNvSpPr/>
+          <p:nvPr/>
+        </p:nvSpPr>
+        <p:spPr>
+          <a:xfrm>
+            <a:off x="7341796" y="2921564"/>
+            <a:ext cx="507436" cy="507436"/>
+          </a:xfrm>
+          <a:prstGeom prst="ellipse">
+            <a:avLst/>
+          </a:prstGeom>
+        </p:spPr>
+        <p:style>
+          <a:lnRef idx="2">
+            <a:schemeClr val="accent1"/>
+          </a:lnRef>
+          <a:fillRef idx="1">
+            <a:schemeClr val="lt1"/>
+          </a:fillRef>
+          <a:effectRef idx="0">
+            <a:schemeClr val="accent1"/>
+          </a:effectRef>
+          <a:fontRef idx="minor">
+            <a:schemeClr val="dk1"/>
+          </a:fontRef>
+        </p:style>
+        <p:txBody>
+          <a:bodyPr rtlCol="0" anchor="ctr"/>
+          <a:lstStyle/>
+          <a:p>
+            <a:pPr algn="ctr"/>
+            <a:r>
+              <a:rPr lang="en-US">
+                <a:latin typeface="Arial" panose="020B0604020202020204" pitchFamily="34" charset="0"/>
+                <a:cs typeface="Arial" panose="020B0604020202020204" pitchFamily="34" charset="0"/>
+              </a:rPr>
+              <a:t>2</a:t>
+            </a:r>
+          </a:p>
+        </p:txBody>
+      </p:sp>
+      <p:cxnSp>
+        <p:nvCxnSpPr>
+          <p:cNvPr id="11" name="Straight Connector 10">
+            <a:extLst>
+              <a:ext uri="{FF2B5EF4-FFF2-40B4-BE49-F238E27FC236}">
+                <a16:creationId xmlns:a16="http://schemas.microsoft.com/office/drawing/2014/main" id="{1FA8820F-F013-E65B-560D-E6C2C130E5FD}"/>
+              </a:ext>
+            </a:extLst>
+          </p:cNvPr>
+          <p:cNvCxnSpPr>
+            <a:cxnSpLocks/>
+          </p:cNvCxnSpPr>
+          <p:nvPr/>
+        </p:nvCxnSpPr>
+        <p:spPr>
+          <a:xfrm flipH="1">
+            <a:off x="6717619" y="5505986"/>
+            <a:ext cx="859893" cy="635874"/>
+          </a:xfrm>
+          <a:prstGeom prst="line">
+            <a:avLst/>
+          </a:prstGeom>
+          <a:ln w="12700"/>
+        </p:spPr>
+        <p:style>
+          <a:lnRef idx="1">
+            <a:schemeClr val="accent1"/>
+          </a:lnRef>
+          <a:fillRef idx="0">
+            <a:schemeClr val="accent1"/>
+          </a:fillRef>
+          <a:effectRef idx="0">
+            <a:schemeClr val="accent1"/>
+          </a:effectRef>
+          <a:fontRef idx="minor">
+            <a:schemeClr val="tx1"/>
+          </a:fontRef>
+        </p:style>
+      </p:cxnSp>
+      <p:sp>
+        <p:nvSpPr>
+          <p:cNvPr id="12" name="Oval 11">
+            <a:extLst>
+              <a:ext uri="{FF2B5EF4-FFF2-40B4-BE49-F238E27FC236}">
+                <a16:creationId xmlns:a16="http://schemas.microsoft.com/office/drawing/2014/main" id="{4357C863-450B-0796-02C0-E625F33CF1F2}"/>
+              </a:ext>
+            </a:extLst>
+          </p:cNvPr>
+          <p:cNvSpPr/>
+          <p:nvPr/>
+        </p:nvSpPr>
+        <p:spPr>
+          <a:xfrm>
+            <a:off x="7332795" y="5260116"/>
+            <a:ext cx="507436" cy="507436"/>
+          </a:xfrm>
+          <a:prstGeom prst="ellipse">
+            <a:avLst/>
+          </a:prstGeom>
+        </p:spPr>
+        <p:style>
+          <a:lnRef idx="2">
+            <a:schemeClr val="accent1"/>
+          </a:lnRef>
+          <a:fillRef idx="1">
+            <a:schemeClr val="lt1"/>
+          </a:fillRef>
+          <a:effectRef idx="0">
+            <a:schemeClr val="accent1"/>
+          </a:effectRef>
+          <a:fontRef idx="minor">
+            <a:schemeClr val="dk1"/>
+          </a:fontRef>
+        </p:style>
+        <p:txBody>
+          <a:bodyPr rtlCol="0" anchor="ctr"/>
+          <a:lstStyle/>
+          <a:p>
+            <a:pPr algn="ctr"/>
+            <a:r>
+              <a:rPr lang="en-US">
+                <a:latin typeface="Arial" panose="020B0604020202020204" pitchFamily="34" charset="0"/>
+                <a:cs typeface="Arial" panose="020B0604020202020204" pitchFamily="34" charset="0"/>
+              </a:rPr>
+              <a:t>3</a:t>
+            </a:r>
+          </a:p>
+        </p:txBody>
+      </p:sp>
+    </p:spTree>
+    <p:extLst>
+      <p:ext uri="{BB962C8B-B14F-4D97-AF65-F5344CB8AC3E}">
+        <p14:creationId xmlns:p14="http://schemas.microsoft.com/office/powerpoint/2010/main" val="2292644399"/>
+      </p:ext>
+    </p:extLst>
+  </p:cSld>
+  <p:clrMapOvr>
+    <a:masterClrMapping/>
+  </p:clrMapOvr>
+</p:sld>
+</file>
+
+<file path=ppt/slides/slide44.xml><?xml version="1.0" encoding="utf-8"?>
+<p:sld xmlns:a="http://schemas.openxmlformats.org/drawingml/2006/main" xmlns:r="http://schemas.openxmlformats.org/officeDocument/2006/relationships" xmlns:p="http://schemas.openxmlformats.org/presentationml/2006/main">
+  <p:cSld>
+    <p:spTree>
+      <p:nvGrpSpPr>
+        <p:cNvPr id="1" name=""/>
+        <p:cNvGrpSpPr/>
+        <p:nvPr/>
+      </p:nvGrpSpPr>
+      <p:grpSpPr>
+        <a:xfrm>
+          <a:off x="0" y="0"/>
+          <a:ext cx="0" cy="0"/>
+          <a:chOff x="0" y="0"/>
+          <a:chExt cx="0" cy="0"/>
+        </a:xfrm>
+      </p:grpSpPr>
+      <p:pic>
+        <p:nvPicPr>
+          <p:cNvPr id="3" name="Picture 2">
+            <a:extLst>
+              <a:ext uri="{FF2B5EF4-FFF2-40B4-BE49-F238E27FC236}">
+                <a16:creationId xmlns:a16="http://schemas.microsoft.com/office/drawing/2014/main" id="{130C34AC-897D-AC69-298F-188A34A0E727}"/>
+              </a:ext>
+            </a:extLst>
+          </p:cNvPr>
+          <p:cNvPicPr>
+            <a:picLocks noChangeAspect="1"/>
+          </p:cNvPicPr>
+          <p:nvPr/>
+        </p:nvPicPr>
+        <p:blipFill>
+          <a:blip r:embed="rId2"/>
+          <a:stretch>
+            <a:fillRect/>
+          </a:stretch>
+        </p:blipFill>
+        <p:spPr>
+          <a:xfrm>
+            <a:off x="3962400" y="1351240"/>
+            <a:ext cx="2854545" cy="4868092"/>
+          </a:xfrm>
+          <a:prstGeom prst="rect">
+            <a:avLst/>
+          </a:prstGeom>
+        </p:spPr>
+      </p:pic>
+      <p:cxnSp>
+        <p:nvCxnSpPr>
+          <p:cNvPr id="4" name="Straight Connector 3">
+            <a:extLst>
+              <a:ext uri="{FF2B5EF4-FFF2-40B4-BE49-F238E27FC236}">
+                <a16:creationId xmlns:a16="http://schemas.microsoft.com/office/drawing/2014/main" id="{D2C7C86D-4564-BAB8-C3D3-B5F28647147E}"/>
+              </a:ext>
+            </a:extLst>
+          </p:cNvPr>
+          <p:cNvCxnSpPr>
+            <a:cxnSpLocks/>
+          </p:cNvCxnSpPr>
+          <p:nvPr/>
+        </p:nvCxnSpPr>
+        <p:spPr>
+          <a:xfrm>
+            <a:off x="2837792" y="4698126"/>
+            <a:ext cx="1208690" cy="725214"/>
+          </a:xfrm>
+          <a:prstGeom prst="line">
+            <a:avLst/>
+          </a:prstGeom>
+          <a:ln w="12700"/>
+        </p:spPr>
+        <p:style>
+          <a:lnRef idx="1">
+            <a:schemeClr val="accent1"/>
+          </a:lnRef>
+          <a:fillRef idx="0">
+            <a:schemeClr val="accent1"/>
+          </a:fillRef>
+          <a:effectRef idx="0">
+            <a:schemeClr val="accent1"/>
+          </a:effectRef>
+          <a:fontRef idx="minor">
+            <a:schemeClr val="tx1"/>
+          </a:fontRef>
+        </p:style>
+      </p:cxnSp>
+      <p:sp>
+        <p:nvSpPr>
+          <p:cNvPr id="5" name="Oval 4">
+            <a:extLst>
+              <a:ext uri="{FF2B5EF4-FFF2-40B4-BE49-F238E27FC236}">
+                <a16:creationId xmlns:a16="http://schemas.microsoft.com/office/drawing/2014/main" id="{43AA3BAD-129B-1BDD-9FB4-9E826204C477}"/>
+              </a:ext>
+            </a:extLst>
+          </p:cNvPr>
+          <p:cNvSpPr/>
+          <p:nvPr/>
+        </p:nvSpPr>
+        <p:spPr>
+          <a:xfrm>
+            <a:off x="2593075" y="4452256"/>
+            <a:ext cx="507436" cy="507436"/>
+          </a:xfrm>
+          <a:prstGeom prst="ellipse">
+            <a:avLst/>
+          </a:prstGeom>
+        </p:spPr>
+        <p:style>
+          <a:lnRef idx="2">
+            <a:schemeClr val="accent1"/>
+          </a:lnRef>
+          <a:fillRef idx="1">
+            <a:schemeClr val="lt1"/>
+          </a:fillRef>
+          <a:effectRef idx="0">
+            <a:schemeClr val="accent1"/>
+          </a:effectRef>
+          <a:fontRef idx="minor">
+            <a:schemeClr val="dk1"/>
+          </a:fontRef>
+        </p:style>
+        <p:txBody>
+          <a:bodyPr rtlCol="0" anchor="ctr"/>
+          <a:lstStyle/>
+          <a:p>
+            <a:pPr algn="ctr"/>
+            <a:r>
+              <a:rPr lang="en-US">
+                <a:latin typeface="Arial" panose="020B0604020202020204" pitchFamily="34" charset="0"/>
+                <a:cs typeface="Arial" panose="020B0604020202020204" pitchFamily="34" charset="0"/>
+              </a:rPr>
+              <a:t>1</a:t>
+            </a:r>
+          </a:p>
+        </p:txBody>
+      </p:sp>
+    </p:spTree>
+    <p:extLst>
+      <p:ext uri="{BB962C8B-B14F-4D97-AF65-F5344CB8AC3E}">
+        <p14:creationId xmlns:p14="http://schemas.microsoft.com/office/powerpoint/2010/main" val="1016152374"/>
+      </p:ext>
+    </p:extLst>
+  </p:cSld>
+  <p:clrMapOvr>
+    <a:masterClrMapping/>
+  </p:clrMapOvr>
+</p:sld>
+</file>
+
+<file path=ppt/slides/slide45.xml><?xml version="1.0" encoding="utf-8"?>
+<p:sld xmlns:a="http://schemas.openxmlformats.org/drawingml/2006/main" xmlns:r="http://schemas.openxmlformats.org/officeDocument/2006/relationships" xmlns:p="http://schemas.openxmlformats.org/presentationml/2006/main">
+  <p:cSld>
+    <p:spTree>
+      <p:nvGrpSpPr>
+        <p:cNvPr id="1" name=""/>
+        <p:cNvGrpSpPr/>
+        <p:nvPr/>
+      </p:nvGrpSpPr>
+      <p:grpSpPr>
+        <a:xfrm>
+          <a:off x="0" y="0"/>
+          <a:ext cx="0" cy="0"/>
+          <a:chOff x="0" y="0"/>
+          <a:chExt cx="0" cy="0"/>
+        </a:xfrm>
+      </p:grpSpPr>
+      <p:pic>
+        <p:nvPicPr>
+          <p:cNvPr id="3" name="Picture 2" descr="A screenshot of a computer&#10;&#10;AI-generated content may be incorrect.">
+            <a:extLst>
+              <a:ext uri="{FF2B5EF4-FFF2-40B4-BE49-F238E27FC236}">
+                <a16:creationId xmlns:a16="http://schemas.microsoft.com/office/drawing/2014/main" id="{54D7172E-DDAC-C20F-675E-60061E8B8780}"/>
+              </a:ext>
+            </a:extLst>
+          </p:cNvPr>
+          <p:cNvPicPr>
+            <a:picLocks noChangeAspect="1"/>
+          </p:cNvPicPr>
+          <p:nvPr/>
+        </p:nvPicPr>
+        <p:blipFill>
+          <a:blip r:embed="rId2"/>
+          <a:stretch>
+            <a:fillRect/>
+          </a:stretch>
+        </p:blipFill>
+        <p:spPr>
+          <a:xfrm>
+            <a:off x="1229710" y="2762082"/>
+            <a:ext cx="7772400" cy="1333836"/>
+          </a:xfrm>
+          <a:prstGeom prst="rect">
+            <a:avLst/>
+          </a:prstGeom>
+        </p:spPr>
+      </p:pic>
+      <p:cxnSp>
+        <p:nvCxnSpPr>
+          <p:cNvPr id="4" name="Straight Connector 3">
+            <a:extLst>
+              <a:ext uri="{FF2B5EF4-FFF2-40B4-BE49-F238E27FC236}">
+                <a16:creationId xmlns:a16="http://schemas.microsoft.com/office/drawing/2014/main" id="{92A85228-C49A-3752-84B2-D353F64F94FD}"/>
+              </a:ext>
+            </a:extLst>
+          </p:cNvPr>
+          <p:cNvCxnSpPr>
+            <a:cxnSpLocks/>
+          </p:cNvCxnSpPr>
+          <p:nvPr/>
+        </p:nvCxnSpPr>
+        <p:spPr>
+          <a:xfrm flipH="1">
+            <a:off x="2680138" y="2343809"/>
+            <a:ext cx="788274" cy="1324301"/>
+          </a:xfrm>
+          <a:prstGeom prst="line">
+            <a:avLst/>
+          </a:prstGeom>
+          <a:ln w="12700">
+            <a:tailEnd type="triangle"/>
+          </a:ln>
+        </p:spPr>
+        <p:style>
+          <a:lnRef idx="1">
+            <a:schemeClr val="accent1"/>
+          </a:lnRef>
+          <a:fillRef idx="0">
+            <a:schemeClr val="accent1"/>
+          </a:fillRef>
+          <a:effectRef idx="0">
+            <a:schemeClr val="accent1"/>
+          </a:effectRef>
+          <a:fontRef idx="minor">
+            <a:schemeClr val="tx1"/>
+          </a:fontRef>
+        </p:style>
+      </p:cxnSp>
+      <p:sp>
+        <p:nvSpPr>
+          <p:cNvPr id="5" name="Oval 4">
+            <a:extLst>
+              <a:ext uri="{FF2B5EF4-FFF2-40B4-BE49-F238E27FC236}">
+                <a16:creationId xmlns:a16="http://schemas.microsoft.com/office/drawing/2014/main" id="{D571B129-574D-6E37-4F68-BB7C99C9F72A}"/>
+              </a:ext>
+            </a:extLst>
+          </p:cNvPr>
+          <p:cNvSpPr/>
+          <p:nvPr/>
+        </p:nvSpPr>
+        <p:spPr>
+          <a:xfrm>
+            <a:off x="3223695" y="2097939"/>
+            <a:ext cx="507436" cy="507436"/>
+          </a:xfrm>
+          <a:prstGeom prst="ellipse">
+            <a:avLst/>
+          </a:prstGeom>
+        </p:spPr>
+        <p:style>
+          <a:lnRef idx="2">
+            <a:schemeClr val="accent1"/>
+          </a:lnRef>
+          <a:fillRef idx="1">
+            <a:schemeClr val="lt1"/>
+          </a:fillRef>
+          <a:effectRef idx="0">
+            <a:schemeClr val="accent1"/>
+          </a:effectRef>
+          <a:fontRef idx="minor">
+            <a:schemeClr val="dk1"/>
+          </a:fontRef>
+        </p:style>
+        <p:txBody>
+          <a:bodyPr rtlCol="0" anchor="ctr"/>
+          <a:lstStyle/>
+          <a:p>
+            <a:pPr algn="ctr"/>
+            <a:r>
+              <a:rPr lang="en-US">
+                <a:latin typeface="Arial" panose="020B0604020202020204" pitchFamily="34" charset="0"/>
+                <a:cs typeface="Arial" panose="020B0604020202020204" pitchFamily="34" charset="0"/>
+              </a:rPr>
+              <a:t>1</a:t>
+            </a:r>
+          </a:p>
+        </p:txBody>
+      </p:sp>
+      <p:cxnSp>
+        <p:nvCxnSpPr>
+          <p:cNvPr id="7" name="Straight Connector 6">
+            <a:extLst>
+              <a:ext uri="{FF2B5EF4-FFF2-40B4-BE49-F238E27FC236}">
+                <a16:creationId xmlns:a16="http://schemas.microsoft.com/office/drawing/2014/main" id="{3B85BAE2-967B-E3C4-D52F-63973C3B122A}"/>
+              </a:ext>
+            </a:extLst>
+          </p:cNvPr>
+          <p:cNvCxnSpPr>
+            <a:cxnSpLocks/>
+          </p:cNvCxnSpPr>
+          <p:nvPr/>
+        </p:nvCxnSpPr>
+        <p:spPr>
+          <a:xfrm flipH="1" flipV="1">
+            <a:off x="7294179" y="3310759"/>
+            <a:ext cx="1051075" cy="523593"/>
+          </a:xfrm>
+          <a:prstGeom prst="line">
+            <a:avLst/>
+          </a:prstGeom>
+          <a:ln w="12700">
+            <a:tailEnd type="triangle"/>
+          </a:ln>
+        </p:spPr>
+        <p:style>
+          <a:lnRef idx="1">
+            <a:schemeClr val="accent1"/>
+          </a:lnRef>
+          <a:fillRef idx="0">
+            <a:schemeClr val="accent1"/>
+          </a:fillRef>
+          <a:effectRef idx="0">
+            <a:schemeClr val="accent1"/>
+          </a:effectRef>
+          <a:fontRef idx="minor">
+            <a:schemeClr val="tx1"/>
+          </a:fontRef>
+        </p:style>
+      </p:cxnSp>
+      <p:sp>
+        <p:nvSpPr>
+          <p:cNvPr id="8" name="Oval 7">
+            <a:extLst>
+              <a:ext uri="{FF2B5EF4-FFF2-40B4-BE49-F238E27FC236}">
+                <a16:creationId xmlns:a16="http://schemas.microsoft.com/office/drawing/2014/main" id="{BCF7559B-FFA8-2617-CCDC-4D6D86EF7A2E}"/>
+              </a:ext>
+            </a:extLst>
+          </p:cNvPr>
+          <p:cNvSpPr/>
+          <p:nvPr/>
+        </p:nvSpPr>
+        <p:spPr>
+          <a:xfrm>
+            <a:off x="8100537" y="3588482"/>
+            <a:ext cx="507436" cy="507436"/>
+          </a:xfrm>
+          <a:prstGeom prst="ellipse">
+            <a:avLst/>
+          </a:prstGeom>
+        </p:spPr>
+        <p:style>
+          <a:lnRef idx="2">
+            <a:schemeClr val="accent1"/>
+          </a:lnRef>
+          <a:fillRef idx="1">
+            <a:schemeClr val="lt1"/>
+          </a:fillRef>
+          <a:effectRef idx="0">
+            <a:schemeClr val="accent1"/>
+          </a:effectRef>
+          <a:fontRef idx="minor">
+            <a:schemeClr val="dk1"/>
+          </a:fontRef>
+        </p:style>
+        <p:txBody>
+          <a:bodyPr rtlCol="0" anchor="ctr"/>
+          <a:lstStyle/>
+          <a:p>
+            <a:pPr algn="ctr"/>
+            <a:r>
+              <a:rPr lang="en-US">
+                <a:latin typeface="Arial" panose="020B0604020202020204" pitchFamily="34" charset="0"/>
+                <a:cs typeface="Arial" panose="020B0604020202020204" pitchFamily="34" charset="0"/>
+              </a:rPr>
+              <a:t>2</a:t>
+            </a:r>
+          </a:p>
+        </p:txBody>
+      </p:sp>
+    </p:spTree>
+    <p:extLst>
+      <p:ext uri="{BB962C8B-B14F-4D97-AF65-F5344CB8AC3E}">
+        <p14:creationId xmlns:p14="http://schemas.microsoft.com/office/powerpoint/2010/main" val="4021323981"/>
+      </p:ext>
+    </p:extLst>
+  </p:cSld>
+  <p:clrMapOvr>
+    <a:masterClrMapping/>
+  </p:clrMapOvr>
+</p:sld>
+</file>
+
 <file path=ppt/slides/slide5.xml><?xml version="1.0" encoding="utf-8"?>
 <p:sld xmlns:a="http://schemas.openxmlformats.org/drawingml/2006/main" xmlns:r="http://schemas.openxmlformats.org/officeDocument/2006/relationships" xmlns:p="http://schemas.openxmlformats.org/presentationml/2006/main">
   <p:cSld>
@@ -37036,7 +37757,7 @@
           <p:nvPr/>
         </p:nvPicPr>
         <p:blipFill>
-          <a:blip r:embed="rId2"/>
+          <a:blip/>
           <a:stretch>
             <a:fillRect/>
           </a:stretch>
@@ -37069,7 +37790,7 @@
           <a:blip r:embed="rId3">
             <a:extLst>
               <a:ext uri="{96DAC541-7B7A-43D3-8B79-37D633B846F1}">
-                <asvg:svgBlip xmlns:asvg="http://schemas.microsoft.com/office/drawing/2016/SVG/main" r:embed="rId4"/>
+                <asvg:svgBlip xmlns:asvg="http://schemas.microsoft.com/office/drawing/2016/SVG/main"/>
               </a:ext>
             </a:extLst>
           </a:blip>
@@ -37105,7 +37826,7 @@
           <a:blip r:embed="rId5">
             <a:extLst>
               <a:ext uri="{96DAC541-7B7A-43D3-8B79-37D633B846F1}">
-                <asvg:svgBlip xmlns:asvg="http://schemas.microsoft.com/office/drawing/2016/SVG/main" r:embed="rId6"/>
+                <asvg:svgBlip xmlns:asvg="http://schemas.microsoft.com/office/drawing/2016/SVG/main"/>
               </a:ext>
             </a:extLst>
           </a:blip>
@@ -37141,7 +37862,7 @@
           <a:blip r:embed="rId7">
             <a:extLst>
               <a:ext uri="{96DAC541-7B7A-43D3-8B79-37D633B846F1}">
-                <asvg:svgBlip xmlns:asvg="http://schemas.microsoft.com/office/drawing/2016/SVG/main" r:embed="rId8"/>
+                <asvg:svgBlip xmlns:asvg="http://schemas.microsoft.com/office/drawing/2016/SVG/main"/>
               </a:ext>
             </a:extLst>
           </a:blip>
@@ -37968,7 +38689,7 @@
           <a:blip r:embed="rId9">
             <a:extLst>
               <a:ext uri="{96DAC541-7B7A-43D3-8B79-37D633B846F1}">
-                <asvg:svgBlip xmlns:asvg="http://schemas.microsoft.com/office/drawing/2016/SVG/main" r:embed="rId10"/>
+                <asvg:svgBlip xmlns:asvg="http://schemas.microsoft.com/office/drawing/2016/SVG/main"/>
               </a:ext>
             </a:extLst>
           </a:blip>
@@ -38693,7 +39414,7 @@
           <a:blip r:embed="rId2">
             <a:extLst>
               <a:ext uri="{96DAC541-7B7A-43D3-8B79-37D633B846F1}">
-                <asvg:svgBlip xmlns:asvg="http://schemas.microsoft.com/office/drawing/2016/SVG/main" r:embed="rId3"/>
+                <asvg:svgBlip xmlns:asvg="http://schemas.microsoft.com/office/drawing/2016/SVG/main"/>
               </a:ext>
             </a:extLst>
           </a:blip>
@@ -38729,7 +39450,7 @@
           <a:blip r:embed="rId4">
             <a:extLst>
               <a:ext uri="{96DAC541-7B7A-43D3-8B79-37D633B846F1}">
-                <asvg:svgBlip xmlns:asvg="http://schemas.microsoft.com/office/drawing/2016/SVG/main" r:embed="rId5"/>
+                <asvg:svgBlip xmlns:asvg="http://schemas.microsoft.com/office/drawing/2016/SVG/main"/>
               </a:ext>
             </a:extLst>
           </a:blip>
@@ -38765,7 +39486,7 @@
           <a:blip r:embed="rId6">
             <a:extLst>
               <a:ext uri="{96DAC541-7B7A-43D3-8B79-37D633B846F1}">
-                <asvg:svgBlip xmlns:asvg="http://schemas.microsoft.com/office/drawing/2016/SVG/main" r:embed="rId7"/>
+                <asvg:svgBlip xmlns:asvg="http://schemas.microsoft.com/office/drawing/2016/SVG/main"/>
               </a:ext>
             </a:extLst>
           </a:blip>

--- a/images/graphics.pptx
+++ b/images/graphics.pptx
@@ -50,6 +50,11 @@
     <p:sldId id="300" r:id="rId44"/>
     <p:sldId id="301" r:id="rId45"/>
     <p:sldId id="302" r:id="rId46"/>
+    <p:sldId id="303" r:id="rId47"/>
+    <p:sldId id="304" r:id="rId48"/>
+    <p:sldId id="305" r:id="rId49"/>
+    <p:sldId id="306" r:id="rId50"/>
+    <p:sldId id="307" r:id="rId51"/>
   </p:sldIdLst>
   <p:sldSz cx="12192000" cy="6858000"/>
   <p:notesSz cx="6858000" cy="9144000"/>
@@ -3383,7 +3388,7 @@
           <a:p>
             <a:fld id="{E9175749-BE88-2442-8D84-DEA4B15C26FA}" type="datetimeFigureOut">
               <a:rPr lang="en-US" smtClean="0"/>
-              <a:t>1/8/25</a:t>
+              <a:t>2/15/25</a:t>
             </a:fld>
             <a:endParaRPr lang="en-US"/>
           </a:p>
@@ -3583,7 +3588,7 @@
           <a:p>
             <a:fld id="{E9175749-BE88-2442-8D84-DEA4B15C26FA}" type="datetimeFigureOut">
               <a:rPr lang="en-US" smtClean="0"/>
-              <a:t>1/8/25</a:t>
+              <a:t>2/15/25</a:t>
             </a:fld>
             <a:endParaRPr lang="en-US"/>
           </a:p>
@@ -3793,7 +3798,7 @@
           <a:p>
             <a:fld id="{E9175749-BE88-2442-8D84-DEA4B15C26FA}" type="datetimeFigureOut">
               <a:rPr lang="en-US" smtClean="0"/>
-              <a:t>1/8/25</a:t>
+              <a:t>2/15/25</a:t>
             </a:fld>
             <a:endParaRPr lang="en-US"/>
           </a:p>
@@ -3993,7 +3998,7 @@
           <a:p>
             <a:fld id="{E9175749-BE88-2442-8D84-DEA4B15C26FA}" type="datetimeFigureOut">
               <a:rPr lang="en-US" smtClean="0"/>
-              <a:t>1/8/25</a:t>
+              <a:t>2/15/25</a:t>
             </a:fld>
             <a:endParaRPr lang="en-US"/>
           </a:p>
@@ -4269,7 +4274,7 @@
           <a:p>
             <a:fld id="{E9175749-BE88-2442-8D84-DEA4B15C26FA}" type="datetimeFigureOut">
               <a:rPr lang="en-US" smtClean="0"/>
-              <a:t>1/8/25</a:t>
+              <a:t>2/15/25</a:t>
             </a:fld>
             <a:endParaRPr lang="en-US"/>
           </a:p>
@@ -4537,7 +4542,7 @@
           <a:p>
             <a:fld id="{E9175749-BE88-2442-8D84-DEA4B15C26FA}" type="datetimeFigureOut">
               <a:rPr lang="en-US" smtClean="0"/>
-              <a:t>1/8/25</a:t>
+              <a:t>2/15/25</a:t>
             </a:fld>
             <a:endParaRPr lang="en-US"/>
           </a:p>
@@ -4952,7 +4957,7 @@
           <a:p>
             <a:fld id="{E9175749-BE88-2442-8D84-DEA4B15C26FA}" type="datetimeFigureOut">
               <a:rPr lang="en-US" smtClean="0"/>
-              <a:t>1/8/25</a:t>
+              <a:t>2/15/25</a:t>
             </a:fld>
             <a:endParaRPr lang="en-US"/>
           </a:p>
@@ -5094,7 +5099,7 @@
           <a:p>
             <a:fld id="{E9175749-BE88-2442-8D84-DEA4B15C26FA}" type="datetimeFigureOut">
               <a:rPr lang="en-US" smtClean="0"/>
-              <a:t>1/8/25</a:t>
+              <a:t>2/15/25</a:t>
             </a:fld>
             <a:endParaRPr lang="en-US"/>
           </a:p>
@@ -5207,7 +5212,7 @@
           <a:p>
             <a:fld id="{E9175749-BE88-2442-8D84-DEA4B15C26FA}" type="datetimeFigureOut">
               <a:rPr lang="en-US" smtClean="0"/>
-              <a:t>1/8/25</a:t>
+              <a:t>2/15/25</a:t>
             </a:fld>
             <a:endParaRPr lang="en-US"/>
           </a:p>
@@ -5520,7 +5525,7 @@
           <a:p>
             <a:fld id="{E9175749-BE88-2442-8D84-DEA4B15C26FA}" type="datetimeFigureOut">
               <a:rPr lang="en-US" smtClean="0"/>
-              <a:t>1/8/25</a:t>
+              <a:t>2/15/25</a:t>
             </a:fld>
             <a:endParaRPr lang="en-US"/>
           </a:p>
@@ -5809,7 +5814,7 @@
           <a:p>
             <a:fld id="{E9175749-BE88-2442-8D84-DEA4B15C26FA}" type="datetimeFigureOut">
               <a:rPr lang="en-US" smtClean="0"/>
-              <a:t>1/8/25</a:t>
+              <a:t>2/15/25</a:t>
             </a:fld>
             <a:endParaRPr lang="en-US"/>
           </a:p>
@@ -6052,7 +6057,7 @@
           <a:p>
             <a:fld id="{E9175749-BE88-2442-8D84-DEA4B15C26FA}" type="datetimeFigureOut">
               <a:rPr lang="en-US" smtClean="0"/>
-              <a:t>1/8/25</a:t>
+              <a:t>2/15/25</a:t>
             </a:fld>
             <a:endParaRPr lang="en-US"/>
           </a:p>
@@ -37356,6 +37361,3082 @@
 </p:sld>
 </file>
 
+<file path=ppt/slides/slide46.xml><?xml version="1.0" encoding="utf-8"?>
+<p:sld xmlns:a="http://schemas.openxmlformats.org/drawingml/2006/main" xmlns:r="http://schemas.openxmlformats.org/officeDocument/2006/relationships" xmlns:p="http://schemas.openxmlformats.org/presentationml/2006/main">
+  <p:cSld>
+    <p:spTree>
+      <p:nvGrpSpPr>
+        <p:cNvPr id="1" name=""/>
+        <p:cNvGrpSpPr/>
+        <p:nvPr/>
+      </p:nvGrpSpPr>
+      <p:grpSpPr>
+        <a:xfrm>
+          <a:off x="0" y="0"/>
+          <a:ext cx="0" cy="0"/>
+          <a:chOff x="0" y="0"/>
+          <a:chExt cx="0" cy="0"/>
+        </a:xfrm>
+      </p:grpSpPr>
+      <p:sp>
+        <p:nvSpPr>
+          <p:cNvPr id="19" name="Pie 18">
+            <a:extLst>
+              <a:ext uri="{FF2B5EF4-FFF2-40B4-BE49-F238E27FC236}">
+                <a16:creationId xmlns:a16="http://schemas.microsoft.com/office/drawing/2014/main" id="{E1BEEB4C-DE12-E0D9-8519-1FE39FFE7E12}"/>
+              </a:ext>
+            </a:extLst>
+          </p:cNvPr>
+          <p:cNvSpPr/>
+          <p:nvPr/>
+        </p:nvSpPr>
+        <p:spPr>
+          <a:xfrm>
+            <a:off x="2142796" y="1217275"/>
+            <a:ext cx="6455979" cy="6455979"/>
+          </a:xfrm>
+          <a:prstGeom prst="pie">
+            <a:avLst>
+              <a:gd name="adj1" fmla="val 13496630"/>
+              <a:gd name="adj2" fmla="val 15299189"/>
+            </a:avLst>
+          </a:prstGeom>
+          <a:solidFill>
+            <a:schemeClr val="accent6"/>
+          </a:solidFill>
+          <a:ln>
+            <a:solidFill>
+              <a:schemeClr val="accent6"/>
+            </a:solidFill>
+          </a:ln>
+        </p:spPr>
+        <p:style>
+          <a:lnRef idx="1">
+            <a:schemeClr val="accent2"/>
+          </a:lnRef>
+          <a:fillRef idx="3">
+            <a:schemeClr val="accent2"/>
+          </a:fillRef>
+          <a:effectRef idx="2">
+            <a:schemeClr val="accent2"/>
+          </a:effectRef>
+          <a:fontRef idx="minor">
+            <a:schemeClr val="lt1"/>
+          </a:fontRef>
+        </p:style>
+        <p:txBody>
+          <a:bodyPr rtlCol="0" anchor="ctr"/>
+          <a:lstStyle/>
+          <a:p>
+            <a:pPr algn="ctr"/>
+            <a:endParaRPr lang="en-US">
+              <a:solidFill>
+                <a:schemeClr val="tx1"/>
+              </a:solidFill>
+            </a:endParaRPr>
+          </a:p>
+        </p:txBody>
+      </p:sp>
+      <p:sp>
+        <p:nvSpPr>
+          <p:cNvPr id="20" name="Pie 19">
+            <a:extLst>
+              <a:ext uri="{FF2B5EF4-FFF2-40B4-BE49-F238E27FC236}">
+                <a16:creationId xmlns:a16="http://schemas.microsoft.com/office/drawing/2014/main" id="{AF5C9C0C-3CCA-1568-1C67-AFE75A419A4A}"/>
+              </a:ext>
+            </a:extLst>
+          </p:cNvPr>
+          <p:cNvSpPr/>
+          <p:nvPr/>
+        </p:nvSpPr>
+        <p:spPr>
+          <a:xfrm rot="1812557">
+            <a:off x="2142796" y="1217274"/>
+            <a:ext cx="6455979" cy="6455979"/>
+          </a:xfrm>
+          <a:prstGeom prst="pie">
+            <a:avLst>
+              <a:gd name="adj1" fmla="val 13496630"/>
+              <a:gd name="adj2" fmla="val 15299189"/>
+            </a:avLst>
+          </a:prstGeom>
+          <a:solidFill>
+            <a:schemeClr val="accent6">
+              <a:lumMod val="60000"/>
+              <a:lumOff val="40000"/>
+            </a:schemeClr>
+          </a:solidFill>
+          <a:ln>
+            <a:solidFill>
+              <a:schemeClr val="accent6"/>
+            </a:solidFill>
+          </a:ln>
+        </p:spPr>
+        <p:style>
+          <a:lnRef idx="1">
+            <a:schemeClr val="accent2"/>
+          </a:lnRef>
+          <a:fillRef idx="3">
+            <a:schemeClr val="accent2"/>
+          </a:fillRef>
+          <a:effectRef idx="2">
+            <a:schemeClr val="accent2"/>
+          </a:effectRef>
+          <a:fontRef idx="minor">
+            <a:schemeClr val="lt1"/>
+          </a:fontRef>
+        </p:style>
+        <p:txBody>
+          <a:bodyPr rtlCol="0" anchor="ctr"/>
+          <a:lstStyle/>
+          <a:p>
+            <a:pPr algn="ctr"/>
+            <a:endParaRPr lang="en-US">
+              <a:solidFill>
+                <a:schemeClr val="tx1"/>
+              </a:solidFill>
+            </a:endParaRPr>
+          </a:p>
+        </p:txBody>
+      </p:sp>
+      <p:sp>
+        <p:nvSpPr>
+          <p:cNvPr id="21" name="Pie 20">
+            <a:extLst>
+              <a:ext uri="{FF2B5EF4-FFF2-40B4-BE49-F238E27FC236}">
+                <a16:creationId xmlns:a16="http://schemas.microsoft.com/office/drawing/2014/main" id="{9407958D-721C-E8F6-0DC5-92FA3E062AC1}"/>
+              </a:ext>
+            </a:extLst>
+          </p:cNvPr>
+          <p:cNvSpPr/>
+          <p:nvPr/>
+        </p:nvSpPr>
+        <p:spPr>
+          <a:xfrm rot="3622541">
+            <a:off x="2130667" y="1217274"/>
+            <a:ext cx="6455979" cy="6455979"/>
+          </a:xfrm>
+          <a:prstGeom prst="pie">
+            <a:avLst>
+              <a:gd name="adj1" fmla="val 13496630"/>
+              <a:gd name="adj2" fmla="val 15299189"/>
+            </a:avLst>
+          </a:prstGeom>
+          <a:solidFill>
+            <a:schemeClr val="accent6"/>
+          </a:solidFill>
+          <a:ln>
+            <a:solidFill>
+              <a:schemeClr val="accent6"/>
+            </a:solidFill>
+          </a:ln>
+        </p:spPr>
+        <p:style>
+          <a:lnRef idx="1">
+            <a:schemeClr val="accent2"/>
+          </a:lnRef>
+          <a:fillRef idx="3">
+            <a:schemeClr val="accent2"/>
+          </a:fillRef>
+          <a:effectRef idx="2">
+            <a:schemeClr val="accent2"/>
+          </a:effectRef>
+          <a:fontRef idx="minor">
+            <a:schemeClr val="lt1"/>
+          </a:fontRef>
+        </p:style>
+        <p:txBody>
+          <a:bodyPr rtlCol="0" anchor="ctr"/>
+          <a:lstStyle/>
+          <a:p>
+            <a:pPr algn="ctr"/>
+            <a:endParaRPr lang="en-US">
+              <a:solidFill>
+                <a:schemeClr val="tx1"/>
+              </a:solidFill>
+            </a:endParaRPr>
+          </a:p>
+        </p:txBody>
+      </p:sp>
+      <p:sp>
+        <p:nvSpPr>
+          <p:cNvPr id="22" name="Pie 21">
+            <a:extLst>
+              <a:ext uri="{FF2B5EF4-FFF2-40B4-BE49-F238E27FC236}">
+                <a16:creationId xmlns:a16="http://schemas.microsoft.com/office/drawing/2014/main" id="{97FEF0F6-CE83-1C9E-4B9C-92D5EF7CD33A}"/>
+              </a:ext>
+            </a:extLst>
+          </p:cNvPr>
+          <p:cNvSpPr/>
+          <p:nvPr/>
+        </p:nvSpPr>
+        <p:spPr>
+          <a:xfrm rot="5400000">
+            <a:off x="2118539" y="1205147"/>
+            <a:ext cx="6455979" cy="6455979"/>
+          </a:xfrm>
+          <a:prstGeom prst="pie">
+            <a:avLst>
+              <a:gd name="adj1" fmla="val 13496630"/>
+              <a:gd name="adj2" fmla="val 15299189"/>
+            </a:avLst>
+          </a:prstGeom>
+          <a:solidFill>
+            <a:schemeClr val="accent6">
+              <a:lumMod val="60000"/>
+              <a:lumOff val="40000"/>
+            </a:schemeClr>
+          </a:solidFill>
+          <a:ln>
+            <a:solidFill>
+              <a:schemeClr val="accent6"/>
+            </a:solidFill>
+          </a:ln>
+        </p:spPr>
+        <p:style>
+          <a:lnRef idx="1">
+            <a:schemeClr val="accent2"/>
+          </a:lnRef>
+          <a:fillRef idx="3">
+            <a:schemeClr val="accent2"/>
+          </a:fillRef>
+          <a:effectRef idx="2">
+            <a:schemeClr val="accent2"/>
+          </a:effectRef>
+          <a:fontRef idx="minor">
+            <a:schemeClr val="lt1"/>
+          </a:fontRef>
+        </p:style>
+        <p:txBody>
+          <a:bodyPr rtlCol="0" anchor="ctr"/>
+          <a:lstStyle/>
+          <a:p>
+            <a:pPr algn="ctr"/>
+            <a:endParaRPr lang="en-US">
+              <a:solidFill>
+                <a:schemeClr val="tx1"/>
+              </a:solidFill>
+            </a:endParaRPr>
+          </a:p>
+        </p:txBody>
+      </p:sp>
+      <p:sp>
+        <p:nvSpPr>
+          <p:cNvPr id="23" name="Pie 22">
+            <a:extLst>
+              <a:ext uri="{FF2B5EF4-FFF2-40B4-BE49-F238E27FC236}">
+                <a16:creationId xmlns:a16="http://schemas.microsoft.com/office/drawing/2014/main" id="{90F00601-24CD-212F-7248-BDF06E59805B}"/>
+              </a:ext>
+            </a:extLst>
+          </p:cNvPr>
+          <p:cNvSpPr/>
+          <p:nvPr/>
+        </p:nvSpPr>
+        <p:spPr>
+          <a:xfrm rot="7219556">
+            <a:off x="2116176" y="1202781"/>
+            <a:ext cx="6455979" cy="6455979"/>
+          </a:xfrm>
+          <a:prstGeom prst="pie">
+            <a:avLst>
+              <a:gd name="adj1" fmla="val 13496630"/>
+              <a:gd name="adj2" fmla="val 15299189"/>
+            </a:avLst>
+          </a:prstGeom>
+          <a:solidFill>
+            <a:schemeClr val="accent6"/>
+          </a:solidFill>
+          <a:ln>
+            <a:solidFill>
+              <a:schemeClr val="accent6"/>
+            </a:solidFill>
+          </a:ln>
+        </p:spPr>
+        <p:style>
+          <a:lnRef idx="1">
+            <a:schemeClr val="accent2"/>
+          </a:lnRef>
+          <a:fillRef idx="3">
+            <a:schemeClr val="accent2"/>
+          </a:fillRef>
+          <a:effectRef idx="2">
+            <a:schemeClr val="accent2"/>
+          </a:effectRef>
+          <a:fontRef idx="minor">
+            <a:schemeClr val="lt1"/>
+          </a:fontRef>
+        </p:style>
+        <p:txBody>
+          <a:bodyPr rtlCol="0" anchor="ctr"/>
+          <a:lstStyle/>
+          <a:p>
+            <a:pPr algn="ctr"/>
+            <a:endParaRPr lang="en-US">
+              <a:solidFill>
+                <a:schemeClr val="tx1"/>
+              </a:solidFill>
+            </a:endParaRPr>
+          </a:p>
+        </p:txBody>
+      </p:sp>
+      <p:sp>
+        <p:nvSpPr>
+          <p:cNvPr id="24" name="Pie 23">
+            <a:extLst>
+              <a:ext uri="{FF2B5EF4-FFF2-40B4-BE49-F238E27FC236}">
+                <a16:creationId xmlns:a16="http://schemas.microsoft.com/office/drawing/2014/main" id="{DFF70D07-CF55-A5C8-DCAE-272AFDD1502F}"/>
+              </a:ext>
+            </a:extLst>
+          </p:cNvPr>
+          <p:cNvSpPr/>
+          <p:nvPr/>
+        </p:nvSpPr>
+        <p:spPr>
+          <a:xfrm rot="19801887">
+            <a:off x="2176716" y="1195480"/>
+            <a:ext cx="6455979" cy="6455979"/>
+          </a:xfrm>
+          <a:prstGeom prst="pie">
+            <a:avLst>
+              <a:gd name="adj1" fmla="val 13496630"/>
+              <a:gd name="adj2" fmla="val 15299189"/>
+            </a:avLst>
+          </a:prstGeom>
+          <a:solidFill>
+            <a:schemeClr val="accent6">
+              <a:lumMod val="60000"/>
+              <a:lumOff val="40000"/>
+            </a:schemeClr>
+          </a:solidFill>
+          <a:ln>
+            <a:solidFill>
+              <a:schemeClr val="accent6"/>
+            </a:solidFill>
+          </a:ln>
+        </p:spPr>
+        <p:style>
+          <a:lnRef idx="1">
+            <a:schemeClr val="accent2"/>
+          </a:lnRef>
+          <a:fillRef idx="3">
+            <a:schemeClr val="accent2"/>
+          </a:fillRef>
+          <a:effectRef idx="2">
+            <a:schemeClr val="accent2"/>
+          </a:effectRef>
+          <a:fontRef idx="minor">
+            <a:schemeClr val="lt1"/>
+          </a:fontRef>
+        </p:style>
+        <p:txBody>
+          <a:bodyPr rtlCol="0" anchor="ctr"/>
+          <a:lstStyle/>
+          <a:p>
+            <a:pPr algn="ctr"/>
+            <a:endParaRPr lang="en-US">
+              <a:solidFill>
+                <a:schemeClr val="tx1"/>
+              </a:solidFill>
+            </a:endParaRPr>
+          </a:p>
+        </p:txBody>
+      </p:sp>
+      <p:sp>
+        <p:nvSpPr>
+          <p:cNvPr id="25" name="Pie 24">
+            <a:extLst>
+              <a:ext uri="{FF2B5EF4-FFF2-40B4-BE49-F238E27FC236}">
+                <a16:creationId xmlns:a16="http://schemas.microsoft.com/office/drawing/2014/main" id="{ED1BE790-E385-C6DC-D72B-A2AF49E31CEE}"/>
+              </a:ext>
+            </a:extLst>
+          </p:cNvPr>
+          <p:cNvSpPr/>
+          <p:nvPr/>
+        </p:nvSpPr>
+        <p:spPr>
+          <a:xfrm rot="17991081">
+            <a:off x="2176715" y="1178447"/>
+            <a:ext cx="6455979" cy="6455979"/>
+          </a:xfrm>
+          <a:prstGeom prst="pie">
+            <a:avLst>
+              <a:gd name="adj1" fmla="val 13496630"/>
+              <a:gd name="adj2" fmla="val 15299189"/>
+            </a:avLst>
+          </a:prstGeom>
+          <a:solidFill>
+            <a:schemeClr val="accent6"/>
+          </a:solidFill>
+          <a:ln>
+            <a:solidFill>
+              <a:schemeClr val="accent6"/>
+            </a:solidFill>
+          </a:ln>
+        </p:spPr>
+        <p:style>
+          <a:lnRef idx="1">
+            <a:schemeClr val="accent2"/>
+          </a:lnRef>
+          <a:fillRef idx="3">
+            <a:schemeClr val="accent2"/>
+          </a:fillRef>
+          <a:effectRef idx="2">
+            <a:schemeClr val="accent2"/>
+          </a:effectRef>
+          <a:fontRef idx="minor">
+            <a:schemeClr val="lt1"/>
+          </a:fontRef>
+        </p:style>
+        <p:txBody>
+          <a:bodyPr rtlCol="0" anchor="ctr"/>
+          <a:lstStyle/>
+          <a:p>
+            <a:pPr algn="ctr"/>
+            <a:endParaRPr lang="en-US">
+              <a:solidFill>
+                <a:schemeClr val="tx1"/>
+              </a:solidFill>
+            </a:endParaRPr>
+          </a:p>
+        </p:txBody>
+      </p:sp>
+      <p:sp>
+        <p:nvSpPr>
+          <p:cNvPr id="4" name="Pie 3">
+            <a:extLst>
+              <a:ext uri="{FF2B5EF4-FFF2-40B4-BE49-F238E27FC236}">
+                <a16:creationId xmlns:a16="http://schemas.microsoft.com/office/drawing/2014/main" id="{51EF9F9B-C802-7D74-CC69-FDF3D87132D9}"/>
+              </a:ext>
+            </a:extLst>
+          </p:cNvPr>
+          <p:cNvSpPr/>
+          <p:nvPr/>
+        </p:nvSpPr>
+        <p:spPr>
+          <a:xfrm>
+            <a:off x="3244704" y="2297253"/>
+            <a:ext cx="4320000" cy="4320000"/>
+          </a:xfrm>
+          <a:prstGeom prst="pie">
+            <a:avLst>
+              <a:gd name="adj1" fmla="val 13496630"/>
+              <a:gd name="adj2" fmla="val 15299189"/>
+            </a:avLst>
+          </a:prstGeom>
+        </p:spPr>
+        <p:style>
+          <a:lnRef idx="1">
+            <a:schemeClr val="accent2"/>
+          </a:lnRef>
+          <a:fillRef idx="3">
+            <a:schemeClr val="accent2"/>
+          </a:fillRef>
+          <a:effectRef idx="2">
+            <a:schemeClr val="accent2"/>
+          </a:effectRef>
+          <a:fontRef idx="minor">
+            <a:schemeClr val="lt1"/>
+          </a:fontRef>
+        </p:style>
+        <p:txBody>
+          <a:bodyPr rtlCol="0" anchor="ctr"/>
+          <a:lstStyle/>
+          <a:p>
+            <a:pPr algn="ctr"/>
+            <a:endParaRPr lang="en-US">
+              <a:solidFill>
+                <a:schemeClr val="tx1"/>
+              </a:solidFill>
+            </a:endParaRPr>
+          </a:p>
+        </p:txBody>
+      </p:sp>
+      <p:sp>
+        <p:nvSpPr>
+          <p:cNvPr id="5" name="Pie 4">
+            <a:extLst>
+              <a:ext uri="{FF2B5EF4-FFF2-40B4-BE49-F238E27FC236}">
+                <a16:creationId xmlns:a16="http://schemas.microsoft.com/office/drawing/2014/main" id="{23888CED-C3CD-422A-0B20-4BB995CDB545}"/>
+              </a:ext>
+            </a:extLst>
+          </p:cNvPr>
+          <p:cNvSpPr/>
+          <p:nvPr/>
+        </p:nvSpPr>
+        <p:spPr>
+          <a:xfrm rot="1812557">
+            <a:off x="3224585" y="2293812"/>
+            <a:ext cx="4320000" cy="4320000"/>
+          </a:xfrm>
+          <a:prstGeom prst="pie">
+            <a:avLst>
+              <a:gd name="adj1" fmla="val 13496630"/>
+              <a:gd name="adj2" fmla="val 15299189"/>
+            </a:avLst>
+          </a:prstGeom>
+          <a:solidFill>
+            <a:schemeClr val="accent2">
+              <a:lumMod val="60000"/>
+              <a:lumOff val="40000"/>
+            </a:schemeClr>
+          </a:solidFill>
+        </p:spPr>
+        <p:style>
+          <a:lnRef idx="1">
+            <a:schemeClr val="accent2"/>
+          </a:lnRef>
+          <a:fillRef idx="3">
+            <a:schemeClr val="accent2"/>
+          </a:fillRef>
+          <a:effectRef idx="2">
+            <a:schemeClr val="accent2"/>
+          </a:effectRef>
+          <a:fontRef idx="minor">
+            <a:schemeClr val="lt1"/>
+          </a:fontRef>
+        </p:style>
+        <p:txBody>
+          <a:bodyPr rtlCol="0" anchor="ctr"/>
+          <a:lstStyle/>
+          <a:p>
+            <a:pPr algn="ctr"/>
+            <a:endParaRPr lang="en-US">
+              <a:solidFill>
+                <a:schemeClr val="tx1"/>
+              </a:solidFill>
+            </a:endParaRPr>
+          </a:p>
+        </p:txBody>
+      </p:sp>
+      <p:sp>
+        <p:nvSpPr>
+          <p:cNvPr id="6" name="Pie 5">
+            <a:extLst>
+              <a:ext uri="{FF2B5EF4-FFF2-40B4-BE49-F238E27FC236}">
+                <a16:creationId xmlns:a16="http://schemas.microsoft.com/office/drawing/2014/main" id="{FAE3CB77-5F69-D18C-B457-8EE9B3B4FE87}"/>
+              </a:ext>
+            </a:extLst>
+          </p:cNvPr>
+          <p:cNvSpPr/>
+          <p:nvPr/>
+        </p:nvSpPr>
+        <p:spPr>
+          <a:xfrm rot="3622541">
+            <a:off x="3197120" y="2297825"/>
+            <a:ext cx="4320000" cy="4320000"/>
+          </a:xfrm>
+          <a:prstGeom prst="pie">
+            <a:avLst>
+              <a:gd name="adj1" fmla="val 13496630"/>
+              <a:gd name="adj2" fmla="val 15299189"/>
+            </a:avLst>
+          </a:prstGeom>
+          <a:solidFill>
+            <a:schemeClr val="accent2"/>
+          </a:solidFill>
+        </p:spPr>
+        <p:style>
+          <a:lnRef idx="1">
+            <a:schemeClr val="accent2"/>
+          </a:lnRef>
+          <a:fillRef idx="3">
+            <a:schemeClr val="accent2"/>
+          </a:fillRef>
+          <a:effectRef idx="2">
+            <a:schemeClr val="accent2"/>
+          </a:effectRef>
+          <a:fontRef idx="minor">
+            <a:schemeClr val="lt1"/>
+          </a:fontRef>
+        </p:style>
+        <p:txBody>
+          <a:bodyPr rtlCol="0" anchor="ctr"/>
+          <a:lstStyle/>
+          <a:p>
+            <a:pPr algn="ctr"/>
+            <a:endParaRPr lang="en-US">
+              <a:solidFill>
+                <a:schemeClr val="tx1"/>
+              </a:solidFill>
+            </a:endParaRPr>
+          </a:p>
+        </p:txBody>
+      </p:sp>
+      <p:sp>
+        <p:nvSpPr>
+          <p:cNvPr id="7" name="Pie 6">
+            <a:extLst>
+              <a:ext uri="{FF2B5EF4-FFF2-40B4-BE49-F238E27FC236}">
+                <a16:creationId xmlns:a16="http://schemas.microsoft.com/office/drawing/2014/main" id="{F220C6A6-6346-1F8C-7789-E8083713CAE1}"/>
+              </a:ext>
+            </a:extLst>
+          </p:cNvPr>
+          <p:cNvSpPr/>
+          <p:nvPr/>
+        </p:nvSpPr>
+        <p:spPr>
+          <a:xfrm rot="5400000">
+            <a:off x="3174616" y="2270770"/>
+            <a:ext cx="4320000" cy="4320000"/>
+          </a:xfrm>
+          <a:prstGeom prst="pie">
+            <a:avLst>
+              <a:gd name="adj1" fmla="val 13496630"/>
+              <a:gd name="adj2" fmla="val 15299189"/>
+            </a:avLst>
+          </a:prstGeom>
+          <a:solidFill>
+            <a:schemeClr val="accent2">
+              <a:lumMod val="60000"/>
+              <a:lumOff val="40000"/>
+            </a:schemeClr>
+          </a:solidFill>
+        </p:spPr>
+        <p:style>
+          <a:lnRef idx="1">
+            <a:schemeClr val="accent2"/>
+          </a:lnRef>
+          <a:fillRef idx="3">
+            <a:schemeClr val="accent2"/>
+          </a:fillRef>
+          <a:effectRef idx="2">
+            <a:schemeClr val="accent2"/>
+          </a:effectRef>
+          <a:fontRef idx="minor">
+            <a:schemeClr val="lt1"/>
+          </a:fontRef>
+        </p:style>
+        <p:txBody>
+          <a:bodyPr rtlCol="0" anchor="ctr"/>
+          <a:lstStyle/>
+          <a:p>
+            <a:pPr algn="ctr"/>
+            <a:endParaRPr lang="en-US">
+              <a:solidFill>
+                <a:schemeClr val="tx1"/>
+              </a:solidFill>
+            </a:endParaRPr>
+          </a:p>
+        </p:txBody>
+      </p:sp>
+      <p:sp>
+        <p:nvSpPr>
+          <p:cNvPr id="8" name="Pie 7">
+            <a:extLst>
+              <a:ext uri="{FF2B5EF4-FFF2-40B4-BE49-F238E27FC236}">
+                <a16:creationId xmlns:a16="http://schemas.microsoft.com/office/drawing/2014/main" id="{C6B4B5D4-4BB1-75F4-1C8C-5BAA4646459F}"/>
+              </a:ext>
+            </a:extLst>
+          </p:cNvPr>
+          <p:cNvSpPr/>
+          <p:nvPr/>
+        </p:nvSpPr>
+        <p:spPr>
+          <a:xfrm rot="7219556">
+            <a:off x="3174616" y="2268910"/>
+            <a:ext cx="4320000" cy="4320000"/>
+          </a:xfrm>
+          <a:prstGeom prst="pie">
+            <a:avLst>
+              <a:gd name="adj1" fmla="val 13496630"/>
+              <a:gd name="adj2" fmla="val 15299189"/>
+            </a:avLst>
+          </a:prstGeom>
+          <a:solidFill>
+            <a:schemeClr val="accent2"/>
+          </a:solidFill>
+        </p:spPr>
+        <p:style>
+          <a:lnRef idx="1">
+            <a:schemeClr val="accent2"/>
+          </a:lnRef>
+          <a:fillRef idx="3">
+            <a:schemeClr val="accent2"/>
+          </a:fillRef>
+          <a:effectRef idx="2">
+            <a:schemeClr val="accent2"/>
+          </a:effectRef>
+          <a:fontRef idx="minor">
+            <a:schemeClr val="lt1"/>
+          </a:fontRef>
+        </p:style>
+        <p:txBody>
+          <a:bodyPr rtlCol="0" anchor="ctr"/>
+          <a:lstStyle/>
+          <a:p>
+            <a:pPr algn="ctr"/>
+            <a:endParaRPr lang="en-US">
+              <a:solidFill>
+                <a:schemeClr val="tx1"/>
+              </a:solidFill>
+            </a:endParaRPr>
+          </a:p>
+        </p:txBody>
+      </p:sp>
+      <p:sp>
+        <p:nvSpPr>
+          <p:cNvPr id="9" name="Pie 8">
+            <a:extLst>
+              <a:ext uri="{FF2B5EF4-FFF2-40B4-BE49-F238E27FC236}">
+                <a16:creationId xmlns:a16="http://schemas.microsoft.com/office/drawing/2014/main" id="{83632897-B3D6-A857-A104-17452BE61520}"/>
+              </a:ext>
+            </a:extLst>
+          </p:cNvPr>
+          <p:cNvSpPr/>
+          <p:nvPr/>
+        </p:nvSpPr>
+        <p:spPr>
+          <a:xfrm rot="19801887">
+            <a:off x="3269302" y="2277881"/>
+            <a:ext cx="4320000" cy="4320000"/>
+          </a:xfrm>
+          <a:prstGeom prst="pie">
+            <a:avLst>
+              <a:gd name="adj1" fmla="val 13496630"/>
+              <a:gd name="adj2" fmla="val 15299189"/>
+            </a:avLst>
+          </a:prstGeom>
+          <a:solidFill>
+            <a:schemeClr val="accent2">
+              <a:lumMod val="60000"/>
+              <a:lumOff val="40000"/>
+            </a:schemeClr>
+          </a:solidFill>
+        </p:spPr>
+        <p:style>
+          <a:lnRef idx="1">
+            <a:schemeClr val="accent2"/>
+          </a:lnRef>
+          <a:fillRef idx="3">
+            <a:schemeClr val="accent2"/>
+          </a:fillRef>
+          <a:effectRef idx="2">
+            <a:schemeClr val="accent2"/>
+          </a:effectRef>
+          <a:fontRef idx="minor">
+            <a:schemeClr val="lt1"/>
+          </a:fontRef>
+        </p:style>
+        <p:txBody>
+          <a:bodyPr rtlCol="0" anchor="ctr"/>
+          <a:lstStyle/>
+          <a:p>
+            <a:pPr algn="ctr"/>
+            <a:endParaRPr lang="en-US">
+              <a:solidFill>
+                <a:schemeClr val="tx1"/>
+              </a:solidFill>
+            </a:endParaRPr>
+          </a:p>
+        </p:txBody>
+      </p:sp>
+      <p:sp>
+        <p:nvSpPr>
+          <p:cNvPr id="10" name="Pie 9">
+            <a:extLst>
+              <a:ext uri="{FF2B5EF4-FFF2-40B4-BE49-F238E27FC236}">
+                <a16:creationId xmlns:a16="http://schemas.microsoft.com/office/drawing/2014/main" id="{C9AB71FB-9C9E-66AB-10C3-7853830248C6}"/>
+              </a:ext>
+            </a:extLst>
+          </p:cNvPr>
+          <p:cNvSpPr/>
+          <p:nvPr/>
+        </p:nvSpPr>
+        <p:spPr>
+          <a:xfrm rot="17991081">
+            <a:off x="3273121" y="2240896"/>
+            <a:ext cx="4320000" cy="4320000"/>
+          </a:xfrm>
+          <a:prstGeom prst="pie">
+            <a:avLst>
+              <a:gd name="adj1" fmla="val 13496630"/>
+              <a:gd name="adj2" fmla="val 15299189"/>
+            </a:avLst>
+          </a:prstGeom>
+          <a:solidFill>
+            <a:schemeClr val="accent2"/>
+          </a:solidFill>
+        </p:spPr>
+        <p:style>
+          <a:lnRef idx="1">
+            <a:schemeClr val="accent2"/>
+          </a:lnRef>
+          <a:fillRef idx="3">
+            <a:schemeClr val="accent2"/>
+          </a:fillRef>
+          <a:effectRef idx="2">
+            <a:schemeClr val="accent2"/>
+          </a:effectRef>
+          <a:fontRef idx="minor">
+            <a:schemeClr val="lt1"/>
+          </a:fontRef>
+        </p:style>
+        <p:txBody>
+          <a:bodyPr rtlCol="0" anchor="ctr"/>
+          <a:lstStyle/>
+          <a:p>
+            <a:pPr algn="ctr"/>
+            <a:endParaRPr lang="en-US">
+              <a:solidFill>
+                <a:schemeClr val="tx1"/>
+              </a:solidFill>
+            </a:endParaRPr>
+          </a:p>
+        </p:txBody>
+      </p:sp>
+      <p:sp>
+        <p:nvSpPr>
+          <p:cNvPr id="26" name="Oval 25">
+            <a:extLst>
+              <a:ext uri="{FF2B5EF4-FFF2-40B4-BE49-F238E27FC236}">
+                <a16:creationId xmlns:a16="http://schemas.microsoft.com/office/drawing/2014/main" id="{3C1C1314-6FA6-3A66-EA95-B34AEC6FA0A9}"/>
+              </a:ext>
+            </a:extLst>
+          </p:cNvPr>
+          <p:cNvSpPr/>
+          <p:nvPr/>
+        </p:nvSpPr>
+        <p:spPr>
+          <a:xfrm>
+            <a:off x="4487917" y="3549843"/>
+            <a:ext cx="1707930" cy="1707930"/>
+          </a:xfrm>
+          <a:prstGeom prst="ellipse">
+            <a:avLst/>
+          </a:prstGeom>
+        </p:spPr>
+        <p:style>
+          <a:lnRef idx="2">
+            <a:schemeClr val="accent1">
+              <a:shade val="15000"/>
+            </a:schemeClr>
+          </a:lnRef>
+          <a:fillRef idx="1">
+            <a:schemeClr val="accent1"/>
+          </a:fillRef>
+          <a:effectRef idx="0">
+            <a:schemeClr val="accent1"/>
+          </a:effectRef>
+          <a:fontRef idx="minor">
+            <a:schemeClr val="lt1"/>
+          </a:fontRef>
+        </p:style>
+        <p:txBody>
+          <a:bodyPr rtlCol="0" anchor="ctr"/>
+          <a:lstStyle/>
+          <a:p>
+            <a:pPr algn="ctr"/>
+            <a:r>
+              <a:rPr lang="en-US"/>
+              <a:t>Agent</a:t>
+            </a:r>
+          </a:p>
+        </p:txBody>
+      </p:sp>
+      <p:sp>
+        <p:nvSpPr>
+          <p:cNvPr id="27" name="TextBox 26">
+            <a:extLst>
+              <a:ext uri="{FF2B5EF4-FFF2-40B4-BE49-F238E27FC236}">
+                <a16:creationId xmlns:a16="http://schemas.microsoft.com/office/drawing/2014/main" id="{C95598E1-05D1-E4CB-6EB4-3ECA92112376}"/>
+              </a:ext>
+            </a:extLst>
+          </p:cNvPr>
+          <p:cNvSpPr txBox="1"/>
+          <p:nvPr/>
+        </p:nvSpPr>
+        <p:spPr>
+          <a:xfrm>
+            <a:off x="3418917" y="4234531"/>
+            <a:ext cx="851900" cy="338554"/>
+          </a:xfrm>
+          <a:prstGeom prst="rect">
+            <a:avLst/>
+          </a:prstGeom>
+          <a:noFill/>
+        </p:spPr>
+        <p:txBody>
+          <a:bodyPr wrap="none" rtlCol="0">
+            <a:spAutoFit/>
+          </a:bodyPr>
+          <a:lstStyle/>
+          <a:p>
+            <a:r>
+              <a:rPr lang="en-US" sz="1600"/>
+              <a:t>Persona</a:t>
+            </a:r>
+          </a:p>
+        </p:txBody>
+      </p:sp>
+      <p:sp>
+        <p:nvSpPr>
+          <p:cNvPr id="28" name="TextBox 27">
+            <a:extLst>
+              <a:ext uri="{FF2B5EF4-FFF2-40B4-BE49-F238E27FC236}">
+                <a16:creationId xmlns:a16="http://schemas.microsoft.com/office/drawing/2014/main" id="{8247458B-245B-6063-DF7A-E91D013C54D3}"/>
+              </a:ext>
+            </a:extLst>
+          </p:cNvPr>
+          <p:cNvSpPr txBox="1"/>
+          <p:nvPr/>
+        </p:nvSpPr>
+        <p:spPr>
+          <a:xfrm>
+            <a:off x="3533375" y="3554723"/>
+            <a:ext cx="1088055" cy="338554"/>
+          </a:xfrm>
+          <a:prstGeom prst="rect">
+            <a:avLst/>
+          </a:prstGeom>
+          <a:noFill/>
+        </p:spPr>
+        <p:txBody>
+          <a:bodyPr wrap="none" rtlCol="0">
+            <a:spAutoFit/>
+          </a:bodyPr>
+          <a:lstStyle/>
+          <a:p>
+            <a:r>
+              <a:rPr lang="en-US" sz="1600"/>
+              <a:t>Instruction</a:t>
+            </a:r>
+          </a:p>
+        </p:txBody>
+      </p:sp>
+      <p:sp>
+        <p:nvSpPr>
+          <p:cNvPr id="29" name="TextBox 28">
+            <a:extLst>
+              <a:ext uri="{FF2B5EF4-FFF2-40B4-BE49-F238E27FC236}">
+                <a16:creationId xmlns:a16="http://schemas.microsoft.com/office/drawing/2014/main" id="{7E7D2AF1-9CB2-2952-CF7C-A350659BE89A}"/>
+              </a:ext>
+            </a:extLst>
+          </p:cNvPr>
+          <p:cNvSpPr txBox="1"/>
+          <p:nvPr/>
+        </p:nvSpPr>
+        <p:spPr>
+          <a:xfrm>
+            <a:off x="4296670" y="2937622"/>
+            <a:ext cx="538930" cy="338554"/>
+          </a:xfrm>
+          <a:prstGeom prst="rect">
+            <a:avLst/>
+          </a:prstGeom>
+          <a:noFill/>
+        </p:spPr>
+        <p:txBody>
+          <a:bodyPr wrap="none" rtlCol="0">
+            <a:spAutoFit/>
+          </a:bodyPr>
+          <a:lstStyle/>
+          <a:p>
+            <a:r>
+              <a:rPr lang="en-US" sz="1600"/>
+              <a:t>Task</a:t>
+            </a:r>
+          </a:p>
+        </p:txBody>
+      </p:sp>
+      <p:sp>
+        <p:nvSpPr>
+          <p:cNvPr id="30" name="TextBox 29">
+            <a:extLst>
+              <a:ext uri="{FF2B5EF4-FFF2-40B4-BE49-F238E27FC236}">
+                <a16:creationId xmlns:a16="http://schemas.microsoft.com/office/drawing/2014/main" id="{6C3A9295-A8B4-B9A3-7098-B66E69AE348A}"/>
+              </a:ext>
+            </a:extLst>
+          </p:cNvPr>
+          <p:cNvSpPr txBox="1"/>
+          <p:nvPr/>
+        </p:nvSpPr>
+        <p:spPr>
+          <a:xfrm>
+            <a:off x="4934782" y="2573829"/>
+            <a:ext cx="899605" cy="338554"/>
+          </a:xfrm>
+          <a:prstGeom prst="rect">
+            <a:avLst/>
+          </a:prstGeom>
+          <a:noFill/>
+        </p:spPr>
+        <p:txBody>
+          <a:bodyPr wrap="none" rtlCol="0">
+            <a:spAutoFit/>
+          </a:bodyPr>
+          <a:lstStyle/>
+          <a:p>
+            <a:r>
+              <a:rPr lang="en-US" sz="1600"/>
+              <a:t>Planning</a:t>
+            </a:r>
+          </a:p>
+        </p:txBody>
+      </p:sp>
+      <p:sp>
+        <p:nvSpPr>
+          <p:cNvPr id="31" name="TextBox 30">
+            <a:extLst>
+              <a:ext uri="{FF2B5EF4-FFF2-40B4-BE49-F238E27FC236}">
+                <a16:creationId xmlns:a16="http://schemas.microsoft.com/office/drawing/2014/main" id="{1DC885F4-A4FD-C132-2C32-0F7374E9C3D8}"/>
+              </a:ext>
+            </a:extLst>
+          </p:cNvPr>
+          <p:cNvSpPr txBox="1"/>
+          <p:nvPr/>
+        </p:nvSpPr>
+        <p:spPr>
+          <a:xfrm>
+            <a:off x="5711544" y="2917646"/>
+            <a:ext cx="900631" cy="338554"/>
+          </a:xfrm>
+          <a:prstGeom prst="rect">
+            <a:avLst/>
+          </a:prstGeom>
+          <a:noFill/>
+        </p:spPr>
+        <p:txBody>
+          <a:bodyPr wrap="none" rtlCol="0">
+            <a:spAutoFit/>
+          </a:bodyPr>
+          <a:lstStyle/>
+          <a:p>
+            <a:r>
+              <a:rPr lang="en-US" sz="1600"/>
+              <a:t>Memory</a:t>
+            </a:r>
+          </a:p>
+        </p:txBody>
+      </p:sp>
+      <p:sp>
+        <p:nvSpPr>
+          <p:cNvPr id="32" name="TextBox 31">
+            <a:extLst>
+              <a:ext uri="{FF2B5EF4-FFF2-40B4-BE49-F238E27FC236}">
+                <a16:creationId xmlns:a16="http://schemas.microsoft.com/office/drawing/2014/main" id="{F25AA1A9-1E6A-BD04-FE51-39EA8FA79D14}"/>
+              </a:ext>
+            </a:extLst>
+          </p:cNvPr>
+          <p:cNvSpPr txBox="1"/>
+          <p:nvPr/>
+        </p:nvSpPr>
+        <p:spPr>
+          <a:xfrm>
+            <a:off x="6363147" y="3554723"/>
+            <a:ext cx="610488" cy="338554"/>
+          </a:xfrm>
+          <a:prstGeom prst="rect">
+            <a:avLst/>
+          </a:prstGeom>
+          <a:noFill/>
+        </p:spPr>
+        <p:txBody>
+          <a:bodyPr wrap="none" rtlCol="0">
+            <a:spAutoFit/>
+          </a:bodyPr>
+          <a:lstStyle/>
+          <a:p>
+            <a:r>
+              <a:rPr lang="en-US" sz="1600"/>
+              <a:t>Tools</a:t>
+            </a:r>
+          </a:p>
+        </p:txBody>
+      </p:sp>
+      <p:sp>
+        <p:nvSpPr>
+          <p:cNvPr id="33" name="TextBox 32">
+            <a:extLst>
+              <a:ext uri="{FF2B5EF4-FFF2-40B4-BE49-F238E27FC236}">
+                <a16:creationId xmlns:a16="http://schemas.microsoft.com/office/drawing/2014/main" id="{66B911F1-D0E9-7506-1006-CE98677A959E}"/>
+              </a:ext>
+            </a:extLst>
+          </p:cNvPr>
+          <p:cNvSpPr txBox="1"/>
+          <p:nvPr/>
+        </p:nvSpPr>
+        <p:spPr>
+          <a:xfrm>
+            <a:off x="6303705" y="4260609"/>
+            <a:ext cx="1083053" cy="338554"/>
+          </a:xfrm>
+          <a:prstGeom prst="rect">
+            <a:avLst/>
+          </a:prstGeom>
+          <a:noFill/>
+        </p:spPr>
+        <p:txBody>
+          <a:bodyPr wrap="none" rtlCol="0">
+            <a:spAutoFit/>
+          </a:bodyPr>
+          <a:lstStyle/>
+          <a:p>
+            <a:r>
+              <a:rPr lang="en-US" sz="1600"/>
+              <a:t>Delegation</a:t>
+            </a:r>
+          </a:p>
+        </p:txBody>
+      </p:sp>
+      <p:sp>
+        <p:nvSpPr>
+          <p:cNvPr id="34" name="TextBox 33">
+            <a:extLst>
+              <a:ext uri="{FF2B5EF4-FFF2-40B4-BE49-F238E27FC236}">
+                <a16:creationId xmlns:a16="http://schemas.microsoft.com/office/drawing/2014/main" id="{4BFC009E-973E-D09D-DAF0-452EC0F8D32F}"/>
+              </a:ext>
+            </a:extLst>
+          </p:cNvPr>
+          <p:cNvSpPr txBox="1"/>
+          <p:nvPr/>
+        </p:nvSpPr>
+        <p:spPr>
+          <a:xfrm>
+            <a:off x="2236039" y="4048608"/>
+            <a:ext cx="907673" cy="584775"/>
+          </a:xfrm>
+          <a:prstGeom prst="rect">
+            <a:avLst/>
+          </a:prstGeom>
+          <a:noFill/>
+        </p:spPr>
+        <p:txBody>
+          <a:bodyPr wrap="square" rtlCol="0">
+            <a:spAutoFit/>
+          </a:bodyPr>
+          <a:lstStyle/>
+          <a:p>
+            <a:pPr algn="ctr"/>
+            <a:r>
+              <a:rPr lang="en-US" sz="1600"/>
+              <a:t>Job function</a:t>
+            </a:r>
+          </a:p>
+        </p:txBody>
+      </p:sp>
+      <p:sp>
+        <p:nvSpPr>
+          <p:cNvPr id="35" name="TextBox 34">
+            <a:extLst>
+              <a:ext uri="{FF2B5EF4-FFF2-40B4-BE49-F238E27FC236}">
+                <a16:creationId xmlns:a16="http://schemas.microsoft.com/office/drawing/2014/main" id="{F7940F5B-9055-F6AD-9B5B-306750ECE659}"/>
+              </a:ext>
+            </a:extLst>
+          </p:cNvPr>
+          <p:cNvSpPr txBox="1"/>
+          <p:nvPr/>
+        </p:nvSpPr>
+        <p:spPr>
+          <a:xfrm>
+            <a:off x="2460850" y="2772559"/>
+            <a:ext cx="1165309" cy="584775"/>
+          </a:xfrm>
+          <a:prstGeom prst="rect">
+            <a:avLst/>
+          </a:prstGeom>
+          <a:noFill/>
+        </p:spPr>
+        <p:txBody>
+          <a:bodyPr wrap="square" rtlCol="0">
+            <a:spAutoFit/>
+          </a:bodyPr>
+          <a:lstStyle/>
+          <a:p>
+            <a:pPr algn="ctr"/>
+            <a:r>
+              <a:rPr lang="en-US" sz="1600"/>
+              <a:t>Job description</a:t>
+            </a:r>
+          </a:p>
+        </p:txBody>
+      </p:sp>
+      <p:sp>
+        <p:nvSpPr>
+          <p:cNvPr id="36" name="TextBox 35">
+            <a:extLst>
+              <a:ext uri="{FF2B5EF4-FFF2-40B4-BE49-F238E27FC236}">
+                <a16:creationId xmlns:a16="http://schemas.microsoft.com/office/drawing/2014/main" id="{2BEF5B5E-C79E-6FDD-A000-77390C3DEC1C}"/>
+              </a:ext>
+            </a:extLst>
+          </p:cNvPr>
+          <p:cNvSpPr txBox="1"/>
+          <p:nvPr/>
+        </p:nvSpPr>
+        <p:spPr>
+          <a:xfrm>
+            <a:off x="3844005" y="1977424"/>
+            <a:ext cx="466794" cy="338554"/>
+          </a:xfrm>
+          <a:prstGeom prst="rect">
+            <a:avLst/>
+          </a:prstGeom>
+          <a:noFill/>
+        </p:spPr>
+        <p:txBody>
+          <a:bodyPr wrap="none" rtlCol="0">
+            <a:spAutoFit/>
+          </a:bodyPr>
+          <a:lstStyle/>
+          <a:p>
+            <a:r>
+              <a:rPr lang="en-US" sz="1600"/>
+              <a:t>Job</a:t>
+            </a:r>
+          </a:p>
+        </p:txBody>
+      </p:sp>
+      <p:sp>
+        <p:nvSpPr>
+          <p:cNvPr id="37" name="TextBox 36">
+            <a:extLst>
+              <a:ext uri="{FF2B5EF4-FFF2-40B4-BE49-F238E27FC236}">
+                <a16:creationId xmlns:a16="http://schemas.microsoft.com/office/drawing/2014/main" id="{617520E1-D2BE-E107-1418-EF16AE91E904}"/>
+              </a:ext>
+            </a:extLst>
+          </p:cNvPr>
+          <p:cNvSpPr txBox="1"/>
+          <p:nvPr/>
+        </p:nvSpPr>
+        <p:spPr>
+          <a:xfrm>
+            <a:off x="4963956" y="1569586"/>
+            <a:ext cx="870431" cy="338554"/>
+          </a:xfrm>
+          <a:prstGeom prst="rect">
+            <a:avLst/>
+          </a:prstGeom>
+          <a:noFill/>
+        </p:spPr>
+        <p:txBody>
+          <a:bodyPr wrap="none" rtlCol="0">
+            <a:spAutoFit/>
+          </a:bodyPr>
+          <a:lstStyle/>
+          <a:p>
+            <a:r>
+              <a:rPr lang="en-US" sz="1600"/>
+              <a:t>Strategy</a:t>
+            </a:r>
+          </a:p>
+        </p:txBody>
+      </p:sp>
+      <p:sp>
+        <p:nvSpPr>
+          <p:cNvPr id="38" name="TextBox 37">
+            <a:extLst>
+              <a:ext uri="{FF2B5EF4-FFF2-40B4-BE49-F238E27FC236}">
+                <a16:creationId xmlns:a16="http://schemas.microsoft.com/office/drawing/2014/main" id="{A1886BE6-3D46-45E7-9860-6B7032388506}"/>
+              </a:ext>
+            </a:extLst>
+          </p:cNvPr>
+          <p:cNvSpPr txBox="1"/>
+          <p:nvPr/>
+        </p:nvSpPr>
+        <p:spPr>
+          <a:xfrm>
+            <a:off x="6067873" y="1863801"/>
+            <a:ext cx="1262909" cy="584775"/>
+          </a:xfrm>
+          <a:prstGeom prst="rect">
+            <a:avLst/>
+          </a:prstGeom>
+          <a:noFill/>
+        </p:spPr>
+        <p:txBody>
+          <a:bodyPr wrap="square" rtlCol="0">
+            <a:spAutoFit/>
+          </a:bodyPr>
+          <a:lstStyle/>
+          <a:p>
+            <a:pPr algn="ctr"/>
+            <a:r>
+              <a:rPr lang="en-US" sz="1600"/>
+              <a:t>Historical context</a:t>
+            </a:r>
+          </a:p>
+        </p:txBody>
+      </p:sp>
+      <p:sp>
+        <p:nvSpPr>
+          <p:cNvPr id="39" name="TextBox 38">
+            <a:extLst>
+              <a:ext uri="{FF2B5EF4-FFF2-40B4-BE49-F238E27FC236}">
+                <a16:creationId xmlns:a16="http://schemas.microsoft.com/office/drawing/2014/main" id="{61480DC1-C820-34FF-A2C0-0F8BBD673707}"/>
+              </a:ext>
+            </a:extLst>
+          </p:cNvPr>
+          <p:cNvSpPr txBox="1"/>
+          <p:nvPr/>
+        </p:nvSpPr>
+        <p:spPr>
+          <a:xfrm>
+            <a:off x="7444502" y="2937622"/>
+            <a:ext cx="591829" cy="338554"/>
+          </a:xfrm>
+          <a:prstGeom prst="rect">
+            <a:avLst/>
+          </a:prstGeom>
+          <a:noFill/>
+        </p:spPr>
+        <p:txBody>
+          <a:bodyPr wrap="none" rtlCol="0">
+            <a:spAutoFit/>
+          </a:bodyPr>
+          <a:lstStyle/>
+          <a:p>
+            <a:r>
+              <a:rPr lang="en-US" sz="1600"/>
+              <a:t>Skills</a:t>
+            </a:r>
+          </a:p>
+        </p:txBody>
+      </p:sp>
+      <p:sp>
+        <p:nvSpPr>
+          <p:cNvPr id="40" name="TextBox 39">
+            <a:extLst>
+              <a:ext uri="{FF2B5EF4-FFF2-40B4-BE49-F238E27FC236}">
+                <a16:creationId xmlns:a16="http://schemas.microsoft.com/office/drawing/2014/main" id="{A6A197C1-6208-1477-F17A-D23BCAFD2073}"/>
+              </a:ext>
+            </a:extLst>
+          </p:cNvPr>
+          <p:cNvSpPr txBox="1"/>
+          <p:nvPr/>
+        </p:nvSpPr>
+        <p:spPr>
+          <a:xfrm>
+            <a:off x="7359215" y="4056310"/>
+            <a:ext cx="1340805" cy="584775"/>
+          </a:xfrm>
+          <a:prstGeom prst="rect">
+            <a:avLst/>
+          </a:prstGeom>
+          <a:noFill/>
+        </p:spPr>
+        <p:txBody>
+          <a:bodyPr wrap="square" rtlCol="0">
+            <a:spAutoFit/>
+          </a:bodyPr>
+          <a:lstStyle/>
+          <a:p>
+            <a:pPr algn="ctr"/>
+            <a:r>
+              <a:rPr lang="en-US" sz="1600"/>
+              <a:t>Team management</a:t>
+            </a:r>
+          </a:p>
+        </p:txBody>
+      </p:sp>
+    </p:spTree>
+    <p:extLst>
+      <p:ext uri="{BB962C8B-B14F-4D97-AF65-F5344CB8AC3E}">
+        <p14:creationId xmlns:p14="http://schemas.microsoft.com/office/powerpoint/2010/main" val="3099481577"/>
+      </p:ext>
+    </p:extLst>
+  </p:cSld>
+  <p:clrMapOvr>
+    <a:masterClrMapping/>
+  </p:clrMapOvr>
+</p:sld>
+</file>
+
+<file path=ppt/slides/slide47.xml><?xml version="1.0" encoding="utf-8"?>
+<p:sld xmlns:a="http://schemas.openxmlformats.org/drawingml/2006/main" xmlns:r="http://schemas.openxmlformats.org/officeDocument/2006/relationships" xmlns:p="http://schemas.openxmlformats.org/presentationml/2006/main">
+  <p:cSld>
+    <p:spTree>
+      <p:nvGrpSpPr>
+        <p:cNvPr id="1" name=""/>
+        <p:cNvGrpSpPr/>
+        <p:nvPr/>
+      </p:nvGrpSpPr>
+      <p:grpSpPr>
+        <a:xfrm>
+          <a:off x="0" y="0"/>
+          <a:ext cx="0" cy="0"/>
+          <a:chOff x="0" y="0"/>
+          <a:chExt cx="0" cy="0"/>
+        </a:xfrm>
+      </p:grpSpPr>
+      <p:sp>
+        <p:nvSpPr>
+          <p:cNvPr id="9" name="Oval 8">
+            <a:extLst>
+              <a:ext uri="{FF2B5EF4-FFF2-40B4-BE49-F238E27FC236}">
+                <a16:creationId xmlns:a16="http://schemas.microsoft.com/office/drawing/2014/main" id="{A7A17EE3-34DF-D896-0775-64004EA95482}"/>
+              </a:ext>
+            </a:extLst>
+          </p:cNvPr>
+          <p:cNvSpPr/>
+          <p:nvPr/>
+        </p:nvSpPr>
+        <p:spPr>
+          <a:xfrm>
+            <a:off x="4723891" y="2043638"/>
+            <a:ext cx="1096806" cy="1096806"/>
+          </a:xfrm>
+          <a:prstGeom prst="ellipse">
+            <a:avLst/>
+          </a:prstGeom>
+        </p:spPr>
+        <p:style>
+          <a:lnRef idx="2">
+            <a:schemeClr val="accent1">
+              <a:shade val="15000"/>
+            </a:schemeClr>
+          </a:lnRef>
+          <a:fillRef idx="1">
+            <a:schemeClr val="accent1"/>
+          </a:fillRef>
+          <a:effectRef idx="0">
+            <a:schemeClr val="accent1"/>
+          </a:effectRef>
+          <a:fontRef idx="minor">
+            <a:schemeClr val="lt1"/>
+          </a:fontRef>
+        </p:style>
+        <p:txBody>
+          <a:bodyPr rtlCol="0" anchor="ctr"/>
+          <a:lstStyle/>
+          <a:p>
+            <a:pPr algn="ctr"/>
+            <a:r>
+              <a:rPr lang="en-US"/>
+              <a:t>Agent</a:t>
+            </a:r>
+          </a:p>
+        </p:txBody>
+      </p:sp>
+      <p:pic>
+        <p:nvPicPr>
+          <p:cNvPr id="12" name="Graphic 11" descr="User outline">
+            <a:extLst>
+              <a:ext uri="{FF2B5EF4-FFF2-40B4-BE49-F238E27FC236}">
+                <a16:creationId xmlns:a16="http://schemas.microsoft.com/office/drawing/2014/main" id="{D3D3F929-778F-95FD-BADC-B11962BC50DC}"/>
+              </a:ext>
+            </a:extLst>
+          </p:cNvPr>
+          <p:cNvPicPr>
+            <a:picLocks noChangeAspect="1"/>
+          </p:cNvPicPr>
+          <p:nvPr/>
+        </p:nvPicPr>
+        <p:blipFill>
+          <a:blip r:embed="rId2">
+            <a:extLst>
+              <a:ext uri="{96DAC541-7B7A-43D3-8B79-37D633B846F1}">
+                <asvg:svgBlip xmlns:asvg="http://schemas.microsoft.com/office/drawing/2016/SVG/main" r:embed="rId3"/>
+              </a:ext>
+            </a:extLst>
+          </a:blip>
+          <a:stretch>
+            <a:fillRect/>
+          </a:stretch>
+        </p:blipFill>
+        <p:spPr>
+          <a:xfrm>
+            <a:off x="1828800" y="1837416"/>
+            <a:ext cx="1509251" cy="1509251"/>
+          </a:xfrm>
+          <a:prstGeom prst="rect">
+            <a:avLst/>
+          </a:prstGeom>
+        </p:spPr>
+      </p:pic>
+      <p:cxnSp>
+        <p:nvCxnSpPr>
+          <p:cNvPr id="14" name="Straight Arrow Connector 13">
+            <a:extLst>
+              <a:ext uri="{FF2B5EF4-FFF2-40B4-BE49-F238E27FC236}">
+                <a16:creationId xmlns:a16="http://schemas.microsoft.com/office/drawing/2014/main" id="{496136E0-F94A-812E-7311-996A588910EC}"/>
+              </a:ext>
+            </a:extLst>
+          </p:cNvPr>
+          <p:cNvCxnSpPr/>
+          <p:nvPr/>
+        </p:nvCxnSpPr>
+        <p:spPr>
+          <a:xfrm>
+            <a:off x="3338051" y="2340077"/>
+            <a:ext cx="1243781" cy="0"/>
+          </a:xfrm>
+          <a:prstGeom prst="straightConnector1">
+            <a:avLst/>
+          </a:prstGeom>
+          <a:ln w="38100" cap="flat" cmpd="sng" algn="ctr">
+            <a:solidFill>
+              <a:schemeClr val="accent2"/>
+            </a:solidFill>
+            <a:prstDash val="solid"/>
+            <a:round/>
+            <a:headEnd type="none" w="med" len="med"/>
+            <a:tailEnd type="arrow" w="med" len="med"/>
+          </a:ln>
+        </p:spPr>
+        <p:style>
+          <a:lnRef idx="0">
+            <a:scrgbClr r="0" g="0" b="0"/>
+          </a:lnRef>
+          <a:fillRef idx="0">
+            <a:scrgbClr r="0" g="0" b="0"/>
+          </a:fillRef>
+          <a:effectRef idx="0">
+            <a:scrgbClr r="0" g="0" b="0"/>
+          </a:effectRef>
+          <a:fontRef idx="minor">
+            <a:schemeClr val="tx1"/>
+          </a:fontRef>
+        </p:style>
+      </p:cxnSp>
+      <p:cxnSp>
+        <p:nvCxnSpPr>
+          <p:cNvPr id="15" name="Straight Arrow Connector 14">
+            <a:extLst>
+              <a:ext uri="{FF2B5EF4-FFF2-40B4-BE49-F238E27FC236}">
+                <a16:creationId xmlns:a16="http://schemas.microsoft.com/office/drawing/2014/main" id="{B9F83B02-755E-19B3-7866-B01DFA48A15C}"/>
+              </a:ext>
+            </a:extLst>
+          </p:cNvPr>
+          <p:cNvCxnSpPr/>
+          <p:nvPr/>
+        </p:nvCxnSpPr>
+        <p:spPr>
+          <a:xfrm>
+            <a:off x="3338050" y="2777612"/>
+            <a:ext cx="1243781" cy="0"/>
+          </a:xfrm>
+          <a:prstGeom prst="straightConnector1">
+            <a:avLst/>
+          </a:prstGeom>
+          <a:ln w="38100" cap="flat" cmpd="sng" algn="ctr">
+            <a:solidFill>
+              <a:schemeClr val="accent2"/>
+            </a:solidFill>
+            <a:prstDash val="solid"/>
+            <a:round/>
+            <a:headEnd type="arrow" w="med" len="med"/>
+            <a:tailEnd type="none" w="med" len="med"/>
+          </a:ln>
+        </p:spPr>
+        <p:style>
+          <a:lnRef idx="0">
+            <a:scrgbClr r="0" g="0" b="0"/>
+          </a:lnRef>
+          <a:fillRef idx="0">
+            <a:scrgbClr r="0" g="0" b="0"/>
+          </a:fillRef>
+          <a:effectRef idx="0">
+            <a:scrgbClr r="0" g="0" b="0"/>
+          </a:effectRef>
+          <a:fontRef idx="minor">
+            <a:schemeClr val="tx1"/>
+          </a:fontRef>
+        </p:style>
+      </p:cxnSp>
+      <p:pic>
+        <p:nvPicPr>
+          <p:cNvPr id="18" name="Graphic 17" descr="Document outline">
+            <a:extLst>
+              <a:ext uri="{FF2B5EF4-FFF2-40B4-BE49-F238E27FC236}">
+                <a16:creationId xmlns:a16="http://schemas.microsoft.com/office/drawing/2014/main" id="{E50B1D95-ABF2-3E21-451E-149AA4D2982F}"/>
+              </a:ext>
+            </a:extLst>
+          </p:cNvPr>
+          <p:cNvPicPr>
+            <a:picLocks noChangeAspect="1"/>
+          </p:cNvPicPr>
+          <p:nvPr/>
+        </p:nvPicPr>
+        <p:blipFill>
+          <a:blip r:embed="rId4">
+            <a:extLst>
+              <a:ext uri="{96DAC541-7B7A-43D3-8B79-37D633B846F1}">
+                <asvg:svgBlip xmlns:asvg="http://schemas.microsoft.com/office/drawing/2016/SVG/main" r:embed="rId5"/>
+              </a:ext>
+            </a:extLst>
+          </a:blip>
+          <a:stretch>
+            <a:fillRect/>
+          </a:stretch>
+        </p:blipFill>
+        <p:spPr>
+          <a:xfrm>
+            <a:off x="7127877" y="2153150"/>
+            <a:ext cx="737929" cy="737929"/>
+          </a:xfrm>
+          <a:prstGeom prst="rect">
+            <a:avLst/>
+          </a:prstGeom>
+        </p:spPr>
+      </p:pic>
+      <p:cxnSp>
+        <p:nvCxnSpPr>
+          <p:cNvPr id="28" name="Curved Connector 27">
+            <a:extLst>
+              <a:ext uri="{FF2B5EF4-FFF2-40B4-BE49-F238E27FC236}">
+                <a16:creationId xmlns:a16="http://schemas.microsoft.com/office/drawing/2014/main" id="{7F2C4B35-220D-E40E-354D-612C73141CF8}"/>
+              </a:ext>
+            </a:extLst>
+          </p:cNvPr>
+          <p:cNvCxnSpPr>
+            <a:cxnSpLocks/>
+            <a:stCxn id="9" idx="7"/>
+          </p:cNvCxnSpPr>
+          <p:nvPr/>
+        </p:nvCxnSpPr>
+        <p:spPr>
+          <a:xfrm rot="5400000" flipH="1" flipV="1">
+            <a:off x="6513616" y="1299607"/>
+            <a:ext cx="51112" cy="1758198"/>
+          </a:xfrm>
+          <a:prstGeom prst="curvedConnector3">
+            <a:avLst>
+              <a:gd name="adj1" fmla="val 746093"/>
+            </a:avLst>
+          </a:prstGeom>
+          <a:ln w="28575">
+            <a:prstDash val="solid"/>
+            <a:tailEnd type="triangle"/>
+          </a:ln>
+        </p:spPr>
+        <p:style>
+          <a:lnRef idx="1">
+            <a:schemeClr val="accent1"/>
+          </a:lnRef>
+          <a:fillRef idx="0">
+            <a:schemeClr val="accent1"/>
+          </a:fillRef>
+          <a:effectRef idx="0">
+            <a:schemeClr val="accent1"/>
+          </a:effectRef>
+          <a:fontRef idx="minor">
+            <a:schemeClr val="tx1"/>
+          </a:fontRef>
+        </p:style>
+      </p:cxnSp>
+      <p:cxnSp>
+        <p:nvCxnSpPr>
+          <p:cNvPr id="32" name="Curved Connector 31">
+            <a:extLst>
+              <a:ext uri="{FF2B5EF4-FFF2-40B4-BE49-F238E27FC236}">
+                <a16:creationId xmlns:a16="http://schemas.microsoft.com/office/drawing/2014/main" id="{651F89BA-F034-EB69-08AE-60C77EEFADF6}"/>
+              </a:ext>
+            </a:extLst>
+          </p:cNvPr>
+          <p:cNvCxnSpPr>
+            <a:cxnSpLocks/>
+            <a:endCxn id="9" idx="5"/>
+          </p:cNvCxnSpPr>
+          <p:nvPr/>
+        </p:nvCxnSpPr>
+        <p:spPr>
+          <a:xfrm rot="5400000">
+            <a:off x="6513616" y="2075165"/>
+            <a:ext cx="51112" cy="1758198"/>
+          </a:xfrm>
+          <a:prstGeom prst="curvedConnector3">
+            <a:avLst>
+              <a:gd name="adj1" fmla="val 861512"/>
+            </a:avLst>
+          </a:prstGeom>
+          <a:ln w="28575">
+            <a:prstDash val="solid"/>
+            <a:tailEnd type="triangle"/>
+          </a:ln>
+        </p:spPr>
+        <p:style>
+          <a:lnRef idx="1">
+            <a:schemeClr val="accent1"/>
+          </a:lnRef>
+          <a:fillRef idx="0">
+            <a:schemeClr val="accent1"/>
+          </a:fillRef>
+          <a:effectRef idx="0">
+            <a:schemeClr val="accent1"/>
+          </a:effectRef>
+          <a:fontRef idx="minor">
+            <a:schemeClr val="tx1"/>
+          </a:fontRef>
+        </p:style>
+      </p:cxnSp>
+      <p:sp>
+        <p:nvSpPr>
+          <p:cNvPr id="36" name="TextBox 35">
+            <a:extLst>
+              <a:ext uri="{FF2B5EF4-FFF2-40B4-BE49-F238E27FC236}">
+                <a16:creationId xmlns:a16="http://schemas.microsoft.com/office/drawing/2014/main" id="{210B0A49-ACA4-6210-4C37-A98E6C0E6C7E}"/>
+              </a:ext>
+            </a:extLst>
+          </p:cNvPr>
+          <p:cNvSpPr txBox="1"/>
+          <p:nvPr/>
+        </p:nvSpPr>
+        <p:spPr>
+          <a:xfrm>
+            <a:off x="6210952" y="2397208"/>
+            <a:ext cx="738407" cy="338554"/>
+          </a:xfrm>
+          <a:prstGeom prst="rect">
+            <a:avLst/>
+          </a:prstGeom>
+          <a:noFill/>
+        </p:spPr>
+        <p:txBody>
+          <a:bodyPr wrap="none" rtlCol="0">
+            <a:spAutoFit/>
+          </a:bodyPr>
+          <a:lstStyle/>
+          <a:p>
+            <a:r>
+              <a:rPr lang="en-US" sz="1600"/>
+              <a:t>Iterate</a:t>
+            </a:r>
+          </a:p>
+        </p:txBody>
+      </p:sp>
+      <p:sp>
+        <p:nvSpPr>
+          <p:cNvPr id="37" name="TextBox 36">
+            <a:extLst>
+              <a:ext uri="{FF2B5EF4-FFF2-40B4-BE49-F238E27FC236}">
+                <a16:creationId xmlns:a16="http://schemas.microsoft.com/office/drawing/2014/main" id="{612EBB3F-87D7-E34E-A201-69F0F49E5A44}"/>
+              </a:ext>
+            </a:extLst>
+          </p:cNvPr>
+          <p:cNvSpPr txBox="1"/>
+          <p:nvPr/>
+        </p:nvSpPr>
+        <p:spPr>
+          <a:xfrm>
+            <a:off x="3629260" y="1885544"/>
+            <a:ext cx="860044" cy="338554"/>
+          </a:xfrm>
+          <a:prstGeom prst="rect">
+            <a:avLst/>
+          </a:prstGeom>
+          <a:noFill/>
+        </p:spPr>
+        <p:txBody>
+          <a:bodyPr wrap="none" rtlCol="0">
+            <a:spAutoFit/>
+          </a:bodyPr>
+          <a:lstStyle/>
+          <a:p>
+            <a:r>
+              <a:rPr lang="en-US" sz="1600"/>
+              <a:t>Request</a:t>
+            </a:r>
+          </a:p>
+        </p:txBody>
+      </p:sp>
+      <p:sp>
+        <p:nvSpPr>
+          <p:cNvPr id="38" name="TextBox 37">
+            <a:extLst>
+              <a:ext uri="{FF2B5EF4-FFF2-40B4-BE49-F238E27FC236}">
+                <a16:creationId xmlns:a16="http://schemas.microsoft.com/office/drawing/2014/main" id="{97929C9C-7F8A-B0F9-0ED5-7D22B78A9C86}"/>
+              </a:ext>
+            </a:extLst>
+          </p:cNvPr>
+          <p:cNvSpPr txBox="1"/>
+          <p:nvPr/>
+        </p:nvSpPr>
+        <p:spPr>
+          <a:xfrm>
+            <a:off x="3567994" y="2891079"/>
+            <a:ext cx="982577" cy="338554"/>
+          </a:xfrm>
+          <a:prstGeom prst="rect">
+            <a:avLst/>
+          </a:prstGeom>
+          <a:noFill/>
+        </p:spPr>
+        <p:txBody>
+          <a:bodyPr wrap="none" rtlCol="0">
+            <a:spAutoFit/>
+          </a:bodyPr>
+          <a:lstStyle/>
+          <a:p>
+            <a:r>
+              <a:rPr lang="en-US" sz="1600"/>
+              <a:t>Response</a:t>
+            </a:r>
+          </a:p>
+        </p:txBody>
+      </p:sp>
+    </p:spTree>
+    <p:extLst>
+      <p:ext uri="{BB962C8B-B14F-4D97-AF65-F5344CB8AC3E}">
+        <p14:creationId xmlns:p14="http://schemas.microsoft.com/office/powerpoint/2010/main" val="1780893209"/>
+      </p:ext>
+    </p:extLst>
+  </p:cSld>
+  <p:clrMapOvr>
+    <a:masterClrMapping/>
+  </p:clrMapOvr>
+</p:sld>
+</file>
+
+<file path=ppt/slides/slide48.xml><?xml version="1.0" encoding="utf-8"?>
+<p:sld xmlns:a="http://schemas.openxmlformats.org/drawingml/2006/main" xmlns:r="http://schemas.openxmlformats.org/officeDocument/2006/relationships" xmlns:p="http://schemas.openxmlformats.org/presentationml/2006/main">
+  <p:cSld>
+    <p:spTree>
+      <p:nvGrpSpPr>
+        <p:cNvPr id="1" name="">
+          <a:extLst>
+            <a:ext uri="{FF2B5EF4-FFF2-40B4-BE49-F238E27FC236}">
+              <a16:creationId xmlns:a16="http://schemas.microsoft.com/office/drawing/2014/main" id="{1C57C049-E22E-B24C-34B6-072707CD0A6E}"/>
+            </a:ext>
+          </a:extLst>
+        </p:cNvPr>
+        <p:cNvGrpSpPr/>
+        <p:nvPr/>
+      </p:nvGrpSpPr>
+      <p:grpSpPr>
+        <a:xfrm>
+          <a:off x="0" y="0"/>
+          <a:ext cx="0" cy="0"/>
+          <a:chOff x="0" y="0"/>
+          <a:chExt cx="0" cy="0"/>
+        </a:xfrm>
+      </p:grpSpPr>
+      <p:sp>
+        <p:nvSpPr>
+          <p:cNvPr id="9" name="Oval 8">
+            <a:extLst>
+              <a:ext uri="{FF2B5EF4-FFF2-40B4-BE49-F238E27FC236}">
+                <a16:creationId xmlns:a16="http://schemas.microsoft.com/office/drawing/2014/main" id="{555AB0E1-1A39-7E21-01C6-C22361C56467}"/>
+              </a:ext>
+            </a:extLst>
+          </p:cNvPr>
+          <p:cNvSpPr/>
+          <p:nvPr/>
+        </p:nvSpPr>
+        <p:spPr>
+          <a:xfrm>
+            <a:off x="4487917" y="2613909"/>
+            <a:ext cx="1096806" cy="1096806"/>
+          </a:xfrm>
+          <a:prstGeom prst="ellipse">
+            <a:avLst/>
+          </a:prstGeom>
+        </p:spPr>
+        <p:style>
+          <a:lnRef idx="2">
+            <a:schemeClr val="accent1">
+              <a:shade val="15000"/>
+            </a:schemeClr>
+          </a:lnRef>
+          <a:fillRef idx="1">
+            <a:schemeClr val="accent1"/>
+          </a:fillRef>
+          <a:effectRef idx="0">
+            <a:schemeClr val="accent1"/>
+          </a:effectRef>
+          <a:fontRef idx="minor">
+            <a:schemeClr val="lt1"/>
+          </a:fontRef>
+        </p:style>
+        <p:txBody>
+          <a:bodyPr rtlCol="0" anchor="ctr"/>
+          <a:lstStyle/>
+          <a:p>
+            <a:pPr algn="ctr"/>
+            <a:r>
+              <a:rPr lang="en-US"/>
+              <a:t>Agent</a:t>
+            </a:r>
+          </a:p>
+        </p:txBody>
+      </p:sp>
+      <p:pic>
+        <p:nvPicPr>
+          <p:cNvPr id="12" name="Graphic 11" descr="User outline">
+            <a:extLst>
+              <a:ext uri="{FF2B5EF4-FFF2-40B4-BE49-F238E27FC236}">
+                <a16:creationId xmlns:a16="http://schemas.microsoft.com/office/drawing/2014/main" id="{A00C6838-A13C-5B0C-C17B-092D16F0CA17}"/>
+              </a:ext>
+            </a:extLst>
+          </p:cNvPr>
+          <p:cNvPicPr>
+            <a:picLocks noChangeAspect="1"/>
+          </p:cNvPicPr>
+          <p:nvPr/>
+        </p:nvPicPr>
+        <p:blipFill>
+          <a:blip r:embed="rId2">
+            <a:extLst>
+              <a:ext uri="{96DAC541-7B7A-43D3-8B79-37D633B846F1}">
+                <asvg:svgBlip xmlns:asvg="http://schemas.microsoft.com/office/drawing/2016/SVG/main" r:embed="rId3"/>
+              </a:ext>
+            </a:extLst>
+          </a:blip>
+          <a:stretch>
+            <a:fillRect/>
+          </a:stretch>
+        </p:blipFill>
+        <p:spPr>
+          <a:xfrm>
+            <a:off x="1592826" y="2407687"/>
+            <a:ext cx="1509251" cy="1509251"/>
+          </a:xfrm>
+          <a:prstGeom prst="rect">
+            <a:avLst/>
+          </a:prstGeom>
+        </p:spPr>
+      </p:pic>
+      <p:cxnSp>
+        <p:nvCxnSpPr>
+          <p:cNvPr id="14" name="Straight Arrow Connector 13">
+            <a:extLst>
+              <a:ext uri="{FF2B5EF4-FFF2-40B4-BE49-F238E27FC236}">
+                <a16:creationId xmlns:a16="http://schemas.microsoft.com/office/drawing/2014/main" id="{F97EB0C7-CE5D-AD0A-5FCA-E3E272428D57}"/>
+              </a:ext>
+            </a:extLst>
+          </p:cNvPr>
+          <p:cNvCxnSpPr/>
+          <p:nvPr/>
+        </p:nvCxnSpPr>
+        <p:spPr>
+          <a:xfrm>
+            <a:off x="3102077" y="2910348"/>
+            <a:ext cx="1243781" cy="0"/>
+          </a:xfrm>
+          <a:prstGeom prst="straightConnector1">
+            <a:avLst/>
+          </a:prstGeom>
+          <a:ln w="38100" cap="flat" cmpd="sng" algn="ctr">
+            <a:solidFill>
+              <a:schemeClr val="accent2"/>
+            </a:solidFill>
+            <a:prstDash val="solid"/>
+            <a:round/>
+            <a:headEnd type="none" w="med" len="med"/>
+            <a:tailEnd type="arrow" w="med" len="med"/>
+          </a:ln>
+        </p:spPr>
+        <p:style>
+          <a:lnRef idx="0">
+            <a:scrgbClr r="0" g="0" b="0"/>
+          </a:lnRef>
+          <a:fillRef idx="0">
+            <a:scrgbClr r="0" g="0" b="0"/>
+          </a:fillRef>
+          <a:effectRef idx="0">
+            <a:scrgbClr r="0" g="0" b="0"/>
+          </a:effectRef>
+          <a:fontRef idx="minor">
+            <a:schemeClr val="tx1"/>
+          </a:fontRef>
+        </p:style>
+      </p:cxnSp>
+      <p:cxnSp>
+        <p:nvCxnSpPr>
+          <p:cNvPr id="15" name="Straight Arrow Connector 14">
+            <a:extLst>
+              <a:ext uri="{FF2B5EF4-FFF2-40B4-BE49-F238E27FC236}">
+                <a16:creationId xmlns:a16="http://schemas.microsoft.com/office/drawing/2014/main" id="{C08AE9CD-B9E4-2432-B071-86DA42D0E70B}"/>
+              </a:ext>
+            </a:extLst>
+          </p:cNvPr>
+          <p:cNvCxnSpPr/>
+          <p:nvPr/>
+        </p:nvCxnSpPr>
+        <p:spPr>
+          <a:xfrm>
+            <a:off x="3102076" y="3347883"/>
+            <a:ext cx="1243781" cy="0"/>
+          </a:xfrm>
+          <a:prstGeom prst="straightConnector1">
+            <a:avLst/>
+          </a:prstGeom>
+          <a:ln w="38100" cap="flat" cmpd="sng" algn="ctr">
+            <a:solidFill>
+              <a:schemeClr val="accent2"/>
+            </a:solidFill>
+            <a:prstDash val="solid"/>
+            <a:round/>
+            <a:headEnd type="arrow" w="med" len="med"/>
+            <a:tailEnd type="none" w="med" len="med"/>
+          </a:ln>
+        </p:spPr>
+        <p:style>
+          <a:lnRef idx="0">
+            <a:scrgbClr r="0" g="0" b="0"/>
+          </a:lnRef>
+          <a:fillRef idx="0">
+            <a:scrgbClr r="0" g="0" b="0"/>
+          </a:fillRef>
+          <a:effectRef idx="0">
+            <a:scrgbClr r="0" g="0" b="0"/>
+          </a:effectRef>
+          <a:fontRef idx="minor">
+            <a:schemeClr val="tx1"/>
+          </a:fontRef>
+        </p:style>
+      </p:cxnSp>
+      <p:sp>
+        <p:nvSpPr>
+          <p:cNvPr id="37" name="TextBox 36">
+            <a:extLst>
+              <a:ext uri="{FF2B5EF4-FFF2-40B4-BE49-F238E27FC236}">
+                <a16:creationId xmlns:a16="http://schemas.microsoft.com/office/drawing/2014/main" id="{33C8355B-3F51-8C32-FF18-98E98B6356BB}"/>
+              </a:ext>
+            </a:extLst>
+          </p:cNvPr>
+          <p:cNvSpPr txBox="1"/>
+          <p:nvPr/>
+        </p:nvSpPr>
+        <p:spPr>
+          <a:xfrm>
+            <a:off x="3393286" y="2455815"/>
+            <a:ext cx="860044" cy="338554"/>
+          </a:xfrm>
+          <a:prstGeom prst="rect">
+            <a:avLst/>
+          </a:prstGeom>
+          <a:noFill/>
+        </p:spPr>
+        <p:txBody>
+          <a:bodyPr wrap="none" rtlCol="0">
+            <a:spAutoFit/>
+          </a:bodyPr>
+          <a:lstStyle/>
+          <a:p>
+            <a:r>
+              <a:rPr lang="en-US" sz="1600"/>
+              <a:t>Request</a:t>
+            </a:r>
+          </a:p>
+        </p:txBody>
+      </p:sp>
+      <p:sp>
+        <p:nvSpPr>
+          <p:cNvPr id="38" name="TextBox 37">
+            <a:extLst>
+              <a:ext uri="{FF2B5EF4-FFF2-40B4-BE49-F238E27FC236}">
+                <a16:creationId xmlns:a16="http://schemas.microsoft.com/office/drawing/2014/main" id="{EDFD8205-FDAF-D8E2-5B44-4B6ADFBF76DE}"/>
+              </a:ext>
+            </a:extLst>
+          </p:cNvPr>
+          <p:cNvSpPr txBox="1"/>
+          <p:nvPr/>
+        </p:nvSpPr>
+        <p:spPr>
+          <a:xfrm>
+            <a:off x="3332020" y="3461350"/>
+            <a:ext cx="982577" cy="338554"/>
+          </a:xfrm>
+          <a:prstGeom prst="rect">
+            <a:avLst/>
+          </a:prstGeom>
+          <a:noFill/>
+        </p:spPr>
+        <p:txBody>
+          <a:bodyPr wrap="none" rtlCol="0">
+            <a:spAutoFit/>
+          </a:bodyPr>
+          <a:lstStyle/>
+          <a:p>
+            <a:r>
+              <a:rPr lang="en-US" sz="1600"/>
+              <a:t>Response</a:t>
+            </a:r>
+          </a:p>
+        </p:txBody>
+      </p:sp>
+      <p:sp>
+        <p:nvSpPr>
+          <p:cNvPr id="2" name="Oval 1">
+            <a:extLst>
+              <a:ext uri="{FF2B5EF4-FFF2-40B4-BE49-F238E27FC236}">
+                <a16:creationId xmlns:a16="http://schemas.microsoft.com/office/drawing/2014/main" id="{7A2DECD8-BA52-10F1-7B83-2B3218CB3634}"/>
+              </a:ext>
+            </a:extLst>
+          </p:cNvPr>
+          <p:cNvSpPr/>
+          <p:nvPr/>
+        </p:nvSpPr>
+        <p:spPr>
+          <a:xfrm>
+            <a:off x="5810353" y="1422835"/>
+            <a:ext cx="983735" cy="952135"/>
+          </a:xfrm>
+          <a:prstGeom prst="ellipse">
+            <a:avLst/>
+          </a:prstGeom>
+        </p:spPr>
+        <p:style>
+          <a:lnRef idx="1">
+            <a:schemeClr val="accent6"/>
+          </a:lnRef>
+          <a:fillRef idx="3">
+            <a:schemeClr val="accent6"/>
+          </a:fillRef>
+          <a:effectRef idx="2">
+            <a:schemeClr val="accent6"/>
+          </a:effectRef>
+          <a:fontRef idx="minor">
+            <a:schemeClr val="lt1"/>
+          </a:fontRef>
+        </p:style>
+        <p:txBody>
+          <a:bodyPr rtlCol="0" anchor="ctr"/>
+          <a:lstStyle/>
+          <a:p>
+            <a:pPr algn="ctr"/>
+            <a:r>
+              <a:rPr lang="en-US" sz="1600"/>
+              <a:t>Tool 1</a:t>
+            </a:r>
+          </a:p>
+        </p:txBody>
+      </p:sp>
+      <p:sp>
+        <p:nvSpPr>
+          <p:cNvPr id="3" name="Oval 2">
+            <a:extLst>
+              <a:ext uri="{FF2B5EF4-FFF2-40B4-BE49-F238E27FC236}">
+                <a16:creationId xmlns:a16="http://schemas.microsoft.com/office/drawing/2014/main" id="{B692F6DB-35B0-D5E2-C39B-A631CF347161}"/>
+              </a:ext>
+            </a:extLst>
+          </p:cNvPr>
+          <p:cNvSpPr/>
+          <p:nvPr/>
+        </p:nvSpPr>
+        <p:spPr>
+          <a:xfrm>
+            <a:off x="6607279" y="2686244"/>
+            <a:ext cx="983735" cy="952135"/>
+          </a:xfrm>
+          <a:prstGeom prst="ellipse">
+            <a:avLst/>
+          </a:prstGeom>
+        </p:spPr>
+        <p:style>
+          <a:lnRef idx="1">
+            <a:schemeClr val="accent6"/>
+          </a:lnRef>
+          <a:fillRef idx="3">
+            <a:schemeClr val="accent6"/>
+          </a:fillRef>
+          <a:effectRef idx="2">
+            <a:schemeClr val="accent6"/>
+          </a:effectRef>
+          <a:fontRef idx="minor">
+            <a:schemeClr val="lt1"/>
+          </a:fontRef>
+        </p:style>
+        <p:txBody>
+          <a:bodyPr rtlCol="0" anchor="ctr"/>
+          <a:lstStyle/>
+          <a:p>
+            <a:pPr algn="ctr"/>
+            <a:r>
+              <a:rPr lang="en-US" sz="1600"/>
+              <a:t>Tool 1</a:t>
+            </a:r>
+          </a:p>
+        </p:txBody>
+      </p:sp>
+      <p:sp>
+        <p:nvSpPr>
+          <p:cNvPr id="4" name="Oval 3">
+            <a:extLst>
+              <a:ext uri="{FF2B5EF4-FFF2-40B4-BE49-F238E27FC236}">
+                <a16:creationId xmlns:a16="http://schemas.microsoft.com/office/drawing/2014/main" id="{BAF1B5A3-5303-DE95-EE5F-E058CB57269B}"/>
+              </a:ext>
+            </a:extLst>
+          </p:cNvPr>
+          <p:cNvSpPr/>
+          <p:nvPr/>
+        </p:nvSpPr>
+        <p:spPr>
+          <a:xfrm>
+            <a:off x="5810353" y="3916938"/>
+            <a:ext cx="983735" cy="952135"/>
+          </a:xfrm>
+          <a:prstGeom prst="ellipse">
+            <a:avLst/>
+          </a:prstGeom>
+        </p:spPr>
+        <p:style>
+          <a:lnRef idx="1">
+            <a:schemeClr val="accent6"/>
+          </a:lnRef>
+          <a:fillRef idx="3">
+            <a:schemeClr val="accent6"/>
+          </a:fillRef>
+          <a:effectRef idx="2">
+            <a:schemeClr val="accent6"/>
+          </a:effectRef>
+          <a:fontRef idx="minor">
+            <a:schemeClr val="lt1"/>
+          </a:fontRef>
+        </p:style>
+        <p:txBody>
+          <a:bodyPr rtlCol="0" anchor="ctr"/>
+          <a:lstStyle/>
+          <a:p>
+            <a:pPr algn="ctr"/>
+            <a:r>
+              <a:rPr lang="en-US" sz="1600"/>
+              <a:t>Tool 1</a:t>
+            </a:r>
+          </a:p>
+        </p:txBody>
+      </p:sp>
+      <p:cxnSp>
+        <p:nvCxnSpPr>
+          <p:cNvPr id="6" name="Straight Arrow Connector 5">
+            <a:extLst>
+              <a:ext uri="{FF2B5EF4-FFF2-40B4-BE49-F238E27FC236}">
+                <a16:creationId xmlns:a16="http://schemas.microsoft.com/office/drawing/2014/main" id="{52A70052-AC0B-B4DC-948A-67C09EB90F59}"/>
+              </a:ext>
+            </a:extLst>
+          </p:cNvPr>
+          <p:cNvCxnSpPr>
+            <a:stCxn id="9" idx="7"/>
+            <a:endCxn id="2" idx="3"/>
+          </p:cNvCxnSpPr>
+          <p:nvPr/>
+        </p:nvCxnSpPr>
+        <p:spPr>
+          <a:xfrm flipV="1">
+            <a:off x="5424099" y="2235533"/>
+            <a:ext cx="530319" cy="539000"/>
+          </a:xfrm>
+          <a:prstGeom prst="straightConnector1">
+            <a:avLst/>
+          </a:prstGeom>
+          <a:ln w="28575" cap="flat" cmpd="sng" algn="ctr">
+            <a:solidFill>
+              <a:schemeClr val="accent6"/>
+            </a:solidFill>
+            <a:prstDash val="solid"/>
+            <a:round/>
+            <a:headEnd type="arrow" w="med" len="med"/>
+            <a:tailEnd type="arrow" w="med" len="med"/>
+          </a:ln>
+        </p:spPr>
+        <p:style>
+          <a:lnRef idx="0">
+            <a:scrgbClr r="0" g="0" b="0"/>
+          </a:lnRef>
+          <a:fillRef idx="0">
+            <a:scrgbClr r="0" g="0" b="0"/>
+          </a:fillRef>
+          <a:effectRef idx="0">
+            <a:scrgbClr r="0" g="0" b="0"/>
+          </a:effectRef>
+          <a:fontRef idx="minor">
+            <a:schemeClr val="tx1"/>
+          </a:fontRef>
+        </p:style>
+      </p:cxnSp>
+      <p:cxnSp>
+        <p:nvCxnSpPr>
+          <p:cNvPr id="7" name="Straight Arrow Connector 6">
+            <a:extLst>
+              <a:ext uri="{FF2B5EF4-FFF2-40B4-BE49-F238E27FC236}">
+                <a16:creationId xmlns:a16="http://schemas.microsoft.com/office/drawing/2014/main" id="{A1A8E5CD-0FE1-CE67-B80E-924DCDFDF9F4}"/>
+              </a:ext>
+            </a:extLst>
+          </p:cNvPr>
+          <p:cNvCxnSpPr>
+            <a:cxnSpLocks/>
+            <a:stCxn id="9" idx="6"/>
+            <a:endCxn id="3" idx="2"/>
+          </p:cNvCxnSpPr>
+          <p:nvPr/>
+        </p:nvCxnSpPr>
+        <p:spPr>
+          <a:xfrm>
+            <a:off x="5584723" y="3162312"/>
+            <a:ext cx="1022556" cy="0"/>
+          </a:xfrm>
+          <a:prstGeom prst="straightConnector1">
+            <a:avLst/>
+          </a:prstGeom>
+          <a:ln w="28575" cap="flat" cmpd="sng" algn="ctr">
+            <a:solidFill>
+              <a:schemeClr val="accent6"/>
+            </a:solidFill>
+            <a:prstDash val="solid"/>
+            <a:round/>
+            <a:headEnd type="arrow" w="med" len="med"/>
+            <a:tailEnd type="arrow" w="med" len="med"/>
+          </a:ln>
+        </p:spPr>
+        <p:style>
+          <a:lnRef idx="0">
+            <a:scrgbClr r="0" g="0" b="0"/>
+          </a:lnRef>
+          <a:fillRef idx="0">
+            <a:scrgbClr r="0" g="0" b="0"/>
+          </a:fillRef>
+          <a:effectRef idx="0">
+            <a:scrgbClr r="0" g="0" b="0"/>
+          </a:effectRef>
+          <a:fontRef idx="minor">
+            <a:schemeClr val="tx1"/>
+          </a:fontRef>
+        </p:style>
+      </p:cxnSp>
+      <p:cxnSp>
+        <p:nvCxnSpPr>
+          <p:cNvPr id="11" name="Straight Arrow Connector 10">
+            <a:extLst>
+              <a:ext uri="{FF2B5EF4-FFF2-40B4-BE49-F238E27FC236}">
+                <a16:creationId xmlns:a16="http://schemas.microsoft.com/office/drawing/2014/main" id="{0B024EE0-7C93-704F-674F-C0BF91157895}"/>
+              </a:ext>
+            </a:extLst>
+          </p:cNvPr>
+          <p:cNvCxnSpPr>
+            <a:cxnSpLocks/>
+            <a:stCxn id="9" idx="5"/>
+            <a:endCxn id="4" idx="1"/>
+          </p:cNvCxnSpPr>
+          <p:nvPr/>
+        </p:nvCxnSpPr>
+        <p:spPr>
+          <a:xfrm>
+            <a:off x="5424099" y="3550091"/>
+            <a:ext cx="530319" cy="506284"/>
+          </a:xfrm>
+          <a:prstGeom prst="straightConnector1">
+            <a:avLst/>
+          </a:prstGeom>
+          <a:ln w="28575" cap="flat" cmpd="sng" algn="ctr">
+            <a:solidFill>
+              <a:schemeClr val="accent6"/>
+            </a:solidFill>
+            <a:prstDash val="solid"/>
+            <a:round/>
+            <a:headEnd type="arrow" w="med" len="med"/>
+            <a:tailEnd type="arrow" w="med" len="med"/>
+          </a:ln>
+        </p:spPr>
+        <p:style>
+          <a:lnRef idx="0">
+            <a:scrgbClr r="0" g="0" b="0"/>
+          </a:lnRef>
+          <a:fillRef idx="0">
+            <a:scrgbClr r="0" g="0" b="0"/>
+          </a:fillRef>
+          <a:effectRef idx="0">
+            <a:scrgbClr r="0" g="0" b="0"/>
+          </a:effectRef>
+          <a:fontRef idx="minor">
+            <a:schemeClr val="tx1"/>
+          </a:fontRef>
+        </p:style>
+      </p:cxnSp>
+    </p:spTree>
+    <p:extLst>
+      <p:ext uri="{BB962C8B-B14F-4D97-AF65-F5344CB8AC3E}">
+        <p14:creationId xmlns:p14="http://schemas.microsoft.com/office/powerpoint/2010/main" val="2461463909"/>
+      </p:ext>
+    </p:extLst>
+  </p:cSld>
+  <p:clrMapOvr>
+    <a:masterClrMapping/>
+  </p:clrMapOvr>
+</p:sld>
+</file>
+
+<file path=ppt/slides/slide49.xml><?xml version="1.0" encoding="utf-8"?>
+<p:sld xmlns:a="http://schemas.openxmlformats.org/drawingml/2006/main" xmlns:r="http://schemas.openxmlformats.org/officeDocument/2006/relationships" xmlns:p="http://schemas.openxmlformats.org/presentationml/2006/main">
+  <p:cSld>
+    <p:spTree>
+      <p:nvGrpSpPr>
+        <p:cNvPr id="1" name="">
+          <a:extLst>
+            <a:ext uri="{FF2B5EF4-FFF2-40B4-BE49-F238E27FC236}">
+              <a16:creationId xmlns:a16="http://schemas.microsoft.com/office/drawing/2014/main" id="{C4301CF0-89C9-714E-6147-BF7C22AEBA99}"/>
+            </a:ext>
+          </a:extLst>
+        </p:cNvPr>
+        <p:cNvGrpSpPr/>
+        <p:nvPr/>
+      </p:nvGrpSpPr>
+      <p:grpSpPr>
+        <a:xfrm>
+          <a:off x="0" y="0"/>
+          <a:ext cx="0" cy="0"/>
+          <a:chOff x="0" y="0"/>
+          <a:chExt cx="0" cy="0"/>
+        </a:xfrm>
+      </p:grpSpPr>
+      <p:sp>
+        <p:nvSpPr>
+          <p:cNvPr id="9" name="Oval 8">
+            <a:extLst>
+              <a:ext uri="{FF2B5EF4-FFF2-40B4-BE49-F238E27FC236}">
+                <a16:creationId xmlns:a16="http://schemas.microsoft.com/office/drawing/2014/main" id="{635612FE-80D9-DDBA-B13E-C3D9E921C944}"/>
+              </a:ext>
+            </a:extLst>
+          </p:cNvPr>
+          <p:cNvSpPr/>
+          <p:nvPr/>
+        </p:nvSpPr>
+        <p:spPr>
+          <a:xfrm>
+            <a:off x="3976640" y="2584412"/>
+            <a:ext cx="1096806" cy="1096806"/>
+          </a:xfrm>
+          <a:prstGeom prst="ellipse">
+            <a:avLst/>
+          </a:prstGeom>
+        </p:spPr>
+        <p:style>
+          <a:lnRef idx="2">
+            <a:schemeClr val="accent1">
+              <a:shade val="15000"/>
+            </a:schemeClr>
+          </a:lnRef>
+          <a:fillRef idx="1">
+            <a:schemeClr val="accent1"/>
+          </a:fillRef>
+          <a:effectRef idx="0">
+            <a:schemeClr val="accent1"/>
+          </a:effectRef>
+          <a:fontRef idx="minor">
+            <a:schemeClr val="lt1"/>
+          </a:fontRef>
+        </p:style>
+        <p:txBody>
+          <a:bodyPr rtlCol="0" anchor="ctr"/>
+          <a:lstStyle/>
+          <a:p>
+            <a:pPr algn="ctr"/>
+            <a:r>
+              <a:rPr lang="en-US"/>
+              <a:t>Agent</a:t>
+            </a:r>
+          </a:p>
+        </p:txBody>
+      </p:sp>
+      <p:pic>
+        <p:nvPicPr>
+          <p:cNvPr id="12" name="Graphic 11" descr="User outline">
+            <a:extLst>
+              <a:ext uri="{FF2B5EF4-FFF2-40B4-BE49-F238E27FC236}">
+                <a16:creationId xmlns:a16="http://schemas.microsoft.com/office/drawing/2014/main" id="{4532E271-1E77-555D-F93D-16FD2753AAF5}"/>
+              </a:ext>
+            </a:extLst>
+          </p:cNvPr>
+          <p:cNvPicPr>
+            <a:picLocks noChangeAspect="1"/>
+          </p:cNvPicPr>
+          <p:nvPr/>
+        </p:nvPicPr>
+        <p:blipFill>
+          <a:blip r:embed="rId2">
+            <a:extLst>
+              <a:ext uri="{96DAC541-7B7A-43D3-8B79-37D633B846F1}">
+                <asvg:svgBlip xmlns:asvg="http://schemas.microsoft.com/office/drawing/2016/SVG/main" r:embed="rId3"/>
+              </a:ext>
+            </a:extLst>
+          </a:blip>
+          <a:stretch>
+            <a:fillRect/>
+          </a:stretch>
+        </p:blipFill>
+        <p:spPr>
+          <a:xfrm>
+            <a:off x="1081549" y="2378190"/>
+            <a:ext cx="1509251" cy="1509251"/>
+          </a:xfrm>
+          <a:prstGeom prst="rect">
+            <a:avLst/>
+          </a:prstGeom>
+        </p:spPr>
+      </p:pic>
+      <p:cxnSp>
+        <p:nvCxnSpPr>
+          <p:cNvPr id="14" name="Straight Arrow Connector 13">
+            <a:extLst>
+              <a:ext uri="{FF2B5EF4-FFF2-40B4-BE49-F238E27FC236}">
+                <a16:creationId xmlns:a16="http://schemas.microsoft.com/office/drawing/2014/main" id="{5F9293BA-58AC-1D5E-5709-24C84D4DAC24}"/>
+              </a:ext>
+            </a:extLst>
+          </p:cNvPr>
+          <p:cNvCxnSpPr/>
+          <p:nvPr/>
+        </p:nvCxnSpPr>
+        <p:spPr>
+          <a:xfrm>
+            <a:off x="2590800" y="2880851"/>
+            <a:ext cx="1243781" cy="0"/>
+          </a:xfrm>
+          <a:prstGeom prst="straightConnector1">
+            <a:avLst/>
+          </a:prstGeom>
+          <a:ln w="38100" cap="flat" cmpd="sng" algn="ctr">
+            <a:solidFill>
+              <a:schemeClr val="accent2"/>
+            </a:solidFill>
+            <a:prstDash val="solid"/>
+            <a:round/>
+            <a:headEnd type="none" w="med" len="med"/>
+            <a:tailEnd type="arrow" w="med" len="med"/>
+          </a:ln>
+        </p:spPr>
+        <p:style>
+          <a:lnRef idx="0">
+            <a:scrgbClr r="0" g="0" b="0"/>
+          </a:lnRef>
+          <a:fillRef idx="0">
+            <a:scrgbClr r="0" g="0" b="0"/>
+          </a:fillRef>
+          <a:effectRef idx="0">
+            <a:scrgbClr r="0" g="0" b="0"/>
+          </a:effectRef>
+          <a:fontRef idx="minor">
+            <a:schemeClr val="tx1"/>
+          </a:fontRef>
+        </p:style>
+      </p:cxnSp>
+      <p:cxnSp>
+        <p:nvCxnSpPr>
+          <p:cNvPr id="15" name="Straight Arrow Connector 14">
+            <a:extLst>
+              <a:ext uri="{FF2B5EF4-FFF2-40B4-BE49-F238E27FC236}">
+                <a16:creationId xmlns:a16="http://schemas.microsoft.com/office/drawing/2014/main" id="{E4CE3F3E-7558-D734-9641-9C6AFC496C30}"/>
+              </a:ext>
+            </a:extLst>
+          </p:cNvPr>
+          <p:cNvCxnSpPr/>
+          <p:nvPr/>
+        </p:nvCxnSpPr>
+        <p:spPr>
+          <a:xfrm>
+            <a:off x="2590799" y="3318386"/>
+            <a:ext cx="1243781" cy="0"/>
+          </a:xfrm>
+          <a:prstGeom prst="straightConnector1">
+            <a:avLst/>
+          </a:prstGeom>
+          <a:ln w="38100" cap="flat" cmpd="sng" algn="ctr">
+            <a:solidFill>
+              <a:schemeClr val="accent2"/>
+            </a:solidFill>
+            <a:prstDash val="solid"/>
+            <a:round/>
+            <a:headEnd type="arrow" w="med" len="med"/>
+            <a:tailEnd type="none" w="med" len="med"/>
+          </a:ln>
+        </p:spPr>
+        <p:style>
+          <a:lnRef idx="0">
+            <a:scrgbClr r="0" g="0" b="0"/>
+          </a:lnRef>
+          <a:fillRef idx="0">
+            <a:scrgbClr r="0" g="0" b="0"/>
+          </a:fillRef>
+          <a:effectRef idx="0">
+            <a:scrgbClr r="0" g="0" b="0"/>
+          </a:effectRef>
+          <a:fontRef idx="minor">
+            <a:schemeClr val="tx1"/>
+          </a:fontRef>
+        </p:style>
+      </p:cxnSp>
+      <p:sp>
+        <p:nvSpPr>
+          <p:cNvPr id="37" name="TextBox 36">
+            <a:extLst>
+              <a:ext uri="{FF2B5EF4-FFF2-40B4-BE49-F238E27FC236}">
+                <a16:creationId xmlns:a16="http://schemas.microsoft.com/office/drawing/2014/main" id="{F79BBF56-464B-AF8C-FE07-A232B4A5FD19}"/>
+              </a:ext>
+            </a:extLst>
+          </p:cNvPr>
+          <p:cNvSpPr txBox="1"/>
+          <p:nvPr/>
+        </p:nvSpPr>
+        <p:spPr>
+          <a:xfrm>
+            <a:off x="2882009" y="2426318"/>
+            <a:ext cx="860044" cy="338554"/>
+          </a:xfrm>
+          <a:prstGeom prst="rect">
+            <a:avLst/>
+          </a:prstGeom>
+          <a:noFill/>
+        </p:spPr>
+        <p:txBody>
+          <a:bodyPr wrap="none" rtlCol="0">
+            <a:spAutoFit/>
+          </a:bodyPr>
+          <a:lstStyle/>
+          <a:p>
+            <a:r>
+              <a:rPr lang="en-US" sz="1600"/>
+              <a:t>Request</a:t>
+            </a:r>
+          </a:p>
+        </p:txBody>
+      </p:sp>
+      <p:sp>
+        <p:nvSpPr>
+          <p:cNvPr id="38" name="TextBox 37">
+            <a:extLst>
+              <a:ext uri="{FF2B5EF4-FFF2-40B4-BE49-F238E27FC236}">
+                <a16:creationId xmlns:a16="http://schemas.microsoft.com/office/drawing/2014/main" id="{B959F6B2-D4F0-7097-6C42-880EBECFF960}"/>
+              </a:ext>
+            </a:extLst>
+          </p:cNvPr>
+          <p:cNvSpPr txBox="1"/>
+          <p:nvPr/>
+        </p:nvSpPr>
+        <p:spPr>
+          <a:xfrm>
+            <a:off x="2820743" y="3431853"/>
+            <a:ext cx="982577" cy="338554"/>
+          </a:xfrm>
+          <a:prstGeom prst="rect">
+            <a:avLst/>
+          </a:prstGeom>
+          <a:noFill/>
+        </p:spPr>
+        <p:txBody>
+          <a:bodyPr wrap="none" rtlCol="0">
+            <a:spAutoFit/>
+          </a:bodyPr>
+          <a:lstStyle/>
+          <a:p>
+            <a:r>
+              <a:rPr lang="en-US" sz="1600"/>
+              <a:t>Response</a:t>
+            </a:r>
+          </a:p>
+        </p:txBody>
+      </p:sp>
+      <p:sp>
+        <p:nvSpPr>
+          <p:cNvPr id="16" name="TextBox 15">
+            <a:extLst>
+              <a:ext uri="{FF2B5EF4-FFF2-40B4-BE49-F238E27FC236}">
+                <a16:creationId xmlns:a16="http://schemas.microsoft.com/office/drawing/2014/main" id="{E3E9D815-6CBA-1B9C-E97C-14CD6DF32DDD}"/>
+              </a:ext>
+            </a:extLst>
+          </p:cNvPr>
+          <p:cNvSpPr txBox="1"/>
+          <p:nvPr/>
+        </p:nvSpPr>
+        <p:spPr>
+          <a:xfrm>
+            <a:off x="6469118" y="2530050"/>
+            <a:ext cx="973393" cy="1200329"/>
+          </a:xfrm>
+          <a:prstGeom prst="rect">
+            <a:avLst/>
+          </a:prstGeom>
+          <a:noFill/>
+          <a:ln>
+            <a:solidFill>
+              <a:schemeClr val="accent2">
+                <a:lumMod val="75000"/>
+              </a:schemeClr>
+            </a:solidFill>
+          </a:ln>
+        </p:spPr>
+        <p:txBody>
+          <a:bodyPr wrap="square" rtlCol="0">
+            <a:spAutoFit/>
+          </a:bodyPr>
+          <a:lstStyle/>
+          <a:p>
+            <a:pPr marL="342900" indent="-342900">
+              <a:buFont typeface="+mj-lt"/>
+              <a:buAutoNum type="arabicPeriod"/>
+            </a:pPr>
+            <a:r>
+              <a:rPr lang="en-US"/>
+              <a:t>xxx</a:t>
+            </a:r>
+          </a:p>
+          <a:p>
+            <a:pPr marL="342900" indent="-342900">
+              <a:buFont typeface="+mj-lt"/>
+              <a:buAutoNum type="arabicPeriod"/>
+            </a:pPr>
+            <a:r>
+              <a:rPr lang="en-US"/>
+              <a:t>xxx</a:t>
+            </a:r>
+          </a:p>
+          <a:p>
+            <a:pPr marL="342900" indent="-342900">
+              <a:buFont typeface="+mj-lt"/>
+              <a:buAutoNum type="arabicPeriod"/>
+            </a:pPr>
+            <a:r>
+              <a:rPr lang="en-US"/>
+              <a:t>xxx</a:t>
+            </a:r>
+          </a:p>
+          <a:p>
+            <a:pPr marL="342900" indent="-342900">
+              <a:buFont typeface="+mj-lt"/>
+              <a:buAutoNum type="arabicPeriod"/>
+            </a:pPr>
+            <a:r>
+              <a:rPr lang="en-US"/>
+              <a:t>xxx</a:t>
+            </a:r>
+          </a:p>
+        </p:txBody>
+      </p:sp>
+      <p:cxnSp>
+        <p:nvCxnSpPr>
+          <p:cNvPr id="17" name="Curved Connector 16">
+            <a:extLst>
+              <a:ext uri="{FF2B5EF4-FFF2-40B4-BE49-F238E27FC236}">
+                <a16:creationId xmlns:a16="http://schemas.microsoft.com/office/drawing/2014/main" id="{2C01271E-FB59-8A51-E500-5EF4B358C255}"/>
+              </a:ext>
+            </a:extLst>
+          </p:cNvPr>
+          <p:cNvCxnSpPr>
+            <a:cxnSpLocks/>
+            <a:stCxn id="9" idx="7"/>
+          </p:cNvCxnSpPr>
+          <p:nvPr/>
+        </p:nvCxnSpPr>
+        <p:spPr>
+          <a:xfrm rot="5400000" flipH="1" flipV="1">
+            <a:off x="5783051" y="1665255"/>
+            <a:ext cx="209552" cy="1950011"/>
+          </a:xfrm>
+          <a:prstGeom prst="curvedConnector3">
+            <a:avLst>
+              <a:gd name="adj1" fmla="val 326135"/>
+            </a:avLst>
+          </a:prstGeom>
+          <a:ln w="28575">
+            <a:prstDash val="solid"/>
+            <a:tailEnd type="triangle"/>
+          </a:ln>
+        </p:spPr>
+        <p:style>
+          <a:lnRef idx="1">
+            <a:schemeClr val="accent1"/>
+          </a:lnRef>
+          <a:fillRef idx="0">
+            <a:schemeClr val="accent1"/>
+          </a:fillRef>
+          <a:effectRef idx="0">
+            <a:schemeClr val="accent1"/>
+          </a:effectRef>
+          <a:fontRef idx="minor">
+            <a:schemeClr val="tx1"/>
+          </a:fontRef>
+        </p:style>
+      </p:cxnSp>
+      <p:cxnSp>
+        <p:nvCxnSpPr>
+          <p:cNvPr id="27" name="Curved Connector 26">
+            <a:extLst>
+              <a:ext uri="{FF2B5EF4-FFF2-40B4-BE49-F238E27FC236}">
+                <a16:creationId xmlns:a16="http://schemas.microsoft.com/office/drawing/2014/main" id="{63099A86-B1AC-2F6F-179E-6F5C7BCFA3E2}"/>
+              </a:ext>
+            </a:extLst>
+          </p:cNvPr>
+          <p:cNvCxnSpPr>
+            <a:cxnSpLocks/>
+            <a:endCxn id="9" idx="5"/>
+          </p:cNvCxnSpPr>
+          <p:nvPr/>
+        </p:nvCxnSpPr>
+        <p:spPr>
+          <a:xfrm rot="5400000" flipH="1">
+            <a:off x="5788246" y="2645171"/>
+            <a:ext cx="199164" cy="1950011"/>
+          </a:xfrm>
+          <a:prstGeom prst="curvedConnector3">
+            <a:avLst>
+              <a:gd name="adj1" fmla="val -237930"/>
+            </a:avLst>
+          </a:prstGeom>
+          <a:ln w="28575">
+            <a:prstDash val="solid"/>
+            <a:tailEnd type="triangle"/>
+          </a:ln>
+        </p:spPr>
+        <p:style>
+          <a:lnRef idx="1">
+            <a:schemeClr val="accent1"/>
+          </a:lnRef>
+          <a:fillRef idx="0">
+            <a:schemeClr val="accent1"/>
+          </a:fillRef>
+          <a:effectRef idx="0">
+            <a:schemeClr val="accent1"/>
+          </a:effectRef>
+          <a:fontRef idx="minor">
+            <a:schemeClr val="tx1"/>
+          </a:fontRef>
+        </p:style>
+      </p:cxnSp>
+      <p:sp>
+        <p:nvSpPr>
+          <p:cNvPr id="34" name="TextBox 33">
+            <a:extLst>
+              <a:ext uri="{FF2B5EF4-FFF2-40B4-BE49-F238E27FC236}">
+                <a16:creationId xmlns:a16="http://schemas.microsoft.com/office/drawing/2014/main" id="{2B062E0F-87D4-07CE-405F-7CD087F2D7F9}"/>
+              </a:ext>
+            </a:extLst>
+          </p:cNvPr>
+          <p:cNvSpPr txBox="1"/>
+          <p:nvPr/>
+        </p:nvSpPr>
+        <p:spPr>
+          <a:xfrm>
+            <a:off x="5402078" y="2960937"/>
+            <a:ext cx="738407" cy="338554"/>
+          </a:xfrm>
+          <a:prstGeom prst="rect">
+            <a:avLst/>
+          </a:prstGeom>
+          <a:noFill/>
+        </p:spPr>
+        <p:txBody>
+          <a:bodyPr wrap="none" rtlCol="0">
+            <a:spAutoFit/>
+          </a:bodyPr>
+          <a:lstStyle/>
+          <a:p>
+            <a:r>
+              <a:rPr lang="en-US" sz="1600"/>
+              <a:t>Iterate</a:t>
+            </a:r>
+          </a:p>
+        </p:txBody>
+      </p:sp>
+      <p:sp>
+        <p:nvSpPr>
+          <p:cNvPr id="35" name="TextBox 34">
+            <a:extLst>
+              <a:ext uri="{FF2B5EF4-FFF2-40B4-BE49-F238E27FC236}">
+                <a16:creationId xmlns:a16="http://schemas.microsoft.com/office/drawing/2014/main" id="{62EF615E-32B3-D7D2-6784-1BC821477CF4}"/>
+              </a:ext>
+            </a:extLst>
+          </p:cNvPr>
+          <p:cNvSpPr txBox="1"/>
+          <p:nvPr/>
+        </p:nvSpPr>
+        <p:spPr>
+          <a:xfrm>
+            <a:off x="5518623" y="1737804"/>
+            <a:ext cx="542136" cy="338554"/>
+          </a:xfrm>
+          <a:prstGeom prst="rect">
+            <a:avLst/>
+          </a:prstGeom>
+          <a:noFill/>
+        </p:spPr>
+        <p:txBody>
+          <a:bodyPr wrap="none" rtlCol="0">
+            <a:spAutoFit/>
+          </a:bodyPr>
+          <a:lstStyle/>
+          <a:p>
+            <a:r>
+              <a:rPr lang="en-US" sz="1600"/>
+              <a:t>Plan</a:t>
+            </a:r>
+          </a:p>
+        </p:txBody>
+      </p:sp>
+      <p:sp>
+        <p:nvSpPr>
+          <p:cNvPr id="36" name="TextBox 35">
+            <a:extLst>
+              <a:ext uri="{FF2B5EF4-FFF2-40B4-BE49-F238E27FC236}">
+                <a16:creationId xmlns:a16="http://schemas.microsoft.com/office/drawing/2014/main" id="{449AE4DD-4DAA-118D-1633-6EAED9893FB3}"/>
+              </a:ext>
+            </a:extLst>
+          </p:cNvPr>
+          <p:cNvSpPr txBox="1"/>
+          <p:nvPr/>
+        </p:nvSpPr>
+        <p:spPr>
+          <a:xfrm>
+            <a:off x="5616759" y="4206446"/>
+            <a:ext cx="887679" cy="338554"/>
+          </a:xfrm>
+          <a:prstGeom prst="rect">
+            <a:avLst/>
+          </a:prstGeom>
+          <a:noFill/>
+        </p:spPr>
+        <p:txBody>
+          <a:bodyPr wrap="none" rtlCol="0">
+            <a:spAutoFit/>
+          </a:bodyPr>
+          <a:lstStyle/>
+          <a:p>
+            <a:r>
+              <a:rPr lang="en-US" sz="1600"/>
+              <a:t>Evaluate</a:t>
+            </a:r>
+          </a:p>
+        </p:txBody>
+      </p:sp>
+      <p:sp>
+        <p:nvSpPr>
+          <p:cNvPr id="39" name="Cloud 38">
+            <a:extLst>
+              <a:ext uri="{FF2B5EF4-FFF2-40B4-BE49-F238E27FC236}">
+                <a16:creationId xmlns:a16="http://schemas.microsoft.com/office/drawing/2014/main" id="{196FE293-98D4-C3CB-8BE4-B79A25E2A482}"/>
+              </a:ext>
+            </a:extLst>
+          </p:cNvPr>
+          <p:cNvSpPr/>
+          <p:nvPr/>
+        </p:nvSpPr>
+        <p:spPr>
+          <a:xfrm>
+            <a:off x="2931169" y="422795"/>
+            <a:ext cx="3180482" cy="1419180"/>
+          </a:xfrm>
+          <a:prstGeom prst="cloud">
+            <a:avLst/>
+          </a:prstGeom>
+        </p:spPr>
+        <p:style>
+          <a:lnRef idx="2">
+            <a:schemeClr val="accent1"/>
+          </a:lnRef>
+          <a:fillRef idx="1">
+            <a:schemeClr val="lt1"/>
+          </a:fillRef>
+          <a:effectRef idx="0">
+            <a:schemeClr val="accent1"/>
+          </a:effectRef>
+          <a:fontRef idx="minor">
+            <a:schemeClr val="dk1"/>
+          </a:fontRef>
+        </p:style>
+        <p:txBody>
+          <a:bodyPr rtlCol="0" anchor="ctr"/>
+          <a:lstStyle/>
+          <a:p>
+            <a:pPr algn="ctr"/>
+            <a:r>
+              <a:rPr lang="en-US"/>
+              <a:t>Information sources</a:t>
+            </a:r>
+          </a:p>
+        </p:txBody>
+      </p:sp>
+      <p:sp>
+        <p:nvSpPr>
+          <p:cNvPr id="40" name="Rectangle 39">
+            <a:extLst>
+              <a:ext uri="{FF2B5EF4-FFF2-40B4-BE49-F238E27FC236}">
+                <a16:creationId xmlns:a16="http://schemas.microsoft.com/office/drawing/2014/main" id="{672116DD-5613-95E0-1E5C-EDC2B23921F5}"/>
+              </a:ext>
+            </a:extLst>
+          </p:cNvPr>
+          <p:cNvSpPr/>
+          <p:nvPr/>
+        </p:nvSpPr>
+        <p:spPr>
+          <a:xfrm>
+            <a:off x="2359741" y="157316"/>
+            <a:ext cx="4645233" cy="859352"/>
+          </a:xfrm>
+          <a:prstGeom prst="rect">
+            <a:avLst/>
+          </a:prstGeom>
+          <a:solidFill>
+            <a:schemeClr val="bg1"/>
+          </a:solidFill>
+          <a:ln>
+            <a:noFill/>
+          </a:ln>
+        </p:spPr>
+        <p:style>
+          <a:lnRef idx="2">
+            <a:schemeClr val="accent1">
+              <a:shade val="15000"/>
+            </a:schemeClr>
+          </a:lnRef>
+          <a:fillRef idx="1">
+            <a:schemeClr val="accent1"/>
+          </a:fillRef>
+          <a:effectRef idx="0">
+            <a:schemeClr val="accent1"/>
+          </a:effectRef>
+          <a:fontRef idx="minor">
+            <a:schemeClr val="lt1"/>
+          </a:fontRef>
+        </p:style>
+        <p:txBody>
+          <a:bodyPr rtlCol="0" anchor="ctr"/>
+          <a:lstStyle/>
+          <a:p>
+            <a:pPr algn="ctr"/>
+            <a:endParaRPr lang="en-US"/>
+          </a:p>
+        </p:txBody>
+      </p:sp>
+      <p:cxnSp>
+        <p:nvCxnSpPr>
+          <p:cNvPr id="42" name="Straight Arrow Connector 41">
+            <a:extLst>
+              <a:ext uri="{FF2B5EF4-FFF2-40B4-BE49-F238E27FC236}">
+                <a16:creationId xmlns:a16="http://schemas.microsoft.com/office/drawing/2014/main" id="{742FC7E8-215D-B6A6-697A-67093E397646}"/>
+              </a:ext>
+            </a:extLst>
+          </p:cNvPr>
+          <p:cNvCxnSpPr>
+            <a:stCxn id="39" idx="1"/>
+            <a:endCxn id="9" idx="0"/>
+          </p:cNvCxnSpPr>
+          <p:nvPr/>
+        </p:nvCxnSpPr>
+        <p:spPr>
+          <a:xfrm>
+            <a:off x="4521410" y="1840464"/>
+            <a:ext cx="3633" cy="743948"/>
+          </a:xfrm>
+          <a:prstGeom prst="straightConnector1">
+            <a:avLst/>
+          </a:prstGeom>
+          <a:ln w="28575">
+            <a:tailEnd type="triangle"/>
+          </a:ln>
+        </p:spPr>
+        <p:style>
+          <a:lnRef idx="1">
+            <a:schemeClr val="accent1"/>
+          </a:lnRef>
+          <a:fillRef idx="0">
+            <a:schemeClr val="accent1"/>
+          </a:fillRef>
+          <a:effectRef idx="0">
+            <a:schemeClr val="accent1"/>
+          </a:effectRef>
+          <a:fontRef idx="minor">
+            <a:schemeClr val="tx1"/>
+          </a:fontRef>
+        </p:style>
+      </p:cxnSp>
+    </p:spTree>
+    <p:extLst>
+      <p:ext uri="{BB962C8B-B14F-4D97-AF65-F5344CB8AC3E}">
+        <p14:creationId xmlns:p14="http://schemas.microsoft.com/office/powerpoint/2010/main" val="266477990"/>
+      </p:ext>
+    </p:extLst>
+  </p:cSld>
+  <p:clrMapOvr>
+    <a:masterClrMapping/>
+  </p:clrMapOvr>
+</p:sld>
+</file>
+
 <file path=ppt/slides/slide5.xml><?xml version="1.0" encoding="utf-8"?>
 <p:sld xmlns:a="http://schemas.openxmlformats.org/drawingml/2006/main" xmlns:r="http://schemas.openxmlformats.org/officeDocument/2006/relationships" xmlns:p="http://schemas.openxmlformats.org/presentationml/2006/main">
   <p:cSld>
@@ -37787,13 +40868,7 @@
           <p:nvPr/>
         </p:nvPicPr>
         <p:blipFill>
-          <a:blip r:embed="rId3">
-            <a:extLst>
-              <a:ext uri="{96DAC541-7B7A-43D3-8B79-37D633B846F1}">
-                <asvg:svgBlip xmlns:asvg="http://schemas.microsoft.com/office/drawing/2016/SVG/main"/>
-              </a:ext>
-            </a:extLst>
-          </a:blip>
+          <a:blip/>
           <a:stretch>
             <a:fillRect/>
           </a:stretch>
@@ -37823,13 +40898,7 @@
           <p:nvPr/>
         </p:nvPicPr>
         <p:blipFill>
-          <a:blip r:embed="rId5">
-            <a:extLst>
-              <a:ext uri="{96DAC541-7B7A-43D3-8B79-37D633B846F1}">
-                <asvg:svgBlip xmlns:asvg="http://schemas.microsoft.com/office/drawing/2016/SVG/main"/>
-              </a:ext>
-            </a:extLst>
-          </a:blip>
+          <a:blip/>
           <a:stretch>
             <a:fillRect/>
           </a:stretch>
@@ -37859,13 +40928,7 @@
           <p:nvPr/>
         </p:nvPicPr>
         <p:blipFill>
-          <a:blip r:embed="rId7">
-            <a:extLst>
-              <a:ext uri="{96DAC541-7B7A-43D3-8B79-37D633B846F1}">
-                <asvg:svgBlip xmlns:asvg="http://schemas.microsoft.com/office/drawing/2016/SVG/main"/>
-              </a:ext>
-            </a:extLst>
-          </a:blip>
+          <a:blip/>
           <a:stretch>
             <a:fillRect/>
           </a:stretch>
@@ -38686,13 +41749,7 @@
           <p:nvPr/>
         </p:nvPicPr>
         <p:blipFill>
-          <a:blip r:embed="rId9">
-            <a:extLst>
-              <a:ext uri="{96DAC541-7B7A-43D3-8B79-37D633B846F1}">
-                <asvg:svgBlip xmlns:asvg="http://schemas.microsoft.com/office/drawing/2016/SVG/main"/>
-              </a:ext>
-            </a:extLst>
-          </a:blip>
+          <a:blip/>
           <a:stretch>
             <a:fillRect/>
           </a:stretch>
@@ -39067,6 +42124,698 @@
     <p:extLst>
       <p:ext uri="{BB962C8B-B14F-4D97-AF65-F5344CB8AC3E}">
         <p14:creationId xmlns:p14="http://schemas.microsoft.com/office/powerpoint/2010/main" val="3605297162"/>
+      </p:ext>
+    </p:extLst>
+  </p:cSld>
+  <p:clrMapOvr>
+    <a:masterClrMapping/>
+  </p:clrMapOvr>
+</p:sld>
+</file>
+
+<file path=ppt/slides/slide50.xml><?xml version="1.0" encoding="utf-8"?>
+<p:sld xmlns:a="http://schemas.openxmlformats.org/drawingml/2006/main" xmlns:r="http://schemas.openxmlformats.org/officeDocument/2006/relationships" xmlns:p="http://schemas.openxmlformats.org/presentationml/2006/main">
+  <p:cSld>
+    <p:spTree>
+      <p:nvGrpSpPr>
+        <p:cNvPr id="1" name="">
+          <a:extLst>
+            <a:ext uri="{FF2B5EF4-FFF2-40B4-BE49-F238E27FC236}">
+              <a16:creationId xmlns:a16="http://schemas.microsoft.com/office/drawing/2014/main" id="{5C9E15D9-C8FE-F2C5-FBCA-1DFA53077778}"/>
+            </a:ext>
+          </a:extLst>
+        </p:cNvPr>
+        <p:cNvGrpSpPr/>
+        <p:nvPr/>
+      </p:nvGrpSpPr>
+      <p:grpSpPr>
+        <a:xfrm>
+          <a:off x="0" y="0"/>
+          <a:ext cx="0" cy="0"/>
+          <a:chOff x="0" y="0"/>
+          <a:chExt cx="0" cy="0"/>
+        </a:xfrm>
+      </p:grpSpPr>
+      <p:sp>
+        <p:nvSpPr>
+          <p:cNvPr id="9" name="Oval 8">
+            <a:extLst>
+              <a:ext uri="{FF2B5EF4-FFF2-40B4-BE49-F238E27FC236}">
+                <a16:creationId xmlns:a16="http://schemas.microsoft.com/office/drawing/2014/main" id="{62CE4083-4943-FE5A-F518-7520DA83A1B9}"/>
+              </a:ext>
+            </a:extLst>
+          </p:cNvPr>
+          <p:cNvSpPr/>
+          <p:nvPr/>
+        </p:nvSpPr>
+        <p:spPr>
+          <a:xfrm>
+            <a:off x="3976640" y="2584412"/>
+            <a:ext cx="1096806" cy="1096806"/>
+          </a:xfrm>
+          <a:prstGeom prst="ellipse">
+            <a:avLst/>
+          </a:prstGeom>
+        </p:spPr>
+        <p:style>
+          <a:lnRef idx="2">
+            <a:schemeClr val="accent1">
+              <a:shade val="15000"/>
+            </a:schemeClr>
+          </a:lnRef>
+          <a:fillRef idx="1">
+            <a:schemeClr val="accent1"/>
+          </a:fillRef>
+          <a:effectRef idx="0">
+            <a:schemeClr val="accent1"/>
+          </a:effectRef>
+          <a:fontRef idx="minor">
+            <a:schemeClr val="lt1"/>
+          </a:fontRef>
+        </p:style>
+        <p:txBody>
+          <a:bodyPr rtlCol="0" anchor="ctr"/>
+          <a:lstStyle/>
+          <a:p>
+            <a:pPr algn="ctr"/>
+            <a:r>
+              <a:rPr lang="en-US"/>
+              <a:t>Agent</a:t>
+            </a:r>
+          </a:p>
+        </p:txBody>
+      </p:sp>
+      <p:pic>
+        <p:nvPicPr>
+          <p:cNvPr id="12" name="Graphic 11" descr="User outline">
+            <a:extLst>
+              <a:ext uri="{FF2B5EF4-FFF2-40B4-BE49-F238E27FC236}">
+                <a16:creationId xmlns:a16="http://schemas.microsoft.com/office/drawing/2014/main" id="{19FDE0AB-B71A-7623-1348-9960BDB73966}"/>
+              </a:ext>
+            </a:extLst>
+          </p:cNvPr>
+          <p:cNvPicPr>
+            <a:picLocks noChangeAspect="1"/>
+          </p:cNvPicPr>
+          <p:nvPr/>
+        </p:nvPicPr>
+        <p:blipFill>
+          <a:blip r:embed="rId2">
+            <a:extLst>
+              <a:ext uri="{96DAC541-7B7A-43D3-8B79-37D633B846F1}">
+                <asvg:svgBlip xmlns:asvg="http://schemas.microsoft.com/office/drawing/2016/SVG/main" r:embed="rId3"/>
+              </a:ext>
+            </a:extLst>
+          </a:blip>
+          <a:stretch>
+            <a:fillRect/>
+          </a:stretch>
+        </p:blipFill>
+        <p:spPr>
+          <a:xfrm>
+            <a:off x="1081549" y="2378190"/>
+            <a:ext cx="1509251" cy="1509251"/>
+          </a:xfrm>
+          <a:prstGeom prst="rect">
+            <a:avLst/>
+          </a:prstGeom>
+        </p:spPr>
+      </p:pic>
+      <p:cxnSp>
+        <p:nvCxnSpPr>
+          <p:cNvPr id="14" name="Straight Arrow Connector 13">
+            <a:extLst>
+              <a:ext uri="{FF2B5EF4-FFF2-40B4-BE49-F238E27FC236}">
+                <a16:creationId xmlns:a16="http://schemas.microsoft.com/office/drawing/2014/main" id="{73FD95F6-17C6-6A22-90CA-8D967CE4757B}"/>
+              </a:ext>
+            </a:extLst>
+          </p:cNvPr>
+          <p:cNvCxnSpPr/>
+          <p:nvPr/>
+        </p:nvCxnSpPr>
+        <p:spPr>
+          <a:xfrm>
+            <a:off x="2590800" y="2880851"/>
+            <a:ext cx="1243781" cy="0"/>
+          </a:xfrm>
+          <a:prstGeom prst="straightConnector1">
+            <a:avLst/>
+          </a:prstGeom>
+          <a:ln w="38100" cap="flat" cmpd="sng" algn="ctr">
+            <a:solidFill>
+              <a:schemeClr val="accent2"/>
+            </a:solidFill>
+            <a:prstDash val="solid"/>
+            <a:round/>
+            <a:headEnd type="none" w="med" len="med"/>
+            <a:tailEnd type="arrow" w="med" len="med"/>
+          </a:ln>
+        </p:spPr>
+        <p:style>
+          <a:lnRef idx="0">
+            <a:scrgbClr r="0" g="0" b="0"/>
+          </a:lnRef>
+          <a:fillRef idx="0">
+            <a:scrgbClr r="0" g="0" b="0"/>
+          </a:fillRef>
+          <a:effectRef idx="0">
+            <a:scrgbClr r="0" g="0" b="0"/>
+          </a:effectRef>
+          <a:fontRef idx="minor">
+            <a:schemeClr val="tx1"/>
+          </a:fontRef>
+        </p:style>
+      </p:cxnSp>
+      <p:cxnSp>
+        <p:nvCxnSpPr>
+          <p:cNvPr id="15" name="Straight Arrow Connector 14">
+            <a:extLst>
+              <a:ext uri="{FF2B5EF4-FFF2-40B4-BE49-F238E27FC236}">
+                <a16:creationId xmlns:a16="http://schemas.microsoft.com/office/drawing/2014/main" id="{A5FD8664-D943-F3CE-5DF3-F0597C81BC97}"/>
+              </a:ext>
+            </a:extLst>
+          </p:cNvPr>
+          <p:cNvCxnSpPr/>
+          <p:nvPr/>
+        </p:nvCxnSpPr>
+        <p:spPr>
+          <a:xfrm>
+            <a:off x="2590799" y="3318386"/>
+            <a:ext cx="1243781" cy="0"/>
+          </a:xfrm>
+          <a:prstGeom prst="straightConnector1">
+            <a:avLst/>
+          </a:prstGeom>
+          <a:ln w="38100" cap="flat" cmpd="sng" algn="ctr">
+            <a:solidFill>
+              <a:schemeClr val="accent2"/>
+            </a:solidFill>
+            <a:prstDash val="solid"/>
+            <a:round/>
+            <a:headEnd type="arrow" w="med" len="med"/>
+            <a:tailEnd type="none" w="med" len="med"/>
+          </a:ln>
+        </p:spPr>
+        <p:style>
+          <a:lnRef idx="0">
+            <a:scrgbClr r="0" g="0" b="0"/>
+          </a:lnRef>
+          <a:fillRef idx="0">
+            <a:scrgbClr r="0" g="0" b="0"/>
+          </a:fillRef>
+          <a:effectRef idx="0">
+            <a:scrgbClr r="0" g="0" b="0"/>
+          </a:effectRef>
+          <a:fontRef idx="minor">
+            <a:schemeClr val="tx1"/>
+          </a:fontRef>
+        </p:style>
+      </p:cxnSp>
+      <p:sp>
+        <p:nvSpPr>
+          <p:cNvPr id="37" name="TextBox 36">
+            <a:extLst>
+              <a:ext uri="{FF2B5EF4-FFF2-40B4-BE49-F238E27FC236}">
+                <a16:creationId xmlns:a16="http://schemas.microsoft.com/office/drawing/2014/main" id="{CA2B2DE1-A82D-D2A5-996E-C5C68E636A3F}"/>
+              </a:ext>
+            </a:extLst>
+          </p:cNvPr>
+          <p:cNvSpPr txBox="1"/>
+          <p:nvPr/>
+        </p:nvSpPr>
+        <p:spPr>
+          <a:xfrm>
+            <a:off x="2882009" y="2426318"/>
+            <a:ext cx="860044" cy="338554"/>
+          </a:xfrm>
+          <a:prstGeom prst="rect">
+            <a:avLst/>
+          </a:prstGeom>
+          <a:noFill/>
+        </p:spPr>
+        <p:txBody>
+          <a:bodyPr wrap="none" rtlCol="0">
+            <a:spAutoFit/>
+          </a:bodyPr>
+          <a:lstStyle/>
+          <a:p>
+            <a:r>
+              <a:rPr lang="en-US" sz="1600"/>
+              <a:t>Request</a:t>
+            </a:r>
+          </a:p>
+        </p:txBody>
+      </p:sp>
+      <p:sp>
+        <p:nvSpPr>
+          <p:cNvPr id="38" name="TextBox 37">
+            <a:extLst>
+              <a:ext uri="{FF2B5EF4-FFF2-40B4-BE49-F238E27FC236}">
+                <a16:creationId xmlns:a16="http://schemas.microsoft.com/office/drawing/2014/main" id="{632900D4-853E-754B-6B07-44D3DE8ED0F4}"/>
+              </a:ext>
+            </a:extLst>
+          </p:cNvPr>
+          <p:cNvSpPr txBox="1"/>
+          <p:nvPr/>
+        </p:nvSpPr>
+        <p:spPr>
+          <a:xfrm>
+            <a:off x="2820743" y="3431853"/>
+            <a:ext cx="982577" cy="338554"/>
+          </a:xfrm>
+          <a:prstGeom prst="rect">
+            <a:avLst/>
+          </a:prstGeom>
+          <a:noFill/>
+        </p:spPr>
+        <p:txBody>
+          <a:bodyPr wrap="none" rtlCol="0">
+            <a:spAutoFit/>
+          </a:bodyPr>
+          <a:lstStyle/>
+          <a:p>
+            <a:r>
+              <a:rPr lang="en-US" sz="1600"/>
+              <a:t>Response</a:t>
+            </a:r>
+          </a:p>
+        </p:txBody>
+      </p:sp>
+      <p:cxnSp>
+        <p:nvCxnSpPr>
+          <p:cNvPr id="42" name="Straight Arrow Connector 41">
+            <a:extLst>
+              <a:ext uri="{FF2B5EF4-FFF2-40B4-BE49-F238E27FC236}">
+                <a16:creationId xmlns:a16="http://schemas.microsoft.com/office/drawing/2014/main" id="{92CD5D5A-1386-A2F3-B15E-FCB62A9A6F3F}"/>
+              </a:ext>
+            </a:extLst>
+          </p:cNvPr>
+          <p:cNvCxnSpPr>
+            <a:cxnSpLocks/>
+            <a:stCxn id="2" idx="3"/>
+            <a:endCxn id="9" idx="7"/>
+          </p:cNvCxnSpPr>
+          <p:nvPr/>
+        </p:nvCxnSpPr>
+        <p:spPr>
+          <a:xfrm flipH="1">
+            <a:off x="4912822" y="2217566"/>
+            <a:ext cx="959835" cy="527470"/>
+          </a:xfrm>
+          <a:prstGeom prst="straightConnector1">
+            <a:avLst/>
+          </a:prstGeom>
+          <a:ln w="28575">
+            <a:headEnd type="arrow"/>
+            <a:tailEnd type="arrow"/>
+          </a:ln>
+        </p:spPr>
+        <p:style>
+          <a:lnRef idx="1">
+            <a:schemeClr val="accent1"/>
+          </a:lnRef>
+          <a:fillRef idx="0">
+            <a:schemeClr val="accent1"/>
+          </a:fillRef>
+          <a:effectRef idx="0">
+            <a:schemeClr val="accent1"/>
+          </a:effectRef>
+          <a:fontRef idx="minor">
+            <a:schemeClr val="tx1"/>
+          </a:fontRef>
+        </p:style>
+      </p:cxnSp>
+      <p:sp>
+        <p:nvSpPr>
+          <p:cNvPr id="2" name="Oval 1">
+            <a:extLst>
+              <a:ext uri="{FF2B5EF4-FFF2-40B4-BE49-F238E27FC236}">
+                <a16:creationId xmlns:a16="http://schemas.microsoft.com/office/drawing/2014/main" id="{A5D6F4B5-F903-E4C6-1434-070CA5E09567}"/>
+              </a:ext>
+            </a:extLst>
+          </p:cNvPr>
+          <p:cNvSpPr/>
+          <p:nvPr/>
+        </p:nvSpPr>
+        <p:spPr>
+          <a:xfrm>
+            <a:off x="5712033" y="1281384"/>
+            <a:ext cx="1096806" cy="1096806"/>
+          </a:xfrm>
+          <a:prstGeom prst="ellipse">
+            <a:avLst/>
+          </a:prstGeom>
+        </p:spPr>
+        <p:style>
+          <a:lnRef idx="2">
+            <a:schemeClr val="accent1">
+              <a:shade val="15000"/>
+            </a:schemeClr>
+          </a:lnRef>
+          <a:fillRef idx="1">
+            <a:schemeClr val="accent1"/>
+          </a:fillRef>
+          <a:effectRef idx="0">
+            <a:schemeClr val="accent1"/>
+          </a:effectRef>
+          <a:fontRef idx="minor">
+            <a:schemeClr val="lt1"/>
+          </a:fontRef>
+        </p:style>
+        <p:txBody>
+          <a:bodyPr rtlCol="0" anchor="ctr"/>
+          <a:lstStyle/>
+          <a:p>
+            <a:pPr algn="ctr"/>
+            <a:r>
+              <a:rPr lang="en-US"/>
+              <a:t>Agent</a:t>
+            </a:r>
+          </a:p>
+        </p:txBody>
+      </p:sp>
+      <p:sp>
+        <p:nvSpPr>
+          <p:cNvPr id="3" name="Oval 2">
+            <a:extLst>
+              <a:ext uri="{FF2B5EF4-FFF2-40B4-BE49-F238E27FC236}">
+                <a16:creationId xmlns:a16="http://schemas.microsoft.com/office/drawing/2014/main" id="{C06596FF-5A71-1207-31AE-09A6FC2A9E1F}"/>
+              </a:ext>
+            </a:extLst>
+          </p:cNvPr>
+          <p:cNvSpPr/>
+          <p:nvPr/>
+        </p:nvSpPr>
+        <p:spPr>
+          <a:xfrm>
+            <a:off x="5712033" y="3931408"/>
+            <a:ext cx="1096806" cy="1096806"/>
+          </a:xfrm>
+          <a:prstGeom prst="ellipse">
+            <a:avLst/>
+          </a:prstGeom>
+        </p:spPr>
+        <p:style>
+          <a:lnRef idx="2">
+            <a:schemeClr val="accent1">
+              <a:shade val="15000"/>
+            </a:schemeClr>
+          </a:lnRef>
+          <a:fillRef idx="1">
+            <a:schemeClr val="accent1"/>
+          </a:fillRef>
+          <a:effectRef idx="0">
+            <a:schemeClr val="accent1"/>
+          </a:effectRef>
+          <a:fontRef idx="minor">
+            <a:schemeClr val="lt1"/>
+          </a:fontRef>
+        </p:style>
+        <p:txBody>
+          <a:bodyPr rtlCol="0" anchor="ctr"/>
+          <a:lstStyle/>
+          <a:p>
+            <a:pPr algn="ctr"/>
+            <a:r>
+              <a:rPr lang="en-US"/>
+              <a:t>Agent</a:t>
+            </a:r>
+          </a:p>
+        </p:txBody>
+      </p:sp>
+      <p:sp>
+        <p:nvSpPr>
+          <p:cNvPr id="4" name="Oval 3">
+            <a:extLst>
+              <a:ext uri="{FF2B5EF4-FFF2-40B4-BE49-F238E27FC236}">
+                <a16:creationId xmlns:a16="http://schemas.microsoft.com/office/drawing/2014/main" id="{6B6D68E7-3145-3815-C033-FF0612A06A69}"/>
+              </a:ext>
+            </a:extLst>
+          </p:cNvPr>
+          <p:cNvSpPr/>
+          <p:nvPr/>
+        </p:nvSpPr>
+        <p:spPr>
+          <a:xfrm>
+            <a:off x="7481840" y="2584412"/>
+            <a:ext cx="1096806" cy="1096806"/>
+          </a:xfrm>
+          <a:prstGeom prst="ellipse">
+            <a:avLst/>
+          </a:prstGeom>
+        </p:spPr>
+        <p:style>
+          <a:lnRef idx="2">
+            <a:schemeClr val="accent1">
+              <a:shade val="15000"/>
+            </a:schemeClr>
+          </a:lnRef>
+          <a:fillRef idx="1">
+            <a:schemeClr val="accent1"/>
+          </a:fillRef>
+          <a:effectRef idx="0">
+            <a:schemeClr val="accent1"/>
+          </a:effectRef>
+          <a:fontRef idx="minor">
+            <a:schemeClr val="lt1"/>
+          </a:fontRef>
+        </p:style>
+        <p:txBody>
+          <a:bodyPr rtlCol="0" anchor="ctr"/>
+          <a:lstStyle/>
+          <a:p>
+            <a:pPr algn="ctr"/>
+            <a:r>
+              <a:rPr lang="en-US"/>
+              <a:t>Agent</a:t>
+            </a:r>
+          </a:p>
+        </p:txBody>
+      </p:sp>
+      <p:cxnSp>
+        <p:nvCxnSpPr>
+          <p:cNvPr id="7" name="Straight Arrow Connector 6">
+            <a:extLst>
+              <a:ext uri="{FF2B5EF4-FFF2-40B4-BE49-F238E27FC236}">
+                <a16:creationId xmlns:a16="http://schemas.microsoft.com/office/drawing/2014/main" id="{C2A8B516-E3FF-4546-B47C-55AFBE5922B9}"/>
+              </a:ext>
+            </a:extLst>
+          </p:cNvPr>
+          <p:cNvCxnSpPr>
+            <a:cxnSpLocks/>
+            <a:stCxn id="4" idx="2"/>
+            <a:endCxn id="9" idx="6"/>
+          </p:cNvCxnSpPr>
+          <p:nvPr/>
+        </p:nvCxnSpPr>
+        <p:spPr>
+          <a:xfrm flipH="1">
+            <a:off x="5073446" y="3132815"/>
+            <a:ext cx="2408394" cy="0"/>
+          </a:xfrm>
+          <a:prstGeom prst="straightConnector1">
+            <a:avLst/>
+          </a:prstGeom>
+          <a:ln w="28575">
+            <a:headEnd type="arrow"/>
+            <a:tailEnd type="arrow"/>
+          </a:ln>
+        </p:spPr>
+        <p:style>
+          <a:lnRef idx="1">
+            <a:schemeClr val="accent1"/>
+          </a:lnRef>
+          <a:fillRef idx="0">
+            <a:schemeClr val="accent1"/>
+          </a:fillRef>
+          <a:effectRef idx="0">
+            <a:schemeClr val="accent1"/>
+          </a:effectRef>
+          <a:fontRef idx="minor">
+            <a:schemeClr val="tx1"/>
+          </a:fontRef>
+        </p:style>
+      </p:cxnSp>
+      <p:cxnSp>
+        <p:nvCxnSpPr>
+          <p:cNvPr id="11" name="Straight Arrow Connector 10">
+            <a:extLst>
+              <a:ext uri="{FF2B5EF4-FFF2-40B4-BE49-F238E27FC236}">
+                <a16:creationId xmlns:a16="http://schemas.microsoft.com/office/drawing/2014/main" id="{D8C16D3E-1A6E-3787-8069-947E970CBB07}"/>
+              </a:ext>
+            </a:extLst>
+          </p:cNvPr>
+          <p:cNvCxnSpPr>
+            <a:cxnSpLocks/>
+            <a:stCxn id="3" idx="1"/>
+            <a:endCxn id="9" idx="5"/>
+          </p:cNvCxnSpPr>
+          <p:nvPr/>
+        </p:nvCxnSpPr>
+        <p:spPr>
+          <a:xfrm flipH="1" flipV="1">
+            <a:off x="4912822" y="3520594"/>
+            <a:ext cx="959835" cy="571438"/>
+          </a:xfrm>
+          <a:prstGeom prst="straightConnector1">
+            <a:avLst/>
+          </a:prstGeom>
+          <a:ln w="28575">
+            <a:headEnd type="arrow"/>
+            <a:tailEnd type="arrow"/>
+          </a:ln>
+        </p:spPr>
+        <p:style>
+          <a:lnRef idx="1">
+            <a:schemeClr val="accent1"/>
+          </a:lnRef>
+          <a:fillRef idx="0">
+            <a:schemeClr val="accent1"/>
+          </a:fillRef>
+          <a:effectRef idx="0">
+            <a:schemeClr val="accent1"/>
+          </a:effectRef>
+          <a:fontRef idx="minor">
+            <a:schemeClr val="tx1"/>
+          </a:fontRef>
+        </p:style>
+      </p:cxnSp>
+      <p:cxnSp>
+        <p:nvCxnSpPr>
+          <p:cNvPr id="19" name="Straight Arrow Connector 18">
+            <a:extLst>
+              <a:ext uri="{FF2B5EF4-FFF2-40B4-BE49-F238E27FC236}">
+                <a16:creationId xmlns:a16="http://schemas.microsoft.com/office/drawing/2014/main" id="{E5F46F47-8860-9F22-EA1E-0A374FFEB423}"/>
+              </a:ext>
+            </a:extLst>
+          </p:cNvPr>
+          <p:cNvCxnSpPr>
+            <a:cxnSpLocks/>
+            <a:stCxn id="4" idx="1"/>
+            <a:endCxn id="2" idx="5"/>
+          </p:cNvCxnSpPr>
+          <p:nvPr/>
+        </p:nvCxnSpPr>
+        <p:spPr>
+          <a:xfrm flipH="1" flipV="1">
+            <a:off x="6648215" y="2217566"/>
+            <a:ext cx="994249" cy="527470"/>
+          </a:xfrm>
+          <a:prstGeom prst="straightConnector1">
+            <a:avLst/>
+          </a:prstGeom>
+          <a:ln w="28575">
+            <a:headEnd type="arrow"/>
+            <a:tailEnd type="arrow"/>
+          </a:ln>
+        </p:spPr>
+        <p:style>
+          <a:lnRef idx="1">
+            <a:schemeClr val="accent1"/>
+          </a:lnRef>
+          <a:fillRef idx="0">
+            <a:schemeClr val="accent1"/>
+          </a:fillRef>
+          <a:effectRef idx="0">
+            <a:schemeClr val="accent1"/>
+          </a:effectRef>
+          <a:fontRef idx="minor">
+            <a:schemeClr val="tx1"/>
+          </a:fontRef>
+        </p:style>
+      </p:cxnSp>
+      <p:cxnSp>
+        <p:nvCxnSpPr>
+          <p:cNvPr id="22" name="Straight Arrow Connector 21">
+            <a:extLst>
+              <a:ext uri="{FF2B5EF4-FFF2-40B4-BE49-F238E27FC236}">
+                <a16:creationId xmlns:a16="http://schemas.microsoft.com/office/drawing/2014/main" id="{D5B2B313-B90C-4671-D3D1-9E87ADDA5BF4}"/>
+              </a:ext>
+            </a:extLst>
+          </p:cNvPr>
+          <p:cNvCxnSpPr>
+            <a:cxnSpLocks/>
+            <a:stCxn id="4" idx="3"/>
+            <a:endCxn id="3" idx="7"/>
+          </p:cNvCxnSpPr>
+          <p:nvPr/>
+        </p:nvCxnSpPr>
+        <p:spPr>
+          <a:xfrm flipH="1">
+            <a:off x="6648215" y="3520594"/>
+            <a:ext cx="994249" cy="571438"/>
+          </a:xfrm>
+          <a:prstGeom prst="straightConnector1">
+            <a:avLst/>
+          </a:prstGeom>
+          <a:ln w="28575">
+            <a:headEnd type="arrow"/>
+            <a:tailEnd type="arrow"/>
+          </a:ln>
+        </p:spPr>
+        <p:style>
+          <a:lnRef idx="1">
+            <a:schemeClr val="accent1"/>
+          </a:lnRef>
+          <a:fillRef idx="0">
+            <a:schemeClr val="accent1"/>
+          </a:fillRef>
+          <a:effectRef idx="0">
+            <a:schemeClr val="accent1"/>
+          </a:effectRef>
+          <a:fontRef idx="minor">
+            <a:schemeClr val="tx1"/>
+          </a:fontRef>
+        </p:style>
+      </p:cxnSp>
+      <p:cxnSp>
+        <p:nvCxnSpPr>
+          <p:cNvPr id="26" name="Straight Arrow Connector 25">
+            <a:extLst>
+              <a:ext uri="{FF2B5EF4-FFF2-40B4-BE49-F238E27FC236}">
+                <a16:creationId xmlns:a16="http://schemas.microsoft.com/office/drawing/2014/main" id="{E64D953C-8B21-F2FD-6160-95B86F04FA92}"/>
+              </a:ext>
+            </a:extLst>
+          </p:cNvPr>
+          <p:cNvCxnSpPr>
+            <a:cxnSpLocks/>
+            <a:stCxn id="2" idx="4"/>
+            <a:endCxn id="3" idx="0"/>
+          </p:cNvCxnSpPr>
+          <p:nvPr/>
+        </p:nvCxnSpPr>
+        <p:spPr>
+          <a:xfrm>
+            <a:off x="6260436" y="2378190"/>
+            <a:ext cx="0" cy="1553218"/>
+          </a:xfrm>
+          <a:prstGeom prst="straightConnector1">
+            <a:avLst/>
+          </a:prstGeom>
+          <a:ln w="28575">
+            <a:headEnd type="arrow"/>
+            <a:tailEnd type="arrow"/>
+          </a:ln>
+        </p:spPr>
+        <p:style>
+          <a:lnRef idx="1">
+            <a:schemeClr val="accent1"/>
+          </a:lnRef>
+          <a:fillRef idx="0">
+            <a:schemeClr val="accent1"/>
+          </a:fillRef>
+          <a:effectRef idx="0">
+            <a:schemeClr val="accent1"/>
+          </a:effectRef>
+          <a:fontRef idx="minor">
+            <a:schemeClr val="tx1"/>
+          </a:fontRef>
+        </p:style>
+      </p:cxnSp>
+    </p:spTree>
+    <p:extLst>
+      <p:ext uri="{BB962C8B-B14F-4D97-AF65-F5344CB8AC3E}">
+        <p14:creationId xmlns:p14="http://schemas.microsoft.com/office/powerpoint/2010/main" val="2983258615"/>
       </p:ext>
     </p:extLst>
   </p:cSld>
@@ -39411,13 +43160,7 @@
           <p:nvPr/>
         </p:nvPicPr>
         <p:blipFill>
-          <a:blip r:embed="rId2">
-            <a:extLst>
-              <a:ext uri="{96DAC541-7B7A-43D3-8B79-37D633B846F1}">
-                <asvg:svgBlip xmlns:asvg="http://schemas.microsoft.com/office/drawing/2016/SVG/main"/>
-              </a:ext>
-            </a:extLst>
-          </a:blip>
+          <a:blip/>
           <a:stretch>
             <a:fillRect/>
           </a:stretch>
@@ -39447,13 +43190,7 @@
           <p:nvPr/>
         </p:nvPicPr>
         <p:blipFill>
-          <a:blip r:embed="rId4">
-            <a:extLst>
-              <a:ext uri="{96DAC541-7B7A-43D3-8B79-37D633B846F1}">
-                <asvg:svgBlip xmlns:asvg="http://schemas.microsoft.com/office/drawing/2016/SVG/main"/>
-              </a:ext>
-            </a:extLst>
-          </a:blip>
+          <a:blip/>
           <a:stretch>
             <a:fillRect/>
           </a:stretch>
@@ -39483,13 +43220,7 @@
           <p:nvPr/>
         </p:nvPicPr>
         <p:blipFill>
-          <a:blip r:embed="rId6">
-            <a:extLst>
-              <a:ext uri="{96DAC541-7B7A-43D3-8B79-37D633B846F1}">
-                <asvg:svgBlip xmlns:asvg="http://schemas.microsoft.com/office/drawing/2016/SVG/main"/>
-              </a:ext>
-            </a:extLst>
-          </a:blip>
+          <a:blip/>
           <a:stretch>
             <a:fillRect/>
           </a:stretch>

--- a/images/graphics.pptx
+++ b/images/graphics.pptx
@@ -55,6 +55,8 @@
     <p:sldId id="305" r:id="rId49"/>
     <p:sldId id="306" r:id="rId50"/>
     <p:sldId id="307" r:id="rId51"/>
+    <p:sldId id="308" r:id="rId52"/>
+    <p:sldId id="309" r:id="rId53"/>
   </p:sldIdLst>
   <p:sldSz cx="12192000" cy="6858000"/>
   <p:notesSz cx="6858000" cy="9144000"/>
@@ -3388,7 +3390,7 @@
           <a:p>
             <a:fld id="{E9175749-BE88-2442-8D84-DEA4B15C26FA}" type="datetimeFigureOut">
               <a:rPr lang="en-US" smtClean="0"/>
-              <a:t>2/15/25</a:t>
+              <a:t>1/23/26</a:t>
             </a:fld>
             <a:endParaRPr lang="en-US"/>
           </a:p>
@@ -3588,7 +3590,7 @@
           <a:p>
             <a:fld id="{E9175749-BE88-2442-8D84-DEA4B15C26FA}" type="datetimeFigureOut">
               <a:rPr lang="en-US" smtClean="0"/>
-              <a:t>2/15/25</a:t>
+              <a:t>1/23/26</a:t>
             </a:fld>
             <a:endParaRPr lang="en-US"/>
           </a:p>
@@ -3798,7 +3800,7 @@
           <a:p>
             <a:fld id="{E9175749-BE88-2442-8D84-DEA4B15C26FA}" type="datetimeFigureOut">
               <a:rPr lang="en-US" smtClean="0"/>
-              <a:t>2/15/25</a:t>
+              <a:t>1/23/26</a:t>
             </a:fld>
             <a:endParaRPr lang="en-US"/>
           </a:p>
@@ -3998,7 +4000,7 @@
           <a:p>
             <a:fld id="{E9175749-BE88-2442-8D84-DEA4B15C26FA}" type="datetimeFigureOut">
               <a:rPr lang="en-US" smtClean="0"/>
-              <a:t>2/15/25</a:t>
+              <a:t>1/23/26</a:t>
             </a:fld>
             <a:endParaRPr lang="en-US"/>
           </a:p>
@@ -4274,7 +4276,7 @@
           <a:p>
             <a:fld id="{E9175749-BE88-2442-8D84-DEA4B15C26FA}" type="datetimeFigureOut">
               <a:rPr lang="en-US" smtClean="0"/>
-              <a:t>2/15/25</a:t>
+              <a:t>1/23/26</a:t>
             </a:fld>
             <a:endParaRPr lang="en-US"/>
           </a:p>
@@ -4542,7 +4544,7 @@
           <a:p>
             <a:fld id="{E9175749-BE88-2442-8D84-DEA4B15C26FA}" type="datetimeFigureOut">
               <a:rPr lang="en-US" smtClean="0"/>
-              <a:t>2/15/25</a:t>
+              <a:t>1/23/26</a:t>
             </a:fld>
             <a:endParaRPr lang="en-US"/>
           </a:p>
@@ -4957,7 +4959,7 @@
           <a:p>
             <a:fld id="{E9175749-BE88-2442-8D84-DEA4B15C26FA}" type="datetimeFigureOut">
               <a:rPr lang="en-US" smtClean="0"/>
-              <a:t>2/15/25</a:t>
+              <a:t>1/23/26</a:t>
             </a:fld>
             <a:endParaRPr lang="en-US"/>
           </a:p>
@@ -5099,7 +5101,7 @@
           <a:p>
             <a:fld id="{E9175749-BE88-2442-8D84-DEA4B15C26FA}" type="datetimeFigureOut">
               <a:rPr lang="en-US" smtClean="0"/>
-              <a:t>2/15/25</a:t>
+              <a:t>1/23/26</a:t>
             </a:fld>
             <a:endParaRPr lang="en-US"/>
           </a:p>
@@ -5212,7 +5214,7 @@
           <a:p>
             <a:fld id="{E9175749-BE88-2442-8D84-DEA4B15C26FA}" type="datetimeFigureOut">
               <a:rPr lang="en-US" smtClean="0"/>
-              <a:t>2/15/25</a:t>
+              <a:t>1/23/26</a:t>
             </a:fld>
             <a:endParaRPr lang="en-US"/>
           </a:p>
@@ -5525,7 +5527,7 @@
           <a:p>
             <a:fld id="{E9175749-BE88-2442-8D84-DEA4B15C26FA}" type="datetimeFigureOut">
               <a:rPr lang="en-US" smtClean="0"/>
-              <a:t>2/15/25</a:t>
+              <a:t>1/23/26</a:t>
             </a:fld>
             <a:endParaRPr lang="en-US"/>
           </a:p>
@@ -5814,7 +5816,7 @@
           <a:p>
             <a:fld id="{E9175749-BE88-2442-8D84-DEA4B15C26FA}" type="datetimeFigureOut">
               <a:rPr lang="en-US" smtClean="0"/>
-              <a:t>2/15/25</a:t>
+              <a:t>1/23/26</a:t>
             </a:fld>
             <a:endParaRPr lang="en-US"/>
           </a:p>
@@ -6057,7 +6059,7 @@
           <a:p>
             <a:fld id="{E9175749-BE88-2442-8D84-DEA4B15C26FA}" type="datetimeFigureOut">
               <a:rPr lang="en-US" smtClean="0"/>
-              <a:t>2/15/25</a:t>
+              <a:t>1/23/26</a:t>
             </a:fld>
             <a:endParaRPr lang="en-US"/>
           </a:p>
@@ -42825,6 +42827,2002 @@
 </p:sld>
 </file>
 
+<file path=ppt/slides/slide51.xml><?xml version="1.0" encoding="utf-8"?>
+<p:sld xmlns:a="http://schemas.openxmlformats.org/drawingml/2006/main" xmlns:r="http://schemas.openxmlformats.org/officeDocument/2006/relationships" xmlns:p="http://schemas.openxmlformats.org/presentationml/2006/main">
+  <p:cSld>
+    <p:spTree>
+      <p:nvGrpSpPr>
+        <p:cNvPr id="1" name=""/>
+        <p:cNvGrpSpPr/>
+        <p:nvPr/>
+      </p:nvGrpSpPr>
+      <p:grpSpPr>
+        <a:xfrm>
+          <a:off x="0" y="0"/>
+          <a:ext cx="0" cy="0"/>
+          <a:chOff x="0" y="0"/>
+          <a:chExt cx="0" cy="0"/>
+        </a:xfrm>
+      </p:grpSpPr>
+      <p:sp>
+        <p:nvSpPr>
+          <p:cNvPr id="3" name="Rounded Rectangle 2">
+            <a:extLst>
+              <a:ext uri="{FF2B5EF4-FFF2-40B4-BE49-F238E27FC236}">
+                <a16:creationId xmlns:a16="http://schemas.microsoft.com/office/drawing/2014/main" id="{AEF014C2-B267-AF29-FCDE-2406579950FB}"/>
+              </a:ext>
+            </a:extLst>
+          </p:cNvPr>
+          <p:cNvSpPr/>
+          <p:nvPr/>
+        </p:nvSpPr>
+        <p:spPr>
+          <a:xfrm>
+            <a:off x="2610079" y="623027"/>
+            <a:ext cx="1965434" cy="725213"/>
+          </a:xfrm>
+          <a:prstGeom prst="roundRect">
+            <a:avLst/>
+          </a:prstGeom>
+        </p:spPr>
+        <p:style>
+          <a:lnRef idx="2">
+            <a:schemeClr val="accent1"/>
+          </a:lnRef>
+          <a:fillRef idx="1">
+            <a:schemeClr val="lt1"/>
+          </a:fillRef>
+          <a:effectRef idx="0">
+            <a:schemeClr val="accent1"/>
+          </a:effectRef>
+          <a:fontRef idx="minor">
+            <a:schemeClr val="dk1"/>
+          </a:fontRef>
+        </p:style>
+        <p:txBody>
+          <a:bodyPr rtlCol="0" anchor="ctr"/>
+          <a:lstStyle/>
+          <a:p>
+            <a:pPr algn="ctr"/>
+            <a:r>
+              <a:rPr lang="en-US" sz="1600"/>
+              <a:t>docker-compose.yml</a:t>
+            </a:r>
+          </a:p>
+        </p:txBody>
+      </p:sp>
+      <p:pic>
+        <p:nvPicPr>
+          <p:cNvPr id="4" name="Picture 3" descr="image source : https://quintagroup.com">
+            <a:extLst>
+              <a:ext uri="{FF2B5EF4-FFF2-40B4-BE49-F238E27FC236}">
+                <a16:creationId xmlns:a16="http://schemas.microsoft.com/office/drawing/2014/main" id="{7A68E974-03FA-3E12-B04C-DC5B09D3BBC2}"/>
+              </a:ext>
+            </a:extLst>
+          </p:cNvPr>
+          <p:cNvPicPr>
+            <a:picLocks noChangeAspect="1"/>
+          </p:cNvPicPr>
+          <p:nvPr/>
+        </p:nvPicPr>
+        <p:blipFill>
+          <a:blip r:embed="rId2"/>
+          <a:stretch>
+            <a:fillRect/>
+          </a:stretch>
+        </p:blipFill>
+        <p:spPr>
+          <a:xfrm>
+            <a:off x="2610079" y="2350047"/>
+            <a:ext cx="1965434" cy="943960"/>
+          </a:xfrm>
+          <a:prstGeom prst="rect">
+            <a:avLst/>
+          </a:prstGeom>
+          <a:ln w="12700">
+            <a:solidFill>
+              <a:schemeClr val="accent5"/>
+            </a:solidFill>
+          </a:ln>
+        </p:spPr>
+      </p:pic>
+      <p:sp>
+        <p:nvSpPr>
+          <p:cNvPr id="5" name="Rounded Rectangle 4">
+            <a:extLst>
+              <a:ext uri="{FF2B5EF4-FFF2-40B4-BE49-F238E27FC236}">
+                <a16:creationId xmlns:a16="http://schemas.microsoft.com/office/drawing/2014/main" id="{BAE44B42-2F0D-7AD1-16FF-FBD16EA4F350}"/>
+              </a:ext>
+            </a:extLst>
+          </p:cNvPr>
+          <p:cNvSpPr/>
+          <p:nvPr/>
+        </p:nvSpPr>
+        <p:spPr>
+          <a:xfrm>
+            <a:off x="5142463" y="1830402"/>
+            <a:ext cx="1618807" cy="903797"/>
+          </a:xfrm>
+          <a:prstGeom prst="roundRect">
+            <a:avLst/>
+          </a:prstGeom>
+        </p:spPr>
+        <p:style>
+          <a:lnRef idx="2">
+            <a:schemeClr val="accent1"/>
+          </a:lnRef>
+          <a:fillRef idx="1">
+            <a:schemeClr val="lt1"/>
+          </a:fillRef>
+          <a:effectRef idx="0">
+            <a:schemeClr val="accent1"/>
+          </a:effectRef>
+          <a:fontRef idx="minor">
+            <a:schemeClr val="dk1"/>
+          </a:fontRef>
+        </p:style>
+        <p:txBody>
+          <a:bodyPr rtlCol="0" anchor="b" anchorCtr="0"/>
+          <a:lstStyle/>
+          <a:p>
+            <a:pPr algn="ctr"/>
+            <a:r>
+              <a:rPr lang="en-US" sz="1600"/>
+              <a:t>postgres image</a:t>
+            </a:r>
+          </a:p>
+        </p:txBody>
+      </p:sp>
+      <p:pic>
+        <p:nvPicPr>
+          <p:cNvPr id="6" name="Picture 5">
+            <a:extLst>
+              <a:ext uri="{FF2B5EF4-FFF2-40B4-BE49-F238E27FC236}">
+                <a16:creationId xmlns:a16="http://schemas.microsoft.com/office/drawing/2014/main" id="{AA795E55-938C-72A6-E222-826EE0985CC4}"/>
+              </a:ext>
+            </a:extLst>
+          </p:cNvPr>
+          <p:cNvPicPr>
+            <a:picLocks noChangeAspect="1"/>
+          </p:cNvPicPr>
+          <p:nvPr/>
+        </p:nvPicPr>
+        <p:blipFill>
+          <a:blip r:embed="rId3"/>
+          <a:stretch>
+            <a:fillRect/>
+          </a:stretch>
+        </p:blipFill>
+        <p:spPr>
+          <a:xfrm>
+            <a:off x="5333398" y="1830403"/>
+            <a:ext cx="1222703" cy="687770"/>
+          </a:xfrm>
+          <a:prstGeom prst="rect">
+            <a:avLst/>
+          </a:prstGeom>
+        </p:spPr>
+      </p:pic>
+      <p:sp>
+        <p:nvSpPr>
+          <p:cNvPr id="9" name="Rounded Rectangle 8">
+            <a:extLst>
+              <a:ext uri="{FF2B5EF4-FFF2-40B4-BE49-F238E27FC236}">
+                <a16:creationId xmlns:a16="http://schemas.microsoft.com/office/drawing/2014/main" id="{DE5CB6C8-DB2A-C05C-1F83-079C88563CDB}"/>
+              </a:ext>
+            </a:extLst>
+          </p:cNvPr>
+          <p:cNvSpPr/>
+          <p:nvPr/>
+        </p:nvSpPr>
+        <p:spPr>
+          <a:xfrm>
+            <a:off x="5142463" y="3092379"/>
+            <a:ext cx="1618807" cy="725213"/>
+          </a:xfrm>
+          <a:prstGeom prst="roundRect">
+            <a:avLst/>
+          </a:prstGeom>
+        </p:spPr>
+        <p:style>
+          <a:lnRef idx="2">
+            <a:schemeClr val="accent1"/>
+          </a:lnRef>
+          <a:fillRef idx="1">
+            <a:schemeClr val="lt1"/>
+          </a:fillRef>
+          <a:effectRef idx="0">
+            <a:schemeClr val="accent1"/>
+          </a:effectRef>
+          <a:fontRef idx="minor">
+            <a:schemeClr val="dk1"/>
+          </a:fontRef>
+        </p:style>
+        <p:txBody>
+          <a:bodyPr rtlCol="0" anchor="ctr"/>
+          <a:lstStyle/>
+          <a:p>
+            <a:pPr algn="ctr"/>
+            <a:r>
+              <a:rPr lang="en-US" sz="1600"/>
+              <a:t>DockerFile</a:t>
+            </a:r>
+          </a:p>
+        </p:txBody>
+      </p:sp>
+      <p:sp>
+        <p:nvSpPr>
+          <p:cNvPr id="10" name="Rounded Rectangle 9">
+            <a:extLst>
+              <a:ext uri="{FF2B5EF4-FFF2-40B4-BE49-F238E27FC236}">
+                <a16:creationId xmlns:a16="http://schemas.microsoft.com/office/drawing/2014/main" id="{ED33D9A1-95D5-F194-0E04-391B6BBA3B76}"/>
+              </a:ext>
+            </a:extLst>
+          </p:cNvPr>
+          <p:cNvSpPr/>
+          <p:nvPr/>
+        </p:nvSpPr>
+        <p:spPr>
+          <a:xfrm>
+            <a:off x="5142463" y="4307550"/>
+            <a:ext cx="1618807" cy="903797"/>
+          </a:xfrm>
+          <a:prstGeom prst="roundRect">
+            <a:avLst/>
+          </a:prstGeom>
+        </p:spPr>
+        <p:style>
+          <a:lnRef idx="2">
+            <a:schemeClr val="accent1"/>
+          </a:lnRef>
+          <a:fillRef idx="1">
+            <a:schemeClr val="lt1"/>
+          </a:fillRef>
+          <a:effectRef idx="0">
+            <a:schemeClr val="accent1"/>
+          </a:effectRef>
+          <a:fontRef idx="minor">
+            <a:schemeClr val="dk1"/>
+          </a:fontRef>
+        </p:style>
+        <p:txBody>
+          <a:bodyPr rtlCol="0" anchor="b" anchorCtr="0"/>
+          <a:lstStyle/>
+          <a:p>
+            <a:pPr algn="ctr"/>
+            <a:r>
+              <a:rPr lang="en-US" sz="1600"/>
+              <a:t>built image</a:t>
+            </a:r>
+          </a:p>
+        </p:txBody>
+      </p:sp>
+      <p:pic>
+        <p:nvPicPr>
+          <p:cNvPr id="11" name="Picture 10">
+            <a:extLst>
+              <a:ext uri="{FF2B5EF4-FFF2-40B4-BE49-F238E27FC236}">
+                <a16:creationId xmlns:a16="http://schemas.microsoft.com/office/drawing/2014/main" id="{5BB6D539-79E0-69FC-2C06-2883FE8F3B1D}"/>
+              </a:ext>
+            </a:extLst>
+          </p:cNvPr>
+          <p:cNvPicPr>
+            <a:picLocks noChangeAspect="1"/>
+          </p:cNvPicPr>
+          <p:nvPr/>
+        </p:nvPicPr>
+        <p:blipFill>
+          <a:blip r:embed="rId3"/>
+          <a:stretch>
+            <a:fillRect/>
+          </a:stretch>
+        </p:blipFill>
+        <p:spPr>
+          <a:xfrm>
+            <a:off x="5333398" y="4281298"/>
+            <a:ext cx="1222703" cy="687770"/>
+          </a:xfrm>
+          <a:prstGeom prst="rect">
+            <a:avLst/>
+          </a:prstGeom>
+        </p:spPr>
+      </p:pic>
+      <p:sp>
+        <p:nvSpPr>
+          <p:cNvPr id="21" name="Rounded Rectangle 20">
+            <a:extLst>
+              <a:ext uri="{FF2B5EF4-FFF2-40B4-BE49-F238E27FC236}">
+                <a16:creationId xmlns:a16="http://schemas.microsoft.com/office/drawing/2014/main" id="{A988A322-E12B-6BFA-31AB-4CCA4547329D}"/>
+              </a:ext>
+            </a:extLst>
+          </p:cNvPr>
+          <p:cNvSpPr/>
+          <p:nvPr/>
+        </p:nvSpPr>
+        <p:spPr>
+          <a:xfrm>
+            <a:off x="7241901" y="1763272"/>
+            <a:ext cx="2281399" cy="1038058"/>
+          </a:xfrm>
+          <a:prstGeom prst="roundRect">
+            <a:avLst/>
+          </a:prstGeom>
+        </p:spPr>
+        <p:style>
+          <a:lnRef idx="2">
+            <a:schemeClr val="accent1"/>
+          </a:lnRef>
+          <a:fillRef idx="1">
+            <a:schemeClr val="lt1"/>
+          </a:fillRef>
+          <a:effectRef idx="0">
+            <a:schemeClr val="accent1"/>
+          </a:effectRef>
+          <a:fontRef idx="minor">
+            <a:schemeClr val="dk1"/>
+          </a:fontRef>
+        </p:style>
+        <p:txBody>
+          <a:bodyPr rtlCol="0" anchor="ctr"/>
+          <a:lstStyle/>
+          <a:p>
+            <a:pPr algn="r"/>
+            <a:r>
+              <a:rPr lang="en-US" sz="1600"/>
+              <a:t>Docker container</a:t>
+            </a:r>
+          </a:p>
+        </p:txBody>
+      </p:sp>
+      <p:grpSp>
+        <p:nvGrpSpPr>
+          <p:cNvPr id="16" name="Graphic 12" descr="Box with solid fill">
+            <a:extLst>
+              <a:ext uri="{FF2B5EF4-FFF2-40B4-BE49-F238E27FC236}">
+                <a16:creationId xmlns:a16="http://schemas.microsoft.com/office/drawing/2014/main" id="{1A1296F2-34A1-CC51-4A83-D1C860DDCF23}"/>
+              </a:ext>
+            </a:extLst>
+          </p:cNvPr>
+          <p:cNvGrpSpPr/>
+          <p:nvPr/>
+        </p:nvGrpSpPr>
+        <p:grpSpPr>
+          <a:xfrm>
+            <a:off x="7398492" y="1998535"/>
+            <a:ext cx="429547" cy="512853"/>
+            <a:chOff x="9377321" y="1183646"/>
+            <a:chExt cx="628650" cy="750570"/>
+          </a:xfrm>
+          <a:solidFill>
+            <a:schemeClr val="accent5"/>
+          </a:solidFill>
+        </p:grpSpPr>
+        <p:sp>
+          <p:nvSpPr>
+            <p:cNvPr id="17" name="Freeform 16">
+              <a:extLst>
+                <a:ext uri="{FF2B5EF4-FFF2-40B4-BE49-F238E27FC236}">
+                  <a16:creationId xmlns:a16="http://schemas.microsoft.com/office/drawing/2014/main" id="{2D93BF13-FBFA-147C-EF42-26B81686753A}"/>
+                </a:ext>
+              </a:extLst>
+            </p:cNvPr>
+            <p:cNvSpPr/>
+            <p:nvPr/>
+          </p:nvSpPr>
+          <p:spPr>
+            <a:xfrm>
+              <a:off x="9377321" y="1287468"/>
+              <a:ext cx="457200" cy="277177"/>
+            </a:xfrm>
+            <a:custGeom>
+              <a:avLst/>
+              <a:gdLst>
+                <a:gd name="csX0" fmla="*/ 142875 w 457200"/>
+                <a:gd name="csY0" fmla="*/ 0 h 277177"/>
+                <a:gd name="csX1" fmla="*/ 0 w 457200"/>
+                <a:gd name="csY1" fmla="*/ 86678 h 277177"/>
+                <a:gd name="csX2" fmla="*/ 314325 w 457200"/>
+                <a:gd name="csY2" fmla="*/ 277178 h 277177"/>
+                <a:gd name="csX3" fmla="*/ 457200 w 457200"/>
+                <a:gd name="csY3" fmla="*/ 190500 h 277177"/>
+              </a:gdLst>
+              <a:ahLst/>
+              <a:cxnLst>
+                <a:cxn ang="0">
+                  <a:pos x="csX0" y="csY0"/>
+                </a:cxn>
+                <a:cxn ang="0">
+                  <a:pos x="csX1" y="csY1"/>
+                </a:cxn>
+                <a:cxn ang="0">
+                  <a:pos x="csX2" y="csY2"/>
+                </a:cxn>
+                <a:cxn ang="0">
+                  <a:pos x="csX3" y="csY3"/>
+                </a:cxn>
+              </a:cxnLst>
+              <a:rect l="l" t="t" r="r" b="b"/>
+              <a:pathLst>
+                <a:path w="457200" h="277177">
+                  <a:moveTo>
+                    <a:pt x="142875" y="0"/>
+                  </a:moveTo>
+                  <a:lnTo>
+                    <a:pt x="0" y="86678"/>
+                  </a:lnTo>
+                  <a:lnTo>
+                    <a:pt x="314325" y="277178"/>
+                  </a:lnTo>
+                  <a:lnTo>
+                    <a:pt x="457200" y="190500"/>
+                  </a:lnTo>
+                  <a:close/>
+                </a:path>
+              </a:pathLst>
+            </a:custGeom>
+            <a:grpFill/>
+            <a:ln w="9525" cap="flat">
+              <a:noFill/>
+              <a:prstDash val="solid"/>
+              <a:miter/>
+            </a:ln>
+          </p:spPr>
+          <p:txBody>
+            <a:bodyPr/>
+            <a:lstStyle/>
+            <a:p>
+              <a:endParaRPr lang="en-US"/>
+            </a:p>
+          </p:txBody>
+        </p:sp>
+        <p:sp>
+          <p:nvSpPr>
+            <p:cNvPr id="18" name="Freeform 17">
+              <a:extLst>
+                <a:ext uri="{FF2B5EF4-FFF2-40B4-BE49-F238E27FC236}">
+                  <a16:creationId xmlns:a16="http://schemas.microsoft.com/office/drawing/2014/main" id="{C579C7EB-2DA1-82A4-243F-AE1FC7D552A0}"/>
+                </a:ext>
+              </a:extLst>
+            </p:cNvPr>
+            <p:cNvSpPr/>
+            <p:nvPr/>
+          </p:nvSpPr>
+          <p:spPr>
+            <a:xfrm>
+              <a:off x="9556390" y="1183646"/>
+              <a:ext cx="449580" cy="272415"/>
+            </a:xfrm>
+            <a:custGeom>
+              <a:avLst/>
+              <a:gdLst>
+                <a:gd name="csX0" fmla="*/ 449580 w 449580"/>
+                <a:gd name="csY0" fmla="*/ 190500 h 272415"/>
+                <a:gd name="csX1" fmla="*/ 135255 w 449580"/>
+                <a:gd name="csY1" fmla="*/ 0 h 272415"/>
+                <a:gd name="csX2" fmla="*/ 0 w 449580"/>
+                <a:gd name="csY2" fmla="*/ 81915 h 272415"/>
+                <a:gd name="csX3" fmla="*/ 314325 w 449580"/>
+                <a:gd name="csY3" fmla="*/ 272415 h 272415"/>
+              </a:gdLst>
+              <a:ahLst/>
+              <a:cxnLst>
+                <a:cxn ang="0">
+                  <a:pos x="csX0" y="csY0"/>
+                </a:cxn>
+                <a:cxn ang="0">
+                  <a:pos x="csX1" y="csY1"/>
+                </a:cxn>
+                <a:cxn ang="0">
+                  <a:pos x="csX2" y="csY2"/>
+                </a:cxn>
+                <a:cxn ang="0">
+                  <a:pos x="csX3" y="csY3"/>
+                </a:cxn>
+              </a:cxnLst>
+              <a:rect l="l" t="t" r="r" b="b"/>
+              <a:pathLst>
+                <a:path w="449580" h="272415">
+                  <a:moveTo>
+                    <a:pt x="449580" y="190500"/>
+                  </a:moveTo>
+                  <a:lnTo>
+                    <a:pt x="135255" y="0"/>
+                  </a:lnTo>
+                  <a:lnTo>
+                    <a:pt x="0" y="81915"/>
+                  </a:lnTo>
+                  <a:lnTo>
+                    <a:pt x="314325" y="272415"/>
+                  </a:lnTo>
+                  <a:close/>
+                </a:path>
+              </a:pathLst>
+            </a:custGeom>
+            <a:grpFill/>
+            <a:ln w="9525" cap="flat">
+              <a:noFill/>
+              <a:prstDash val="solid"/>
+              <a:miter/>
+            </a:ln>
+          </p:spPr>
+          <p:txBody>
+            <a:bodyPr/>
+            <a:lstStyle/>
+            <a:p>
+              <a:endParaRPr lang="en-US"/>
+            </a:p>
+          </p:txBody>
+        </p:sp>
+        <p:sp>
+          <p:nvSpPr>
+            <p:cNvPr id="19" name="Freeform 18">
+              <a:extLst>
+                <a:ext uri="{FF2B5EF4-FFF2-40B4-BE49-F238E27FC236}">
+                  <a16:creationId xmlns:a16="http://schemas.microsoft.com/office/drawing/2014/main" id="{4FD790D8-0D3A-24C1-402C-8F5B86BE762F}"/>
+                </a:ext>
+              </a:extLst>
+            </p:cNvPr>
+            <p:cNvSpPr/>
+            <p:nvPr/>
+          </p:nvSpPr>
+          <p:spPr>
+            <a:xfrm>
+              <a:off x="9377321" y="1418913"/>
+              <a:ext cx="295275" cy="515302"/>
+            </a:xfrm>
+            <a:custGeom>
+              <a:avLst/>
+              <a:gdLst>
+                <a:gd name="csX0" fmla="*/ 0 w 295275"/>
+                <a:gd name="csY0" fmla="*/ 31432 h 515302"/>
+                <a:gd name="csX1" fmla="*/ 0 w 295275"/>
+                <a:gd name="csY1" fmla="*/ 336233 h 515302"/>
+                <a:gd name="csX2" fmla="*/ 295275 w 295275"/>
+                <a:gd name="csY2" fmla="*/ 515303 h 515302"/>
+                <a:gd name="csX3" fmla="*/ 295275 w 295275"/>
+                <a:gd name="csY3" fmla="*/ 179070 h 515302"/>
+                <a:gd name="csX4" fmla="*/ 0 w 295275"/>
+                <a:gd name="csY4" fmla="*/ 0 h 515302"/>
+              </a:gdLst>
+              <a:ahLst/>
+              <a:cxnLst>
+                <a:cxn ang="0">
+                  <a:pos x="csX0" y="csY0"/>
+                </a:cxn>
+                <a:cxn ang="0">
+                  <a:pos x="csX1" y="csY1"/>
+                </a:cxn>
+                <a:cxn ang="0">
+                  <a:pos x="csX2" y="csY2"/>
+                </a:cxn>
+                <a:cxn ang="0">
+                  <a:pos x="csX3" y="csY3"/>
+                </a:cxn>
+                <a:cxn ang="0">
+                  <a:pos x="csX4" y="csY4"/>
+                </a:cxn>
+              </a:cxnLst>
+              <a:rect l="l" t="t" r="r" b="b"/>
+              <a:pathLst>
+                <a:path w="295275" h="515302">
+                  <a:moveTo>
+                    <a:pt x="0" y="31432"/>
+                  </a:moveTo>
+                  <a:lnTo>
+                    <a:pt x="0" y="336233"/>
+                  </a:lnTo>
+                  <a:lnTo>
+                    <a:pt x="295275" y="515303"/>
+                  </a:lnTo>
+                  <a:lnTo>
+                    <a:pt x="295275" y="179070"/>
+                  </a:lnTo>
+                  <a:lnTo>
+                    <a:pt x="0" y="0"/>
+                  </a:lnTo>
+                  <a:close/>
+                </a:path>
+              </a:pathLst>
+            </a:custGeom>
+            <a:grpFill/>
+            <a:ln w="9525" cap="flat">
+              <a:noFill/>
+              <a:prstDash val="solid"/>
+              <a:miter/>
+            </a:ln>
+          </p:spPr>
+          <p:txBody>
+            <a:bodyPr/>
+            <a:lstStyle/>
+            <a:p>
+              <a:endParaRPr lang="en-US"/>
+            </a:p>
+          </p:txBody>
+        </p:sp>
+        <p:sp>
+          <p:nvSpPr>
+            <p:cNvPr id="20" name="Freeform 19">
+              <a:extLst>
+                <a:ext uri="{FF2B5EF4-FFF2-40B4-BE49-F238E27FC236}">
+                  <a16:creationId xmlns:a16="http://schemas.microsoft.com/office/drawing/2014/main" id="{05C443B9-D637-4190-FEDF-34EF568FE695}"/>
+                </a:ext>
+              </a:extLst>
+            </p:cNvPr>
+            <p:cNvSpPr/>
+            <p:nvPr/>
+          </p:nvSpPr>
+          <p:spPr>
+            <a:xfrm>
+              <a:off x="9710696" y="1418913"/>
+              <a:ext cx="295275" cy="515302"/>
+            </a:xfrm>
+            <a:custGeom>
+              <a:avLst/>
+              <a:gdLst>
+                <a:gd name="csX0" fmla="*/ 104775 w 295275"/>
+                <a:gd name="csY0" fmla="*/ 231458 h 515302"/>
+                <a:gd name="csX1" fmla="*/ 38100 w 295275"/>
+                <a:gd name="csY1" fmla="*/ 269558 h 515302"/>
+                <a:gd name="csX2" fmla="*/ 38100 w 295275"/>
+                <a:gd name="csY2" fmla="*/ 202883 h 515302"/>
+                <a:gd name="csX3" fmla="*/ 104775 w 295275"/>
+                <a:gd name="csY3" fmla="*/ 164783 h 515302"/>
+                <a:gd name="csX4" fmla="*/ 104775 w 295275"/>
+                <a:gd name="csY4" fmla="*/ 231458 h 515302"/>
+                <a:gd name="csX5" fmla="*/ 0 w 295275"/>
+                <a:gd name="csY5" fmla="*/ 179070 h 515302"/>
+                <a:gd name="csX6" fmla="*/ 0 w 295275"/>
+                <a:gd name="csY6" fmla="*/ 515303 h 515302"/>
+                <a:gd name="csX7" fmla="*/ 295275 w 295275"/>
+                <a:gd name="csY7" fmla="*/ 336233 h 515302"/>
+                <a:gd name="csX8" fmla="*/ 295275 w 295275"/>
+                <a:gd name="csY8" fmla="*/ 0 h 515302"/>
+                <a:gd name="csX9" fmla="*/ 0 w 295275"/>
+                <a:gd name="csY9" fmla="*/ 179070 h 515302"/>
+              </a:gdLst>
+              <a:ahLst/>
+              <a:cxnLst>
+                <a:cxn ang="0">
+                  <a:pos x="csX0" y="csY0"/>
+                </a:cxn>
+                <a:cxn ang="0">
+                  <a:pos x="csX1" y="csY1"/>
+                </a:cxn>
+                <a:cxn ang="0">
+                  <a:pos x="csX2" y="csY2"/>
+                </a:cxn>
+                <a:cxn ang="0">
+                  <a:pos x="csX3" y="csY3"/>
+                </a:cxn>
+                <a:cxn ang="0">
+                  <a:pos x="csX4" y="csY4"/>
+                </a:cxn>
+                <a:cxn ang="0">
+                  <a:pos x="csX5" y="csY5"/>
+                </a:cxn>
+                <a:cxn ang="0">
+                  <a:pos x="csX6" y="csY6"/>
+                </a:cxn>
+                <a:cxn ang="0">
+                  <a:pos x="csX7" y="csY7"/>
+                </a:cxn>
+                <a:cxn ang="0">
+                  <a:pos x="csX8" y="csY8"/>
+                </a:cxn>
+                <a:cxn ang="0">
+                  <a:pos x="csX9" y="csY9"/>
+                </a:cxn>
+              </a:cxnLst>
+              <a:rect l="l" t="t" r="r" b="b"/>
+              <a:pathLst>
+                <a:path w="295275" h="515302">
+                  <a:moveTo>
+                    <a:pt x="104775" y="231458"/>
+                  </a:moveTo>
+                  <a:lnTo>
+                    <a:pt x="38100" y="269558"/>
+                  </a:lnTo>
+                  <a:lnTo>
+                    <a:pt x="38100" y="202883"/>
+                  </a:lnTo>
+                  <a:lnTo>
+                    <a:pt x="104775" y="164783"/>
+                  </a:lnTo>
+                  <a:lnTo>
+                    <a:pt x="104775" y="231458"/>
+                  </a:lnTo>
+                  <a:close/>
+                  <a:moveTo>
+                    <a:pt x="0" y="179070"/>
+                  </a:moveTo>
+                  <a:lnTo>
+                    <a:pt x="0" y="515303"/>
+                  </a:lnTo>
+                  <a:lnTo>
+                    <a:pt x="295275" y="336233"/>
+                  </a:lnTo>
+                  <a:lnTo>
+                    <a:pt x="295275" y="0"/>
+                  </a:lnTo>
+                  <a:lnTo>
+                    <a:pt x="0" y="179070"/>
+                  </a:lnTo>
+                  <a:close/>
+                </a:path>
+              </a:pathLst>
+            </a:custGeom>
+            <a:grpFill/>
+            <a:ln w="9525" cap="flat">
+              <a:noFill/>
+              <a:prstDash val="solid"/>
+              <a:miter/>
+            </a:ln>
+          </p:spPr>
+          <p:txBody>
+            <a:bodyPr/>
+            <a:lstStyle/>
+            <a:p>
+              <a:endParaRPr lang="en-US"/>
+            </a:p>
+          </p:txBody>
+        </p:sp>
+      </p:grpSp>
+      <p:sp>
+        <p:nvSpPr>
+          <p:cNvPr id="22" name="Rounded Rectangle 21">
+            <a:extLst>
+              <a:ext uri="{FF2B5EF4-FFF2-40B4-BE49-F238E27FC236}">
+                <a16:creationId xmlns:a16="http://schemas.microsoft.com/office/drawing/2014/main" id="{97967A1D-0E27-05AF-538E-C0428D345A66}"/>
+              </a:ext>
+            </a:extLst>
+          </p:cNvPr>
+          <p:cNvSpPr/>
+          <p:nvPr/>
+        </p:nvSpPr>
+        <p:spPr>
+          <a:xfrm>
+            <a:off x="7241901" y="4237844"/>
+            <a:ext cx="2281399" cy="1038058"/>
+          </a:xfrm>
+          <a:prstGeom prst="roundRect">
+            <a:avLst/>
+          </a:prstGeom>
+        </p:spPr>
+        <p:style>
+          <a:lnRef idx="2">
+            <a:schemeClr val="accent1"/>
+          </a:lnRef>
+          <a:fillRef idx="1">
+            <a:schemeClr val="lt1"/>
+          </a:fillRef>
+          <a:effectRef idx="0">
+            <a:schemeClr val="accent1"/>
+          </a:effectRef>
+          <a:fontRef idx="minor">
+            <a:schemeClr val="dk1"/>
+          </a:fontRef>
+        </p:style>
+        <p:txBody>
+          <a:bodyPr rtlCol="0" anchor="ctr"/>
+          <a:lstStyle/>
+          <a:p>
+            <a:pPr algn="r"/>
+            <a:r>
+              <a:rPr lang="en-US" sz="1600"/>
+              <a:t>Docker container</a:t>
+            </a:r>
+          </a:p>
+        </p:txBody>
+      </p:sp>
+      <p:grpSp>
+        <p:nvGrpSpPr>
+          <p:cNvPr id="23" name="Graphic 12" descr="Box with solid fill">
+            <a:extLst>
+              <a:ext uri="{FF2B5EF4-FFF2-40B4-BE49-F238E27FC236}">
+                <a16:creationId xmlns:a16="http://schemas.microsoft.com/office/drawing/2014/main" id="{0BCF22AA-12AB-7948-4BB9-F0A103CF4802}"/>
+              </a:ext>
+            </a:extLst>
+          </p:cNvPr>
+          <p:cNvGrpSpPr/>
+          <p:nvPr/>
+        </p:nvGrpSpPr>
+        <p:grpSpPr>
+          <a:xfrm>
+            <a:off x="7398492" y="4473107"/>
+            <a:ext cx="429547" cy="512853"/>
+            <a:chOff x="9377321" y="1183646"/>
+            <a:chExt cx="628650" cy="750570"/>
+          </a:xfrm>
+          <a:solidFill>
+            <a:schemeClr val="accent5"/>
+          </a:solidFill>
+        </p:grpSpPr>
+        <p:sp>
+          <p:nvSpPr>
+            <p:cNvPr id="24" name="Freeform 23">
+              <a:extLst>
+                <a:ext uri="{FF2B5EF4-FFF2-40B4-BE49-F238E27FC236}">
+                  <a16:creationId xmlns:a16="http://schemas.microsoft.com/office/drawing/2014/main" id="{7484FE36-D212-092B-7F3D-BFA988CB1A7B}"/>
+                </a:ext>
+              </a:extLst>
+            </p:cNvPr>
+            <p:cNvSpPr/>
+            <p:nvPr/>
+          </p:nvSpPr>
+          <p:spPr>
+            <a:xfrm>
+              <a:off x="9377321" y="1287468"/>
+              <a:ext cx="457200" cy="277177"/>
+            </a:xfrm>
+            <a:custGeom>
+              <a:avLst/>
+              <a:gdLst>
+                <a:gd name="csX0" fmla="*/ 142875 w 457200"/>
+                <a:gd name="csY0" fmla="*/ 0 h 277177"/>
+                <a:gd name="csX1" fmla="*/ 0 w 457200"/>
+                <a:gd name="csY1" fmla="*/ 86678 h 277177"/>
+                <a:gd name="csX2" fmla="*/ 314325 w 457200"/>
+                <a:gd name="csY2" fmla="*/ 277178 h 277177"/>
+                <a:gd name="csX3" fmla="*/ 457200 w 457200"/>
+                <a:gd name="csY3" fmla="*/ 190500 h 277177"/>
+              </a:gdLst>
+              <a:ahLst/>
+              <a:cxnLst>
+                <a:cxn ang="0">
+                  <a:pos x="csX0" y="csY0"/>
+                </a:cxn>
+                <a:cxn ang="0">
+                  <a:pos x="csX1" y="csY1"/>
+                </a:cxn>
+                <a:cxn ang="0">
+                  <a:pos x="csX2" y="csY2"/>
+                </a:cxn>
+                <a:cxn ang="0">
+                  <a:pos x="csX3" y="csY3"/>
+                </a:cxn>
+              </a:cxnLst>
+              <a:rect l="l" t="t" r="r" b="b"/>
+              <a:pathLst>
+                <a:path w="457200" h="277177">
+                  <a:moveTo>
+                    <a:pt x="142875" y="0"/>
+                  </a:moveTo>
+                  <a:lnTo>
+                    <a:pt x="0" y="86678"/>
+                  </a:lnTo>
+                  <a:lnTo>
+                    <a:pt x="314325" y="277178"/>
+                  </a:lnTo>
+                  <a:lnTo>
+                    <a:pt x="457200" y="190500"/>
+                  </a:lnTo>
+                  <a:close/>
+                </a:path>
+              </a:pathLst>
+            </a:custGeom>
+            <a:grpFill/>
+            <a:ln w="9525" cap="flat">
+              <a:noFill/>
+              <a:prstDash val="solid"/>
+              <a:miter/>
+            </a:ln>
+          </p:spPr>
+          <p:txBody>
+            <a:bodyPr/>
+            <a:lstStyle/>
+            <a:p>
+              <a:endParaRPr lang="en-US"/>
+            </a:p>
+          </p:txBody>
+        </p:sp>
+        <p:sp>
+          <p:nvSpPr>
+            <p:cNvPr id="25" name="Freeform 24">
+              <a:extLst>
+                <a:ext uri="{FF2B5EF4-FFF2-40B4-BE49-F238E27FC236}">
+                  <a16:creationId xmlns:a16="http://schemas.microsoft.com/office/drawing/2014/main" id="{2FB332AF-5A16-A140-94D9-54FED4B0B0C7}"/>
+                </a:ext>
+              </a:extLst>
+            </p:cNvPr>
+            <p:cNvSpPr/>
+            <p:nvPr/>
+          </p:nvSpPr>
+          <p:spPr>
+            <a:xfrm>
+              <a:off x="9556390" y="1183646"/>
+              <a:ext cx="449580" cy="272415"/>
+            </a:xfrm>
+            <a:custGeom>
+              <a:avLst/>
+              <a:gdLst>
+                <a:gd name="csX0" fmla="*/ 449580 w 449580"/>
+                <a:gd name="csY0" fmla="*/ 190500 h 272415"/>
+                <a:gd name="csX1" fmla="*/ 135255 w 449580"/>
+                <a:gd name="csY1" fmla="*/ 0 h 272415"/>
+                <a:gd name="csX2" fmla="*/ 0 w 449580"/>
+                <a:gd name="csY2" fmla="*/ 81915 h 272415"/>
+                <a:gd name="csX3" fmla="*/ 314325 w 449580"/>
+                <a:gd name="csY3" fmla="*/ 272415 h 272415"/>
+              </a:gdLst>
+              <a:ahLst/>
+              <a:cxnLst>
+                <a:cxn ang="0">
+                  <a:pos x="csX0" y="csY0"/>
+                </a:cxn>
+                <a:cxn ang="0">
+                  <a:pos x="csX1" y="csY1"/>
+                </a:cxn>
+                <a:cxn ang="0">
+                  <a:pos x="csX2" y="csY2"/>
+                </a:cxn>
+                <a:cxn ang="0">
+                  <a:pos x="csX3" y="csY3"/>
+                </a:cxn>
+              </a:cxnLst>
+              <a:rect l="l" t="t" r="r" b="b"/>
+              <a:pathLst>
+                <a:path w="449580" h="272415">
+                  <a:moveTo>
+                    <a:pt x="449580" y="190500"/>
+                  </a:moveTo>
+                  <a:lnTo>
+                    <a:pt x="135255" y="0"/>
+                  </a:lnTo>
+                  <a:lnTo>
+                    <a:pt x="0" y="81915"/>
+                  </a:lnTo>
+                  <a:lnTo>
+                    <a:pt x="314325" y="272415"/>
+                  </a:lnTo>
+                  <a:close/>
+                </a:path>
+              </a:pathLst>
+            </a:custGeom>
+            <a:grpFill/>
+            <a:ln w="9525" cap="flat">
+              <a:noFill/>
+              <a:prstDash val="solid"/>
+              <a:miter/>
+            </a:ln>
+          </p:spPr>
+          <p:txBody>
+            <a:bodyPr/>
+            <a:lstStyle/>
+            <a:p>
+              <a:endParaRPr lang="en-US"/>
+            </a:p>
+          </p:txBody>
+        </p:sp>
+        <p:sp>
+          <p:nvSpPr>
+            <p:cNvPr id="26" name="Freeform 25">
+              <a:extLst>
+                <a:ext uri="{FF2B5EF4-FFF2-40B4-BE49-F238E27FC236}">
+                  <a16:creationId xmlns:a16="http://schemas.microsoft.com/office/drawing/2014/main" id="{B9F2DA4F-5DC1-7829-E1DF-453461FBCD9F}"/>
+                </a:ext>
+              </a:extLst>
+            </p:cNvPr>
+            <p:cNvSpPr/>
+            <p:nvPr/>
+          </p:nvSpPr>
+          <p:spPr>
+            <a:xfrm>
+              <a:off x="9377321" y="1418913"/>
+              <a:ext cx="295275" cy="515302"/>
+            </a:xfrm>
+            <a:custGeom>
+              <a:avLst/>
+              <a:gdLst>
+                <a:gd name="csX0" fmla="*/ 0 w 295275"/>
+                <a:gd name="csY0" fmla="*/ 31432 h 515302"/>
+                <a:gd name="csX1" fmla="*/ 0 w 295275"/>
+                <a:gd name="csY1" fmla="*/ 336233 h 515302"/>
+                <a:gd name="csX2" fmla="*/ 295275 w 295275"/>
+                <a:gd name="csY2" fmla="*/ 515303 h 515302"/>
+                <a:gd name="csX3" fmla="*/ 295275 w 295275"/>
+                <a:gd name="csY3" fmla="*/ 179070 h 515302"/>
+                <a:gd name="csX4" fmla="*/ 0 w 295275"/>
+                <a:gd name="csY4" fmla="*/ 0 h 515302"/>
+              </a:gdLst>
+              <a:ahLst/>
+              <a:cxnLst>
+                <a:cxn ang="0">
+                  <a:pos x="csX0" y="csY0"/>
+                </a:cxn>
+                <a:cxn ang="0">
+                  <a:pos x="csX1" y="csY1"/>
+                </a:cxn>
+                <a:cxn ang="0">
+                  <a:pos x="csX2" y="csY2"/>
+                </a:cxn>
+                <a:cxn ang="0">
+                  <a:pos x="csX3" y="csY3"/>
+                </a:cxn>
+                <a:cxn ang="0">
+                  <a:pos x="csX4" y="csY4"/>
+                </a:cxn>
+              </a:cxnLst>
+              <a:rect l="l" t="t" r="r" b="b"/>
+              <a:pathLst>
+                <a:path w="295275" h="515302">
+                  <a:moveTo>
+                    <a:pt x="0" y="31432"/>
+                  </a:moveTo>
+                  <a:lnTo>
+                    <a:pt x="0" y="336233"/>
+                  </a:lnTo>
+                  <a:lnTo>
+                    <a:pt x="295275" y="515303"/>
+                  </a:lnTo>
+                  <a:lnTo>
+                    <a:pt x="295275" y="179070"/>
+                  </a:lnTo>
+                  <a:lnTo>
+                    <a:pt x="0" y="0"/>
+                  </a:lnTo>
+                  <a:close/>
+                </a:path>
+              </a:pathLst>
+            </a:custGeom>
+            <a:grpFill/>
+            <a:ln w="9525" cap="flat">
+              <a:noFill/>
+              <a:prstDash val="solid"/>
+              <a:miter/>
+            </a:ln>
+          </p:spPr>
+          <p:txBody>
+            <a:bodyPr/>
+            <a:lstStyle/>
+            <a:p>
+              <a:endParaRPr lang="en-US"/>
+            </a:p>
+          </p:txBody>
+        </p:sp>
+        <p:sp>
+          <p:nvSpPr>
+            <p:cNvPr id="27" name="Freeform 26">
+              <a:extLst>
+                <a:ext uri="{FF2B5EF4-FFF2-40B4-BE49-F238E27FC236}">
+                  <a16:creationId xmlns:a16="http://schemas.microsoft.com/office/drawing/2014/main" id="{D4088669-DB50-9D08-0769-E09F69B28B30}"/>
+                </a:ext>
+              </a:extLst>
+            </p:cNvPr>
+            <p:cNvSpPr/>
+            <p:nvPr/>
+          </p:nvSpPr>
+          <p:spPr>
+            <a:xfrm>
+              <a:off x="9710696" y="1418913"/>
+              <a:ext cx="295275" cy="515302"/>
+            </a:xfrm>
+            <a:custGeom>
+              <a:avLst/>
+              <a:gdLst>
+                <a:gd name="csX0" fmla="*/ 104775 w 295275"/>
+                <a:gd name="csY0" fmla="*/ 231458 h 515302"/>
+                <a:gd name="csX1" fmla="*/ 38100 w 295275"/>
+                <a:gd name="csY1" fmla="*/ 269558 h 515302"/>
+                <a:gd name="csX2" fmla="*/ 38100 w 295275"/>
+                <a:gd name="csY2" fmla="*/ 202883 h 515302"/>
+                <a:gd name="csX3" fmla="*/ 104775 w 295275"/>
+                <a:gd name="csY3" fmla="*/ 164783 h 515302"/>
+                <a:gd name="csX4" fmla="*/ 104775 w 295275"/>
+                <a:gd name="csY4" fmla="*/ 231458 h 515302"/>
+                <a:gd name="csX5" fmla="*/ 0 w 295275"/>
+                <a:gd name="csY5" fmla="*/ 179070 h 515302"/>
+                <a:gd name="csX6" fmla="*/ 0 w 295275"/>
+                <a:gd name="csY6" fmla="*/ 515303 h 515302"/>
+                <a:gd name="csX7" fmla="*/ 295275 w 295275"/>
+                <a:gd name="csY7" fmla="*/ 336233 h 515302"/>
+                <a:gd name="csX8" fmla="*/ 295275 w 295275"/>
+                <a:gd name="csY8" fmla="*/ 0 h 515302"/>
+                <a:gd name="csX9" fmla="*/ 0 w 295275"/>
+                <a:gd name="csY9" fmla="*/ 179070 h 515302"/>
+              </a:gdLst>
+              <a:ahLst/>
+              <a:cxnLst>
+                <a:cxn ang="0">
+                  <a:pos x="csX0" y="csY0"/>
+                </a:cxn>
+                <a:cxn ang="0">
+                  <a:pos x="csX1" y="csY1"/>
+                </a:cxn>
+                <a:cxn ang="0">
+                  <a:pos x="csX2" y="csY2"/>
+                </a:cxn>
+                <a:cxn ang="0">
+                  <a:pos x="csX3" y="csY3"/>
+                </a:cxn>
+                <a:cxn ang="0">
+                  <a:pos x="csX4" y="csY4"/>
+                </a:cxn>
+                <a:cxn ang="0">
+                  <a:pos x="csX5" y="csY5"/>
+                </a:cxn>
+                <a:cxn ang="0">
+                  <a:pos x="csX6" y="csY6"/>
+                </a:cxn>
+                <a:cxn ang="0">
+                  <a:pos x="csX7" y="csY7"/>
+                </a:cxn>
+                <a:cxn ang="0">
+                  <a:pos x="csX8" y="csY8"/>
+                </a:cxn>
+                <a:cxn ang="0">
+                  <a:pos x="csX9" y="csY9"/>
+                </a:cxn>
+              </a:cxnLst>
+              <a:rect l="l" t="t" r="r" b="b"/>
+              <a:pathLst>
+                <a:path w="295275" h="515302">
+                  <a:moveTo>
+                    <a:pt x="104775" y="231458"/>
+                  </a:moveTo>
+                  <a:lnTo>
+                    <a:pt x="38100" y="269558"/>
+                  </a:lnTo>
+                  <a:lnTo>
+                    <a:pt x="38100" y="202883"/>
+                  </a:lnTo>
+                  <a:lnTo>
+                    <a:pt x="104775" y="164783"/>
+                  </a:lnTo>
+                  <a:lnTo>
+                    <a:pt x="104775" y="231458"/>
+                  </a:lnTo>
+                  <a:close/>
+                  <a:moveTo>
+                    <a:pt x="0" y="179070"/>
+                  </a:moveTo>
+                  <a:lnTo>
+                    <a:pt x="0" y="515303"/>
+                  </a:lnTo>
+                  <a:lnTo>
+                    <a:pt x="295275" y="336233"/>
+                  </a:lnTo>
+                  <a:lnTo>
+                    <a:pt x="295275" y="0"/>
+                  </a:lnTo>
+                  <a:lnTo>
+                    <a:pt x="0" y="179070"/>
+                  </a:lnTo>
+                  <a:close/>
+                </a:path>
+              </a:pathLst>
+            </a:custGeom>
+            <a:grpFill/>
+            <a:ln w="9525" cap="flat">
+              <a:noFill/>
+              <a:prstDash val="solid"/>
+              <a:miter/>
+            </a:ln>
+          </p:spPr>
+          <p:txBody>
+            <a:bodyPr/>
+            <a:lstStyle/>
+            <a:p>
+              <a:endParaRPr lang="en-US"/>
+            </a:p>
+          </p:txBody>
+        </p:sp>
+      </p:grpSp>
+      <p:cxnSp>
+        <p:nvCxnSpPr>
+          <p:cNvPr id="29" name="Straight Connector 28">
+            <a:extLst>
+              <a:ext uri="{FF2B5EF4-FFF2-40B4-BE49-F238E27FC236}">
+                <a16:creationId xmlns:a16="http://schemas.microsoft.com/office/drawing/2014/main" id="{C3BD4254-4828-25DD-CDBD-0DD19605F494}"/>
+              </a:ext>
+            </a:extLst>
+          </p:cNvPr>
+          <p:cNvCxnSpPr>
+            <a:cxnSpLocks/>
+            <a:stCxn id="3" idx="2"/>
+            <a:endCxn id="4" idx="0"/>
+          </p:cNvCxnSpPr>
+          <p:nvPr/>
+        </p:nvCxnSpPr>
+        <p:spPr>
+          <a:xfrm>
+            <a:off x="3592796" y="1348240"/>
+            <a:ext cx="0" cy="1001807"/>
+          </a:xfrm>
+          <a:prstGeom prst="line">
+            <a:avLst/>
+          </a:prstGeom>
+          <a:ln w="28575"/>
+        </p:spPr>
+        <p:style>
+          <a:lnRef idx="1">
+            <a:schemeClr val="accent1"/>
+          </a:lnRef>
+          <a:fillRef idx="0">
+            <a:schemeClr val="accent1"/>
+          </a:fillRef>
+          <a:effectRef idx="0">
+            <a:schemeClr val="accent1"/>
+          </a:effectRef>
+          <a:fontRef idx="minor">
+            <a:schemeClr val="tx1"/>
+          </a:fontRef>
+        </p:style>
+      </p:cxnSp>
+      <p:cxnSp>
+        <p:nvCxnSpPr>
+          <p:cNvPr id="30" name="Straight Connector 29">
+            <a:extLst>
+              <a:ext uri="{FF2B5EF4-FFF2-40B4-BE49-F238E27FC236}">
+                <a16:creationId xmlns:a16="http://schemas.microsoft.com/office/drawing/2014/main" id="{92C2D7D5-CBAF-7AF4-C1EE-622090B22F32}"/>
+              </a:ext>
+            </a:extLst>
+          </p:cNvPr>
+          <p:cNvCxnSpPr>
+            <a:cxnSpLocks/>
+            <a:stCxn id="4" idx="3"/>
+            <a:endCxn id="5" idx="1"/>
+          </p:cNvCxnSpPr>
+          <p:nvPr/>
+        </p:nvCxnSpPr>
+        <p:spPr>
+          <a:xfrm flipV="1">
+            <a:off x="4575513" y="2282301"/>
+            <a:ext cx="566950" cy="539726"/>
+          </a:xfrm>
+          <a:prstGeom prst="line">
+            <a:avLst/>
+          </a:prstGeom>
+          <a:ln w="28575"/>
+        </p:spPr>
+        <p:style>
+          <a:lnRef idx="1">
+            <a:schemeClr val="accent1"/>
+          </a:lnRef>
+          <a:fillRef idx="0">
+            <a:schemeClr val="accent1"/>
+          </a:fillRef>
+          <a:effectRef idx="0">
+            <a:schemeClr val="accent1"/>
+          </a:effectRef>
+          <a:fontRef idx="minor">
+            <a:schemeClr val="tx1"/>
+          </a:fontRef>
+        </p:style>
+      </p:cxnSp>
+      <p:cxnSp>
+        <p:nvCxnSpPr>
+          <p:cNvPr id="33" name="Straight Connector 32">
+            <a:extLst>
+              <a:ext uri="{FF2B5EF4-FFF2-40B4-BE49-F238E27FC236}">
+                <a16:creationId xmlns:a16="http://schemas.microsoft.com/office/drawing/2014/main" id="{DCBAFB78-133D-164D-3A87-93ADDF5CCCF3}"/>
+              </a:ext>
+            </a:extLst>
+          </p:cNvPr>
+          <p:cNvCxnSpPr>
+            <a:cxnSpLocks/>
+            <a:stCxn id="4" idx="3"/>
+            <a:endCxn id="9" idx="1"/>
+          </p:cNvCxnSpPr>
+          <p:nvPr/>
+        </p:nvCxnSpPr>
+        <p:spPr>
+          <a:xfrm>
+            <a:off x="4575513" y="2822027"/>
+            <a:ext cx="566950" cy="632959"/>
+          </a:xfrm>
+          <a:prstGeom prst="line">
+            <a:avLst/>
+          </a:prstGeom>
+          <a:ln w="28575"/>
+        </p:spPr>
+        <p:style>
+          <a:lnRef idx="1">
+            <a:schemeClr val="accent1"/>
+          </a:lnRef>
+          <a:fillRef idx="0">
+            <a:schemeClr val="accent1"/>
+          </a:fillRef>
+          <a:effectRef idx="0">
+            <a:schemeClr val="accent1"/>
+          </a:effectRef>
+          <a:fontRef idx="minor">
+            <a:schemeClr val="tx1"/>
+          </a:fontRef>
+        </p:style>
+      </p:cxnSp>
+      <p:cxnSp>
+        <p:nvCxnSpPr>
+          <p:cNvPr id="36" name="Straight Connector 35">
+            <a:extLst>
+              <a:ext uri="{FF2B5EF4-FFF2-40B4-BE49-F238E27FC236}">
+                <a16:creationId xmlns:a16="http://schemas.microsoft.com/office/drawing/2014/main" id="{B3CA7B34-BD32-BB56-E188-60CAD0C8EC20}"/>
+              </a:ext>
+            </a:extLst>
+          </p:cNvPr>
+          <p:cNvCxnSpPr>
+            <a:cxnSpLocks/>
+            <a:stCxn id="5" idx="3"/>
+            <a:endCxn id="21" idx="1"/>
+          </p:cNvCxnSpPr>
+          <p:nvPr/>
+        </p:nvCxnSpPr>
+        <p:spPr>
+          <a:xfrm>
+            <a:off x="6761270" y="2282301"/>
+            <a:ext cx="480631" cy="0"/>
+          </a:xfrm>
+          <a:prstGeom prst="line">
+            <a:avLst/>
+          </a:prstGeom>
+          <a:ln w="28575"/>
+        </p:spPr>
+        <p:style>
+          <a:lnRef idx="1">
+            <a:schemeClr val="accent1"/>
+          </a:lnRef>
+          <a:fillRef idx="0">
+            <a:schemeClr val="accent1"/>
+          </a:fillRef>
+          <a:effectRef idx="0">
+            <a:schemeClr val="accent1"/>
+          </a:effectRef>
+          <a:fontRef idx="minor">
+            <a:schemeClr val="tx1"/>
+          </a:fontRef>
+        </p:style>
+      </p:cxnSp>
+      <p:cxnSp>
+        <p:nvCxnSpPr>
+          <p:cNvPr id="39" name="Straight Connector 38">
+            <a:extLst>
+              <a:ext uri="{FF2B5EF4-FFF2-40B4-BE49-F238E27FC236}">
+                <a16:creationId xmlns:a16="http://schemas.microsoft.com/office/drawing/2014/main" id="{D3F0BE3F-B3AF-902C-2074-BA2EB84430BF}"/>
+              </a:ext>
+            </a:extLst>
+          </p:cNvPr>
+          <p:cNvCxnSpPr>
+            <a:cxnSpLocks/>
+            <a:stCxn id="9" idx="2"/>
+            <a:endCxn id="11" idx="0"/>
+          </p:cNvCxnSpPr>
+          <p:nvPr/>
+        </p:nvCxnSpPr>
+        <p:spPr>
+          <a:xfrm flipH="1">
+            <a:off x="5944750" y="3817592"/>
+            <a:ext cx="7117" cy="463706"/>
+          </a:xfrm>
+          <a:prstGeom prst="line">
+            <a:avLst/>
+          </a:prstGeom>
+          <a:ln w="28575"/>
+        </p:spPr>
+        <p:style>
+          <a:lnRef idx="1">
+            <a:schemeClr val="accent1"/>
+          </a:lnRef>
+          <a:fillRef idx="0">
+            <a:schemeClr val="accent1"/>
+          </a:fillRef>
+          <a:effectRef idx="0">
+            <a:schemeClr val="accent1"/>
+          </a:effectRef>
+          <a:fontRef idx="minor">
+            <a:schemeClr val="tx1"/>
+          </a:fontRef>
+        </p:style>
+      </p:cxnSp>
+      <p:cxnSp>
+        <p:nvCxnSpPr>
+          <p:cNvPr id="42" name="Straight Connector 41">
+            <a:extLst>
+              <a:ext uri="{FF2B5EF4-FFF2-40B4-BE49-F238E27FC236}">
+                <a16:creationId xmlns:a16="http://schemas.microsoft.com/office/drawing/2014/main" id="{8486C7CB-3013-ED61-13DF-3AAB40C7ACD5}"/>
+              </a:ext>
+            </a:extLst>
+          </p:cNvPr>
+          <p:cNvCxnSpPr>
+            <a:cxnSpLocks/>
+            <a:stCxn id="22" idx="1"/>
+            <a:endCxn id="10" idx="3"/>
+          </p:cNvCxnSpPr>
+          <p:nvPr/>
+        </p:nvCxnSpPr>
+        <p:spPr>
+          <a:xfrm flipH="1">
+            <a:off x="6761270" y="4756873"/>
+            <a:ext cx="480631" cy="2576"/>
+          </a:xfrm>
+          <a:prstGeom prst="line">
+            <a:avLst/>
+          </a:prstGeom>
+          <a:ln w="28575"/>
+        </p:spPr>
+        <p:style>
+          <a:lnRef idx="1">
+            <a:schemeClr val="accent1"/>
+          </a:lnRef>
+          <a:fillRef idx="0">
+            <a:schemeClr val="accent1"/>
+          </a:fillRef>
+          <a:effectRef idx="0">
+            <a:schemeClr val="accent1"/>
+          </a:effectRef>
+          <a:fontRef idx="minor">
+            <a:schemeClr val="tx1"/>
+          </a:fontRef>
+        </p:style>
+      </p:cxnSp>
+    </p:spTree>
+    <p:extLst>
+      <p:ext uri="{BB962C8B-B14F-4D97-AF65-F5344CB8AC3E}">
+        <p14:creationId xmlns:p14="http://schemas.microsoft.com/office/powerpoint/2010/main" val="3123655805"/>
+      </p:ext>
+    </p:extLst>
+  </p:cSld>
+  <p:clrMapOvr>
+    <a:masterClrMapping/>
+  </p:clrMapOvr>
+</p:sld>
+</file>
+
+<file path=ppt/slides/slide52.xml><?xml version="1.0" encoding="utf-8"?>
+<p:sld xmlns:a="http://schemas.openxmlformats.org/drawingml/2006/main" xmlns:r="http://schemas.openxmlformats.org/officeDocument/2006/relationships" xmlns:p="http://schemas.openxmlformats.org/presentationml/2006/main">
+  <p:cSld>
+    <p:spTree>
+      <p:nvGrpSpPr>
+        <p:cNvPr id="1" name=""/>
+        <p:cNvGrpSpPr/>
+        <p:nvPr/>
+      </p:nvGrpSpPr>
+      <p:grpSpPr>
+        <a:xfrm>
+          <a:off x="0" y="0"/>
+          <a:ext cx="0" cy="0"/>
+          <a:chOff x="0" y="0"/>
+          <a:chExt cx="0" cy="0"/>
+        </a:xfrm>
+      </p:grpSpPr>
+      <p:sp>
+        <p:nvSpPr>
+          <p:cNvPr id="2" name="Rounded Rectangle 1">
+            <a:extLst>
+              <a:ext uri="{FF2B5EF4-FFF2-40B4-BE49-F238E27FC236}">
+                <a16:creationId xmlns:a16="http://schemas.microsoft.com/office/drawing/2014/main" id="{61EA41CE-57A6-B5AB-CB80-C0450F65AD00}"/>
+              </a:ext>
+            </a:extLst>
+          </p:cNvPr>
+          <p:cNvSpPr/>
+          <p:nvPr/>
+        </p:nvSpPr>
+        <p:spPr>
+          <a:xfrm>
+            <a:off x="1513491" y="2680138"/>
+            <a:ext cx="7672550" cy="3121574"/>
+          </a:xfrm>
+          <a:prstGeom prst="roundRect">
+            <a:avLst/>
+          </a:prstGeom>
+        </p:spPr>
+        <p:style>
+          <a:lnRef idx="2">
+            <a:schemeClr val="accent1"/>
+          </a:lnRef>
+          <a:fillRef idx="1">
+            <a:schemeClr val="lt1"/>
+          </a:fillRef>
+          <a:effectRef idx="0">
+            <a:schemeClr val="accent1"/>
+          </a:effectRef>
+          <a:fontRef idx="minor">
+            <a:schemeClr val="dk1"/>
+          </a:fontRef>
+        </p:style>
+        <p:txBody>
+          <a:bodyPr lIns="90000" rtlCol="0" anchor="t" anchorCtr="0"/>
+          <a:lstStyle/>
+          <a:p>
+            <a:r>
+              <a:rPr lang="en-US"/>
+              <a:t>Your computer</a:t>
+            </a:r>
+          </a:p>
+        </p:txBody>
+      </p:sp>
+      <p:sp>
+        <p:nvSpPr>
+          <p:cNvPr id="3" name="Rounded Rectangle 2">
+            <a:extLst>
+              <a:ext uri="{FF2B5EF4-FFF2-40B4-BE49-F238E27FC236}">
+                <a16:creationId xmlns:a16="http://schemas.microsoft.com/office/drawing/2014/main" id="{ACFC4BFE-7FB9-7AF0-F9A5-0894AC698C95}"/>
+              </a:ext>
+            </a:extLst>
+          </p:cNvPr>
+          <p:cNvSpPr/>
+          <p:nvPr/>
+        </p:nvSpPr>
+        <p:spPr>
+          <a:xfrm>
+            <a:off x="3741683" y="3238497"/>
+            <a:ext cx="3111062" cy="2341182"/>
+          </a:xfrm>
+          <a:prstGeom prst="roundRect">
+            <a:avLst/>
+          </a:prstGeom>
+          <a:solidFill>
+            <a:schemeClr val="accent2">
+              <a:lumMod val="20000"/>
+              <a:lumOff val="80000"/>
+            </a:schemeClr>
+          </a:solidFill>
+        </p:spPr>
+        <p:style>
+          <a:lnRef idx="2">
+            <a:schemeClr val="accent1"/>
+          </a:lnRef>
+          <a:fillRef idx="1">
+            <a:schemeClr val="lt1"/>
+          </a:fillRef>
+          <a:effectRef idx="0">
+            <a:schemeClr val="accent1"/>
+          </a:effectRef>
+          <a:fontRef idx="minor">
+            <a:schemeClr val="dk1"/>
+          </a:fontRef>
+        </p:style>
+        <p:txBody>
+          <a:bodyPr rtlCol="0" anchor="ctr"/>
+          <a:lstStyle/>
+          <a:p>
+            <a:pPr algn="ctr"/>
+            <a:r>
+              <a:rPr lang="en-US"/>
+              <a:t>Docker container</a:t>
+            </a:r>
+          </a:p>
+          <a:p>
+            <a:pPr algn="ctr"/>
+            <a:endParaRPr lang="en-US"/>
+          </a:p>
+          <a:p>
+            <a:pPr marL="742950" lvl="1" indent="-285750">
+              <a:buFont typeface="Arial" panose="020B0604020202020204" pitchFamily="34" charset="0"/>
+              <a:buChar char="•"/>
+            </a:pPr>
+            <a:r>
+              <a:rPr lang="en-US" sz="1600"/>
+              <a:t>.NET MAUI 9</a:t>
+            </a:r>
+          </a:p>
+          <a:p>
+            <a:pPr marL="742950" lvl="1" indent="-285750">
+              <a:buFont typeface="Arial" panose="020B0604020202020204" pitchFamily="34" charset="0"/>
+              <a:buChar char="•"/>
+            </a:pPr>
+            <a:r>
+              <a:rPr lang="en-US" sz="1600"/>
+              <a:t>MAUI workloads</a:t>
+            </a:r>
+          </a:p>
+          <a:p>
+            <a:pPr marL="742950" lvl="1" indent="-285750">
+              <a:buFont typeface="Arial" panose="020B0604020202020204" pitchFamily="34" charset="0"/>
+              <a:buChar char="•"/>
+            </a:pPr>
+            <a:r>
+              <a:rPr lang="en-US" sz="1600"/>
+              <a:t>Java SDK</a:t>
+            </a:r>
+          </a:p>
+          <a:p>
+            <a:pPr marL="742950" lvl="1" indent="-285750">
+              <a:buFont typeface="Arial" panose="020B0604020202020204" pitchFamily="34" charset="0"/>
+              <a:buChar char="•"/>
+            </a:pPr>
+            <a:r>
+              <a:rPr lang="en-US" sz="1600"/>
+              <a:t>Android SDK</a:t>
+            </a:r>
+          </a:p>
+          <a:p>
+            <a:pPr marL="742950" lvl="1" indent="-285750">
+              <a:buFont typeface="Arial" panose="020B0604020202020204" pitchFamily="34" charset="0"/>
+              <a:buChar char="•"/>
+            </a:pPr>
+            <a:r>
+              <a:rPr lang="en-US" sz="1600"/>
+              <a:t>Android cmdline-tools</a:t>
+            </a:r>
+          </a:p>
+          <a:p>
+            <a:pPr marL="742950" lvl="1" indent="-285750">
+              <a:buFont typeface="Arial" panose="020B0604020202020204" pitchFamily="34" charset="0"/>
+              <a:buChar char="•"/>
+            </a:pPr>
+            <a:r>
+              <a:rPr lang="en-US" sz="1600"/>
+              <a:t>PosgreSQL client</a:t>
+            </a:r>
+          </a:p>
+        </p:txBody>
+      </p:sp>
+      <p:sp>
+        <p:nvSpPr>
+          <p:cNvPr id="4" name="Rounded Rectangle 3">
+            <a:extLst>
+              <a:ext uri="{FF2B5EF4-FFF2-40B4-BE49-F238E27FC236}">
+                <a16:creationId xmlns:a16="http://schemas.microsoft.com/office/drawing/2014/main" id="{62CE8BC0-F86E-31F5-0792-9397EFD6361D}"/>
+              </a:ext>
+            </a:extLst>
+          </p:cNvPr>
+          <p:cNvSpPr/>
+          <p:nvPr/>
+        </p:nvSpPr>
+        <p:spPr>
+          <a:xfrm>
+            <a:off x="1710559" y="3502572"/>
+            <a:ext cx="1295400" cy="1813033"/>
+          </a:xfrm>
+          <a:prstGeom prst="roundRect">
+            <a:avLst/>
+          </a:prstGeom>
+          <a:solidFill>
+            <a:schemeClr val="accent1">
+              <a:lumMod val="20000"/>
+              <a:lumOff val="80000"/>
+            </a:schemeClr>
+          </a:solidFill>
+        </p:spPr>
+        <p:style>
+          <a:lnRef idx="2">
+            <a:schemeClr val="accent1"/>
+          </a:lnRef>
+          <a:fillRef idx="1">
+            <a:schemeClr val="lt1"/>
+          </a:fillRef>
+          <a:effectRef idx="0">
+            <a:schemeClr val="accent1"/>
+          </a:effectRef>
+          <a:fontRef idx="minor">
+            <a:schemeClr val="dk1"/>
+          </a:fontRef>
+        </p:style>
+        <p:txBody>
+          <a:bodyPr rtlCol="0" anchor="ctr"/>
+          <a:lstStyle/>
+          <a:p>
+            <a:pPr algn="ctr"/>
+            <a:r>
+              <a:rPr lang="en-US"/>
+              <a:t>Android emulator</a:t>
+            </a:r>
+          </a:p>
+        </p:txBody>
+      </p:sp>
+      <p:sp>
+        <p:nvSpPr>
+          <p:cNvPr id="5" name="Rounded Rectangle 4">
+            <a:extLst>
+              <a:ext uri="{FF2B5EF4-FFF2-40B4-BE49-F238E27FC236}">
+                <a16:creationId xmlns:a16="http://schemas.microsoft.com/office/drawing/2014/main" id="{0DF3B869-F475-0157-B08E-8E421F7555CB}"/>
+              </a:ext>
+            </a:extLst>
+          </p:cNvPr>
+          <p:cNvSpPr/>
+          <p:nvPr/>
+        </p:nvSpPr>
+        <p:spPr>
+          <a:xfrm>
+            <a:off x="7588469" y="3502572"/>
+            <a:ext cx="1418897" cy="1813033"/>
+          </a:xfrm>
+          <a:prstGeom prst="roundRect">
+            <a:avLst/>
+          </a:prstGeom>
+          <a:solidFill>
+            <a:schemeClr val="accent6">
+              <a:lumMod val="20000"/>
+              <a:lumOff val="80000"/>
+            </a:schemeClr>
+          </a:solidFill>
+        </p:spPr>
+        <p:style>
+          <a:lnRef idx="2">
+            <a:schemeClr val="accent1"/>
+          </a:lnRef>
+          <a:fillRef idx="1">
+            <a:schemeClr val="lt1"/>
+          </a:fillRef>
+          <a:effectRef idx="0">
+            <a:schemeClr val="accent1"/>
+          </a:effectRef>
+          <a:fontRef idx="minor">
+            <a:schemeClr val="dk1"/>
+          </a:fontRef>
+        </p:style>
+        <p:txBody>
+          <a:bodyPr rtlCol="0" anchor="ctr"/>
+          <a:lstStyle/>
+          <a:p>
+            <a:pPr algn="ctr"/>
+            <a:r>
+              <a:rPr lang="en-US"/>
+              <a:t>Docker container</a:t>
+            </a:r>
+          </a:p>
+          <a:p>
+            <a:pPr algn="ctr"/>
+            <a:endParaRPr lang="en-US"/>
+          </a:p>
+          <a:p>
+            <a:pPr algn="ctr"/>
+            <a:r>
+              <a:rPr lang="en-US"/>
+              <a:t>PostgreSQL database</a:t>
+            </a:r>
+          </a:p>
+        </p:txBody>
+      </p:sp>
+      <p:sp>
+        <p:nvSpPr>
+          <p:cNvPr id="6" name="Rounded Rectangle 5">
+            <a:extLst>
+              <a:ext uri="{FF2B5EF4-FFF2-40B4-BE49-F238E27FC236}">
+                <a16:creationId xmlns:a16="http://schemas.microsoft.com/office/drawing/2014/main" id="{45417FF4-4A02-73B8-6C0D-694C962DEC81}"/>
+              </a:ext>
+            </a:extLst>
+          </p:cNvPr>
+          <p:cNvSpPr/>
+          <p:nvPr/>
+        </p:nvSpPr>
+        <p:spPr>
+          <a:xfrm>
+            <a:off x="4771696" y="430924"/>
+            <a:ext cx="1051035" cy="1753913"/>
+          </a:xfrm>
+          <a:prstGeom prst="roundRect">
+            <a:avLst/>
+          </a:prstGeom>
+          <a:solidFill>
+            <a:schemeClr val="accent1">
+              <a:lumMod val="20000"/>
+              <a:lumOff val="80000"/>
+            </a:schemeClr>
+          </a:solidFill>
+        </p:spPr>
+        <p:style>
+          <a:lnRef idx="2">
+            <a:schemeClr val="accent1"/>
+          </a:lnRef>
+          <a:fillRef idx="1">
+            <a:schemeClr val="lt1"/>
+          </a:fillRef>
+          <a:effectRef idx="0">
+            <a:schemeClr val="accent1"/>
+          </a:effectRef>
+          <a:fontRef idx="minor">
+            <a:schemeClr val="dk1"/>
+          </a:fontRef>
+        </p:style>
+        <p:txBody>
+          <a:bodyPr rtlCol="0" anchor="ctr"/>
+          <a:lstStyle/>
+          <a:p>
+            <a:pPr algn="ctr"/>
+            <a:r>
+              <a:rPr lang="en-US"/>
+              <a:t>Physical Android device</a:t>
+            </a:r>
+          </a:p>
+        </p:txBody>
+      </p:sp>
+      <p:cxnSp>
+        <p:nvCxnSpPr>
+          <p:cNvPr id="8" name="Straight Connector 7">
+            <a:extLst>
+              <a:ext uri="{FF2B5EF4-FFF2-40B4-BE49-F238E27FC236}">
+                <a16:creationId xmlns:a16="http://schemas.microsoft.com/office/drawing/2014/main" id="{8ADF3B96-72BE-25DD-176C-813134166620}"/>
+              </a:ext>
+            </a:extLst>
+          </p:cNvPr>
+          <p:cNvCxnSpPr>
+            <a:cxnSpLocks/>
+            <a:stCxn id="4" idx="3"/>
+            <a:endCxn id="3" idx="1"/>
+          </p:cNvCxnSpPr>
+          <p:nvPr/>
+        </p:nvCxnSpPr>
+        <p:spPr>
+          <a:xfrm flipV="1">
+            <a:off x="3005959" y="4409088"/>
+            <a:ext cx="735724" cy="1"/>
+          </a:xfrm>
+          <a:prstGeom prst="line">
+            <a:avLst/>
+          </a:prstGeom>
+          <a:ln w="28575"/>
+        </p:spPr>
+        <p:style>
+          <a:lnRef idx="1">
+            <a:schemeClr val="accent1"/>
+          </a:lnRef>
+          <a:fillRef idx="0">
+            <a:schemeClr val="accent1"/>
+          </a:fillRef>
+          <a:effectRef idx="0">
+            <a:schemeClr val="accent1"/>
+          </a:effectRef>
+          <a:fontRef idx="minor">
+            <a:schemeClr val="tx1"/>
+          </a:fontRef>
+        </p:style>
+      </p:cxnSp>
+      <p:cxnSp>
+        <p:nvCxnSpPr>
+          <p:cNvPr id="9" name="Straight Connector 8">
+            <a:extLst>
+              <a:ext uri="{FF2B5EF4-FFF2-40B4-BE49-F238E27FC236}">
+                <a16:creationId xmlns:a16="http://schemas.microsoft.com/office/drawing/2014/main" id="{1B590931-29A4-5457-FF5B-8E5FF997ED6C}"/>
+              </a:ext>
+            </a:extLst>
+          </p:cNvPr>
+          <p:cNvCxnSpPr>
+            <a:cxnSpLocks/>
+            <a:stCxn id="3" idx="3"/>
+            <a:endCxn id="5" idx="1"/>
+          </p:cNvCxnSpPr>
+          <p:nvPr/>
+        </p:nvCxnSpPr>
+        <p:spPr>
+          <a:xfrm>
+            <a:off x="6852745" y="4409088"/>
+            <a:ext cx="735724" cy="1"/>
+          </a:xfrm>
+          <a:prstGeom prst="line">
+            <a:avLst/>
+          </a:prstGeom>
+          <a:ln w="28575"/>
+        </p:spPr>
+        <p:style>
+          <a:lnRef idx="1">
+            <a:schemeClr val="accent1"/>
+          </a:lnRef>
+          <a:fillRef idx="0">
+            <a:schemeClr val="accent1"/>
+          </a:fillRef>
+          <a:effectRef idx="0">
+            <a:schemeClr val="accent1"/>
+          </a:effectRef>
+          <a:fontRef idx="minor">
+            <a:schemeClr val="tx1"/>
+          </a:fontRef>
+        </p:style>
+      </p:cxnSp>
+      <p:cxnSp>
+        <p:nvCxnSpPr>
+          <p:cNvPr id="12" name="Straight Connector 11">
+            <a:extLst>
+              <a:ext uri="{FF2B5EF4-FFF2-40B4-BE49-F238E27FC236}">
+                <a16:creationId xmlns:a16="http://schemas.microsoft.com/office/drawing/2014/main" id="{59EA0A69-2DE3-BB3E-A3E3-5E69005A0B90}"/>
+              </a:ext>
+            </a:extLst>
+          </p:cNvPr>
+          <p:cNvCxnSpPr>
+            <a:cxnSpLocks/>
+            <a:stCxn id="3" idx="0"/>
+            <a:endCxn id="6" idx="2"/>
+          </p:cNvCxnSpPr>
+          <p:nvPr/>
+        </p:nvCxnSpPr>
+        <p:spPr>
+          <a:xfrm flipV="1">
+            <a:off x="5297214" y="2184837"/>
+            <a:ext cx="0" cy="1053660"/>
+          </a:xfrm>
+          <a:prstGeom prst="line">
+            <a:avLst/>
+          </a:prstGeom>
+          <a:ln w="28575"/>
+        </p:spPr>
+        <p:style>
+          <a:lnRef idx="1">
+            <a:schemeClr val="accent1"/>
+          </a:lnRef>
+          <a:fillRef idx="0">
+            <a:schemeClr val="accent1"/>
+          </a:fillRef>
+          <a:effectRef idx="0">
+            <a:schemeClr val="accent1"/>
+          </a:effectRef>
+          <a:fontRef idx="minor">
+            <a:schemeClr val="tx1"/>
+          </a:fontRef>
+        </p:style>
+      </p:cxnSp>
+      <p:sp>
+        <p:nvSpPr>
+          <p:cNvPr id="19" name="TextBox 18">
+            <a:extLst>
+              <a:ext uri="{FF2B5EF4-FFF2-40B4-BE49-F238E27FC236}">
+                <a16:creationId xmlns:a16="http://schemas.microsoft.com/office/drawing/2014/main" id="{2676B6D8-4A8B-9024-AD44-545E22508662}"/>
+              </a:ext>
+            </a:extLst>
+          </p:cNvPr>
+          <p:cNvSpPr txBox="1"/>
+          <p:nvPr/>
+        </p:nvSpPr>
+        <p:spPr>
+          <a:xfrm>
+            <a:off x="2932387" y="3762757"/>
+            <a:ext cx="882869" cy="646331"/>
+          </a:xfrm>
+          <a:prstGeom prst="rect">
+            <a:avLst/>
+          </a:prstGeom>
+          <a:noFill/>
+        </p:spPr>
+        <p:txBody>
+          <a:bodyPr wrap="square" rtlCol="0">
+            <a:spAutoFit/>
+          </a:bodyPr>
+          <a:lstStyle/>
+          <a:p>
+            <a:pPr algn="ctr"/>
+            <a:r>
+              <a:rPr lang="en-US"/>
+              <a:t>ADB bridge</a:t>
+            </a:r>
+          </a:p>
+        </p:txBody>
+      </p:sp>
+      <p:sp>
+        <p:nvSpPr>
+          <p:cNvPr id="20" name="TextBox 19">
+            <a:extLst>
+              <a:ext uri="{FF2B5EF4-FFF2-40B4-BE49-F238E27FC236}">
+                <a16:creationId xmlns:a16="http://schemas.microsoft.com/office/drawing/2014/main" id="{D96AF8BB-DFBF-FF41-34BB-C0436673AAFA}"/>
+              </a:ext>
+            </a:extLst>
+          </p:cNvPr>
+          <p:cNvSpPr txBox="1"/>
+          <p:nvPr/>
+        </p:nvSpPr>
+        <p:spPr>
+          <a:xfrm>
+            <a:off x="5305098" y="2273439"/>
+            <a:ext cx="882869" cy="369332"/>
+          </a:xfrm>
+          <a:prstGeom prst="rect">
+            <a:avLst/>
+          </a:prstGeom>
+          <a:noFill/>
+        </p:spPr>
+        <p:txBody>
+          <a:bodyPr wrap="square" rtlCol="0">
+            <a:spAutoFit/>
+          </a:bodyPr>
+          <a:lstStyle/>
+          <a:p>
+            <a:r>
+              <a:rPr lang="en-US"/>
+              <a:t>USB</a:t>
+            </a:r>
+          </a:p>
+        </p:txBody>
+      </p:sp>
+    </p:spTree>
+    <p:extLst>
+      <p:ext uri="{BB962C8B-B14F-4D97-AF65-F5344CB8AC3E}">
+        <p14:creationId xmlns:p14="http://schemas.microsoft.com/office/powerpoint/2010/main" val="777442469"/>
+      </p:ext>
+    </p:extLst>
+  </p:cSld>
+  <p:clrMapOvr>
+    <a:masterClrMapping/>
+  </p:clrMapOvr>
+</p:sld>
+</file>
+
 <file path=ppt/slides/slide6.xml><?xml version="1.0" encoding="utf-8"?>
 <p:sld xmlns:a="http://schemas.openxmlformats.org/drawingml/2006/main" xmlns:r="http://schemas.openxmlformats.org/officeDocument/2006/relationships" xmlns:p="http://schemas.openxmlformats.org/presentationml/2006/main">
   <p:cSld>
